--- a/0PPT/UML图.pptx
+++ b/0PPT/UML图.pptx
@@ -11262,21 +11262,26 @@
               <a:t>葛倍良</a:t>
             </a:r>
             <a:r>
-              <a:rPr lang="en-US" altLang="zh-CN" sz="2800" b="1" dirty="0">
+              <a:rPr lang="en-US" altLang="zh-CN" sz="2800" b="1" dirty="0" smtClean="0">
                 <a:solidFill>
                   <a:srgbClr val="FFFFFF"/>
                 </a:solidFill>
               </a:rPr>
-              <a:t>(88</a:t>
-            </a:r>
-            <a:r>
-              <a:rPr lang="en-US" altLang="zh-CN" sz="2800" b="1" dirty="0" smtClean="0">
+              <a:t>(90):6</a:t>
+            </a:r>
+            <a:r>
+              <a:rPr lang="zh-CN" altLang="en-US" sz="2800" b="1" dirty="0" smtClean="0">
                 <a:solidFill>
                   <a:srgbClr val="FFFFFF"/>
                 </a:solidFill>
               </a:rPr>
-              <a:t>):</a:t>
-            </a:r>
+              <a:t>类图的绘制</a:t>
+            </a:r>
+            <a:endParaRPr lang="en-US" altLang="zh-CN" sz="2800" b="1" dirty="0" smtClean="0">
+              <a:solidFill>
+                <a:srgbClr val="FFFFFF"/>
+              </a:solidFill>
+            </a:endParaRPr>
           </a:p>
           <a:p>
             <a:pPr>
@@ -11303,12 +11308,12 @@
               <a:t>鹏羽</a:t>
             </a:r>
             <a:r>
-              <a:rPr lang="en-US" altLang="zh-CN" sz="2800" b="1" dirty="0">
+              <a:rPr lang="en-US" altLang="zh-CN" sz="2800" b="1" dirty="0" smtClean="0">
                 <a:solidFill>
                   <a:srgbClr val="FFFFFF"/>
                 </a:solidFill>
               </a:rPr>
-              <a:t>(93</a:t>
+              <a:t>(</a:t>
             </a:r>
             <a:r>
               <a:rPr lang="en-US" altLang="zh-CN" sz="2800" b="1" dirty="0" smtClean="0">
@@ -11316,7 +11321,23 @@
                   <a:srgbClr val="FFFFFF"/>
                 </a:solidFill>
               </a:rPr>
+              <a:t>85</a:t>
+            </a:r>
+            <a:r>
+              <a:rPr lang="en-US" altLang="zh-CN" sz="2800" b="1" dirty="0" smtClean="0">
+                <a:solidFill>
+                  <a:srgbClr val="FFFFFF"/>
+                </a:solidFill>
+              </a:rPr>
               <a:t>):</a:t>
+            </a:r>
+            <a:r>
+              <a:rPr lang="zh-CN" altLang="en-US" sz="2800" b="1" dirty="0" smtClean="0">
+                <a:solidFill>
+                  <a:srgbClr val="FFFFFF"/>
+                </a:solidFill>
+              </a:rPr>
+              <a:t>后期美工</a:t>
             </a:r>
             <a:endParaRPr lang="zh-CN" altLang="en-US" sz="2800" b="1" dirty="0">
               <a:solidFill>
@@ -11341,21 +11362,26 @@
               <a:t>金浩楠</a:t>
             </a:r>
             <a:r>
-              <a:rPr lang="en-US" altLang="zh-CN" sz="2800" b="1" dirty="0">
+              <a:rPr lang="en-US" altLang="zh-CN" sz="2800" b="1" dirty="0" smtClean="0">
                 <a:solidFill>
                   <a:srgbClr val="FFFFFF"/>
                 </a:solidFill>
               </a:rPr>
-              <a:t>(85</a:t>
-            </a:r>
-            <a:r>
-              <a:rPr lang="en-US" altLang="zh-CN" sz="2800" b="1" dirty="0" smtClean="0">
+              <a:t>(93):PPT</a:t>
+            </a:r>
+            <a:r>
+              <a:rPr lang="zh-CN" altLang="en-US" sz="2800" b="1" dirty="0" smtClean="0">
                 <a:solidFill>
                   <a:srgbClr val="FFFFFF"/>
                 </a:solidFill>
               </a:rPr>
-              <a:t>):</a:t>
-            </a:r>
+              <a:t>制作及资料查询</a:t>
+            </a:r>
+            <a:endParaRPr lang="en-US" altLang="zh-CN" sz="2800" b="1" dirty="0" smtClean="0">
+              <a:solidFill>
+                <a:srgbClr val="FFFFFF"/>
+              </a:solidFill>
+            </a:endParaRPr>
           </a:p>
           <a:p>
             <a:pPr>
@@ -11379,7 +11405,7 @@
                   <a:srgbClr val="FFFFFF"/>
                 </a:solidFill>
               </a:rPr>
-              <a:t>(84</a:t>
+              <a:t>(</a:t>
             </a:r>
             <a:r>
               <a:rPr lang="en-US" altLang="zh-CN" sz="2800" b="1" dirty="0" smtClean="0">
@@ -11387,8 +11413,21 @@
                   <a:srgbClr val="FFFFFF"/>
                 </a:solidFill>
               </a:rPr>
-              <a:t>):</a:t>
-            </a:r>
+              <a:t>86):PPT</a:t>
+            </a:r>
+            <a:r>
+              <a:rPr lang="zh-CN" altLang="en-US" sz="2800" b="1" dirty="0" smtClean="0">
+                <a:solidFill>
+                  <a:srgbClr val="FFFFFF"/>
+                </a:solidFill>
+              </a:rPr>
+              <a:t>的检查与修改</a:t>
+            </a:r>
+            <a:endParaRPr lang="en-US" altLang="zh-CN" sz="2800" b="1" dirty="0" smtClean="0">
+              <a:solidFill>
+                <a:srgbClr val="FFFFFF"/>
+              </a:solidFill>
+            </a:endParaRPr>
           </a:p>
           <a:p>
             <a:pPr>
@@ -11407,20 +11446,20 @@
               <a:t>余倩</a:t>
             </a:r>
             <a:r>
-              <a:rPr lang="en-US" altLang="zh-CN" sz="2800" b="1" dirty="0">
+              <a:rPr lang="en-US" altLang="zh-CN" sz="2800" b="1" dirty="0" smtClean="0">
                 <a:solidFill>
                   <a:srgbClr val="FFFFFF"/>
                 </a:solidFill>
               </a:rPr>
-              <a:t>(90</a:t>
-            </a:r>
-            <a:r>
-              <a:rPr lang="en-US" altLang="zh-CN" sz="2800" b="1" dirty="0" smtClean="0">
+              <a:t>(88):</a:t>
+            </a:r>
+            <a:r>
+              <a:rPr lang="zh-CN" altLang="en-US" sz="2800" b="1" dirty="0" smtClean="0">
                 <a:solidFill>
                   <a:srgbClr val="FFFFFF"/>
                 </a:solidFill>
               </a:rPr>
-              <a:t>):</a:t>
+              <a:t>协助资料查询</a:t>
             </a:r>
             <a:endParaRPr lang="zh-CN" altLang="en-US" sz="2800" b="1" dirty="0">
               <a:solidFill>

--- a/0PPT/UML图.pptx
+++ b/0PPT/UML图.pptx
@@ -5,7 +5,7 @@
     <p:sldMasterId id="2147483648" r:id="rId1"/>
   </p:sldMasterIdLst>
   <p:notesMasterIdLst>
-    <p:notesMasterId r:id="rId34"/>
+    <p:notesMasterId r:id="rId37"/>
   </p:notesMasterIdLst>
   <p:sldIdLst>
     <p:sldId id="256" r:id="rId2"/>
@@ -37,9 +37,12 @@
     <p:sldId id="318" r:id="rId28"/>
     <p:sldId id="315" r:id="rId29"/>
     <p:sldId id="298" r:id="rId30"/>
-    <p:sldId id="285" r:id="rId31"/>
-    <p:sldId id="262" r:id="rId32"/>
-    <p:sldId id="305" r:id="rId33"/>
+    <p:sldId id="321" r:id="rId31"/>
+    <p:sldId id="322" r:id="rId32"/>
+    <p:sldId id="323" r:id="rId33"/>
+    <p:sldId id="285" r:id="rId34"/>
+    <p:sldId id="262" r:id="rId35"/>
+    <p:sldId id="305" r:id="rId36"/>
   </p:sldIdLst>
   <p:sldSz cx="12192000" cy="6858000"/>
   <p:notesSz cx="6858000" cy="9144000"/>
@@ -288,7 +291,7 @@
               <a:pPr>
                 <a:defRPr/>
               </a:pPr>
-              <a:t>2017/11/11</a:t>
+              <a:t>2017/11/12</a:t>
             </a:fld>
             <a:endParaRPr lang="zh-CN" altLang="en-US"/>
           </a:p>
@@ -744,7 +747,7 @@
               <a:pPr>
                 <a:defRPr/>
               </a:pPr>
-              <a:t>2017/11/11</a:t>
+              <a:t>2017/11/12</a:t>
             </a:fld>
             <a:endParaRPr lang="zh-CN" altLang="en-US"/>
           </a:p>
@@ -942,7 +945,7 @@
               <a:pPr>
                 <a:defRPr/>
               </a:pPr>
-              <a:t>2017/11/11</a:t>
+              <a:t>2017/11/12</a:t>
             </a:fld>
             <a:endParaRPr lang="zh-CN" altLang="en-US"/>
           </a:p>
@@ -1150,7 +1153,7 @@
               <a:pPr>
                 <a:defRPr/>
               </a:pPr>
-              <a:t>2017/11/11</a:t>
+              <a:t>2017/11/12</a:t>
             </a:fld>
             <a:endParaRPr lang="zh-CN" altLang="en-US"/>
           </a:p>
@@ -1348,7 +1351,7 @@
               <a:pPr>
                 <a:defRPr/>
               </a:pPr>
-              <a:t>2017/11/11</a:t>
+              <a:t>2017/11/12</a:t>
             </a:fld>
             <a:endParaRPr lang="zh-CN" altLang="en-US"/>
           </a:p>
@@ -1622,7 +1625,7 @@
               <a:pPr>
                 <a:defRPr/>
               </a:pPr>
-              <a:t>2017/11/11</a:t>
+              <a:t>2017/11/12</a:t>
             </a:fld>
             <a:endParaRPr lang="zh-CN" altLang="en-US"/>
           </a:p>
@@ -1882,7 +1885,7 @@
               <a:pPr>
                 <a:defRPr/>
               </a:pPr>
-              <a:t>2017/11/11</a:t>
+              <a:t>2017/11/12</a:t>
             </a:fld>
             <a:endParaRPr lang="zh-CN" altLang="en-US"/>
           </a:p>
@@ -2277,7 +2280,7 @@
               <a:pPr>
                 <a:defRPr/>
               </a:pPr>
-              <a:t>2017/11/11</a:t>
+              <a:t>2017/11/12</a:t>
             </a:fld>
             <a:endParaRPr lang="zh-CN" altLang="en-US"/>
           </a:p>
@@ -2423,7 +2426,7 @@
               <a:pPr>
                 <a:defRPr/>
               </a:pPr>
-              <a:t>2017/11/11</a:t>
+              <a:t>2017/11/12</a:t>
             </a:fld>
             <a:endParaRPr lang="zh-CN" altLang="en-US"/>
           </a:p>
@@ -2546,7 +2549,7 @@
               <a:pPr>
                 <a:defRPr/>
               </a:pPr>
-              <a:t>2017/11/11</a:t>
+              <a:t>2017/11/12</a:t>
             </a:fld>
             <a:endParaRPr lang="zh-CN" altLang="en-US"/>
           </a:p>
@@ -2851,7 +2854,7 @@
               <a:pPr>
                 <a:defRPr/>
               </a:pPr>
-              <a:t>2017/11/11</a:t>
+              <a:t>2017/11/12</a:t>
             </a:fld>
             <a:endParaRPr lang="zh-CN" altLang="en-US"/>
           </a:p>
@@ -3133,7 +3136,7 @@
               <a:pPr>
                 <a:defRPr/>
               </a:pPr>
-              <a:t>2017/11/11</a:t>
+              <a:t>2017/11/12</a:t>
             </a:fld>
             <a:endParaRPr lang="zh-CN" altLang="en-US"/>
           </a:p>
@@ -3394,7 +3397,7 @@
               <a:pPr>
                 <a:defRPr/>
               </a:pPr>
-              <a:t>2017/11/11</a:t>
+              <a:t>2017/11/12</a:t>
             </a:fld>
             <a:endParaRPr lang="zh-CN" altLang="en-US"/>
           </a:p>
@@ -11146,7 +11149,7 @@
       </p:grpSpPr>
       <p:cxnSp>
         <p:nvCxnSpPr>
-          <p:cNvPr id="39937" name="直接连接符 16"/>
+          <p:cNvPr id="20481" name="直接连接符 16"/>
           <p:cNvCxnSpPr>
             <a:cxnSpLocks noChangeShapeType="1"/>
           </p:cNvCxnSpPr>
@@ -11173,7 +11176,7 @@
       </p:cxnSp>
       <p:sp>
         <p:nvSpPr>
-          <p:cNvPr id="39938" name="文本框 18"/>
+          <p:cNvPr id="20482" name="文本框 18"/>
           <p:cNvSpPr txBox="1">
             <a:spLocks noChangeArrowheads="1"/>
           </p:cNvSpPr>
@@ -11206,19 +11209,24 @@
               <a:buNone/>
             </a:pPr>
             <a:r>
-              <a:rPr lang="zh-CN" altLang="en-US" sz="3200">
+              <a:rPr lang="zh-CN" altLang="en-US" sz="3200" dirty="0" smtClean="0">
                 <a:solidFill>
                   <a:schemeClr val="bg1"/>
                 </a:solidFill>
               </a:rPr>
-              <a:t>分工与绩效评定</a:t>
-            </a:r>
+              <a:t>提  问</a:t>
+            </a:r>
+            <a:endParaRPr lang="zh-CN" altLang="en-US" sz="3200" dirty="0">
+              <a:solidFill>
+                <a:schemeClr val="bg1"/>
+              </a:solidFill>
+            </a:endParaRPr>
           </a:p>
         </p:txBody>
       </p:sp>
       <p:sp>
         <p:nvSpPr>
-          <p:cNvPr id="39939" name="矩形 1"/>
+          <p:cNvPr id="20483" name="矩形 1"/>
           <p:cNvSpPr>
             <a:spLocks noChangeArrowheads="1"/>
           </p:cNvSpPr>
@@ -11226,24 +11234,24 @@
         </p:nvSpPr>
         <p:spPr bwMode="auto">
           <a:xfrm>
-            <a:off x="2362200" y="1900238"/>
-            <a:ext cx="7728857" cy="2677656"/>
+            <a:off x="1798638" y="2043113"/>
+            <a:ext cx="8593137" cy="3414712"/>
           </a:xfrm>
           <a:prstGeom prst="rect">
             <a:avLst/>
           </a:prstGeom>
           <a:noFill/>
-          <a:ln w="9525">
-            <a:noFill/>
+          <a:ln w="12700">
+            <a:solidFill>
+              <a:srgbClr val="FFC000"/>
+            </a:solidFill>
             <a:miter lim="800000"/>
             <a:headEnd/>
             <a:tailEnd/>
           </a:ln>
         </p:spPr>
         <p:txBody>
-          <a:bodyPr wrap="square">
-            <a:spAutoFit/>
-          </a:bodyPr>
+          <a:bodyPr anchor="ctr"/>
           <a:lstStyle/>
           <a:p>
             <a:pPr>
@@ -11254,222 +11262,35 @@
               <a:buNone/>
             </a:pPr>
             <a:r>
-              <a:rPr lang="zh-CN" altLang="en-US" sz="2800" b="1" dirty="0">
-                <a:solidFill>
-                  <a:srgbClr val="FFFFFF"/>
-                </a:solidFill>
-              </a:rPr>
-              <a:t>葛倍良</a:t>
-            </a:r>
-            <a:r>
               <a:rPr lang="en-US" altLang="zh-CN" sz="2800" b="1" dirty="0" smtClean="0">
                 <a:solidFill>
-                  <a:srgbClr val="FFFFFF"/>
-                </a:solidFill>
-              </a:rPr>
-              <a:t>(90):6</a:t>
+                  <a:srgbClr val="FFC000"/>
+                </a:solidFill>
+              </a:rPr>
+              <a:t>1</a:t>
             </a:r>
             <a:r>
               <a:rPr lang="zh-CN" altLang="en-US" sz="2800" b="1" dirty="0" smtClean="0">
                 <a:solidFill>
-                  <a:srgbClr val="FFFFFF"/>
-                </a:solidFill>
-              </a:rPr>
-              <a:t>类图的绘制</a:t>
-            </a:r>
-            <a:endParaRPr lang="en-US" altLang="zh-CN" sz="2800" b="1" dirty="0" smtClean="0">
+                  <a:srgbClr val="FFC000"/>
+                </a:solidFill>
+              </a:rPr>
+              <a:t>、以上讲到的图中有那一类图是要配合文档的？</a:t>
+            </a:r>
+            <a:endParaRPr lang="zh-CN" altLang="en-US" sz="2400" dirty="0">
               <a:solidFill>
                 <a:srgbClr val="FFFFFF"/>
               </a:solidFill>
             </a:endParaRPr>
           </a:p>
-          <a:p>
-            <a:pPr>
-              <a:lnSpc>
-                <a:spcPct val="120000"/>
-              </a:lnSpc>
-              <a:buFont typeface="Arial" charset="0"/>
-              <a:buNone/>
-            </a:pPr>
-            <a:r>
-              <a:rPr lang="zh-CN" altLang="en-US" sz="2800" b="1" dirty="0" smtClean="0">
-                <a:solidFill>
-                  <a:srgbClr val="FFFFFF"/>
-                </a:solidFill>
-              </a:rPr>
-              <a:t>黄</a:t>
-            </a:r>
-            <a:r>
-              <a:rPr lang="zh-CN" altLang="en-US" sz="2800" b="1" dirty="0">
-                <a:solidFill>
-                  <a:srgbClr val="FFFFFF"/>
-                </a:solidFill>
-              </a:rPr>
-              <a:t>鹏羽</a:t>
-            </a:r>
-            <a:r>
-              <a:rPr lang="en-US" altLang="zh-CN" sz="2800" b="1" dirty="0" smtClean="0">
-                <a:solidFill>
-                  <a:srgbClr val="FFFFFF"/>
-                </a:solidFill>
-              </a:rPr>
-              <a:t>(</a:t>
-            </a:r>
-            <a:r>
-              <a:rPr lang="en-US" altLang="zh-CN" sz="2800" b="1" dirty="0" smtClean="0">
-                <a:solidFill>
-                  <a:srgbClr val="FFFFFF"/>
-                </a:solidFill>
-              </a:rPr>
-              <a:t>85</a:t>
-            </a:r>
-            <a:r>
-              <a:rPr lang="en-US" altLang="zh-CN" sz="2800" b="1" dirty="0" smtClean="0">
-                <a:solidFill>
-                  <a:srgbClr val="FFFFFF"/>
-                </a:solidFill>
-              </a:rPr>
-              <a:t>):</a:t>
-            </a:r>
-            <a:r>
-              <a:rPr lang="zh-CN" altLang="en-US" sz="2800" b="1" dirty="0" smtClean="0">
-                <a:solidFill>
-                  <a:srgbClr val="FFFFFF"/>
-                </a:solidFill>
-              </a:rPr>
-              <a:t>后期美工</a:t>
-            </a:r>
-            <a:endParaRPr lang="zh-CN" altLang="en-US" sz="2800" b="1" dirty="0">
-              <a:solidFill>
-                <a:srgbClr val="FFFFFF"/>
-              </a:solidFill>
-            </a:endParaRPr>
-          </a:p>
-          <a:p>
-            <a:pPr>
-              <a:lnSpc>
-                <a:spcPct val="120000"/>
-              </a:lnSpc>
-              <a:buFont typeface="Arial" charset="0"/>
-              <a:buNone/>
-            </a:pPr>
-            <a:r>
-              <a:rPr lang="zh-CN" altLang="en-US" sz="2800" b="1" dirty="0">
-                <a:solidFill>
-                  <a:srgbClr val="FFFFFF"/>
-                </a:solidFill>
-              </a:rPr>
-              <a:t>金浩楠</a:t>
-            </a:r>
-            <a:r>
-              <a:rPr lang="en-US" altLang="zh-CN" sz="2800" b="1" dirty="0" smtClean="0">
-                <a:solidFill>
-                  <a:srgbClr val="FFFFFF"/>
-                </a:solidFill>
-              </a:rPr>
-              <a:t>(93):PPT</a:t>
-            </a:r>
-            <a:r>
-              <a:rPr lang="zh-CN" altLang="en-US" sz="2800" b="1" dirty="0" smtClean="0">
-                <a:solidFill>
-                  <a:srgbClr val="FFFFFF"/>
-                </a:solidFill>
-              </a:rPr>
-              <a:t>制作及资料查询</a:t>
-            </a:r>
-            <a:endParaRPr lang="en-US" altLang="zh-CN" sz="2800" b="1" dirty="0" smtClean="0">
-              <a:solidFill>
-                <a:srgbClr val="FFFFFF"/>
-              </a:solidFill>
-            </a:endParaRPr>
-          </a:p>
-          <a:p>
-            <a:pPr>
-              <a:lnSpc>
-                <a:spcPct val="120000"/>
-              </a:lnSpc>
-              <a:buFont typeface="Arial" charset="0"/>
-              <a:buNone/>
-            </a:pPr>
-            <a:r>
-              <a:rPr lang="zh-CN" altLang="en-US" sz="2800" b="1" dirty="0" smtClean="0">
-                <a:solidFill>
-                  <a:srgbClr val="FFFFFF"/>
-                </a:solidFill>
-              </a:rPr>
-              <a:t>周雨璐</a:t>
-            </a:r>
-            <a:r>
-              <a:rPr lang="en-US" altLang="zh-CN" sz="2800" b="1" dirty="0">
-                <a:solidFill>
-                  <a:srgbClr val="FFFFFF"/>
-                </a:solidFill>
-              </a:rPr>
-              <a:t>(</a:t>
-            </a:r>
-            <a:r>
-              <a:rPr lang="en-US" altLang="zh-CN" sz="2800" b="1" dirty="0" smtClean="0">
-                <a:solidFill>
-                  <a:srgbClr val="FFFFFF"/>
-                </a:solidFill>
-              </a:rPr>
-              <a:t>86):PPT</a:t>
-            </a:r>
-            <a:r>
-              <a:rPr lang="zh-CN" altLang="en-US" sz="2800" b="1" dirty="0" smtClean="0">
-                <a:solidFill>
-                  <a:srgbClr val="FFFFFF"/>
-                </a:solidFill>
-              </a:rPr>
-              <a:t>的检查与修改</a:t>
-            </a:r>
-            <a:endParaRPr lang="en-US" altLang="zh-CN" sz="2800" b="1" dirty="0" smtClean="0">
-              <a:solidFill>
-                <a:srgbClr val="FFFFFF"/>
-              </a:solidFill>
-            </a:endParaRPr>
-          </a:p>
-          <a:p>
-            <a:pPr>
-              <a:lnSpc>
-                <a:spcPct val="120000"/>
-              </a:lnSpc>
-              <a:buFont typeface="Arial" charset="0"/>
-              <a:buNone/>
-            </a:pPr>
-            <a:r>
-              <a:rPr lang="zh-CN" altLang="en-US" sz="2800" b="1" dirty="0" smtClean="0">
-                <a:solidFill>
-                  <a:srgbClr val="FFFFFF"/>
-                </a:solidFill>
-              </a:rPr>
-              <a:t>余倩</a:t>
-            </a:r>
-            <a:r>
-              <a:rPr lang="en-US" altLang="zh-CN" sz="2800" b="1" dirty="0" smtClean="0">
-                <a:solidFill>
-                  <a:srgbClr val="FFFFFF"/>
-                </a:solidFill>
-              </a:rPr>
-              <a:t>(88):</a:t>
-            </a:r>
-            <a:r>
-              <a:rPr lang="zh-CN" altLang="en-US" sz="2800" b="1" dirty="0" smtClean="0">
-                <a:solidFill>
-                  <a:srgbClr val="FFFFFF"/>
-                </a:solidFill>
-              </a:rPr>
-              <a:t>协助资料查询</a:t>
-            </a:r>
-            <a:endParaRPr lang="zh-CN" altLang="en-US" sz="2800" b="1" dirty="0">
-              <a:solidFill>
-                <a:srgbClr val="FFFFFF"/>
-              </a:solidFill>
-            </a:endParaRPr>
-          </a:p>
         </p:txBody>
       </p:sp>
     </p:spTree>
+    <p:extLst>
+      <p:ext uri="{BB962C8B-B14F-4D97-AF65-F5344CB8AC3E}">
+        <p14:creationId xmlns:p14="http://schemas.microsoft.com/office/powerpoint/2010/main" val="1400522179"/>
+      </p:ext>
+    </p:extLst>
   </p:cSld>
   <p:clrMapOvr>
     <a:masterClrMapping/>
@@ -11503,6 +11324,813 @@
       </p:grpSpPr>
       <p:cxnSp>
         <p:nvCxnSpPr>
+          <p:cNvPr id="20481" name="直接连接符 16"/>
+          <p:cNvCxnSpPr>
+            <a:cxnSpLocks noChangeShapeType="1"/>
+          </p:cNvCxnSpPr>
+          <p:nvPr/>
+        </p:nvCxnSpPr>
+        <p:spPr bwMode="auto">
+          <a:xfrm flipV="1">
+            <a:off x="1800225" y="1409700"/>
+            <a:ext cx="8591550" cy="17463"/>
+          </a:xfrm>
+          <a:prstGeom prst="line">
+            <a:avLst/>
+          </a:prstGeom>
+          <a:noFill/>
+          <a:ln w="12700">
+            <a:solidFill>
+              <a:srgbClr val="FFC000"/>
+            </a:solidFill>
+            <a:round/>
+            <a:headEnd/>
+            <a:tailEnd/>
+          </a:ln>
+        </p:spPr>
+      </p:cxnSp>
+      <p:sp>
+        <p:nvSpPr>
+          <p:cNvPr id="20482" name="文本框 18"/>
+          <p:cNvSpPr txBox="1">
+            <a:spLocks noChangeArrowheads="1"/>
+          </p:cNvSpPr>
+          <p:nvPr/>
+        </p:nvSpPr>
+        <p:spPr bwMode="auto">
+          <a:xfrm>
+            <a:off x="1693863" y="771525"/>
+            <a:ext cx="8802687" cy="584200"/>
+          </a:xfrm>
+          <a:prstGeom prst="rect">
+            <a:avLst/>
+          </a:prstGeom>
+          <a:noFill/>
+          <a:ln w="9525">
+            <a:noFill/>
+            <a:miter lim="800000"/>
+            <a:headEnd/>
+            <a:tailEnd/>
+          </a:ln>
+        </p:spPr>
+        <p:txBody>
+          <a:bodyPr>
+            <a:spAutoFit/>
+          </a:bodyPr>
+          <a:lstStyle/>
+          <a:p>
+            <a:pPr algn="ctr">
+              <a:buFont typeface="Arial" charset="0"/>
+              <a:buNone/>
+            </a:pPr>
+            <a:r>
+              <a:rPr lang="zh-CN" altLang="en-US" sz="3200" dirty="0" smtClean="0">
+                <a:solidFill>
+                  <a:schemeClr val="bg1"/>
+                </a:solidFill>
+              </a:rPr>
+              <a:t>提  问</a:t>
+            </a:r>
+            <a:endParaRPr lang="zh-CN" altLang="en-US" sz="3200" dirty="0">
+              <a:solidFill>
+                <a:schemeClr val="bg1"/>
+              </a:solidFill>
+            </a:endParaRPr>
+          </a:p>
+        </p:txBody>
+      </p:sp>
+      <p:sp>
+        <p:nvSpPr>
+          <p:cNvPr id="20483" name="矩形 1"/>
+          <p:cNvSpPr>
+            <a:spLocks noChangeArrowheads="1"/>
+          </p:cNvSpPr>
+          <p:nvPr/>
+        </p:nvSpPr>
+        <p:spPr bwMode="auto">
+          <a:xfrm>
+            <a:off x="1798638" y="2043113"/>
+            <a:ext cx="8593137" cy="3414712"/>
+          </a:xfrm>
+          <a:prstGeom prst="rect">
+            <a:avLst/>
+          </a:prstGeom>
+          <a:noFill/>
+          <a:ln w="12700">
+            <a:solidFill>
+              <a:srgbClr val="FFC000"/>
+            </a:solidFill>
+            <a:miter lim="800000"/>
+            <a:headEnd/>
+            <a:tailEnd/>
+          </a:ln>
+        </p:spPr>
+        <p:txBody>
+          <a:bodyPr anchor="ctr"/>
+          <a:lstStyle/>
+          <a:p>
+            <a:pPr>
+              <a:lnSpc>
+                <a:spcPct val="120000"/>
+              </a:lnSpc>
+              <a:buFont typeface="Arial" charset="0"/>
+              <a:buNone/>
+            </a:pPr>
+            <a:r>
+              <a:rPr lang="en-US" altLang="zh-CN" sz="2800" b="1" dirty="0" smtClean="0">
+                <a:solidFill>
+                  <a:srgbClr val="FFC000"/>
+                </a:solidFill>
+              </a:rPr>
+              <a:t>2</a:t>
+            </a:r>
+            <a:r>
+              <a:rPr lang="zh-CN" altLang="en-US" sz="2800" b="1" dirty="0" smtClean="0">
+                <a:solidFill>
+                  <a:srgbClr val="FFC000"/>
+                </a:solidFill>
+              </a:rPr>
+              <a:t>、类图的表示方法</a:t>
+            </a:r>
+            <a:endParaRPr lang="zh-CN" altLang="en-US" sz="2400" dirty="0">
+              <a:solidFill>
+                <a:srgbClr val="FFFFFF"/>
+              </a:solidFill>
+            </a:endParaRPr>
+          </a:p>
+        </p:txBody>
+      </p:sp>
+    </p:spTree>
+    <p:extLst>
+      <p:ext uri="{BB962C8B-B14F-4D97-AF65-F5344CB8AC3E}">
+        <p14:creationId xmlns:p14="http://schemas.microsoft.com/office/powerpoint/2010/main" val="1702117420"/>
+      </p:ext>
+    </p:extLst>
+  </p:cSld>
+  <p:clrMapOvr>
+    <a:masterClrMapping/>
+  </p:clrMapOvr>
+  <p:timing>
+    <p:tnLst>
+      <p:par>
+        <p:cTn id="1" dur="indefinite" restart="never" nodeType="tmRoot"/>
+      </p:par>
+    </p:tnLst>
+  </p:timing>
+</p:sld>
+</file>
+
+<file path=ppt/slides/slide32.xml><?xml version="1.0" encoding="utf-8"?>
+<p:sld xmlns:a="http://schemas.openxmlformats.org/drawingml/2006/main" xmlns:r="http://schemas.openxmlformats.org/officeDocument/2006/relationships" xmlns:p="http://schemas.openxmlformats.org/presentationml/2006/main">
+  <p:cSld>
+    <p:spTree>
+      <p:nvGrpSpPr>
+        <p:cNvPr id="1" name=""/>
+        <p:cNvGrpSpPr/>
+        <p:nvPr/>
+      </p:nvGrpSpPr>
+      <p:grpSpPr>
+        <a:xfrm>
+          <a:off x="0" y="0"/>
+          <a:ext cx="0" cy="0"/>
+          <a:chOff x="0" y="0"/>
+          <a:chExt cx="0" cy="0"/>
+        </a:xfrm>
+      </p:grpSpPr>
+      <p:cxnSp>
+        <p:nvCxnSpPr>
+          <p:cNvPr id="20481" name="直接连接符 16"/>
+          <p:cNvCxnSpPr>
+            <a:cxnSpLocks noChangeShapeType="1"/>
+          </p:cNvCxnSpPr>
+          <p:nvPr/>
+        </p:nvCxnSpPr>
+        <p:spPr bwMode="auto">
+          <a:xfrm flipV="1">
+            <a:off x="1800225" y="1409700"/>
+            <a:ext cx="8591550" cy="17463"/>
+          </a:xfrm>
+          <a:prstGeom prst="line">
+            <a:avLst/>
+          </a:prstGeom>
+          <a:noFill/>
+          <a:ln w="12700">
+            <a:solidFill>
+              <a:srgbClr val="FFC000"/>
+            </a:solidFill>
+            <a:round/>
+            <a:headEnd/>
+            <a:tailEnd/>
+          </a:ln>
+        </p:spPr>
+      </p:cxnSp>
+      <p:sp>
+        <p:nvSpPr>
+          <p:cNvPr id="20482" name="文本框 18"/>
+          <p:cNvSpPr txBox="1">
+            <a:spLocks noChangeArrowheads="1"/>
+          </p:cNvSpPr>
+          <p:nvPr/>
+        </p:nvSpPr>
+        <p:spPr bwMode="auto">
+          <a:xfrm>
+            <a:off x="1693863" y="771525"/>
+            <a:ext cx="8802687" cy="584200"/>
+          </a:xfrm>
+          <a:prstGeom prst="rect">
+            <a:avLst/>
+          </a:prstGeom>
+          <a:noFill/>
+          <a:ln w="9525">
+            <a:noFill/>
+            <a:miter lim="800000"/>
+            <a:headEnd/>
+            <a:tailEnd/>
+          </a:ln>
+        </p:spPr>
+        <p:txBody>
+          <a:bodyPr>
+            <a:spAutoFit/>
+          </a:bodyPr>
+          <a:lstStyle/>
+          <a:p>
+            <a:pPr algn="ctr">
+              <a:buFont typeface="Arial" charset="0"/>
+              <a:buNone/>
+            </a:pPr>
+            <a:r>
+              <a:rPr lang="zh-CN" altLang="en-US" sz="3200" dirty="0" smtClean="0">
+                <a:solidFill>
+                  <a:schemeClr val="bg1"/>
+                </a:solidFill>
+              </a:rPr>
+              <a:t>提  问</a:t>
+            </a:r>
+            <a:endParaRPr lang="zh-CN" altLang="en-US" sz="3200" dirty="0">
+              <a:solidFill>
+                <a:schemeClr val="bg1"/>
+              </a:solidFill>
+            </a:endParaRPr>
+          </a:p>
+        </p:txBody>
+      </p:sp>
+      <p:sp>
+        <p:nvSpPr>
+          <p:cNvPr id="20483" name="矩形 1"/>
+          <p:cNvSpPr>
+            <a:spLocks noChangeArrowheads="1"/>
+          </p:cNvSpPr>
+          <p:nvPr/>
+        </p:nvSpPr>
+        <p:spPr bwMode="auto">
+          <a:xfrm>
+            <a:off x="1798638" y="2043113"/>
+            <a:ext cx="8593137" cy="3414712"/>
+          </a:xfrm>
+          <a:prstGeom prst="rect">
+            <a:avLst/>
+          </a:prstGeom>
+          <a:noFill/>
+          <a:ln w="12700">
+            <a:solidFill>
+              <a:srgbClr val="FFC000"/>
+            </a:solidFill>
+            <a:miter lim="800000"/>
+            <a:headEnd/>
+            <a:tailEnd/>
+          </a:ln>
+        </p:spPr>
+        <p:txBody>
+          <a:bodyPr anchor="ctr"/>
+          <a:lstStyle/>
+          <a:p>
+            <a:pPr>
+              <a:lnSpc>
+                <a:spcPct val="120000"/>
+              </a:lnSpc>
+              <a:buFont typeface="Arial" charset="0"/>
+              <a:buNone/>
+            </a:pPr>
+            <a:r>
+              <a:rPr lang="en-US" altLang="zh-CN" sz="2800" b="1" dirty="0" smtClean="0">
+                <a:solidFill>
+                  <a:srgbClr val="FFC000"/>
+                </a:solidFill>
+              </a:rPr>
+              <a:t>3</a:t>
+            </a:r>
+            <a:r>
+              <a:rPr lang="zh-CN" altLang="en-US" sz="2800" b="1" dirty="0" smtClean="0">
+                <a:solidFill>
+                  <a:srgbClr val="FFC000"/>
+                </a:solidFill>
+              </a:rPr>
+              <a:t>、这是什么图？</a:t>
+            </a:r>
+            <a:endParaRPr lang="en-US" altLang="zh-CN" sz="2800" b="1" dirty="0" smtClean="0">
+              <a:solidFill>
+                <a:srgbClr val="FFC000"/>
+              </a:solidFill>
+            </a:endParaRPr>
+          </a:p>
+          <a:p>
+            <a:pPr>
+              <a:lnSpc>
+                <a:spcPct val="120000"/>
+              </a:lnSpc>
+              <a:buFont typeface="Arial" charset="0"/>
+              <a:buNone/>
+            </a:pPr>
+            <a:endParaRPr lang="en-US" altLang="zh-CN" sz="2800" b="1" dirty="0">
+              <a:solidFill>
+                <a:srgbClr val="FFC000"/>
+              </a:solidFill>
+            </a:endParaRPr>
+          </a:p>
+          <a:p>
+            <a:pPr>
+              <a:lnSpc>
+                <a:spcPct val="120000"/>
+              </a:lnSpc>
+              <a:buFont typeface="Arial" charset="0"/>
+              <a:buNone/>
+            </a:pPr>
+            <a:endParaRPr lang="en-US" altLang="zh-CN" sz="2800" b="1" dirty="0" smtClean="0">
+              <a:solidFill>
+                <a:srgbClr val="FFC000"/>
+              </a:solidFill>
+            </a:endParaRPr>
+          </a:p>
+          <a:p>
+            <a:pPr>
+              <a:lnSpc>
+                <a:spcPct val="120000"/>
+              </a:lnSpc>
+              <a:buFont typeface="Arial" charset="0"/>
+              <a:buNone/>
+            </a:pPr>
+            <a:endParaRPr lang="en-US" altLang="zh-CN" sz="2800" b="1" dirty="0">
+              <a:solidFill>
+                <a:srgbClr val="FFC000"/>
+              </a:solidFill>
+            </a:endParaRPr>
+          </a:p>
+          <a:p>
+            <a:pPr>
+              <a:lnSpc>
+                <a:spcPct val="120000"/>
+              </a:lnSpc>
+              <a:buFont typeface="Arial" charset="0"/>
+              <a:buNone/>
+            </a:pPr>
+            <a:endParaRPr lang="en-US" altLang="zh-CN" sz="2800" b="1" dirty="0" smtClean="0">
+              <a:solidFill>
+                <a:srgbClr val="FFC000"/>
+              </a:solidFill>
+            </a:endParaRPr>
+          </a:p>
+          <a:p>
+            <a:pPr>
+              <a:lnSpc>
+                <a:spcPct val="120000"/>
+              </a:lnSpc>
+              <a:buFont typeface="Arial" charset="0"/>
+              <a:buNone/>
+            </a:pPr>
+            <a:endParaRPr lang="en-US" altLang="zh-CN" sz="2800" b="1" dirty="0" smtClean="0">
+              <a:solidFill>
+                <a:srgbClr val="FFC000"/>
+              </a:solidFill>
+            </a:endParaRPr>
+          </a:p>
+          <a:p>
+            <a:pPr>
+              <a:lnSpc>
+                <a:spcPct val="120000"/>
+              </a:lnSpc>
+              <a:buFont typeface="Arial" charset="0"/>
+              <a:buNone/>
+            </a:pPr>
+            <a:endParaRPr lang="zh-CN" altLang="en-US" sz="2400" dirty="0">
+              <a:solidFill>
+                <a:srgbClr val="FFFFFF"/>
+              </a:solidFill>
+            </a:endParaRPr>
+          </a:p>
+        </p:txBody>
+      </p:sp>
+      <p:pic>
+        <p:nvPicPr>
+          <p:cNvPr id="6" name="Picture 8"/>
+          <p:cNvPicPr>
+            <a:picLocks noChangeAspect="1" noChangeArrowheads="1"/>
+          </p:cNvPicPr>
+          <p:nvPr/>
+        </p:nvPicPr>
+        <p:blipFill>
+          <a:blip r:embed="rId2"/>
+          <a:srcRect/>
+          <a:stretch>
+            <a:fillRect/>
+          </a:stretch>
+        </p:blipFill>
+        <p:spPr bwMode="auto">
+          <a:xfrm>
+            <a:off x="4506345" y="1427163"/>
+            <a:ext cx="6943725" cy="5119687"/>
+          </a:xfrm>
+          <a:prstGeom prst="rect">
+            <a:avLst/>
+          </a:prstGeom>
+          <a:noFill/>
+          <a:ln w="9525">
+            <a:noFill/>
+            <a:miter lim="800000"/>
+            <a:headEnd/>
+            <a:tailEnd/>
+          </a:ln>
+        </p:spPr>
+      </p:pic>
+    </p:spTree>
+    <p:extLst>
+      <p:ext uri="{BB962C8B-B14F-4D97-AF65-F5344CB8AC3E}">
+        <p14:creationId xmlns:p14="http://schemas.microsoft.com/office/powerpoint/2010/main" val="4159458018"/>
+      </p:ext>
+    </p:extLst>
+  </p:cSld>
+  <p:clrMapOvr>
+    <a:masterClrMapping/>
+  </p:clrMapOvr>
+  <p:timing>
+    <p:tnLst>
+      <p:par>
+        <p:cTn id="1" dur="indefinite" restart="never" nodeType="tmRoot"/>
+      </p:par>
+    </p:tnLst>
+  </p:timing>
+</p:sld>
+</file>
+
+<file path=ppt/slides/slide33.xml><?xml version="1.0" encoding="utf-8"?>
+<p:sld xmlns:a="http://schemas.openxmlformats.org/drawingml/2006/main" xmlns:r="http://schemas.openxmlformats.org/officeDocument/2006/relationships" xmlns:p="http://schemas.openxmlformats.org/presentationml/2006/main">
+  <p:cSld>
+    <p:spTree>
+      <p:nvGrpSpPr>
+        <p:cNvPr id="1" name=""/>
+        <p:cNvGrpSpPr/>
+        <p:nvPr/>
+      </p:nvGrpSpPr>
+      <p:grpSpPr>
+        <a:xfrm>
+          <a:off x="0" y="0"/>
+          <a:ext cx="0" cy="0"/>
+          <a:chOff x="0" y="0"/>
+          <a:chExt cx="0" cy="0"/>
+        </a:xfrm>
+      </p:grpSpPr>
+      <p:cxnSp>
+        <p:nvCxnSpPr>
+          <p:cNvPr id="39937" name="直接连接符 16"/>
+          <p:cNvCxnSpPr>
+            <a:cxnSpLocks noChangeShapeType="1"/>
+          </p:cNvCxnSpPr>
+          <p:nvPr/>
+        </p:nvCxnSpPr>
+        <p:spPr bwMode="auto">
+          <a:xfrm flipV="1">
+            <a:off x="1800225" y="1409700"/>
+            <a:ext cx="8591550" cy="17463"/>
+          </a:xfrm>
+          <a:prstGeom prst="line">
+            <a:avLst/>
+          </a:prstGeom>
+          <a:noFill/>
+          <a:ln w="12700">
+            <a:solidFill>
+              <a:srgbClr val="FFC000"/>
+            </a:solidFill>
+            <a:round/>
+            <a:headEnd/>
+            <a:tailEnd/>
+          </a:ln>
+        </p:spPr>
+      </p:cxnSp>
+      <p:sp>
+        <p:nvSpPr>
+          <p:cNvPr id="39938" name="文本框 18"/>
+          <p:cNvSpPr txBox="1">
+            <a:spLocks noChangeArrowheads="1"/>
+          </p:cNvSpPr>
+          <p:nvPr/>
+        </p:nvSpPr>
+        <p:spPr bwMode="auto">
+          <a:xfrm>
+            <a:off x="1693863" y="771525"/>
+            <a:ext cx="8802687" cy="584200"/>
+          </a:xfrm>
+          <a:prstGeom prst="rect">
+            <a:avLst/>
+          </a:prstGeom>
+          <a:noFill/>
+          <a:ln w="9525">
+            <a:noFill/>
+            <a:miter lim="800000"/>
+            <a:headEnd/>
+            <a:tailEnd/>
+          </a:ln>
+        </p:spPr>
+        <p:txBody>
+          <a:bodyPr>
+            <a:spAutoFit/>
+          </a:bodyPr>
+          <a:lstStyle/>
+          <a:p>
+            <a:pPr algn="ctr">
+              <a:buFont typeface="Arial" charset="0"/>
+              <a:buNone/>
+            </a:pPr>
+            <a:r>
+              <a:rPr lang="zh-CN" altLang="en-US" sz="3200">
+                <a:solidFill>
+                  <a:schemeClr val="bg1"/>
+                </a:solidFill>
+              </a:rPr>
+              <a:t>分工与绩效评定</a:t>
+            </a:r>
+          </a:p>
+        </p:txBody>
+      </p:sp>
+      <p:sp>
+        <p:nvSpPr>
+          <p:cNvPr id="39939" name="矩形 1"/>
+          <p:cNvSpPr>
+            <a:spLocks noChangeArrowheads="1"/>
+          </p:cNvSpPr>
+          <p:nvPr/>
+        </p:nvSpPr>
+        <p:spPr bwMode="auto">
+          <a:xfrm>
+            <a:off x="2362200" y="1900238"/>
+            <a:ext cx="7728857" cy="2677656"/>
+          </a:xfrm>
+          <a:prstGeom prst="rect">
+            <a:avLst/>
+          </a:prstGeom>
+          <a:noFill/>
+          <a:ln w="9525">
+            <a:noFill/>
+            <a:miter lim="800000"/>
+            <a:headEnd/>
+            <a:tailEnd/>
+          </a:ln>
+        </p:spPr>
+        <p:txBody>
+          <a:bodyPr wrap="square">
+            <a:spAutoFit/>
+          </a:bodyPr>
+          <a:lstStyle/>
+          <a:p>
+            <a:pPr>
+              <a:lnSpc>
+                <a:spcPct val="120000"/>
+              </a:lnSpc>
+              <a:buFont typeface="Arial" charset="0"/>
+              <a:buNone/>
+            </a:pPr>
+            <a:r>
+              <a:rPr lang="zh-CN" altLang="en-US" sz="2800" b="1" dirty="0">
+                <a:solidFill>
+                  <a:srgbClr val="FFFFFF"/>
+                </a:solidFill>
+              </a:rPr>
+              <a:t>葛倍良</a:t>
+            </a:r>
+            <a:r>
+              <a:rPr lang="en-US" altLang="zh-CN" sz="2800" b="1" dirty="0" smtClean="0">
+                <a:solidFill>
+                  <a:srgbClr val="FFFFFF"/>
+                </a:solidFill>
+              </a:rPr>
+              <a:t>(90):6</a:t>
+            </a:r>
+            <a:r>
+              <a:rPr lang="zh-CN" altLang="en-US" sz="2800" b="1" dirty="0" smtClean="0">
+                <a:solidFill>
+                  <a:srgbClr val="FFFFFF"/>
+                </a:solidFill>
+              </a:rPr>
+              <a:t>类图的绘制</a:t>
+            </a:r>
+            <a:endParaRPr lang="en-US" altLang="zh-CN" sz="2800" b="1" dirty="0" smtClean="0">
+              <a:solidFill>
+                <a:srgbClr val="FFFFFF"/>
+              </a:solidFill>
+            </a:endParaRPr>
+          </a:p>
+          <a:p>
+            <a:pPr>
+              <a:lnSpc>
+                <a:spcPct val="120000"/>
+              </a:lnSpc>
+              <a:buFont typeface="Arial" charset="0"/>
+              <a:buNone/>
+            </a:pPr>
+            <a:r>
+              <a:rPr lang="zh-CN" altLang="en-US" sz="2800" b="1" dirty="0" smtClean="0">
+                <a:solidFill>
+                  <a:srgbClr val="FFFFFF"/>
+                </a:solidFill>
+              </a:rPr>
+              <a:t>黄</a:t>
+            </a:r>
+            <a:r>
+              <a:rPr lang="zh-CN" altLang="en-US" sz="2800" b="1" dirty="0">
+                <a:solidFill>
+                  <a:srgbClr val="FFFFFF"/>
+                </a:solidFill>
+              </a:rPr>
+              <a:t>鹏羽</a:t>
+            </a:r>
+            <a:r>
+              <a:rPr lang="en-US" altLang="zh-CN" sz="2800" b="1" dirty="0" smtClean="0">
+                <a:solidFill>
+                  <a:srgbClr val="FFFFFF"/>
+                </a:solidFill>
+              </a:rPr>
+              <a:t>(85):</a:t>
+            </a:r>
+            <a:r>
+              <a:rPr lang="zh-CN" altLang="en-US" sz="2800" b="1" dirty="0" smtClean="0">
+                <a:solidFill>
+                  <a:srgbClr val="FFFFFF"/>
+                </a:solidFill>
+              </a:rPr>
+              <a:t>后期美工</a:t>
+            </a:r>
+            <a:endParaRPr lang="zh-CN" altLang="en-US" sz="2800" b="1" dirty="0">
+              <a:solidFill>
+                <a:srgbClr val="FFFFFF"/>
+              </a:solidFill>
+            </a:endParaRPr>
+          </a:p>
+          <a:p>
+            <a:pPr>
+              <a:lnSpc>
+                <a:spcPct val="120000"/>
+              </a:lnSpc>
+              <a:buFont typeface="Arial" charset="0"/>
+              <a:buNone/>
+            </a:pPr>
+            <a:r>
+              <a:rPr lang="zh-CN" altLang="en-US" sz="2800" b="1" dirty="0">
+                <a:solidFill>
+                  <a:srgbClr val="FFFFFF"/>
+                </a:solidFill>
+              </a:rPr>
+              <a:t>金浩楠</a:t>
+            </a:r>
+            <a:r>
+              <a:rPr lang="en-US" altLang="zh-CN" sz="2800" b="1" dirty="0" smtClean="0">
+                <a:solidFill>
+                  <a:srgbClr val="FFFFFF"/>
+                </a:solidFill>
+              </a:rPr>
+              <a:t>(93):PPT</a:t>
+            </a:r>
+            <a:r>
+              <a:rPr lang="zh-CN" altLang="en-US" sz="2800" b="1" dirty="0" smtClean="0">
+                <a:solidFill>
+                  <a:srgbClr val="FFFFFF"/>
+                </a:solidFill>
+              </a:rPr>
+              <a:t>制作及资料查询</a:t>
+            </a:r>
+            <a:endParaRPr lang="en-US" altLang="zh-CN" sz="2800" b="1" dirty="0" smtClean="0">
+              <a:solidFill>
+                <a:srgbClr val="FFFFFF"/>
+              </a:solidFill>
+            </a:endParaRPr>
+          </a:p>
+          <a:p>
+            <a:pPr>
+              <a:lnSpc>
+                <a:spcPct val="120000"/>
+              </a:lnSpc>
+              <a:buFont typeface="Arial" charset="0"/>
+              <a:buNone/>
+            </a:pPr>
+            <a:r>
+              <a:rPr lang="zh-CN" altLang="en-US" sz="2800" b="1" dirty="0" smtClean="0">
+                <a:solidFill>
+                  <a:srgbClr val="FFFFFF"/>
+                </a:solidFill>
+              </a:rPr>
+              <a:t>周雨璐</a:t>
+            </a:r>
+            <a:r>
+              <a:rPr lang="en-US" altLang="zh-CN" sz="2800" b="1" dirty="0">
+                <a:solidFill>
+                  <a:srgbClr val="FFFFFF"/>
+                </a:solidFill>
+              </a:rPr>
+              <a:t>(</a:t>
+            </a:r>
+            <a:r>
+              <a:rPr lang="en-US" altLang="zh-CN" sz="2800" b="1" dirty="0" smtClean="0">
+                <a:solidFill>
+                  <a:srgbClr val="FFFFFF"/>
+                </a:solidFill>
+              </a:rPr>
+              <a:t>86):PPT</a:t>
+            </a:r>
+            <a:r>
+              <a:rPr lang="zh-CN" altLang="en-US" sz="2800" b="1" dirty="0" smtClean="0">
+                <a:solidFill>
+                  <a:srgbClr val="FFFFFF"/>
+                </a:solidFill>
+              </a:rPr>
+              <a:t>的检查与修改</a:t>
+            </a:r>
+            <a:endParaRPr lang="en-US" altLang="zh-CN" sz="2800" b="1" dirty="0" smtClean="0">
+              <a:solidFill>
+                <a:srgbClr val="FFFFFF"/>
+              </a:solidFill>
+            </a:endParaRPr>
+          </a:p>
+          <a:p>
+            <a:pPr>
+              <a:lnSpc>
+                <a:spcPct val="120000"/>
+              </a:lnSpc>
+              <a:buFont typeface="Arial" charset="0"/>
+              <a:buNone/>
+            </a:pPr>
+            <a:r>
+              <a:rPr lang="zh-CN" altLang="en-US" sz="2800" b="1" dirty="0" smtClean="0">
+                <a:solidFill>
+                  <a:srgbClr val="FFFFFF"/>
+                </a:solidFill>
+              </a:rPr>
+              <a:t>余倩</a:t>
+            </a:r>
+            <a:r>
+              <a:rPr lang="en-US" altLang="zh-CN" sz="2800" b="1" dirty="0" smtClean="0">
+                <a:solidFill>
+                  <a:srgbClr val="FFFFFF"/>
+                </a:solidFill>
+              </a:rPr>
+              <a:t>(88):</a:t>
+            </a:r>
+            <a:r>
+              <a:rPr lang="zh-CN" altLang="en-US" sz="2800" b="1" dirty="0" smtClean="0">
+                <a:solidFill>
+                  <a:srgbClr val="FFFFFF"/>
+                </a:solidFill>
+              </a:rPr>
+              <a:t>协助资料查询</a:t>
+            </a:r>
+            <a:endParaRPr lang="zh-CN" altLang="en-US" sz="2800" b="1" dirty="0">
+              <a:solidFill>
+                <a:srgbClr val="FFFFFF"/>
+              </a:solidFill>
+            </a:endParaRPr>
+          </a:p>
+        </p:txBody>
+      </p:sp>
+    </p:spTree>
+  </p:cSld>
+  <p:clrMapOvr>
+    <a:masterClrMapping/>
+  </p:clrMapOvr>
+  <p:timing>
+    <p:tnLst>
+      <p:par>
+        <p:cTn id="1" dur="indefinite" restart="never" nodeType="tmRoot"/>
+      </p:par>
+    </p:tnLst>
+  </p:timing>
+</p:sld>
+</file>
+
+<file path=ppt/slides/slide34.xml><?xml version="1.0" encoding="utf-8"?>
+<p:sld xmlns:a="http://schemas.openxmlformats.org/drawingml/2006/main" xmlns:r="http://schemas.openxmlformats.org/officeDocument/2006/relationships" xmlns:p="http://schemas.openxmlformats.org/presentationml/2006/main">
+  <p:cSld>
+    <p:spTree>
+      <p:nvGrpSpPr>
+        <p:cNvPr id="1" name=""/>
+        <p:cNvGrpSpPr/>
+        <p:nvPr/>
+      </p:nvGrpSpPr>
+      <p:grpSpPr>
+        <a:xfrm>
+          <a:off x="0" y="0"/>
+          <a:ext cx="0" cy="0"/>
+          <a:chOff x="0" y="0"/>
+          <a:chExt cx="0" cy="0"/>
+        </a:xfrm>
+      </p:grpSpPr>
+      <p:cxnSp>
+        <p:nvCxnSpPr>
           <p:cNvPr id="40961" name="直接连接符 16"/>
           <p:cNvCxnSpPr>
             <a:cxnSpLocks noChangeShapeType="1"/>
@@ -11804,7 +12432,7 @@
 </p:sld>
 </file>
 
-<file path=ppt/slides/slide32.xml><?xml version="1.0" encoding="utf-8"?>
+<file path=ppt/slides/slide35.xml><?xml version="1.0" encoding="utf-8"?>
 <p:sld xmlns:a="http://schemas.openxmlformats.org/drawingml/2006/main" xmlns:r="http://schemas.openxmlformats.org/officeDocument/2006/relationships" xmlns:p="http://schemas.openxmlformats.org/presentationml/2006/main">
   <p:cSld>
     <p:spTree>

--- a/0PPT/UML图.pptx
+++ b/0PPT/UML图.pptx
@@ -291,7 +291,7 @@
               <a:pPr>
                 <a:defRPr/>
               </a:pPr>
-              <a:t>2017/11/12</a:t>
+              <a:t>2017/11/15</a:t>
             </a:fld>
             <a:endParaRPr lang="zh-CN" altLang="en-US"/>
           </a:p>
@@ -747,7 +747,7 @@
               <a:pPr>
                 <a:defRPr/>
               </a:pPr>
-              <a:t>2017/11/12</a:t>
+              <a:t>2017/11/15</a:t>
             </a:fld>
             <a:endParaRPr lang="zh-CN" altLang="en-US"/>
           </a:p>
@@ -945,7 +945,7 @@
               <a:pPr>
                 <a:defRPr/>
               </a:pPr>
-              <a:t>2017/11/12</a:t>
+              <a:t>2017/11/15</a:t>
             </a:fld>
             <a:endParaRPr lang="zh-CN" altLang="en-US"/>
           </a:p>
@@ -1153,7 +1153,7 @@
               <a:pPr>
                 <a:defRPr/>
               </a:pPr>
-              <a:t>2017/11/12</a:t>
+              <a:t>2017/11/15</a:t>
             </a:fld>
             <a:endParaRPr lang="zh-CN" altLang="en-US"/>
           </a:p>
@@ -1351,7 +1351,7 @@
               <a:pPr>
                 <a:defRPr/>
               </a:pPr>
-              <a:t>2017/11/12</a:t>
+              <a:t>2017/11/15</a:t>
             </a:fld>
             <a:endParaRPr lang="zh-CN" altLang="en-US"/>
           </a:p>
@@ -1625,7 +1625,7 @@
               <a:pPr>
                 <a:defRPr/>
               </a:pPr>
-              <a:t>2017/11/12</a:t>
+              <a:t>2017/11/15</a:t>
             </a:fld>
             <a:endParaRPr lang="zh-CN" altLang="en-US"/>
           </a:p>
@@ -1885,7 +1885,7 @@
               <a:pPr>
                 <a:defRPr/>
               </a:pPr>
-              <a:t>2017/11/12</a:t>
+              <a:t>2017/11/15</a:t>
             </a:fld>
             <a:endParaRPr lang="zh-CN" altLang="en-US"/>
           </a:p>
@@ -2280,7 +2280,7 @@
               <a:pPr>
                 <a:defRPr/>
               </a:pPr>
-              <a:t>2017/11/12</a:t>
+              <a:t>2017/11/15</a:t>
             </a:fld>
             <a:endParaRPr lang="zh-CN" altLang="en-US"/>
           </a:p>
@@ -2426,7 +2426,7 @@
               <a:pPr>
                 <a:defRPr/>
               </a:pPr>
-              <a:t>2017/11/12</a:t>
+              <a:t>2017/11/15</a:t>
             </a:fld>
             <a:endParaRPr lang="zh-CN" altLang="en-US"/>
           </a:p>
@@ -2549,7 +2549,7 @@
               <a:pPr>
                 <a:defRPr/>
               </a:pPr>
-              <a:t>2017/11/12</a:t>
+              <a:t>2017/11/15</a:t>
             </a:fld>
             <a:endParaRPr lang="zh-CN" altLang="en-US"/>
           </a:p>
@@ -2854,7 +2854,7 @@
               <a:pPr>
                 <a:defRPr/>
               </a:pPr>
-              <a:t>2017/11/12</a:t>
+              <a:t>2017/11/15</a:t>
             </a:fld>
             <a:endParaRPr lang="zh-CN" altLang="en-US"/>
           </a:p>
@@ -3136,7 +3136,7 @@
               <a:pPr>
                 <a:defRPr/>
               </a:pPr>
-              <a:t>2017/11/12</a:t>
+              <a:t>2017/11/15</a:t>
             </a:fld>
             <a:endParaRPr lang="zh-CN" altLang="en-US"/>
           </a:p>
@@ -3397,7 +3397,7 @@
               <a:pPr>
                 <a:defRPr/>
               </a:pPr>
-              <a:t>2017/11/12</a:t>
+              <a:t>2017/11/15</a:t>
             </a:fld>
             <a:endParaRPr lang="zh-CN" altLang="en-US"/>
           </a:p>
@@ -11275,11 +11275,41 @@
                   <a:srgbClr val="FFC000"/>
                 </a:solidFill>
               </a:rPr>
-              <a:t>、以上讲到的图中有那一类图是要配合文档的？</a:t>
+              <a:t>、以上讲到的图中有那一类图是要配合文档的</a:t>
+            </a:r>
+            <a:r>
+              <a:rPr lang="zh-CN" altLang="en-US" sz="2800" b="1" dirty="0" smtClean="0">
+                <a:solidFill>
+                  <a:srgbClr val="FFC000"/>
+                </a:solidFill>
+              </a:rPr>
+              <a:t>？</a:t>
+            </a:r>
+            <a:endParaRPr lang="en-US" altLang="zh-CN" sz="2800" b="1" dirty="0" smtClean="0">
+              <a:solidFill>
+                <a:srgbClr val="FFC000"/>
+              </a:solidFill>
+            </a:endParaRPr>
+          </a:p>
+          <a:p>
+            <a:pPr>
+              <a:lnSpc>
+                <a:spcPct val="120000"/>
+              </a:lnSpc>
+              <a:buFont typeface="Arial" charset="0"/>
+              <a:buNone/>
+            </a:pPr>
+            <a:r>
+              <a:rPr lang="zh-CN" altLang="en-US" sz="2400" dirty="0" smtClean="0">
+                <a:solidFill>
+                  <a:srgbClr val="FFC000"/>
+                </a:solidFill>
+              </a:rPr>
+              <a:t>用例图</a:t>
             </a:r>
             <a:endParaRPr lang="zh-CN" altLang="en-US" sz="2400" dirty="0">
               <a:solidFill>
-                <a:srgbClr val="FFFFFF"/>
+                <a:srgbClr val="FFC000"/>
               </a:solidFill>
             </a:endParaRPr>
           </a:p>
@@ -11298,7 +11328,236 @@
   <p:timing>
     <p:tnLst>
       <p:par>
-        <p:cTn id="1" dur="indefinite" restart="never" nodeType="tmRoot"/>
+        <p:cTn id="1" dur="indefinite" restart="never" nodeType="tmRoot">
+          <p:childTnLst>
+            <p:seq concurrent="1" nextAc="seek">
+              <p:cTn id="2" dur="indefinite" nodeType="mainSeq">
+                <p:childTnLst>
+                  <p:par>
+                    <p:cTn id="3" fill="hold">
+                      <p:stCondLst>
+                        <p:cond delay="indefinite"/>
+                      </p:stCondLst>
+                      <p:childTnLst>
+                        <p:par>
+                          <p:cTn id="4" fill="hold">
+                            <p:stCondLst>
+                              <p:cond delay="0"/>
+                            </p:stCondLst>
+                            <p:childTnLst>
+                              <p:par>
+                                <p:cTn id="5" presetID="2" presetClass="entr" presetSubtype="4" fill="hold" nodeType="clickEffect">
+                                  <p:stCondLst>
+                                    <p:cond delay="0"/>
+                                  </p:stCondLst>
+                                  <p:childTnLst>
+                                    <p:set>
+                                      <p:cBhvr>
+                                        <p:cTn id="6" dur="1" fill="hold">
+                                          <p:stCondLst>
+                                            <p:cond delay="0"/>
+                                          </p:stCondLst>
+                                        </p:cTn>
+                                        <p:tgtEl>
+                                          <p:spTgt spid="20483">
+                                            <p:txEl>
+                                              <p:pRg st="0" end="0"/>
+                                            </p:txEl>
+                                          </p:spTgt>
+                                        </p:tgtEl>
+                                        <p:attrNameLst>
+                                          <p:attrName>style.visibility</p:attrName>
+                                        </p:attrNameLst>
+                                      </p:cBhvr>
+                                      <p:to>
+                                        <p:strVal val="visible"/>
+                                      </p:to>
+                                    </p:set>
+                                    <p:anim calcmode="lin" valueType="num">
+                                      <p:cBhvr additive="base">
+                                        <p:cTn id="7" dur="500" fill="hold"/>
+                                        <p:tgtEl>
+                                          <p:spTgt spid="20483">
+                                            <p:txEl>
+                                              <p:pRg st="0" end="0"/>
+                                            </p:txEl>
+                                          </p:spTgt>
+                                        </p:tgtEl>
+                                        <p:attrNameLst>
+                                          <p:attrName>ppt_x</p:attrName>
+                                        </p:attrNameLst>
+                                      </p:cBhvr>
+                                      <p:tavLst>
+                                        <p:tav tm="0">
+                                          <p:val>
+                                            <p:strVal val="#ppt_x"/>
+                                          </p:val>
+                                        </p:tav>
+                                        <p:tav tm="100000">
+                                          <p:val>
+                                            <p:strVal val="#ppt_x"/>
+                                          </p:val>
+                                        </p:tav>
+                                      </p:tavLst>
+                                    </p:anim>
+                                    <p:anim calcmode="lin" valueType="num">
+                                      <p:cBhvr additive="base">
+                                        <p:cTn id="8" dur="500" fill="hold"/>
+                                        <p:tgtEl>
+                                          <p:spTgt spid="20483">
+                                            <p:txEl>
+                                              <p:pRg st="0" end="0"/>
+                                            </p:txEl>
+                                          </p:spTgt>
+                                        </p:tgtEl>
+                                        <p:attrNameLst>
+                                          <p:attrName>ppt_y</p:attrName>
+                                        </p:attrNameLst>
+                                      </p:cBhvr>
+                                      <p:tavLst>
+                                        <p:tav tm="0">
+                                          <p:val>
+                                            <p:strVal val="1+#ppt_h/2"/>
+                                          </p:val>
+                                        </p:tav>
+                                        <p:tav tm="100000">
+                                          <p:val>
+                                            <p:strVal val="#ppt_y"/>
+                                          </p:val>
+                                        </p:tav>
+                                      </p:tavLst>
+                                    </p:anim>
+                                  </p:childTnLst>
+                                </p:cTn>
+                              </p:par>
+                            </p:childTnLst>
+                          </p:cTn>
+                        </p:par>
+                      </p:childTnLst>
+                    </p:cTn>
+                  </p:par>
+                  <p:par>
+                    <p:cTn id="9" fill="hold">
+                      <p:stCondLst>
+                        <p:cond delay="indefinite"/>
+                      </p:stCondLst>
+                      <p:childTnLst>
+                        <p:par>
+                          <p:cTn id="10" fill="hold">
+                            <p:stCondLst>
+                              <p:cond delay="0"/>
+                            </p:stCondLst>
+                            <p:childTnLst>
+                              <p:par>
+                                <p:cTn id="11" presetID="2" presetClass="entr" presetSubtype="4" fill="hold" nodeType="clickEffect">
+                                  <p:stCondLst>
+                                    <p:cond delay="0"/>
+                                  </p:stCondLst>
+                                  <p:childTnLst>
+                                    <p:set>
+                                      <p:cBhvr>
+                                        <p:cTn id="12" dur="1" fill="hold">
+                                          <p:stCondLst>
+                                            <p:cond delay="0"/>
+                                          </p:stCondLst>
+                                        </p:cTn>
+                                        <p:tgtEl>
+                                          <p:spTgt spid="20483">
+                                            <p:txEl>
+                                              <p:pRg st="1" end="1"/>
+                                            </p:txEl>
+                                          </p:spTgt>
+                                        </p:tgtEl>
+                                        <p:attrNameLst>
+                                          <p:attrName>style.visibility</p:attrName>
+                                        </p:attrNameLst>
+                                      </p:cBhvr>
+                                      <p:to>
+                                        <p:strVal val="visible"/>
+                                      </p:to>
+                                    </p:set>
+                                    <p:anim calcmode="lin" valueType="num">
+                                      <p:cBhvr additive="base">
+                                        <p:cTn id="13" dur="500" fill="hold"/>
+                                        <p:tgtEl>
+                                          <p:spTgt spid="20483">
+                                            <p:txEl>
+                                              <p:pRg st="1" end="1"/>
+                                            </p:txEl>
+                                          </p:spTgt>
+                                        </p:tgtEl>
+                                        <p:attrNameLst>
+                                          <p:attrName>ppt_x</p:attrName>
+                                        </p:attrNameLst>
+                                      </p:cBhvr>
+                                      <p:tavLst>
+                                        <p:tav tm="0">
+                                          <p:val>
+                                            <p:strVal val="#ppt_x"/>
+                                          </p:val>
+                                        </p:tav>
+                                        <p:tav tm="100000">
+                                          <p:val>
+                                            <p:strVal val="#ppt_x"/>
+                                          </p:val>
+                                        </p:tav>
+                                      </p:tavLst>
+                                    </p:anim>
+                                    <p:anim calcmode="lin" valueType="num">
+                                      <p:cBhvr additive="base">
+                                        <p:cTn id="14" dur="500" fill="hold"/>
+                                        <p:tgtEl>
+                                          <p:spTgt spid="20483">
+                                            <p:txEl>
+                                              <p:pRg st="1" end="1"/>
+                                            </p:txEl>
+                                          </p:spTgt>
+                                        </p:tgtEl>
+                                        <p:attrNameLst>
+                                          <p:attrName>ppt_y</p:attrName>
+                                        </p:attrNameLst>
+                                      </p:cBhvr>
+                                      <p:tavLst>
+                                        <p:tav tm="0">
+                                          <p:val>
+                                            <p:strVal val="1+#ppt_h/2"/>
+                                          </p:val>
+                                        </p:tav>
+                                        <p:tav tm="100000">
+                                          <p:val>
+                                            <p:strVal val="#ppt_y"/>
+                                          </p:val>
+                                        </p:tav>
+                                      </p:tavLst>
+                                    </p:anim>
+                                  </p:childTnLst>
+                                </p:cTn>
+                              </p:par>
+                            </p:childTnLst>
+                          </p:cTn>
+                        </p:par>
+                      </p:childTnLst>
+                    </p:cTn>
+                  </p:par>
+                </p:childTnLst>
+              </p:cTn>
+              <p:prevCondLst>
+                <p:cond evt="onPrev" delay="0">
+                  <p:tgtEl>
+                    <p:sldTgt/>
+                  </p:tgtEl>
+                </p:cond>
+              </p:prevCondLst>
+              <p:nextCondLst>
+                <p:cond evt="onNext" delay="0">
+                  <p:tgtEl>
+                    <p:sldTgt/>
+                  </p:tgtEl>
+                </p:cond>
+              </p:nextCondLst>
+            </p:seq>
+          </p:childTnLst>
+        </p:cTn>
       </p:par>
     </p:tnLst>
   </p:timing>
@@ -11450,11 +11709,57 @@
                   <a:srgbClr val="FFC000"/>
                 </a:solidFill>
               </a:rPr>
-              <a:t>、类图的表示方法</a:t>
+              <a:t>、</a:t>
+            </a:r>
+            <a:r>
+              <a:rPr lang="zh-CN" altLang="en-US" sz="2800" b="1" dirty="0" smtClean="0">
+                <a:solidFill>
+                  <a:srgbClr val="FFC000"/>
+                </a:solidFill>
+              </a:rPr>
+              <a:t>类之见的关系</a:t>
+            </a:r>
+            <a:endParaRPr lang="en-US" altLang="zh-CN" sz="2800" b="1" dirty="0" smtClean="0">
+              <a:solidFill>
+                <a:srgbClr val="FFC000"/>
+              </a:solidFill>
+            </a:endParaRPr>
+          </a:p>
+          <a:p>
+            <a:pPr>
+              <a:lnSpc>
+                <a:spcPct val="120000"/>
+              </a:lnSpc>
+              <a:buFont typeface="Arial" charset="0"/>
+              <a:buNone/>
+            </a:pPr>
+            <a:r>
+              <a:rPr lang="zh-CN" altLang="en-US" sz="2400" dirty="0" smtClean="0">
+                <a:solidFill>
+                  <a:srgbClr val="FFC000"/>
+                </a:solidFill>
+              </a:rPr>
+              <a:t>依赖，</a:t>
+            </a:r>
+            <a:r>
+              <a:rPr lang="zh-CN" altLang="en-US" sz="2400" smtClean="0">
+                <a:solidFill>
+                  <a:srgbClr val="FFC000"/>
+                </a:solidFill>
+              </a:rPr>
+              <a:t>关联，泛化</a:t>
+            </a:r>
+            <a:r>
+              <a:rPr lang="zh-CN" altLang="en-US" sz="2400" dirty="0" smtClean="0">
+                <a:solidFill>
+                  <a:srgbClr val="FFC000"/>
+                </a:solidFill>
+              </a:rPr>
+              <a:t>，实现</a:t>
             </a:r>
             <a:endParaRPr lang="zh-CN" altLang="en-US" sz="2400" dirty="0">
               <a:solidFill>
-                <a:srgbClr val="FFFFFF"/>
+                <a:srgbClr val="FFC000"/>
               </a:solidFill>
             </a:endParaRPr>
           </a:p>
@@ -11473,7 +11778,236 @@
   <p:timing>
     <p:tnLst>
       <p:par>
-        <p:cTn id="1" dur="indefinite" restart="never" nodeType="tmRoot"/>
+        <p:cTn id="1" dur="indefinite" restart="never" nodeType="tmRoot">
+          <p:childTnLst>
+            <p:seq concurrent="1" nextAc="seek">
+              <p:cTn id="2" dur="indefinite" nodeType="mainSeq">
+                <p:childTnLst>
+                  <p:par>
+                    <p:cTn id="3" fill="hold">
+                      <p:stCondLst>
+                        <p:cond delay="indefinite"/>
+                      </p:stCondLst>
+                      <p:childTnLst>
+                        <p:par>
+                          <p:cTn id="4" fill="hold">
+                            <p:stCondLst>
+                              <p:cond delay="0"/>
+                            </p:stCondLst>
+                            <p:childTnLst>
+                              <p:par>
+                                <p:cTn id="5" presetID="2" presetClass="entr" presetSubtype="4" fill="hold" nodeType="clickEffect">
+                                  <p:stCondLst>
+                                    <p:cond delay="0"/>
+                                  </p:stCondLst>
+                                  <p:childTnLst>
+                                    <p:set>
+                                      <p:cBhvr>
+                                        <p:cTn id="6" dur="1" fill="hold">
+                                          <p:stCondLst>
+                                            <p:cond delay="0"/>
+                                          </p:stCondLst>
+                                        </p:cTn>
+                                        <p:tgtEl>
+                                          <p:spTgt spid="20483">
+                                            <p:txEl>
+                                              <p:pRg st="0" end="0"/>
+                                            </p:txEl>
+                                          </p:spTgt>
+                                        </p:tgtEl>
+                                        <p:attrNameLst>
+                                          <p:attrName>style.visibility</p:attrName>
+                                        </p:attrNameLst>
+                                      </p:cBhvr>
+                                      <p:to>
+                                        <p:strVal val="visible"/>
+                                      </p:to>
+                                    </p:set>
+                                    <p:anim calcmode="lin" valueType="num">
+                                      <p:cBhvr additive="base">
+                                        <p:cTn id="7" dur="500" fill="hold"/>
+                                        <p:tgtEl>
+                                          <p:spTgt spid="20483">
+                                            <p:txEl>
+                                              <p:pRg st="0" end="0"/>
+                                            </p:txEl>
+                                          </p:spTgt>
+                                        </p:tgtEl>
+                                        <p:attrNameLst>
+                                          <p:attrName>ppt_x</p:attrName>
+                                        </p:attrNameLst>
+                                      </p:cBhvr>
+                                      <p:tavLst>
+                                        <p:tav tm="0">
+                                          <p:val>
+                                            <p:strVal val="#ppt_x"/>
+                                          </p:val>
+                                        </p:tav>
+                                        <p:tav tm="100000">
+                                          <p:val>
+                                            <p:strVal val="#ppt_x"/>
+                                          </p:val>
+                                        </p:tav>
+                                      </p:tavLst>
+                                    </p:anim>
+                                    <p:anim calcmode="lin" valueType="num">
+                                      <p:cBhvr additive="base">
+                                        <p:cTn id="8" dur="500" fill="hold"/>
+                                        <p:tgtEl>
+                                          <p:spTgt spid="20483">
+                                            <p:txEl>
+                                              <p:pRg st="0" end="0"/>
+                                            </p:txEl>
+                                          </p:spTgt>
+                                        </p:tgtEl>
+                                        <p:attrNameLst>
+                                          <p:attrName>ppt_y</p:attrName>
+                                        </p:attrNameLst>
+                                      </p:cBhvr>
+                                      <p:tavLst>
+                                        <p:tav tm="0">
+                                          <p:val>
+                                            <p:strVal val="1+#ppt_h/2"/>
+                                          </p:val>
+                                        </p:tav>
+                                        <p:tav tm="100000">
+                                          <p:val>
+                                            <p:strVal val="#ppt_y"/>
+                                          </p:val>
+                                        </p:tav>
+                                      </p:tavLst>
+                                    </p:anim>
+                                  </p:childTnLst>
+                                </p:cTn>
+                              </p:par>
+                            </p:childTnLst>
+                          </p:cTn>
+                        </p:par>
+                      </p:childTnLst>
+                    </p:cTn>
+                  </p:par>
+                  <p:par>
+                    <p:cTn id="9" fill="hold">
+                      <p:stCondLst>
+                        <p:cond delay="indefinite"/>
+                      </p:stCondLst>
+                      <p:childTnLst>
+                        <p:par>
+                          <p:cTn id="10" fill="hold">
+                            <p:stCondLst>
+                              <p:cond delay="0"/>
+                            </p:stCondLst>
+                            <p:childTnLst>
+                              <p:par>
+                                <p:cTn id="11" presetID="2" presetClass="entr" presetSubtype="4" fill="hold" nodeType="clickEffect">
+                                  <p:stCondLst>
+                                    <p:cond delay="0"/>
+                                  </p:stCondLst>
+                                  <p:childTnLst>
+                                    <p:set>
+                                      <p:cBhvr>
+                                        <p:cTn id="12" dur="1" fill="hold">
+                                          <p:stCondLst>
+                                            <p:cond delay="0"/>
+                                          </p:stCondLst>
+                                        </p:cTn>
+                                        <p:tgtEl>
+                                          <p:spTgt spid="20483">
+                                            <p:txEl>
+                                              <p:pRg st="1" end="1"/>
+                                            </p:txEl>
+                                          </p:spTgt>
+                                        </p:tgtEl>
+                                        <p:attrNameLst>
+                                          <p:attrName>style.visibility</p:attrName>
+                                        </p:attrNameLst>
+                                      </p:cBhvr>
+                                      <p:to>
+                                        <p:strVal val="visible"/>
+                                      </p:to>
+                                    </p:set>
+                                    <p:anim calcmode="lin" valueType="num">
+                                      <p:cBhvr additive="base">
+                                        <p:cTn id="13" dur="500" fill="hold"/>
+                                        <p:tgtEl>
+                                          <p:spTgt spid="20483">
+                                            <p:txEl>
+                                              <p:pRg st="1" end="1"/>
+                                            </p:txEl>
+                                          </p:spTgt>
+                                        </p:tgtEl>
+                                        <p:attrNameLst>
+                                          <p:attrName>ppt_x</p:attrName>
+                                        </p:attrNameLst>
+                                      </p:cBhvr>
+                                      <p:tavLst>
+                                        <p:tav tm="0">
+                                          <p:val>
+                                            <p:strVal val="#ppt_x"/>
+                                          </p:val>
+                                        </p:tav>
+                                        <p:tav tm="100000">
+                                          <p:val>
+                                            <p:strVal val="#ppt_x"/>
+                                          </p:val>
+                                        </p:tav>
+                                      </p:tavLst>
+                                    </p:anim>
+                                    <p:anim calcmode="lin" valueType="num">
+                                      <p:cBhvr additive="base">
+                                        <p:cTn id="14" dur="500" fill="hold"/>
+                                        <p:tgtEl>
+                                          <p:spTgt spid="20483">
+                                            <p:txEl>
+                                              <p:pRg st="1" end="1"/>
+                                            </p:txEl>
+                                          </p:spTgt>
+                                        </p:tgtEl>
+                                        <p:attrNameLst>
+                                          <p:attrName>ppt_y</p:attrName>
+                                        </p:attrNameLst>
+                                      </p:cBhvr>
+                                      <p:tavLst>
+                                        <p:tav tm="0">
+                                          <p:val>
+                                            <p:strVal val="1+#ppt_h/2"/>
+                                          </p:val>
+                                        </p:tav>
+                                        <p:tav tm="100000">
+                                          <p:val>
+                                            <p:strVal val="#ppt_y"/>
+                                          </p:val>
+                                        </p:tav>
+                                      </p:tavLst>
+                                    </p:anim>
+                                  </p:childTnLst>
+                                </p:cTn>
+                              </p:par>
+                            </p:childTnLst>
+                          </p:cTn>
+                        </p:par>
+                      </p:childTnLst>
+                    </p:cTn>
+                  </p:par>
+                </p:childTnLst>
+              </p:cTn>
+              <p:prevCondLst>
+                <p:cond evt="onPrev" delay="0">
+                  <p:tgtEl>
+                    <p:sldTgt/>
+                  </p:tgtEl>
+                </p:cond>
+              </p:prevCondLst>
+              <p:nextCondLst>
+                <p:cond evt="onNext" delay="0">
+                  <p:tgtEl>
+                    <p:sldTgt/>
+                  </p:tgtEl>
+                </p:cond>
+              </p:nextCondLst>
+            </p:seq>
+          </p:childTnLst>
+        </p:cTn>
       </p:par>
     </p:tnLst>
   </p:timing>
@@ -11641,6 +12175,14 @@
               <a:buFont typeface="Arial" charset="0"/>
               <a:buNone/>
             </a:pPr>
+            <a:r>
+              <a:rPr lang="zh-CN" altLang="en-US" sz="2800" b="1" dirty="0" smtClean="0">
+                <a:solidFill>
+                  <a:srgbClr val="FFC000"/>
+                </a:solidFill>
+              </a:rPr>
+              <a:t>顺序图</a:t>
+            </a:r>
             <a:endParaRPr lang="en-US" altLang="zh-CN" sz="2800" b="1" dirty="0">
               <a:solidFill>
                 <a:srgbClr val="FFC000"/>
@@ -11764,9 +12306,320 @@
   <p:timing>
     <p:tnLst>
       <p:par>
-        <p:cTn id="1" dur="indefinite" restart="never" nodeType="tmRoot"/>
+        <p:cTn id="1" dur="indefinite" restart="never" nodeType="tmRoot">
+          <p:childTnLst>
+            <p:seq concurrent="1" nextAc="seek">
+              <p:cTn id="2" dur="indefinite" nodeType="mainSeq">
+                <p:childTnLst>
+                  <p:par>
+                    <p:cTn id="3" fill="hold">
+                      <p:stCondLst>
+                        <p:cond delay="indefinite"/>
+                      </p:stCondLst>
+                      <p:childTnLst>
+                        <p:par>
+                          <p:cTn id="4" fill="hold">
+                            <p:stCondLst>
+                              <p:cond delay="0"/>
+                            </p:stCondLst>
+                            <p:childTnLst>
+                              <p:par>
+                                <p:cTn id="5" presetID="2" presetClass="entr" presetSubtype="4" fill="hold" grpId="0" nodeType="clickEffect">
+                                  <p:stCondLst>
+                                    <p:cond delay="0"/>
+                                  </p:stCondLst>
+                                  <p:childTnLst>
+                                    <p:set>
+                                      <p:cBhvr>
+                                        <p:cTn id="6" dur="1" fill="hold">
+                                          <p:stCondLst>
+                                            <p:cond delay="0"/>
+                                          </p:stCondLst>
+                                        </p:cTn>
+                                        <p:tgtEl>
+                                          <p:spTgt spid="20483"/>
+                                        </p:tgtEl>
+                                        <p:attrNameLst>
+                                          <p:attrName>style.visibility</p:attrName>
+                                        </p:attrNameLst>
+                                      </p:cBhvr>
+                                      <p:to>
+                                        <p:strVal val="visible"/>
+                                      </p:to>
+                                    </p:set>
+                                    <p:anim calcmode="lin" valueType="num">
+                                      <p:cBhvr additive="base">
+                                        <p:cTn id="7" dur="500" fill="hold"/>
+                                        <p:tgtEl>
+                                          <p:spTgt spid="20483"/>
+                                        </p:tgtEl>
+                                        <p:attrNameLst>
+                                          <p:attrName>ppt_x</p:attrName>
+                                        </p:attrNameLst>
+                                      </p:cBhvr>
+                                      <p:tavLst>
+                                        <p:tav tm="0">
+                                          <p:val>
+                                            <p:strVal val="#ppt_x"/>
+                                          </p:val>
+                                        </p:tav>
+                                        <p:tav tm="100000">
+                                          <p:val>
+                                            <p:strVal val="#ppt_x"/>
+                                          </p:val>
+                                        </p:tav>
+                                      </p:tavLst>
+                                    </p:anim>
+                                    <p:anim calcmode="lin" valueType="num">
+                                      <p:cBhvr additive="base">
+                                        <p:cTn id="8" dur="500" fill="hold"/>
+                                        <p:tgtEl>
+                                          <p:spTgt spid="20483"/>
+                                        </p:tgtEl>
+                                        <p:attrNameLst>
+                                          <p:attrName>ppt_y</p:attrName>
+                                        </p:attrNameLst>
+                                      </p:cBhvr>
+                                      <p:tavLst>
+                                        <p:tav tm="0">
+                                          <p:val>
+                                            <p:strVal val="1+#ppt_h/2"/>
+                                          </p:val>
+                                        </p:tav>
+                                        <p:tav tm="100000">
+                                          <p:val>
+                                            <p:strVal val="#ppt_y"/>
+                                          </p:val>
+                                        </p:tav>
+                                      </p:tavLst>
+                                    </p:anim>
+                                  </p:childTnLst>
+                                </p:cTn>
+                              </p:par>
+                            </p:childTnLst>
+                          </p:cTn>
+                        </p:par>
+                      </p:childTnLst>
+                    </p:cTn>
+                  </p:par>
+                  <p:par>
+                    <p:cTn id="9" fill="hold">
+                      <p:stCondLst>
+                        <p:cond delay="indefinite"/>
+                      </p:stCondLst>
+                      <p:childTnLst>
+                        <p:par>
+                          <p:cTn id="10" fill="hold">
+                            <p:stCondLst>
+                              <p:cond delay="0"/>
+                            </p:stCondLst>
+                            <p:childTnLst>
+                              <p:par>
+                                <p:cTn id="11" presetID="2" presetClass="entr" presetSubtype="4" fill="hold" nodeType="clickEffect">
+                                  <p:stCondLst>
+                                    <p:cond delay="0"/>
+                                  </p:stCondLst>
+                                  <p:childTnLst>
+                                    <p:set>
+                                      <p:cBhvr>
+                                        <p:cTn id="12" dur="1" fill="hold">
+                                          <p:stCondLst>
+                                            <p:cond delay="0"/>
+                                          </p:stCondLst>
+                                        </p:cTn>
+                                        <p:tgtEl>
+                                          <p:spTgt spid="6"/>
+                                        </p:tgtEl>
+                                        <p:attrNameLst>
+                                          <p:attrName>style.visibility</p:attrName>
+                                        </p:attrNameLst>
+                                      </p:cBhvr>
+                                      <p:to>
+                                        <p:strVal val="visible"/>
+                                      </p:to>
+                                    </p:set>
+                                    <p:anim calcmode="lin" valueType="num">
+                                      <p:cBhvr additive="base">
+                                        <p:cTn id="13" dur="500" fill="hold"/>
+                                        <p:tgtEl>
+                                          <p:spTgt spid="6"/>
+                                        </p:tgtEl>
+                                        <p:attrNameLst>
+                                          <p:attrName>ppt_x</p:attrName>
+                                        </p:attrNameLst>
+                                      </p:cBhvr>
+                                      <p:tavLst>
+                                        <p:tav tm="0">
+                                          <p:val>
+                                            <p:strVal val="#ppt_x"/>
+                                          </p:val>
+                                        </p:tav>
+                                        <p:tav tm="100000">
+                                          <p:val>
+                                            <p:strVal val="#ppt_x"/>
+                                          </p:val>
+                                        </p:tav>
+                                      </p:tavLst>
+                                    </p:anim>
+                                    <p:anim calcmode="lin" valueType="num">
+                                      <p:cBhvr additive="base">
+                                        <p:cTn id="14" dur="500" fill="hold"/>
+                                        <p:tgtEl>
+                                          <p:spTgt spid="6"/>
+                                        </p:tgtEl>
+                                        <p:attrNameLst>
+                                          <p:attrName>ppt_y</p:attrName>
+                                        </p:attrNameLst>
+                                      </p:cBhvr>
+                                      <p:tavLst>
+                                        <p:tav tm="0">
+                                          <p:val>
+                                            <p:strVal val="1+#ppt_h/2"/>
+                                          </p:val>
+                                        </p:tav>
+                                        <p:tav tm="100000">
+                                          <p:val>
+                                            <p:strVal val="#ppt_y"/>
+                                          </p:val>
+                                        </p:tav>
+                                      </p:tavLst>
+                                    </p:anim>
+                                  </p:childTnLst>
+                                </p:cTn>
+                              </p:par>
+                            </p:childTnLst>
+                          </p:cTn>
+                        </p:par>
+                      </p:childTnLst>
+                    </p:cTn>
+                  </p:par>
+                  <p:par>
+                    <p:cTn id="15" fill="hold">
+                      <p:stCondLst>
+                        <p:cond delay="indefinite"/>
+                      </p:stCondLst>
+                      <p:childTnLst>
+                        <p:par>
+                          <p:cTn id="16" fill="hold">
+                            <p:stCondLst>
+                              <p:cond delay="0"/>
+                            </p:stCondLst>
+                            <p:childTnLst>
+                              <p:par>
+                                <p:cTn id="17" presetID="2" presetClass="entr" presetSubtype="4" fill="hold" nodeType="clickEffect">
+                                  <p:stCondLst>
+                                    <p:cond delay="0"/>
+                                  </p:stCondLst>
+                                  <p:childTnLst>
+                                    <p:set>
+                                      <p:cBhvr>
+                                        <p:cTn id="18" dur="1" fill="hold">
+                                          <p:stCondLst>
+                                            <p:cond delay="0"/>
+                                          </p:stCondLst>
+                                        </p:cTn>
+                                        <p:tgtEl>
+                                          <p:spTgt spid="20483">
+                                            <p:txEl>
+                                              <p:pRg st="1" end="1"/>
+                                            </p:txEl>
+                                          </p:spTgt>
+                                        </p:tgtEl>
+                                        <p:attrNameLst>
+                                          <p:attrName>style.visibility</p:attrName>
+                                        </p:attrNameLst>
+                                      </p:cBhvr>
+                                      <p:to>
+                                        <p:strVal val="visible"/>
+                                      </p:to>
+                                    </p:set>
+                                    <p:anim calcmode="lin" valueType="num">
+                                      <p:cBhvr additive="base">
+                                        <p:cTn id="19" dur="500" fill="hold"/>
+                                        <p:tgtEl>
+                                          <p:spTgt spid="20483">
+                                            <p:txEl>
+                                              <p:pRg st="1" end="1"/>
+                                            </p:txEl>
+                                          </p:spTgt>
+                                        </p:tgtEl>
+                                        <p:attrNameLst>
+                                          <p:attrName>ppt_x</p:attrName>
+                                        </p:attrNameLst>
+                                      </p:cBhvr>
+                                      <p:tavLst>
+                                        <p:tav tm="0">
+                                          <p:val>
+                                            <p:strVal val="#ppt_x"/>
+                                          </p:val>
+                                        </p:tav>
+                                        <p:tav tm="100000">
+                                          <p:val>
+                                            <p:strVal val="#ppt_x"/>
+                                          </p:val>
+                                        </p:tav>
+                                      </p:tavLst>
+                                    </p:anim>
+                                    <p:anim calcmode="lin" valueType="num">
+                                      <p:cBhvr additive="base">
+                                        <p:cTn id="20" dur="500" fill="hold"/>
+                                        <p:tgtEl>
+                                          <p:spTgt spid="20483">
+                                            <p:txEl>
+                                              <p:pRg st="1" end="1"/>
+                                            </p:txEl>
+                                          </p:spTgt>
+                                        </p:tgtEl>
+                                        <p:attrNameLst>
+                                          <p:attrName>ppt_y</p:attrName>
+                                        </p:attrNameLst>
+                                      </p:cBhvr>
+                                      <p:tavLst>
+                                        <p:tav tm="0">
+                                          <p:val>
+                                            <p:strVal val="1+#ppt_h/2"/>
+                                          </p:val>
+                                        </p:tav>
+                                        <p:tav tm="100000">
+                                          <p:val>
+                                            <p:strVal val="#ppt_y"/>
+                                          </p:val>
+                                        </p:tav>
+                                      </p:tavLst>
+                                    </p:anim>
+                                  </p:childTnLst>
+                                </p:cTn>
+                              </p:par>
+                            </p:childTnLst>
+                          </p:cTn>
+                        </p:par>
+                      </p:childTnLst>
+                    </p:cTn>
+                  </p:par>
+                </p:childTnLst>
+              </p:cTn>
+              <p:prevCondLst>
+                <p:cond evt="onPrev" delay="0">
+                  <p:tgtEl>
+                    <p:sldTgt/>
+                  </p:tgtEl>
+                </p:cond>
+              </p:prevCondLst>
+              <p:nextCondLst>
+                <p:cond evt="onNext" delay="0">
+                  <p:tgtEl>
+                    <p:sldTgt/>
+                  </p:tgtEl>
+                </p:cond>
+              </p:nextCondLst>
+            </p:seq>
+          </p:childTnLst>
+        </p:cTn>
       </p:par>
     </p:tnLst>
+    <p:bldLst>
+      <p:bldP spid="20483" grpId="0" animBg="1"/>
+    </p:bldLst>
   </p:timing>
 </p:sld>
 </file>

--- a/0PPT/UML图.pptx
+++ b/0PPT/UML图.pptx
@@ -5,7 +5,7 @@
     <p:sldMasterId id="2147483648" r:id="rId1"/>
   </p:sldMasterIdLst>
   <p:notesMasterIdLst>
-    <p:notesMasterId r:id="rId37"/>
+    <p:notesMasterId r:id="rId38"/>
   </p:notesMasterIdLst>
   <p:sldIdLst>
     <p:sldId id="256" r:id="rId2"/>
@@ -14,11 +14,11 @@
     <p:sldId id="306" r:id="rId5"/>
     <p:sldId id="307" r:id="rId6"/>
     <p:sldId id="286" r:id="rId7"/>
-    <p:sldId id="287" r:id="rId8"/>
+    <p:sldId id="310" r:id="rId8"/>
     <p:sldId id="308" r:id="rId9"/>
-    <p:sldId id="309" r:id="rId10"/>
-    <p:sldId id="320" r:id="rId11"/>
-    <p:sldId id="310" r:id="rId12"/>
+    <p:sldId id="287" r:id="rId10"/>
+    <p:sldId id="309" r:id="rId11"/>
+    <p:sldId id="320" r:id="rId12"/>
     <p:sldId id="270" r:id="rId13"/>
     <p:sldId id="311" r:id="rId14"/>
     <p:sldId id="312" r:id="rId15"/>
@@ -26,23 +26,24 @@
     <p:sldId id="291" r:id="rId17"/>
     <p:sldId id="316" r:id="rId18"/>
     <p:sldId id="274" r:id="rId19"/>
-    <p:sldId id="313" r:id="rId20"/>
-    <p:sldId id="293" r:id="rId21"/>
-    <p:sldId id="317" r:id="rId22"/>
-    <p:sldId id="276" r:id="rId23"/>
-    <p:sldId id="294" r:id="rId24"/>
-    <p:sldId id="319" r:id="rId25"/>
-    <p:sldId id="314" r:id="rId26"/>
-    <p:sldId id="296" r:id="rId27"/>
-    <p:sldId id="318" r:id="rId28"/>
-    <p:sldId id="315" r:id="rId29"/>
-    <p:sldId id="298" r:id="rId30"/>
-    <p:sldId id="321" r:id="rId31"/>
-    <p:sldId id="322" r:id="rId32"/>
-    <p:sldId id="323" r:id="rId33"/>
-    <p:sldId id="285" r:id="rId34"/>
-    <p:sldId id="262" r:id="rId35"/>
-    <p:sldId id="305" r:id="rId36"/>
+    <p:sldId id="293" r:id="rId20"/>
+    <p:sldId id="317" r:id="rId21"/>
+    <p:sldId id="276" r:id="rId22"/>
+    <p:sldId id="294" r:id="rId23"/>
+    <p:sldId id="319" r:id="rId24"/>
+    <p:sldId id="314" r:id="rId25"/>
+    <p:sldId id="324" r:id="rId26"/>
+    <p:sldId id="325" r:id="rId27"/>
+    <p:sldId id="296" r:id="rId28"/>
+    <p:sldId id="318" r:id="rId29"/>
+    <p:sldId id="315" r:id="rId30"/>
+    <p:sldId id="298" r:id="rId31"/>
+    <p:sldId id="321" r:id="rId32"/>
+    <p:sldId id="322" r:id="rId33"/>
+    <p:sldId id="323" r:id="rId34"/>
+    <p:sldId id="285" r:id="rId35"/>
+    <p:sldId id="262" r:id="rId36"/>
+    <p:sldId id="305" r:id="rId37"/>
   </p:sldIdLst>
   <p:sldSz cx="12192000" cy="6858000"/>
   <p:notesSz cx="6858000" cy="9144000"/>
@@ -4679,6 +4680,351 @@
         </p:nvCxnSpPr>
         <p:spPr bwMode="auto">
           <a:xfrm flipV="1">
+            <a:off x="1800225" y="1409700"/>
+            <a:ext cx="8591550" cy="17463"/>
+          </a:xfrm>
+          <a:prstGeom prst="line">
+            <a:avLst/>
+          </a:prstGeom>
+          <a:noFill/>
+          <a:ln w="12700">
+            <a:solidFill>
+              <a:srgbClr val="FFC000"/>
+            </a:solidFill>
+            <a:round/>
+            <a:headEnd/>
+            <a:tailEnd/>
+          </a:ln>
+        </p:spPr>
+      </p:cxnSp>
+      <p:sp>
+        <p:nvSpPr>
+          <p:cNvPr id="16386" name="文本框 18"/>
+          <p:cNvSpPr txBox="1">
+            <a:spLocks noChangeArrowheads="1"/>
+          </p:cNvSpPr>
+          <p:nvPr/>
+        </p:nvSpPr>
+        <p:spPr bwMode="auto">
+          <a:xfrm>
+            <a:off x="1694656" y="585927"/>
+            <a:ext cx="8802687" cy="707886"/>
+          </a:xfrm>
+          <a:prstGeom prst="rect">
+            <a:avLst/>
+          </a:prstGeom>
+          <a:noFill/>
+          <a:ln w="9525">
+            <a:noFill/>
+            <a:miter lim="800000"/>
+            <a:headEnd/>
+            <a:tailEnd/>
+          </a:ln>
+        </p:spPr>
+        <p:txBody>
+          <a:bodyPr>
+            <a:spAutoFit/>
+          </a:bodyPr>
+          <a:lstStyle/>
+          <a:p>
+            <a:pPr algn="ctr">
+              <a:buFont typeface="Arial" charset="0"/>
+              <a:buNone/>
+            </a:pPr>
+            <a:r>
+              <a:rPr lang="zh-CN" altLang="en-US" sz="4000" dirty="0" smtClean="0">
+                <a:solidFill>
+                  <a:schemeClr val="bg1"/>
+                </a:solidFill>
+              </a:rPr>
+              <a:t>用 例 </a:t>
+            </a:r>
+            <a:r>
+              <a:rPr lang="zh-CN" altLang="en-US" sz="4000" dirty="0" smtClean="0">
+                <a:solidFill>
+                  <a:schemeClr val="bg1"/>
+                </a:solidFill>
+              </a:rPr>
+              <a:t>描述</a:t>
+            </a:r>
+            <a:endParaRPr lang="zh-CN" altLang="en-US" sz="4000" dirty="0">
+              <a:solidFill>
+                <a:schemeClr val="bg1"/>
+              </a:solidFill>
+            </a:endParaRPr>
+          </a:p>
+        </p:txBody>
+      </p:sp>
+      <p:sp>
+        <p:nvSpPr>
+          <p:cNvPr id="5124" name="矩形 1"/>
+          <p:cNvSpPr>
+            <a:spLocks noChangeArrowheads="1"/>
+          </p:cNvSpPr>
+          <p:nvPr/>
+        </p:nvSpPr>
+        <p:spPr bwMode="auto">
+          <a:xfrm>
+            <a:off x="1800224" y="1965325"/>
+            <a:ext cx="8697119" cy="3521075"/>
+          </a:xfrm>
+          <a:prstGeom prst="rect">
+            <a:avLst/>
+          </a:prstGeom>
+          <a:noFill/>
+          <a:ln w="12700">
+            <a:solidFill>
+              <a:srgbClr val="FFC000"/>
+            </a:solidFill>
+            <a:miter lim="800000"/>
+            <a:headEnd/>
+            <a:tailEnd/>
+          </a:ln>
+        </p:spPr>
+        <p:txBody>
+          <a:bodyPr anchor="t"/>
+          <a:lstStyle/>
+          <a:p>
+            <a:pPr>
+              <a:lnSpc>
+                <a:spcPct val="120000"/>
+              </a:lnSpc>
+              <a:buFont typeface="Arial" charset="0"/>
+              <a:buNone/>
+            </a:pPr>
+            <a:r>
+              <a:rPr lang="zh-CN" altLang="en-US" sz="3600" dirty="0" smtClean="0">
+                <a:solidFill>
+                  <a:srgbClr val="FFC000"/>
+                </a:solidFill>
+              </a:rPr>
+              <a:t>用例描述</a:t>
+            </a:r>
+            <a:endParaRPr lang="en-US" altLang="zh-CN" sz="3600" dirty="0">
+              <a:solidFill>
+                <a:srgbClr val="FFC000"/>
+              </a:solidFill>
+            </a:endParaRPr>
+          </a:p>
+          <a:p>
+            <a:pPr>
+              <a:lnSpc>
+                <a:spcPct val="120000"/>
+              </a:lnSpc>
+              <a:buFont typeface="Arial" charset="0"/>
+              <a:buNone/>
+            </a:pPr>
+            <a:r>
+              <a:rPr lang="zh-CN" altLang="en-US" sz="2400" dirty="0" smtClean="0">
+                <a:solidFill>
+                  <a:srgbClr val="FFFFFF"/>
+                </a:solidFill>
+              </a:rPr>
+              <a:t>用例图是对用例的简单描述</a:t>
+            </a:r>
+            <a:endParaRPr lang="en-US" altLang="zh-CN" sz="2400" dirty="0" smtClean="0">
+              <a:solidFill>
+                <a:srgbClr val="FFFFFF"/>
+              </a:solidFill>
+            </a:endParaRPr>
+          </a:p>
+          <a:p>
+            <a:pPr>
+              <a:lnSpc>
+                <a:spcPct val="120000"/>
+              </a:lnSpc>
+              <a:buFont typeface="Arial" charset="0"/>
+              <a:buNone/>
+            </a:pPr>
+            <a:r>
+              <a:rPr lang="zh-CN" altLang="en-US" sz="2400" dirty="0" smtClean="0">
+                <a:solidFill>
+                  <a:srgbClr val="FFFFFF"/>
+                </a:solidFill>
+              </a:rPr>
+              <a:t>用例描述对</a:t>
+            </a:r>
+            <a:r>
+              <a:rPr lang="zh-CN" altLang="en-US" sz="2400" dirty="0" smtClean="0">
+                <a:solidFill>
+                  <a:srgbClr val="FFFFFF"/>
+                </a:solidFill>
+              </a:rPr>
+              <a:t>各个用例</a:t>
+            </a:r>
+            <a:r>
+              <a:rPr lang="zh-CN" altLang="en-US" sz="2400" dirty="0" smtClean="0">
+                <a:solidFill>
+                  <a:srgbClr val="FFFFFF"/>
+                </a:solidFill>
+              </a:rPr>
+              <a:t>的详细的文档</a:t>
+            </a:r>
+            <a:r>
+              <a:rPr lang="zh-CN" altLang="en-US" sz="2400" dirty="0" smtClean="0">
+                <a:solidFill>
+                  <a:srgbClr val="FFFFFF"/>
+                </a:solidFill>
+              </a:rPr>
+              <a:t>解释</a:t>
+            </a:r>
+            <a:endParaRPr lang="en-US" altLang="zh-CN" sz="2400" dirty="0" smtClean="0">
+              <a:solidFill>
+                <a:srgbClr val="FFFFFF"/>
+              </a:solidFill>
+            </a:endParaRPr>
+          </a:p>
+        </p:txBody>
+      </p:sp>
+    </p:spTree>
+    <p:extLst>
+      <p:ext uri="{BB962C8B-B14F-4D97-AF65-F5344CB8AC3E}">
+        <p14:creationId xmlns:p14="http://schemas.microsoft.com/office/powerpoint/2010/main" val="346727315"/>
+      </p:ext>
+    </p:extLst>
+  </p:cSld>
+  <p:clrMapOvr>
+    <a:masterClrMapping/>
+  </p:clrMapOvr>
+  <p:timing>
+    <p:tnLst>
+      <p:par>
+        <p:cTn id="1" dur="indefinite" restart="never" nodeType="tmRoot">
+          <p:childTnLst>
+            <p:seq concurrent="1" nextAc="seek">
+              <p:cTn id="2" dur="indefinite" nodeType="mainSeq">
+                <p:childTnLst>
+                  <p:par>
+                    <p:cTn id="3" fill="hold">
+                      <p:stCondLst>
+                        <p:cond delay="indefinite"/>
+                      </p:stCondLst>
+                      <p:childTnLst>
+                        <p:par>
+                          <p:cTn id="4" fill="hold">
+                            <p:stCondLst>
+                              <p:cond delay="0"/>
+                            </p:stCondLst>
+                            <p:childTnLst>
+                              <p:par>
+                                <p:cTn id="5" presetID="12" presetClass="entr" presetSubtype="4" fill="hold" grpId="0" nodeType="clickEffect">
+                                  <p:stCondLst>
+                                    <p:cond delay="0"/>
+                                  </p:stCondLst>
+                                  <p:childTnLst>
+                                    <p:set>
+                                      <p:cBhvr>
+                                        <p:cTn id="6" dur="1" fill="hold">
+                                          <p:stCondLst>
+                                            <p:cond delay="0"/>
+                                          </p:stCondLst>
+                                        </p:cTn>
+                                        <p:tgtEl>
+                                          <p:spTgt spid="5124"/>
+                                        </p:tgtEl>
+                                        <p:attrNameLst>
+                                          <p:attrName>style.visibility</p:attrName>
+                                        </p:attrNameLst>
+                                      </p:cBhvr>
+                                      <p:to>
+                                        <p:strVal val="visible"/>
+                                      </p:to>
+                                    </p:set>
+                                    <p:anim calcmode="lin" valueType="num">
+                                      <p:cBhvr additive="base">
+                                        <p:cTn id="7" dur="500"/>
+                                        <p:tgtEl>
+                                          <p:spTgt spid="5124"/>
+                                        </p:tgtEl>
+                                        <p:attrNameLst>
+                                          <p:attrName>ppt_y</p:attrName>
+                                        </p:attrNameLst>
+                                      </p:cBhvr>
+                                      <p:tavLst>
+                                        <p:tav tm="0">
+                                          <p:val>
+                                            <p:strVal val="#ppt_y+#ppt_h*1.125000"/>
+                                          </p:val>
+                                        </p:tav>
+                                        <p:tav tm="100000">
+                                          <p:val>
+                                            <p:strVal val="#ppt_y"/>
+                                          </p:val>
+                                        </p:tav>
+                                      </p:tavLst>
+                                    </p:anim>
+                                    <p:animEffect transition="in" filter="wipe(up)">
+                                      <p:cBhvr>
+                                        <p:cTn id="8" dur="500"/>
+                                        <p:tgtEl>
+                                          <p:spTgt spid="5124"/>
+                                        </p:tgtEl>
+                                      </p:cBhvr>
+                                    </p:animEffect>
+                                  </p:childTnLst>
+                                </p:cTn>
+                              </p:par>
+                            </p:childTnLst>
+                          </p:cTn>
+                        </p:par>
+                      </p:childTnLst>
+                    </p:cTn>
+                  </p:par>
+                </p:childTnLst>
+              </p:cTn>
+              <p:prevCondLst>
+                <p:cond evt="onPrev" delay="0">
+                  <p:tgtEl>
+                    <p:sldTgt/>
+                  </p:tgtEl>
+                </p:cond>
+              </p:prevCondLst>
+              <p:nextCondLst>
+                <p:cond evt="onNext" delay="0">
+                  <p:tgtEl>
+                    <p:sldTgt/>
+                  </p:tgtEl>
+                </p:cond>
+              </p:nextCondLst>
+            </p:seq>
+          </p:childTnLst>
+        </p:cTn>
+      </p:par>
+    </p:tnLst>
+    <p:bldLst>
+      <p:bldP spid="5124" grpId="0" animBg="1"/>
+    </p:bldLst>
+  </p:timing>
+</p:sld>
+</file>
+
+<file path=ppt/slides/slide11.xml><?xml version="1.0" encoding="utf-8"?>
+<p:sld xmlns:a="http://schemas.openxmlformats.org/drawingml/2006/main" xmlns:r="http://schemas.openxmlformats.org/officeDocument/2006/relationships" xmlns:p="http://schemas.openxmlformats.org/presentationml/2006/main">
+  <p:cSld>
+    <p:spTree>
+      <p:nvGrpSpPr>
+        <p:cNvPr id="1" name=""/>
+        <p:cNvGrpSpPr/>
+        <p:nvPr/>
+      </p:nvGrpSpPr>
+      <p:grpSpPr>
+        <a:xfrm>
+          <a:off x="0" y="0"/>
+          <a:ext cx="0" cy="0"/>
+          <a:chOff x="0" y="0"/>
+          <a:chExt cx="0" cy="0"/>
+        </a:xfrm>
+      </p:grpSpPr>
+      <p:cxnSp>
+        <p:nvCxnSpPr>
+          <p:cNvPr id="16385" name="直接连接符 16"/>
+          <p:cNvCxnSpPr>
+            <a:cxnSpLocks noChangeShapeType="1"/>
+          </p:cNvCxnSpPr>
+          <p:nvPr/>
+        </p:nvCxnSpPr>
+        <p:spPr bwMode="auto">
+          <a:xfrm flipV="1">
             <a:off x="1905794" y="823773"/>
             <a:ext cx="8591550" cy="17463"/>
           </a:xfrm>
@@ -4736,7 +5082,15 @@
                   <a:schemeClr val="bg1"/>
                 </a:solidFill>
               </a:rPr>
-              <a:t>用 例 图</a:t>
+              <a:t>用 例 </a:t>
+            </a:r>
+            <a:r>
+              <a:rPr lang="zh-CN" altLang="en-US" sz="4000" dirty="0" smtClean="0">
+                <a:solidFill>
+                  <a:schemeClr val="bg1"/>
+                </a:solidFill>
+              </a:rPr>
+              <a:t>描述</a:t>
             </a:r>
             <a:endParaRPr lang="zh-CN" altLang="en-US" sz="4000" dirty="0">
               <a:solidFill>
@@ -5497,281 +5851,6 @@
 </p:sld>
 </file>
 
-<file path=ppt/slides/slide11.xml><?xml version="1.0" encoding="utf-8"?>
-<p:sld xmlns:a="http://schemas.openxmlformats.org/drawingml/2006/main" xmlns:r="http://schemas.openxmlformats.org/officeDocument/2006/relationships" xmlns:p="http://schemas.openxmlformats.org/presentationml/2006/main">
-  <p:cSld>
-    <p:spTree>
-      <p:nvGrpSpPr>
-        <p:cNvPr id="1" name=""/>
-        <p:cNvGrpSpPr/>
-        <p:nvPr/>
-      </p:nvGrpSpPr>
-      <p:grpSpPr>
-        <a:xfrm>
-          <a:off x="0" y="0"/>
-          <a:ext cx="0" cy="0"/>
-          <a:chOff x="0" y="0"/>
-          <a:chExt cx="0" cy="0"/>
-        </a:xfrm>
-      </p:grpSpPr>
-      <p:cxnSp>
-        <p:nvCxnSpPr>
-          <p:cNvPr id="16385" name="直接连接符 16"/>
-          <p:cNvCxnSpPr>
-            <a:cxnSpLocks noChangeShapeType="1"/>
-          </p:cNvCxnSpPr>
-          <p:nvPr/>
-        </p:nvCxnSpPr>
-        <p:spPr bwMode="auto">
-          <a:xfrm flipV="1">
-            <a:off x="1800225" y="1409700"/>
-            <a:ext cx="8591550" cy="17463"/>
-          </a:xfrm>
-          <a:prstGeom prst="line">
-            <a:avLst/>
-          </a:prstGeom>
-          <a:noFill/>
-          <a:ln w="12700">
-            <a:solidFill>
-              <a:srgbClr val="FFC000"/>
-            </a:solidFill>
-            <a:round/>
-            <a:headEnd/>
-            <a:tailEnd/>
-          </a:ln>
-        </p:spPr>
-      </p:cxnSp>
-      <p:sp>
-        <p:nvSpPr>
-          <p:cNvPr id="16386" name="文本框 18"/>
-          <p:cNvSpPr txBox="1">
-            <a:spLocks noChangeArrowheads="1"/>
-          </p:cNvSpPr>
-          <p:nvPr/>
-        </p:nvSpPr>
-        <p:spPr bwMode="auto">
-          <a:xfrm>
-            <a:off x="1694656" y="585927"/>
-            <a:ext cx="8802687" cy="707886"/>
-          </a:xfrm>
-          <a:prstGeom prst="rect">
-            <a:avLst/>
-          </a:prstGeom>
-          <a:noFill/>
-          <a:ln w="9525">
-            <a:noFill/>
-            <a:miter lim="800000"/>
-            <a:headEnd/>
-            <a:tailEnd/>
-          </a:ln>
-        </p:spPr>
-        <p:txBody>
-          <a:bodyPr>
-            <a:spAutoFit/>
-          </a:bodyPr>
-          <a:lstStyle/>
-          <a:p>
-            <a:pPr algn="ctr">
-              <a:buFont typeface="Arial" charset="0"/>
-              <a:buNone/>
-            </a:pPr>
-            <a:r>
-              <a:rPr lang="zh-CN" altLang="en-US" sz="4000" dirty="0" smtClean="0">
-                <a:solidFill>
-                  <a:schemeClr val="bg1"/>
-                </a:solidFill>
-              </a:rPr>
-              <a:t>用 例 图</a:t>
-            </a:r>
-            <a:endParaRPr lang="zh-CN" altLang="en-US" sz="4000" dirty="0">
-              <a:solidFill>
-                <a:schemeClr val="bg1"/>
-              </a:solidFill>
-            </a:endParaRPr>
-          </a:p>
-        </p:txBody>
-      </p:sp>
-      <p:cxnSp>
-        <p:nvCxnSpPr>
-          <p:cNvPr id="4" name="直接箭头连接符 3"/>
-          <p:cNvCxnSpPr>
-            <a:endCxn id="5124" idx="0"/>
-          </p:cNvCxnSpPr>
-          <p:nvPr/>
-        </p:nvCxnSpPr>
-        <p:spPr>
-          <a:xfrm flipH="1">
-            <a:off x="6002069" y="1293813"/>
-            <a:ext cx="349250" cy="671512"/>
-          </a:xfrm>
-          <a:prstGeom prst="straightConnector1">
-            <a:avLst/>
-          </a:prstGeom>
-          <a:ln w="25400">
-            <a:solidFill>
-              <a:srgbClr val="FFC000"/>
-            </a:solidFill>
-            <a:tailEnd type="arrow"/>
-          </a:ln>
-        </p:spPr>
-        <p:style>
-          <a:lnRef idx="1">
-            <a:schemeClr val="accent1"/>
-          </a:lnRef>
-          <a:fillRef idx="0">
-            <a:schemeClr val="accent1"/>
-          </a:fillRef>
-          <a:effectRef idx="0">
-            <a:schemeClr val="accent1"/>
-          </a:effectRef>
-          <a:fontRef idx="minor">
-            <a:schemeClr val="tx1"/>
-          </a:fontRef>
-        </p:style>
-      </p:cxnSp>
-      <p:pic>
-        <p:nvPicPr>
-          <p:cNvPr id="2" name="图片 1"/>
-          <p:cNvPicPr>
-            <a:picLocks noChangeAspect="1"/>
-          </p:cNvPicPr>
-          <p:nvPr/>
-        </p:nvPicPr>
-        <p:blipFill>
-          <a:blip r:embed="rId2"/>
-          <a:stretch>
-            <a:fillRect/>
-          </a:stretch>
-        </p:blipFill>
-        <p:spPr>
-          <a:xfrm>
-            <a:off x="1224487" y="0"/>
-            <a:ext cx="9553575" cy="6754107"/>
-          </a:xfrm>
-          <a:prstGeom prst="rect">
-            <a:avLst/>
-          </a:prstGeom>
-        </p:spPr>
-      </p:pic>
-    </p:spTree>
-    <p:extLst>
-      <p:ext uri="{BB962C8B-B14F-4D97-AF65-F5344CB8AC3E}">
-        <p14:creationId xmlns:p14="http://schemas.microsoft.com/office/powerpoint/2010/main" val="3588696285"/>
-      </p:ext>
-    </p:extLst>
-  </p:cSld>
-  <p:clrMapOvr>
-    <a:masterClrMapping/>
-  </p:clrMapOvr>
-  <p:timing>
-    <p:tnLst>
-      <p:par>
-        <p:cTn id="1" dur="indefinite" restart="never" nodeType="tmRoot">
-          <p:childTnLst>
-            <p:seq concurrent="1" nextAc="seek">
-              <p:cTn id="2" dur="indefinite" nodeType="mainSeq">
-                <p:childTnLst>
-                  <p:par>
-                    <p:cTn id="3" fill="hold">
-                      <p:stCondLst>
-                        <p:cond delay="indefinite"/>
-                      </p:stCondLst>
-                      <p:childTnLst>
-                        <p:par>
-                          <p:cTn id="4" fill="hold">
-                            <p:stCondLst>
-                              <p:cond delay="0"/>
-                            </p:stCondLst>
-                            <p:childTnLst>
-                              <p:par>
-                                <p:cTn id="5" presetID="12" presetClass="entr" presetSubtype="4" fill="hold" nodeType="clickEffect">
-                                  <p:stCondLst>
-                                    <p:cond delay="0"/>
-                                  </p:stCondLst>
-                                  <p:childTnLst>
-                                    <p:set>
-                                      <p:cBhvr>
-                                        <p:cTn id="6" dur="1" fill="hold">
-                                          <p:stCondLst>
-                                            <p:cond delay="0"/>
-                                          </p:stCondLst>
-                                        </p:cTn>
-                                        <p:tgtEl>
-                                          <p:spTgt spid="4"/>
-                                        </p:tgtEl>
-                                        <p:attrNameLst>
-                                          <p:attrName>style.visibility</p:attrName>
-                                        </p:attrNameLst>
-                                      </p:cBhvr>
-                                      <p:to>
-                                        <p:strVal val="visible"/>
-                                      </p:to>
-                                    </p:set>
-                                    <p:anim calcmode="lin" valueType="num">
-                                      <p:cBhvr additive="base">
-                                        <p:cTn id="7" dur="500"/>
-                                        <p:tgtEl>
-                                          <p:spTgt spid="4"/>
-                                        </p:tgtEl>
-                                        <p:attrNameLst>
-                                          <p:attrName>ppt_y</p:attrName>
-                                        </p:attrNameLst>
-                                      </p:cBhvr>
-                                      <p:tavLst>
-                                        <p:tav tm="0">
-                                          <p:val>
-                                            <p:strVal val="#ppt_y+#ppt_h*1.125000"/>
-                                          </p:val>
-                                        </p:tav>
-                                        <p:tav tm="100000">
-                                          <p:val>
-                                            <p:strVal val="#ppt_y"/>
-                                          </p:val>
-                                        </p:tav>
-                                      </p:tavLst>
-                                    </p:anim>
-                                    <p:animEffect transition="in" filter="wipe(up)">
-                                      <p:cBhvr>
-                                        <p:cTn id="8" dur="500"/>
-                                        <p:tgtEl>
-                                          <p:spTgt spid="4"/>
-                                        </p:tgtEl>
-                                      </p:cBhvr>
-                                    </p:animEffect>
-                                  </p:childTnLst>
-                                </p:cTn>
-                              </p:par>
-                            </p:childTnLst>
-                          </p:cTn>
-                        </p:par>
-                      </p:childTnLst>
-                    </p:cTn>
-                  </p:par>
-                </p:childTnLst>
-              </p:cTn>
-              <p:prevCondLst>
-                <p:cond evt="onPrev" delay="0">
-                  <p:tgtEl>
-                    <p:sldTgt/>
-                  </p:tgtEl>
-                </p:cond>
-              </p:prevCondLst>
-              <p:nextCondLst>
-                <p:cond evt="onNext" delay="0">
-                  <p:tgtEl>
-                    <p:sldTgt/>
-                  </p:tgtEl>
-                </p:cond>
-              </p:nextCondLst>
-            </p:seq>
-          </p:childTnLst>
-        </p:cTn>
-      </p:par>
-    </p:tnLst>
-  </p:timing>
-</p:sld>
-</file>
-
 <file path=ppt/slides/slide12.xml><?xml version="1.0" encoding="utf-8"?>
 <p:sld xmlns:a="http://schemas.openxmlformats.org/drawingml/2006/main" xmlns:r="http://schemas.openxmlformats.org/officeDocument/2006/relationships" xmlns:p="http://schemas.openxmlformats.org/presentationml/2006/main">
   <p:cSld>
@@ -5999,14 +6078,6 @@
               <a:buFont typeface="Arial" charset="0"/>
               <a:buNone/>
             </a:pPr>
-            <a:r>
-              <a:rPr lang="zh-CN" altLang="en-US" sz="2000" b="1" dirty="0" smtClean="0">
-                <a:solidFill>
-                  <a:srgbClr val="FFFFFF"/>
-                </a:solidFill>
-              </a:rPr>
-              <a:t>。</a:t>
-            </a:r>
             <a:endParaRPr lang="zh-CN" altLang="en-US" sz="2400" b="1" dirty="0">
               <a:solidFill>
                 <a:srgbClr val="FFFFFF"/>
@@ -6408,7 +6479,7 @@
               </a:lnSpc>
             </a:pPr>
             <a:r>
-              <a:rPr lang="zh-CN" altLang="en-US" sz="3200" b="1" dirty="0">
+              <a:rPr lang="zh-CN" altLang="en-US" sz="3200" b="1" dirty="0" smtClean="0">
                 <a:solidFill>
                   <a:srgbClr val="FFC000"/>
                 </a:solidFill>
@@ -7736,7 +7807,23 @@
                   <a:schemeClr val="bg1"/>
                 </a:solidFill>
               </a:rPr>
-              <a:t>角色，对象，激活，消息</a:t>
+              <a:t>角色，对象</a:t>
+            </a:r>
+            <a:r>
+              <a:rPr lang="zh-CN" altLang="en-US" sz="2400" dirty="0" smtClean="0">
+                <a:solidFill>
+                  <a:schemeClr val="bg1"/>
+                </a:solidFill>
+              </a:rPr>
+              <a:t>，生命线，激活期，</a:t>
+            </a:r>
+            <a:r>
+              <a:rPr lang="zh-CN" altLang="en-US" sz="2400" dirty="0">
+                <a:solidFill>
+                  <a:schemeClr val="bg1"/>
+                </a:solidFill>
+              </a:rPr>
+              <a:t>消息</a:t>
             </a:r>
           </a:p>
         </p:txBody>
@@ -7775,7 +7862,7 @@
       </p:grpSpPr>
       <p:cxnSp>
         <p:nvCxnSpPr>
-          <p:cNvPr id="18433" name="直接连接符 16"/>
+          <p:cNvPr id="29697" name="直接连接符 16"/>
           <p:cNvCxnSpPr>
             <a:cxnSpLocks noChangeShapeType="1"/>
           </p:cNvCxnSpPr>
@@ -7783,8 +7870,8 @@
         </p:nvCxnSpPr>
         <p:spPr bwMode="auto">
           <a:xfrm flipV="1">
-            <a:off x="1800225" y="1409700"/>
-            <a:ext cx="8591550" cy="17463"/>
+            <a:off x="1860550" y="1255713"/>
+            <a:ext cx="8591550" cy="17462"/>
           </a:xfrm>
           <a:prstGeom prst="line">
             <a:avLst/>
@@ -7802,7 +7889,7 @@
       </p:cxnSp>
       <p:sp>
         <p:nvSpPr>
-          <p:cNvPr id="18434" name="文本框 18"/>
+          <p:cNvPr id="29698" name="文本框 18"/>
           <p:cNvSpPr txBox="1">
             <a:spLocks noChangeArrowheads="1"/>
           </p:cNvSpPr>
@@ -7810,8 +7897,8 @@
         </p:nvSpPr>
         <p:spPr bwMode="auto">
           <a:xfrm>
-            <a:off x="1693863" y="771525"/>
-            <a:ext cx="8802687" cy="584200"/>
+            <a:off x="1797050" y="669925"/>
+            <a:ext cx="8802688" cy="579438"/>
           </a:xfrm>
           <a:prstGeom prst="rect">
             <a:avLst/>
@@ -7840,162 +7927,103 @@
                   <a:schemeClr val="bg1"/>
                 </a:solidFill>
               </a:rPr>
-              <a:t>顺 序 图</a:t>
-            </a:r>
-            <a:endParaRPr lang="zh-CN" altLang="en-US" sz="3200" dirty="0">
-              <a:solidFill>
-                <a:schemeClr val="bg1"/>
-              </a:solidFill>
-            </a:endParaRPr>
+              <a:t>顺序图</a:t>
+            </a:r>
+            <a:r>
+              <a:rPr lang="zh-CN" altLang="en-US" sz="3200" dirty="0">
+                <a:solidFill>
+                  <a:schemeClr val="bg1"/>
+                </a:solidFill>
+              </a:rPr>
+              <a:t>示例</a:t>
+            </a:r>
           </a:p>
         </p:txBody>
       </p:sp>
+      <p:pic>
+        <p:nvPicPr>
+          <p:cNvPr id="29699" name="Picture 8"/>
+          <p:cNvPicPr>
+            <a:picLocks noChangeAspect="1" noChangeArrowheads="1"/>
+          </p:cNvPicPr>
+          <p:nvPr/>
+        </p:nvPicPr>
+        <p:blipFill>
+          <a:blip r:embed="rId2"/>
+          <a:srcRect/>
+          <a:stretch>
+            <a:fillRect/>
+          </a:stretch>
+        </p:blipFill>
+        <p:spPr bwMode="auto">
+          <a:xfrm>
+            <a:off x="2726531" y="1403812"/>
+            <a:ext cx="6943725" cy="5369850"/>
+          </a:xfrm>
+          <a:prstGeom prst="rect">
+            <a:avLst/>
+          </a:prstGeom>
+          <a:noFill/>
+          <a:ln w="9525">
+            <a:noFill/>
+            <a:miter lim="800000"/>
+            <a:headEnd/>
+            <a:tailEnd/>
+          </a:ln>
+        </p:spPr>
+      </p:pic>
       <p:sp>
         <p:nvSpPr>
-          <p:cNvPr id="18435" name="矩形 1"/>
-          <p:cNvSpPr>
+          <p:cNvPr id="29702" name="Text Box 6"/>
+          <p:cNvSpPr txBox="1">
             <a:spLocks noChangeArrowheads="1"/>
           </p:cNvSpPr>
           <p:nvPr/>
         </p:nvSpPr>
         <p:spPr bwMode="auto">
           <a:xfrm>
-            <a:off x="1798638" y="1863725"/>
-            <a:ext cx="8697912" cy="3871913"/>
+            <a:off x="2138363" y="1812925"/>
+            <a:ext cx="458787" cy="3084513"/>
           </a:xfrm>
           <a:prstGeom prst="rect">
             <a:avLst/>
           </a:prstGeom>
           <a:noFill/>
-          <a:ln w="12700">
-            <a:solidFill>
-              <a:srgbClr val="FFC000"/>
-            </a:solidFill>
+          <a:ln w="9525">
+            <a:noFill/>
             <a:miter lim="800000"/>
             <a:headEnd/>
             <a:tailEnd/>
           </a:ln>
+          <a:effectLst/>
         </p:spPr>
         <p:txBody>
-          <a:bodyPr anchor="t"/>
+          <a:bodyPr vert="eaVert">
+            <a:spAutoFit/>
+          </a:bodyPr>
           <a:lstStyle/>
           <a:p>
             <a:pPr>
-              <a:lnSpc>
-                <a:spcPct val="120000"/>
-              </a:lnSpc>
-              <a:buFont typeface="Arial" charset="0"/>
-              <a:buNone/>
-            </a:pPr>
-            <a:r>
-              <a:rPr lang="zh-CN" altLang="en-US" sz="3200" b="1" dirty="0" smtClean="0">
-                <a:solidFill>
-                  <a:srgbClr val="FFC000"/>
-                </a:solidFill>
-              </a:rPr>
-              <a:t>顺序图</a:t>
-            </a:r>
-            <a:endParaRPr lang="en-US" altLang="zh-CN" sz="3200" b="1" dirty="0" smtClean="0">
-              <a:solidFill>
-                <a:srgbClr val="FFC000"/>
-              </a:solidFill>
-            </a:endParaRPr>
-          </a:p>
-          <a:p>
-            <a:pPr>
-              <a:lnSpc>
-                <a:spcPct val="120000"/>
-              </a:lnSpc>
-              <a:buFont typeface="Arial" charset="0"/>
-              <a:buNone/>
-            </a:pPr>
-            <a:r>
-              <a:rPr lang="zh-CN" altLang="en-US" sz="2400" dirty="0" smtClean="0">
+              <a:spcBef>
+                <a:spcPct val="50000"/>
+              </a:spcBef>
+            </a:pPr>
+            <a:r>
+              <a:rPr lang="zh-CN" altLang="en-US" dirty="0">
                 <a:solidFill>
                   <a:schemeClr val="bg1"/>
                 </a:solidFill>
               </a:rPr>
-              <a:t>是强调消息时间顺序的交互图，他描述了对象之间传送消息的时间顺序。</a:t>
-            </a:r>
-            <a:endParaRPr lang="en-US" altLang="zh-CN" sz="2400" dirty="0" smtClean="0">
-              <a:solidFill>
-                <a:schemeClr val="bg1"/>
-              </a:solidFill>
-            </a:endParaRPr>
-          </a:p>
-          <a:p>
-            <a:pPr>
-              <a:lnSpc>
-                <a:spcPct val="120000"/>
-              </a:lnSpc>
-              <a:buFont typeface="Arial" charset="0"/>
-              <a:buNone/>
-            </a:pPr>
-            <a:r>
-              <a:rPr lang="zh-CN" altLang="en-US" sz="2400" dirty="0" smtClean="0">
-                <a:solidFill>
-                  <a:schemeClr val="bg1"/>
-                </a:solidFill>
-              </a:rPr>
-              <a:t>对用例进行时间上的细化分解。</a:t>
-            </a:r>
-            <a:endParaRPr lang="en-US" altLang="zh-CN" sz="2400" dirty="0" smtClean="0">
-              <a:solidFill>
-                <a:schemeClr val="bg1"/>
-              </a:solidFill>
-            </a:endParaRPr>
-          </a:p>
-          <a:p>
-            <a:pPr>
-              <a:lnSpc>
-                <a:spcPct val="120000"/>
-              </a:lnSpc>
-            </a:pPr>
-            <a:r>
-              <a:rPr lang="zh-CN" altLang="en-US" sz="3200" b="1" dirty="0">
-                <a:solidFill>
-                  <a:srgbClr val="FFC000"/>
-                </a:solidFill>
-              </a:rPr>
-              <a:t>基本</a:t>
-            </a:r>
-            <a:r>
-              <a:rPr lang="zh-CN" altLang="en-US" sz="3200" b="1" dirty="0" smtClean="0">
-                <a:solidFill>
-                  <a:srgbClr val="FFC000"/>
-                </a:solidFill>
-              </a:rPr>
-              <a:t>内容</a:t>
-            </a:r>
-            <a:endParaRPr lang="en-US" altLang="zh-CN" sz="3200" b="1" dirty="0" smtClean="0">
-              <a:solidFill>
-                <a:srgbClr val="FFC000"/>
-              </a:solidFill>
-            </a:endParaRPr>
-          </a:p>
-          <a:p>
-            <a:pPr>
-              <a:lnSpc>
-                <a:spcPct val="120000"/>
-              </a:lnSpc>
-            </a:pPr>
-            <a:r>
-              <a:rPr lang="zh-CN" altLang="en-US" sz="2400" dirty="0">
-                <a:solidFill>
-                  <a:schemeClr val="bg1"/>
-                </a:solidFill>
-              </a:rPr>
-              <a:t>角色，对象，激活，消息</a:t>
+              <a:t>序列图显示用例中的功能流程</a:t>
+            </a:r>
+            <a:r>
+              <a:rPr lang="zh-CN" altLang="en-US" dirty="0"/>
+              <a:t>。</a:t>
             </a:r>
           </a:p>
         </p:txBody>
       </p:sp>
     </p:spTree>
-    <p:extLst>
-      <p:ext uri="{BB962C8B-B14F-4D97-AF65-F5344CB8AC3E}">
-        <p14:creationId xmlns:p14="http://schemas.microsoft.com/office/powerpoint/2010/main" val="366799688"/>
-      </p:ext>
-    </p:extLst>
   </p:cSld>
   <p:clrMapOvr>
     <a:masterClrMapping/>
@@ -9019,88 +9047,34 @@
       </p:sp>
       <p:pic>
         <p:nvPicPr>
-          <p:cNvPr id="29699" name="Picture 8"/>
+          <p:cNvPr id="2" name="图片 1"/>
           <p:cNvPicPr>
-            <a:picLocks noChangeAspect="1" noChangeArrowheads="1"/>
+            <a:picLocks noChangeAspect="1"/>
           </p:cNvPicPr>
           <p:nvPr/>
         </p:nvPicPr>
         <p:blipFill>
           <a:blip r:embed="rId2"/>
-          <a:srcRect/>
           <a:stretch>
             <a:fillRect/>
           </a:stretch>
         </p:blipFill>
-        <p:spPr bwMode="auto">
+        <p:spPr>
           <a:xfrm>
-            <a:off x="2726531" y="1279525"/>
-            <a:ext cx="6943725" cy="5119687"/>
+            <a:off x="1860550" y="1320646"/>
+            <a:ext cx="8591550" cy="5537354"/>
           </a:xfrm>
           <a:prstGeom prst="rect">
             <a:avLst/>
           </a:prstGeom>
-          <a:noFill/>
-          <a:ln w="9525">
-            <a:noFill/>
-            <a:miter lim="800000"/>
-            <a:headEnd/>
-            <a:tailEnd/>
-          </a:ln>
         </p:spPr>
       </p:pic>
-      <p:sp>
-        <p:nvSpPr>
-          <p:cNvPr id="29702" name="Text Box 6"/>
-          <p:cNvSpPr txBox="1">
-            <a:spLocks noChangeArrowheads="1"/>
-          </p:cNvSpPr>
-          <p:nvPr/>
-        </p:nvSpPr>
-        <p:spPr bwMode="auto">
-          <a:xfrm>
-            <a:off x="2138363" y="1812925"/>
-            <a:ext cx="458787" cy="3084513"/>
-          </a:xfrm>
-          <a:prstGeom prst="rect">
-            <a:avLst/>
-          </a:prstGeom>
-          <a:noFill/>
-          <a:ln w="9525">
-            <a:noFill/>
-            <a:miter lim="800000"/>
-            <a:headEnd/>
-            <a:tailEnd/>
-          </a:ln>
-          <a:effectLst/>
-        </p:spPr>
-        <p:txBody>
-          <a:bodyPr vert="eaVert">
-            <a:spAutoFit/>
-          </a:bodyPr>
-          <a:lstStyle/>
-          <a:p>
-            <a:pPr>
-              <a:spcBef>
-                <a:spcPct val="50000"/>
-              </a:spcBef>
-            </a:pPr>
-            <a:r>
-              <a:rPr lang="zh-CN" altLang="en-US" dirty="0">
-                <a:solidFill>
-                  <a:schemeClr val="bg1"/>
-                </a:solidFill>
-              </a:rPr>
-              <a:t>序列图显示用例中的功能流程</a:t>
-            </a:r>
-            <a:r>
-              <a:rPr lang="zh-CN" altLang="en-US" dirty="0"/>
-              <a:t>。</a:t>
-            </a:r>
-          </a:p>
-        </p:txBody>
-      </p:sp>
     </p:spTree>
+    <p:extLst>
+      <p:ext uri="{BB962C8B-B14F-4D97-AF65-F5344CB8AC3E}">
+        <p14:creationId xmlns:p14="http://schemas.microsoft.com/office/powerpoint/2010/main" val="1836805527"/>
+      </p:ext>
+    </p:extLst>
   </p:cSld>
   <p:clrMapOvr>
     <a:masterClrMapping/>
@@ -9134,147 +9108,6 @@
       </p:grpSpPr>
       <p:cxnSp>
         <p:nvCxnSpPr>
-          <p:cNvPr id="29697" name="直接连接符 16"/>
-          <p:cNvCxnSpPr>
-            <a:cxnSpLocks noChangeShapeType="1"/>
-          </p:cNvCxnSpPr>
-          <p:nvPr/>
-        </p:nvCxnSpPr>
-        <p:spPr bwMode="auto">
-          <a:xfrm flipV="1">
-            <a:off x="1860550" y="1255713"/>
-            <a:ext cx="8591550" cy="17462"/>
-          </a:xfrm>
-          <a:prstGeom prst="line">
-            <a:avLst/>
-          </a:prstGeom>
-          <a:noFill/>
-          <a:ln w="12700">
-            <a:solidFill>
-              <a:srgbClr val="FFC000"/>
-            </a:solidFill>
-            <a:round/>
-            <a:headEnd/>
-            <a:tailEnd/>
-          </a:ln>
-        </p:spPr>
-      </p:cxnSp>
-      <p:sp>
-        <p:nvSpPr>
-          <p:cNvPr id="29698" name="文本框 18"/>
-          <p:cNvSpPr txBox="1">
-            <a:spLocks noChangeArrowheads="1"/>
-          </p:cNvSpPr>
-          <p:nvPr/>
-        </p:nvSpPr>
-        <p:spPr bwMode="auto">
-          <a:xfrm>
-            <a:off x="1797050" y="669925"/>
-            <a:ext cx="8802688" cy="579438"/>
-          </a:xfrm>
-          <a:prstGeom prst="rect">
-            <a:avLst/>
-          </a:prstGeom>
-          <a:noFill/>
-          <a:ln w="9525">
-            <a:noFill/>
-            <a:miter lim="800000"/>
-            <a:headEnd/>
-            <a:tailEnd/>
-          </a:ln>
-        </p:spPr>
-        <p:txBody>
-          <a:bodyPr>
-            <a:spAutoFit/>
-          </a:bodyPr>
-          <a:lstStyle/>
-          <a:p>
-            <a:pPr algn="ctr">
-              <a:buFont typeface="Arial" charset="0"/>
-              <a:buNone/>
-            </a:pPr>
-            <a:r>
-              <a:rPr lang="zh-CN" altLang="en-US" sz="3200" dirty="0" smtClean="0">
-                <a:solidFill>
-                  <a:schemeClr val="bg1"/>
-                </a:solidFill>
-              </a:rPr>
-              <a:t>顺序图</a:t>
-            </a:r>
-            <a:r>
-              <a:rPr lang="zh-CN" altLang="en-US" sz="3200" dirty="0">
-                <a:solidFill>
-                  <a:schemeClr val="bg1"/>
-                </a:solidFill>
-              </a:rPr>
-              <a:t>示例</a:t>
-            </a:r>
-          </a:p>
-        </p:txBody>
-      </p:sp>
-      <p:pic>
-        <p:nvPicPr>
-          <p:cNvPr id="2" name="图片 1"/>
-          <p:cNvPicPr>
-            <a:picLocks noChangeAspect="1"/>
-          </p:cNvPicPr>
-          <p:nvPr/>
-        </p:nvPicPr>
-        <p:blipFill>
-          <a:blip r:embed="rId2"/>
-          <a:stretch>
-            <a:fillRect/>
-          </a:stretch>
-        </p:blipFill>
-        <p:spPr>
-          <a:xfrm>
-            <a:off x="2894012" y="1209675"/>
-            <a:ext cx="6524625" cy="5648325"/>
-          </a:xfrm>
-          <a:prstGeom prst="rect">
-            <a:avLst/>
-          </a:prstGeom>
-        </p:spPr>
-      </p:pic>
-    </p:spTree>
-    <p:extLst>
-      <p:ext uri="{BB962C8B-B14F-4D97-AF65-F5344CB8AC3E}">
-        <p14:creationId xmlns:p14="http://schemas.microsoft.com/office/powerpoint/2010/main" val="1836805527"/>
-      </p:ext>
-    </p:extLst>
-  </p:cSld>
-  <p:clrMapOvr>
-    <a:masterClrMapping/>
-  </p:clrMapOvr>
-  <p:timing>
-    <p:tnLst>
-      <p:par>
-        <p:cTn id="1" dur="indefinite" restart="never" nodeType="tmRoot"/>
-      </p:par>
-    </p:tnLst>
-  </p:timing>
-</p:sld>
-</file>
-
-<file path=ppt/slides/slide22.xml><?xml version="1.0" encoding="utf-8"?>
-<p:sld xmlns:a="http://schemas.openxmlformats.org/drawingml/2006/main" xmlns:r="http://schemas.openxmlformats.org/officeDocument/2006/relationships" xmlns:p="http://schemas.openxmlformats.org/presentationml/2006/main">
-  <p:cSld>
-    <p:spTree>
-      <p:nvGrpSpPr>
-        <p:cNvPr id="1" name=""/>
-        <p:cNvGrpSpPr/>
-        <p:nvPr/>
-      </p:nvGrpSpPr>
-      <p:grpSpPr>
-        <a:xfrm>
-          <a:off x="0" y="0"/>
-          <a:ext cx="0" cy="0"/>
-          <a:chOff x="0" y="0"/>
-          <a:chExt cx="0" cy="0"/>
-        </a:xfrm>
-      </p:grpSpPr>
-      <p:cxnSp>
-        <p:nvCxnSpPr>
           <p:cNvPr id="20481" name="直接连接符 16"/>
           <p:cNvCxnSpPr>
             <a:cxnSpLocks noChangeShapeType="1"/>
@@ -9499,7 +9332,7 @@
 </p:sld>
 </file>
 
-<file path=ppt/slides/slide23.xml><?xml version="1.0" encoding="utf-8"?>
+<file path=ppt/slides/slide22.xml><?xml version="1.0" encoding="utf-8"?>
 <p:sld xmlns:a="http://schemas.openxmlformats.org/drawingml/2006/main" xmlns:r="http://schemas.openxmlformats.org/officeDocument/2006/relationships" xmlns:p="http://schemas.openxmlformats.org/presentationml/2006/main">
   <p:cSld>
     <p:spTree>
@@ -9635,7 +9468,7 @@
 </p:sld>
 </file>
 
-<file path=ppt/slides/slide24.xml><?xml version="1.0" encoding="utf-8"?>
+<file path=ppt/slides/slide23.xml><?xml version="1.0" encoding="utf-8"?>
 <p:sld xmlns:a="http://schemas.openxmlformats.org/drawingml/2006/main" xmlns:r="http://schemas.openxmlformats.org/officeDocument/2006/relationships" xmlns:p="http://schemas.openxmlformats.org/presentationml/2006/main">
   <p:cSld>
     <p:spTree>
@@ -9752,6 +9585,263 @@
     <p:extLst>
       <p:ext uri="{BB962C8B-B14F-4D97-AF65-F5344CB8AC3E}">
         <p14:creationId xmlns:p14="http://schemas.microsoft.com/office/powerpoint/2010/main" val="1298939746"/>
+      </p:ext>
+    </p:extLst>
+  </p:cSld>
+  <p:clrMapOvr>
+    <a:masterClrMapping/>
+  </p:clrMapOvr>
+  <p:timing>
+    <p:tnLst>
+      <p:par>
+        <p:cTn id="1" dur="indefinite" restart="never" nodeType="tmRoot"/>
+      </p:par>
+    </p:tnLst>
+  </p:timing>
+</p:sld>
+</file>
+
+<file path=ppt/slides/slide24.xml><?xml version="1.0" encoding="utf-8"?>
+<p:sld xmlns:a="http://schemas.openxmlformats.org/drawingml/2006/main" xmlns:r="http://schemas.openxmlformats.org/officeDocument/2006/relationships" xmlns:p="http://schemas.openxmlformats.org/presentationml/2006/main">
+  <p:cSld>
+    <p:spTree>
+      <p:nvGrpSpPr>
+        <p:cNvPr id="1" name=""/>
+        <p:cNvGrpSpPr/>
+        <p:nvPr/>
+      </p:nvGrpSpPr>
+      <p:grpSpPr>
+        <a:xfrm>
+          <a:off x="0" y="0"/>
+          <a:ext cx="0" cy="0"/>
+          <a:chOff x="0" y="0"/>
+          <a:chExt cx="0" cy="0"/>
+        </a:xfrm>
+      </p:grpSpPr>
+      <p:cxnSp>
+        <p:nvCxnSpPr>
+          <p:cNvPr id="20481" name="直接连接符 16"/>
+          <p:cNvCxnSpPr>
+            <a:cxnSpLocks noChangeShapeType="1"/>
+          </p:cNvCxnSpPr>
+          <p:nvPr/>
+        </p:nvCxnSpPr>
+        <p:spPr bwMode="auto">
+          <a:xfrm flipV="1">
+            <a:off x="1800225" y="1409700"/>
+            <a:ext cx="8591550" cy="17463"/>
+          </a:xfrm>
+          <a:prstGeom prst="line">
+            <a:avLst/>
+          </a:prstGeom>
+          <a:noFill/>
+          <a:ln w="12700">
+            <a:solidFill>
+              <a:srgbClr val="FFC000"/>
+            </a:solidFill>
+            <a:round/>
+            <a:headEnd/>
+            <a:tailEnd/>
+          </a:ln>
+        </p:spPr>
+      </p:cxnSp>
+      <p:sp>
+        <p:nvSpPr>
+          <p:cNvPr id="20482" name="文本框 18"/>
+          <p:cNvSpPr txBox="1">
+            <a:spLocks noChangeArrowheads="1"/>
+          </p:cNvSpPr>
+          <p:nvPr/>
+        </p:nvSpPr>
+        <p:spPr bwMode="auto">
+          <a:xfrm>
+            <a:off x="1693863" y="771525"/>
+            <a:ext cx="8802687" cy="584200"/>
+          </a:xfrm>
+          <a:prstGeom prst="rect">
+            <a:avLst/>
+          </a:prstGeom>
+          <a:noFill/>
+          <a:ln w="9525">
+            <a:noFill/>
+            <a:miter lim="800000"/>
+            <a:headEnd/>
+            <a:tailEnd/>
+          </a:ln>
+        </p:spPr>
+        <p:txBody>
+          <a:bodyPr>
+            <a:spAutoFit/>
+          </a:bodyPr>
+          <a:lstStyle/>
+          <a:p>
+            <a:pPr algn="ctr">
+              <a:buFont typeface="Arial" charset="0"/>
+              <a:buNone/>
+            </a:pPr>
+            <a:r>
+              <a:rPr lang="zh-CN" altLang="en-US" sz="3200" dirty="0" smtClean="0">
+                <a:solidFill>
+                  <a:schemeClr val="bg1"/>
+                </a:solidFill>
+              </a:rPr>
+              <a:t>状 态 图</a:t>
+            </a:r>
+            <a:endParaRPr lang="zh-CN" altLang="en-US" sz="3200" dirty="0">
+              <a:solidFill>
+                <a:schemeClr val="bg1"/>
+              </a:solidFill>
+            </a:endParaRPr>
+          </a:p>
+        </p:txBody>
+      </p:sp>
+      <p:sp>
+        <p:nvSpPr>
+          <p:cNvPr id="20483" name="矩形 1"/>
+          <p:cNvSpPr>
+            <a:spLocks noChangeArrowheads="1"/>
+          </p:cNvSpPr>
+          <p:nvPr/>
+        </p:nvSpPr>
+        <p:spPr bwMode="auto">
+          <a:xfrm>
+            <a:off x="1798638" y="2043113"/>
+            <a:ext cx="8593137" cy="3414712"/>
+          </a:xfrm>
+          <a:prstGeom prst="rect">
+            <a:avLst/>
+          </a:prstGeom>
+          <a:noFill/>
+          <a:ln w="12700">
+            <a:solidFill>
+              <a:srgbClr val="FFC000"/>
+            </a:solidFill>
+            <a:miter lim="800000"/>
+            <a:headEnd/>
+            <a:tailEnd/>
+          </a:ln>
+        </p:spPr>
+        <p:txBody>
+          <a:bodyPr anchor="ctr"/>
+          <a:lstStyle/>
+          <a:p>
+            <a:pPr>
+              <a:lnSpc>
+                <a:spcPct val="120000"/>
+              </a:lnSpc>
+              <a:buFont typeface="Arial" charset="0"/>
+              <a:buNone/>
+            </a:pPr>
+            <a:r>
+              <a:rPr lang="zh-CN" altLang="en-US" sz="2800" b="1" dirty="0" smtClean="0">
+                <a:solidFill>
+                  <a:srgbClr val="FFC000"/>
+                </a:solidFill>
+              </a:rPr>
+              <a:t>状态机图</a:t>
+            </a:r>
+            <a:endParaRPr lang="en-US" altLang="zh-CN" sz="2800" b="1" dirty="0" smtClean="0">
+              <a:solidFill>
+                <a:srgbClr val="FFC000"/>
+              </a:solidFill>
+            </a:endParaRPr>
+          </a:p>
+          <a:p>
+            <a:pPr>
+              <a:lnSpc>
+                <a:spcPct val="120000"/>
+              </a:lnSpc>
+              <a:buFont typeface="Arial" charset="0"/>
+              <a:buNone/>
+            </a:pPr>
+            <a:r>
+              <a:rPr lang="zh-CN" altLang="en-US" sz="2400" dirty="0" smtClean="0">
+                <a:solidFill>
+                  <a:srgbClr val="FFFFFF"/>
+                </a:solidFill>
+              </a:rPr>
+              <a:t>通过建立类对象的生存周期模型来描述对象随时间变化的动态行为。指在对象的生命周期中满足某些条件，执行某些活动或等待某些事件时的一个条件或状况。</a:t>
+            </a:r>
+            <a:endParaRPr lang="en-US" altLang="zh-CN" sz="2400" dirty="0" smtClean="0">
+              <a:solidFill>
+                <a:srgbClr val="FFFFFF"/>
+              </a:solidFill>
+            </a:endParaRPr>
+          </a:p>
+          <a:p>
+            <a:pPr>
+              <a:lnSpc>
+                <a:spcPct val="120000"/>
+              </a:lnSpc>
+            </a:pPr>
+            <a:r>
+              <a:rPr lang="zh-CN" altLang="en-US" sz="2800" b="1" dirty="0">
+                <a:solidFill>
+                  <a:srgbClr val="FFC000"/>
+                </a:solidFill>
+              </a:rPr>
+              <a:t>通信图的</a:t>
+            </a:r>
+            <a:r>
+              <a:rPr lang="zh-CN" altLang="en-US" sz="2800" b="1" dirty="0" smtClean="0">
+                <a:solidFill>
+                  <a:srgbClr val="FFC000"/>
+                </a:solidFill>
+              </a:rPr>
+              <a:t>基本元素</a:t>
+            </a:r>
+            <a:endParaRPr lang="en-US" altLang="zh-CN" sz="2800" b="1" dirty="0" smtClean="0">
+              <a:solidFill>
+                <a:srgbClr val="FFC000"/>
+              </a:solidFill>
+            </a:endParaRPr>
+          </a:p>
+          <a:p>
+            <a:pPr>
+              <a:lnSpc>
+                <a:spcPct val="120000"/>
+              </a:lnSpc>
+            </a:pPr>
+            <a:r>
+              <a:rPr lang="zh-CN" altLang="en-US" sz="2400" dirty="0" smtClean="0">
+                <a:solidFill>
+                  <a:srgbClr val="FFFFFF"/>
+                </a:solidFill>
+              </a:rPr>
+              <a:t>状态（定义在生命周期的条件状况）</a:t>
+            </a:r>
+            <a:endParaRPr lang="en-US" altLang="zh-CN" sz="2400" dirty="0" smtClean="0">
+              <a:solidFill>
+                <a:srgbClr val="FFFFFF"/>
+              </a:solidFill>
+            </a:endParaRPr>
+          </a:p>
+          <a:p>
+            <a:pPr>
+              <a:lnSpc>
+                <a:spcPct val="120000"/>
+              </a:lnSpc>
+            </a:pPr>
+            <a:r>
+              <a:rPr lang="zh-CN" altLang="en-US" sz="2400" dirty="0" smtClean="0">
+                <a:solidFill>
+                  <a:srgbClr val="FFFFFF"/>
+                </a:solidFill>
+              </a:rPr>
+              <a:t>转换（状态之间的转移）</a:t>
+            </a:r>
+            <a:endParaRPr lang="zh-CN" altLang="en-US" sz="2400" dirty="0">
+              <a:solidFill>
+                <a:srgbClr val="FFFFFF"/>
+              </a:solidFill>
+            </a:endParaRPr>
+          </a:p>
+        </p:txBody>
+      </p:sp>
+    </p:spTree>
+    <p:extLst>
+      <p:ext uri="{BB962C8B-B14F-4D97-AF65-F5344CB8AC3E}">
+        <p14:creationId xmlns:p14="http://schemas.microsoft.com/office/powerpoint/2010/main" val="1143789582"/>
       </p:ext>
     </p:extLst>
   </p:cSld>
@@ -9787,7 +9877,7 @@
       </p:grpSpPr>
       <p:cxnSp>
         <p:nvCxnSpPr>
-          <p:cNvPr id="20481" name="直接连接符 16"/>
+          <p:cNvPr id="2" name="直接连接符 16"/>
           <p:cNvCxnSpPr>
             <a:cxnSpLocks noChangeShapeType="1"/>
           </p:cNvCxnSpPr>
@@ -9814,7 +9904,7 @@
       </p:cxnSp>
       <p:sp>
         <p:nvSpPr>
-          <p:cNvPr id="20482" name="文本框 18"/>
+          <p:cNvPr id="3" name="文本框 18"/>
           <p:cNvSpPr txBox="1">
             <a:spLocks noChangeArrowheads="1"/>
           </p:cNvSpPr>
@@ -9864,7 +9954,7 @@
       </p:sp>
       <p:sp>
         <p:nvSpPr>
-          <p:cNvPr id="20483" name="矩形 1"/>
+          <p:cNvPr id="4" name="矩形 1"/>
           <p:cNvSpPr>
             <a:spLocks noChangeArrowheads="1"/>
           </p:cNvSpPr>
@@ -9905,7 +9995,7 @@
                   <a:srgbClr val="FFC000"/>
                 </a:solidFill>
               </a:rPr>
-              <a:t>状态机图</a:t>
+              <a:t>状态</a:t>
             </a:r>
             <a:endParaRPr lang="en-US" altLang="zh-CN" sz="2800" b="1" dirty="0" smtClean="0">
               <a:solidFill>
@@ -9927,7 +10017,7 @@
                   <a:srgbClr val="FFFFFF"/>
                 </a:solidFill>
               </a:rPr>
-              <a:t>通过建立类对象的生存周期模型来描述对象随时间变化的动态行为。指在对象的生命周期中满足某些条件，执行某些活动或等待某些事件时的一个条件或状况。</a:t>
+              <a:t>名称（用来区分的文本字符）</a:t>
             </a:r>
             <a:endParaRPr lang="en-US" altLang="zh-CN" sz="2400" dirty="0" smtClean="0">
               <a:solidFill>
@@ -9940,26 +10030,60 @@
               <a:lnSpc>
                 <a:spcPct val="120000"/>
               </a:lnSpc>
-            </a:pPr>
-            <a:r>
-              <a:rPr lang="zh-CN" altLang="en-US" sz="2800" b="1" dirty="0">
-                <a:solidFill>
-                  <a:srgbClr val="FFC000"/>
-                </a:solidFill>
-              </a:rPr>
-              <a:t>通信图的基本</a:t>
-            </a:r>
-            <a:r>
-              <a:rPr lang="zh-CN" altLang="en-US" sz="2800" b="1" dirty="0" smtClean="0">
-                <a:solidFill>
-                  <a:srgbClr val="FFC000"/>
-                </a:solidFill>
-              </a:rPr>
-              <a:t>内容</a:t>
-            </a:r>
-            <a:endParaRPr lang="en-US" altLang="zh-CN" sz="2800" b="1" dirty="0" smtClean="0">
+              <a:buFont typeface="Arial" charset="0"/>
+              <a:buNone/>
+            </a:pPr>
+            <a:r>
+              <a:rPr lang="zh-CN" altLang="en-US" sz="2400" dirty="0" smtClean="0">
+                <a:solidFill>
+                  <a:srgbClr val="FFFFFF"/>
+                </a:solidFill>
+              </a:rPr>
+              <a:t>进入</a:t>
+            </a:r>
+            <a:r>
+              <a:rPr lang="en-US" altLang="zh-CN" sz="2400" dirty="0" smtClean="0">
+                <a:solidFill>
+                  <a:srgbClr val="FFFFFF"/>
+                </a:solidFill>
+              </a:rPr>
+              <a:t>/</a:t>
+            </a:r>
+            <a:r>
+              <a:rPr lang="zh-CN" altLang="en-US" sz="2400" dirty="0" smtClean="0">
+                <a:solidFill>
+                  <a:srgbClr val="FFFFFF"/>
+                </a:solidFill>
+              </a:rPr>
+              <a:t>退出动作</a:t>
+            </a:r>
+            <a:r>
+              <a:rPr lang="zh-CN" altLang="en-US" sz="2400" dirty="0">
+                <a:solidFill>
+                  <a:srgbClr val="FFFFFF"/>
+                </a:solidFill>
+              </a:rPr>
+              <a:t>（表示进入</a:t>
+            </a:r>
+            <a:r>
+              <a:rPr lang="en-US" altLang="zh-CN" sz="2400" dirty="0">
+                <a:solidFill>
+                  <a:srgbClr val="FFFFFF"/>
+                </a:solidFill>
+              </a:rPr>
+              <a:t>/</a:t>
+            </a:r>
+            <a:r>
+              <a:rPr lang="zh-CN" altLang="en-US" sz="2400" dirty="0" smtClean="0">
+                <a:solidFill>
+                  <a:srgbClr val="FFFFFF"/>
+                </a:solidFill>
+              </a:rPr>
+              <a:t>退出这个状态所执行的动作）</a:t>
+            </a:r>
+            <a:endParaRPr lang="en-US" altLang="zh-CN" sz="2400" dirty="0" smtClean="0">
               <a:solidFill>
-                <a:srgbClr val="FFC000"/>
+                <a:srgbClr val="FFFFFF"/>
               </a:solidFill>
             </a:endParaRPr>
           </a:p>
@@ -9968,39 +10092,353 @@
               <a:lnSpc>
                 <a:spcPct val="120000"/>
               </a:lnSpc>
-            </a:pPr>
-            <a:r>
-              <a:rPr lang="zh-CN" altLang="en-US" sz="2400" dirty="0">
+              <a:buFont typeface="Arial" charset="0"/>
+              <a:buNone/>
+            </a:pPr>
+            <a:r>
+              <a:rPr lang="zh-CN" altLang="en-US" sz="2400" dirty="0" smtClean="0">
                 <a:solidFill>
                   <a:srgbClr val="FFFFFF"/>
                 </a:solidFill>
               </a:rPr>
-              <a:t>活动者，对象，链接，消息</a:t>
-            </a:r>
+              <a:t>内部转换（使事件可以在不退出的状态的情况下在状态内得到处理）</a:t>
+            </a:r>
+            <a:endParaRPr lang="en-US" altLang="zh-CN" sz="2400" dirty="0" smtClean="0">
+              <a:solidFill>
+                <a:srgbClr val="FFFFFF"/>
+              </a:solidFill>
+            </a:endParaRPr>
+          </a:p>
+          <a:p>
+            <a:pPr>
+              <a:lnSpc>
+                <a:spcPct val="120000"/>
+              </a:lnSpc>
+              <a:buFont typeface="Arial" charset="0"/>
+              <a:buNone/>
+            </a:pPr>
+            <a:r>
+              <a:rPr lang="zh-CN" altLang="en-US" sz="2400" dirty="0" smtClean="0">
+                <a:solidFill>
+                  <a:srgbClr val="FFFFFF"/>
+                </a:solidFill>
+              </a:rPr>
+              <a:t>子状态（状态图中内嵌的状态）</a:t>
+            </a:r>
+            <a:endParaRPr lang="en-US" altLang="zh-CN" sz="2400" dirty="0" smtClean="0">
+              <a:solidFill>
+                <a:srgbClr val="FFFFFF"/>
+              </a:solidFill>
+            </a:endParaRPr>
+          </a:p>
+          <a:p>
+            <a:pPr>
+              <a:lnSpc>
+                <a:spcPct val="120000"/>
+              </a:lnSpc>
+              <a:buFont typeface="Arial" charset="0"/>
+              <a:buNone/>
+            </a:pPr>
+            <a:r>
+              <a:rPr lang="zh-CN" altLang="en-US" sz="2400" dirty="0" smtClean="0">
+                <a:solidFill>
+                  <a:srgbClr val="FFFFFF"/>
+                </a:solidFill>
+              </a:rPr>
+              <a:t>延迟事件（处理过程被推迟的事件）</a:t>
+            </a:r>
+            <a:endParaRPr lang="en-US" altLang="zh-CN" sz="2400" dirty="0" smtClean="0">
+              <a:solidFill>
+                <a:srgbClr val="FFFFFF"/>
+              </a:solidFill>
+            </a:endParaRPr>
           </a:p>
         </p:txBody>
       </p:sp>
     </p:spTree>
     <p:extLst>
       <p:ext uri="{BB962C8B-B14F-4D97-AF65-F5344CB8AC3E}">
-        <p14:creationId xmlns:p14="http://schemas.microsoft.com/office/powerpoint/2010/main" val="1143789582"/>
+        <p14:creationId xmlns:p14="http://schemas.microsoft.com/office/powerpoint/2010/main" val="2050511252"/>
       </p:ext>
     </p:extLst>
   </p:cSld>
   <p:clrMapOvr>
     <a:masterClrMapping/>
   </p:clrMapOvr>
-  <p:timing>
-    <p:tnLst>
-      <p:par>
-        <p:cTn id="1" dur="indefinite" restart="never" nodeType="tmRoot"/>
-      </p:par>
-    </p:tnLst>
-  </p:timing>
 </p:sld>
 </file>
 
 <file path=ppt/slides/slide26.xml><?xml version="1.0" encoding="utf-8"?>
+<p:sld xmlns:a="http://schemas.openxmlformats.org/drawingml/2006/main" xmlns:r="http://schemas.openxmlformats.org/officeDocument/2006/relationships" xmlns:p="http://schemas.openxmlformats.org/presentationml/2006/main">
+  <p:cSld>
+    <p:spTree>
+      <p:nvGrpSpPr>
+        <p:cNvPr id="1" name=""/>
+        <p:cNvGrpSpPr/>
+        <p:nvPr/>
+      </p:nvGrpSpPr>
+      <p:grpSpPr>
+        <a:xfrm>
+          <a:off x="0" y="0"/>
+          <a:ext cx="0" cy="0"/>
+          <a:chOff x="0" y="0"/>
+          <a:chExt cx="0" cy="0"/>
+        </a:xfrm>
+      </p:grpSpPr>
+      <p:cxnSp>
+        <p:nvCxnSpPr>
+          <p:cNvPr id="2" name="直接连接符 16"/>
+          <p:cNvCxnSpPr>
+            <a:cxnSpLocks noChangeShapeType="1"/>
+          </p:cNvCxnSpPr>
+          <p:nvPr/>
+        </p:nvCxnSpPr>
+        <p:spPr bwMode="auto">
+          <a:xfrm flipV="1">
+            <a:off x="1800225" y="1409700"/>
+            <a:ext cx="8591550" cy="17463"/>
+          </a:xfrm>
+          <a:prstGeom prst="line">
+            <a:avLst/>
+          </a:prstGeom>
+          <a:noFill/>
+          <a:ln w="12700">
+            <a:solidFill>
+              <a:srgbClr val="FFC000"/>
+            </a:solidFill>
+            <a:round/>
+            <a:headEnd/>
+            <a:tailEnd/>
+          </a:ln>
+        </p:spPr>
+      </p:cxnSp>
+      <p:sp>
+        <p:nvSpPr>
+          <p:cNvPr id="3" name="文本框 18"/>
+          <p:cNvSpPr txBox="1">
+            <a:spLocks noChangeArrowheads="1"/>
+          </p:cNvSpPr>
+          <p:nvPr/>
+        </p:nvSpPr>
+        <p:spPr bwMode="auto">
+          <a:xfrm>
+            <a:off x="1693863" y="771525"/>
+            <a:ext cx="8802687" cy="584200"/>
+          </a:xfrm>
+          <a:prstGeom prst="rect">
+            <a:avLst/>
+          </a:prstGeom>
+          <a:noFill/>
+          <a:ln w="9525">
+            <a:noFill/>
+            <a:miter lim="800000"/>
+            <a:headEnd/>
+            <a:tailEnd/>
+          </a:ln>
+        </p:spPr>
+        <p:txBody>
+          <a:bodyPr>
+            <a:spAutoFit/>
+          </a:bodyPr>
+          <a:lstStyle/>
+          <a:p>
+            <a:pPr algn="ctr">
+              <a:buFont typeface="Arial" charset="0"/>
+              <a:buNone/>
+            </a:pPr>
+            <a:r>
+              <a:rPr lang="zh-CN" altLang="en-US" sz="3200" dirty="0" smtClean="0">
+                <a:solidFill>
+                  <a:schemeClr val="bg1"/>
+                </a:solidFill>
+              </a:rPr>
+              <a:t>状 态 图</a:t>
+            </a:r>
+            <a:endParaRPr lang="zh-CN" altLang="en-US" sz="3200" dirty="0">
+              <a:solidFill>
+                <a:schemeClr val="bg1"/>
+              </a:solidFill>
+            </a:endParaRPr>
+          </a:p>
+        </p:txBody>
+      </p:sp>
+      <p:sp>
+        <p:nvSpPr>
+          <p:cNvPr id="4" name="矩形 1"/>
+          <p:cNvSpPr>
+            <a:spLocks noChangeArrowheads="1"/>
+          </p:cNvSpPr>
+          <p:nvPr/>
+        </p:nvSpPr>
+        <p:spPr bwMode="auto">
+          <a:xfrm>
+            <a:off x="1798638" y="2043113"/>
+            <a:ext cx="8593137" cy="3414712"/>
+          </a:xfrm>
+          <a:prstGeom prst="rect">
+            <a:avLst/>
+          </a:prstGeom>
+          <a:noFill/>
+          <a:ln w="12700">
+            <a:solidFill>
+              <a:srgbClr val="FFC000"/>
+            </a:solidFill>
+            <a:miter lim="800000"/>
+            <a:headEnd/>
+            <a:tailEnd/>
+          </a:ln>
+        </p:spPr>
+        <p:txBody>
+          <a:bodyPr anchor="ctr"/>
+          <a:lstStyle/>
+          <a:p>
+            <a:pPr>
+              <a:lnSpc>
+                <a:spcPct val="120000"/>
+              </a:lnSpc>
+              <a:buFont typeface="Arial" charset="0"/>
+              <a:buNone/>
+            </a:pPr>
+            <a:r>
+              <a:rPr lang="zh-CN" altLang="en-US" sz="2800" b="1" dirty="0" smtClean="0">
+                <a:solidFill>
+                  <a:srgbClr val="FFC000"/>
+                </a:solidFill>
+              </a:rPr>
+              <a:t>转换</a:t>
+            </a:r>
+            <a:endParaRPr lang="en-US" altLang="zh-CN" sz="2800" b="1" dirty="0" smtClean="0">
+              <a:solidFill>
+                <a:srgbClr val="FFC000"/>
+              </a:solidFill>
+            </a:endParaRPr>
+          </a:p>
+          <a:p>
+            <a:pPr>
+              <a:lnSpc>
+                <a:spcPct val="120000"/>
+              </a:lnSpc>
+              <a:buFont typeface="Arial" charset="0"/>
+              <a:buNone/>
+            </a:pPr>
+            <a:r>
+              <a:rPr lang="zh-CN" altLang="en-US" sz="2400" dirty="0" smtClean="0">
+                <a:solidFill>
+                  <a:srgbClr val="FFFFFF"/>
+                </a:solidFill>
+              </a:rPr>
+              <a:t>源状态（对象在被激发前的状态）</a:t>
+            </a:r>
+            <a:endParaRPr lang="en-US" altLang="zh-CN" sz="2400" dirty="0" smtClean="0">
+              <a:solidFill>
+                <a:srgbClr val="FFFFFF"/>
+              </a:solidFill>
+            </a:endParaRPr>
+          </a:p>
+          <a:p>
+            <a:pPr>
+              <a:lnSpc>
+                <a:spcPct val="120000"/>
+              </a:lnSpc>
+              <a:buFont typeface="Arial" charset="0"/>
+              <a:buNone/>
+            </a:pPr>
+            <a:r>
+              <a:rPr lang="zh-CN" altLang="en-US" sz="2400" dirty="0" smtClean="0">
+                <a:solidFill>
+                  <a:srgbClr val="FFFFFF"/>
+                </a:solidFill>
+              </a:rPr>
+              <a:t>触发条件（引起转变的事件）</a:t>
+            </a:r>
+            <a:endParaRPr lang="en-US" altLang="zh-CN" sz="2400" dirty="0" smtClean="0">
+              <a:solidFill>
+                <a:srgbClr val="FFFFFF"/>
+              </a:solidFill>
+            </a:endParaRPr>
+          </a:p>
+          <a:p>
+            <a:pPr>
+              <a:lnSpc>
+                <a:spcPct val="120000"/>
+              </a:lnSpc>
+              <a:buFont typeface="Arial" charset="0"/>
+              <a:buNone/>
+            </a:pPr>
+            <a:r>
+              <a:rPr lang="zh-CN" altLang="en-US" sz="2400" dirty="0" smtClean="0">
+                <a:solidFill>
+                  <a:srgbClr val="FFFFFF"/>
+                </a:solidFill>
+              </a:rPr>
+              <a:t>监护条件（触发条件后的布尔表达式）</a:t>
+            </a:r>
+            <a:endParaRPr lang="en-US" altLang="zh-CN" sz="2400" dirty="0" smtClean="0">
+              <a:solidFill>
+                <a:srgbClr val="FFFFFF"/>
+              </a:solidFill>
+            </a:endParaRPr>
+          </a:p>
+          <a:p>
+            <a:pPr>
+              <a:lnSpc>
+                <a:spcPct val="120000"/>
+              </a:lnSpc>
+              <a:buFont typeface="Arial" charset="0"/>
+              <a:buNone/>
+            </a:pPr>
+            <a:r>
+              <a:rPr lang="zh-CN" altLang="en-US" sz="2400" dirty="0" smtClean="0">
+                <a:solidFill>
+                  <a:srgbClr val="FFFFFF"/>
+                </a:solidFill>
+              </a:rPr>
+              <a:t>动作（转换发生时对应执行，是一个原子操作不可被中断）</a:t>
+            </a:r>
+            <a:endParaRPr lang="en-US" altLang="zh-CN" sz="2400" dirty="0" smtClean="0">
+              <a:solidFill>
+                <a:srgbClr val="FFFFFF"/>
+              </a:solidFill>
+            </a:endParaRPr>
+          </a:p>
+          <a:p>
+            <a:pPr>
+              <a:lnSpc>
+                <a:spcPct val="120000"/>
+              </a:lnSpc>
+              <a:buFont typeface="Arial" charset="0"/>
+              <a:buNone/>
+            </a:pPr>
+            <a:r>
+              <a:rPr lang="zh-CN" altLang="en-US" sz="2400" dirty="0" smtClean="0">
+                <a:solidFill>
+                  <a:srgbClr val="FFFFFF"/>
+                </a:solidFill>
+              </a:rPr>
+              <a:t>目标状态（转换后的状态）</a:t>
+            </a:r>
+            <a:endParaRPr lang="en-US" altLang="zh-CN" sz="2400" dirty="0" smtClean="0">
+              <a:solidFill>
+                <a:srgbClr val="FFFFFF"/>
+              </a:solidFill>
+            </a:endParaRPr>
+          </a:p>
+        </p:txBody>
+      </p:sp>
+    </p:spTree>
+    <p:extLst>
+      <p:ext uri="{BB962C8B-B14F-4D97-AF65-F5344CB8AC3E}">
+        <p14:creationId xmlns:p14="http://schemas.microsoft.com/office/powerpoint/2010/main" val="3803217136"/>
+      </p:ext>
+    </p:extLst>
+  </p:cSld>
+  <p:clrMapOvr>
+    <a:masterClrMapping/>
+  </p:clrMapOvr>
+</p:sld>
+</file>
+
+<file path=ppt/slides/slide27.xml><?xml version="1.0" encoding="utf-8"?>
 <p:sld xmlns:a="http://schemas.openxmlformats.org/drawingml/2006/main" xmlns:r="http://schemas.openxmlformats.org/officeDocument/2006/relationships" xmlns:p="http://schemas.openxmlformats.org/presentationml/2006/main">
   <p:cSld>
     <p:spTree>
@@ -10183,7 +10621,7 @@
 </p:sld>
 </file>
 
-<file path=ppt/slides/slide27.xml><?xml version="1.0" encoding="utf-8"?>
+<file path=ppt/slides/slide28.xml><?xml version="1.0" encoding="utf-8"?>
 <p:sld xmlns:a="http://schemas.openxmlformats.org/drawingml/2006/main" xmlns:r="http://schemas.openxmlformats.org/officeDocument/2006/relationships" xmlns:p="http://schemas.openxmlformats.org/presentationml/2006/main">
   <p:cSld>
     <p:spTree>
@@ -10300,243 +10738,6 @@
     <p:extLst>
       <p:ext uri="{BB962C8B-B14F-4D97-AF65-F5344CB8AC3E}">
         <p14:creationId xmlns:p14="http://schemas.microsoft.com/office/powerpoint/2010/main" val="3925485395"/>
-      </p:ext>
-    </p:extLst>
-  </p:cSld>
-  <p:clrMapOvr>
-    <a:masterClrMapping/>
-  </p:clrMapOvr>
-  <p:timing>
-    <p:tnLst>
-      <p:par>
-        <p:cTn id="1" dur="indefinite" restart="never" nodeType="tmRoot"/>
-      </p:par>
-    </p:tnLst>
-  </p:timing>
-</p:sld>
-</file>
-
-<file path=ppt/slides/slide28.xml><?xml version="1.0" encoding="utf-8"?>
-<p:sld xmlns:a="http://schemas.openxmlformats.org/drawingml/2006/main" xmlns:r="http://schemas.openxmlformats.org/officeDocument/2006/relationships" xmlns:p="http://schemas.openxmlformats.org/presentationml/2006/main">
-  <p:cSld>
-    <p:spTree>
-      <p:nvGrpSpPr>
-        <p:cNvPr id="1" name=""/>
-        <p:cNvGrpSpPr/>
-        <p:nvPr/>
-      </p:nvGrpSpPr>
-      <p:grpSpPr>
-        <a:xfrm>
-          <a:off x="0" y="0"/>
-          <a:ext cx="0" cy="0"/>
-          <a:chOff x="0" y="0"/>
-          <a:chExt cx="0" cy="0"/>
-        </a:xfrm>
-      </p:grpSpPr>
-      <p:cxnSp>
-        <p:nvCxnSpPr>
-          <p:cNvPr id="20481" name="直接连接符 16"/>
-          <p:cNvCxnSpPr>
-            <a:cxnSpLocks noChangeShapeType="1"/>
-          </p:cNvCxnSpPr>
-          <p:nvPr/>
-        </p:nvCxnSpPr>
-        <p:spPr bwMode="auto">
-          <a:xfrm flipV="1">
-            <a:off x="1800225" y="1409700"/>
-            <a:ext cx="8591550" cy="17463"/>
-          </a:xfrm>
-          <a:prstGeom prst="line">
-            <a:avLst/>
-          </a:prstGeom>
-          <a:noFill/>
-          <a:ln w="12700">
-            <a:solidFill>
-              <a:srgbClr val="FFC000"/>
-            </a:solidFill>
-            <a:round/>
-            <a:headEnd/>
-            <a:tailEnd/>
-          </a:ln>
-        </p:spPr>
-      </p:cxnSp>
-      <p:sp>
-        <p:nvSpPr>
-          <p:cNvPr id="20482" name="文本框 18"/>
-          <p:cNvSpPr txBox="1">
-            <a:spLocks noChangeArrowheads="1"/>
-          </p:cNvSpPr>
-          <p:nvPr/>
-        </p:nvSpPr>
-        <p:spPr bwMode="auto">
-          <a:xfrm>
-            <a:off x="1693863" y="771525"/>
-            <a:ext cx="8802687" cy="584200"/>
-          </a:xfrm>
-          <a:prstGeom prst="rect">
-            <a:avLst/>
-          </a:prstGeom>
-          <a:noFill/>
-          <a:ln w="9525">
-            <a:noFill/>
-            <a:miter lim="800000"/>
-            <a:headEnd/>
-            <a:tailEnd/>
-          </a:ln>
-        </p:spPr>
-        <p:txBody>
-          <a:bodyPr>
-            <a:spAutoFit/>
-          </a:bodyPr>
-          <a:lstStyle/>
-          <a:p>
-            <a:pPr algn="ctr">
-              <a:buFont typeface="Arial" charset="0"/>
-              <a:buNone/>
-            </a:pPr>
-            <a:r>
-              <a:rPr lang="zh-CN" altLang="en-US" sz="3200" dirty="0" smtClean="0">
-                <a:solidFill>
-                  <a:schemeClr val="bg1"/>
-                </a:solidFill>
-              </a:rPr>
-              <a:t>部 署 图</a:t>
-            </a:r>
-            <a:endParaRPr lang="zh-CN" altLang="en-US" sz="3200" dirty="0">
-              <a:solidFill>
-                <a:schemeClr val="bg1"/>
-              </a:solidFill>
-            </a:endParaRPr>
-          </a:p>
-        </p:txBody>
-      </p:sp>
-      <p:sp>
-        <p:nvSpPr>
-          <p:cNvPr id="20483" name="矩形 1"/>
-          <p:cNvSpPr>
-            <a:spLocks noChangeArrowheads="1"/>
-          </p:cNvSpPr>
-          <p:nvPr/>
-        </p:nvSpPr>
-        <p:spPr bwMode="auto">
-          <a:xfrm>
-            <a:off x="1798638" y="2043113"/>
-            <a:ext cx="8593137" cy="3414712"/>
-          </a:xfrm>
-          <a:prstGeom prst="rect">
-            <a:avLst/>
-          </a:prstGeom>
-          <a:noFill/>
-          <a:ln w="12700">
-            <a:solidFill>
-              <a:srgbClr val="FFC000"/>
-            </a:solidFill>
-            <a:miter lim="800000"/>
-            <a:headEnd/>
-            <a:tailEnd/>
-          </a:ln>
-        </p:spPr>
-        <p:txBody>
-          <a:bodyPr anchor="ctr"/>
-          <a:lstStyle/>
-          <a:p>
-            <a:pPr>
-              <a:lnSpc>
-                <a:spcPct val="120000"/>
-              </a:lnSpc>
-              <a:buFont typeface="Arial" charset="0"/>
-              <a:buNone/>
-            </a:pPr>
-            <a:r>
-              <a:rPr lang="zh-CN" altLang="en-US" sz="2800" b="1" dirty="0" smtClean="0">
-                <a:solidFill>
-                  <a:srgbClr val="FFC000"/>
-                </a:solidFill>
-              </a:rPr>
-              <a:t>部署图</a:t>
-            </a:r>
-            <a:endParaRPr lang="en-US" altLang="zh-CN" sz="2800" b="1" dirty="0" smtClean="0">
-              <a:solidFill>
-                <a:srgbClr val="FFC000"/>
-              </a:solidFill>
-            </a:endParaRPr>
-          </a:p>
-          <a:p>
-            <a:pPr>
-              <a:lnSpc>
-                <a:spcPct val="120000"/>
-              </a:lnSpc>
-              <a:buFont typeface="Arial" charset="0"/>
-              <a:buNone/>
-            </a:pPr>
-            <a:r>
-              <a:rPr lang="zh-CN" altLang="en-US" sz="2400" dirty="0" smtClean="0">
-                <a:solidFill>
-                  <a:srgbClr val="FFFFFF"/>
-                </a:solidFill>
-              </a:rPr>
-              <a:t>用于静态建模，表示运行时过程结点、组件实例以及对象结构的图。可显示计算结点的拓扑结构，通信路径，结点上运行的软件，软件包含的逻辑单元等。</a:t>
-            </a:r>
-            <a:endParaRPr lang="en-US" altLang="zh-CN" sz="2400" dirty="0" smtClean="0">
-              <a:solidFill>
-                <a:srgbClr val="FFFFFF"/>
-              </a:solidFill>
-            </a:endParaRPr>
-          </a:p>
-          <a:p>
-            <a:pPr>
-              <a:lnSpc>
-                <a:spcPct val="120000"/>
-              </a:lnSpc>
-            </a:pPr>
-            <a:r>
-              <a:rPr lang="zh-CN" altLang="en-US" sz="2800" b="1" dirty="0">
-                <a:solidFill>
-                  <a:srgbClr val="FFC000"/>
-                </a:solidFill>
-              </a:rPr>
-              <a:t>通信图的基本</a:t>
-            </a:r>
-            <a:r>
-              <a:rPr lang="zh-CN" altLang="en-US" sz="2800" b="1" dirty="0" smtClean="0">
-                <a:solidFill>
-                  <a:srgbClr val="FFC000"/>
-                </a:solidFill>
-              </a:rPr>
-              <a:t>内容</a:t>
-            </a:r>
-            <a:endParaRPr lang="en-US" altLang="zh-CN" sz="2800" b="1" dirty="0" smtClean="0">
-              <a:solidFill>
-                <a:srgbClr val="FFC000"/>
-              </a:solidFill>
-            </a:endParaRPr>
-          </a:p>
-          <a:p>
-            <a:pPr>
-              <a:lnSpc>
-                <a:spcPct val="120000"/>
-              </a:lnSpc>
-            </a:pPr>
-            <a:r>
-              <a:rPr lang="zh-CN" altLang="en-US" sz="2400" dirty="0" smtClean="0">
-                <a:solidFill>
-                  <a:srgbClr val="FFFFFF"/>
-                </a:solidFill>
-              </a:rPr>
-              <a:t>结点，组件，关系</a:t>
-            </a:r>
-            <a:endParaRPr lang="zh-CN" altLang="en-US" sz="2400" dirty="0">
-              <a:solidFill>
-                <a:srgbClr val="FFFFFF"/>
-              </a:solidFill>
-            </a:endParaRPr>
-          </a:p>
-        </p:txBody>
-      </p:sp>
-    </p:spTree>
-    <p:extLst>
-      <p:ext uri="{BB962C8B-B14F-4D97-AF65-F5344CB8AC3E}">
-        <p14:creationId xmlns:p14="http://schemas.microsoft.com/office/powerpoint/2010/main" val="3994126151"/>
       </p:ext>
     </p:extLst>
   </p:cSld>
@@ -10572,7 +10773,7 @@
       </p:grpSpPr>
       <p:cxnSp>
         <p:nvCxnSpPr>
-          <p:cNvPr id="43012" name="直接连接符 16"/>
+          <p:cNvPr id="20481" name="直接连接符 16"/>
           <p:cNvCxnSpPr>
             <a:cxnSpLocks noChangeShapeType="1"/>
           </p:cNvCxnSpPr>
@@ -10580,8 +10781,8 @@
         </p:nvCxnSpPr>
         <p:spPr bwMode="auto">
           <a:xfrm flipV="1">
-            <a:off x="1870075" y="1366838"/>
-            <a:ext cx="8591550" cy="17462"/>
+            <a:off x="1800225" y="1409700"/>
+            <a:ext cx="8591550" cy="17463"/>
           </a:xfrm>
           <a:prstGeom prst="line">
             <a:avLst/>
@@ -10599,7 +10800,7 @@
       </p:cxnSp>
       <p:sp>
         <p:nvSpPr>
-          <p:cNvPr id="43013" name="文本框 18"/>
+          <p:cNvPr id="20482" name="文本框 18"/>
           <p:cNvSpPr txBox="1">
             <a:spLocks noChangeArrowheads="1"/>
           </p:cNvSpPr>
@@ -10607,8 +10808,8 @@
         </p:nvSpPr>
         <p:spPr bwMode="auto">
           <a:xfrm>
-            <a:off x="1806575" y="781050"/>
-            <a:ext cx="8802688" cy="579438"/>
+            <a:off x="1693863" y="771525"/>
+            <a:ext cx="8802687" cy="584200"/>
           </a:xfrm>
           <a:prstGeom prst="rect">
             <a:avLst/>
@@ -10632,97 +10833,150 @@
               <a:buNone/>
             </a:pPr>
             <a:r>
-              <a:rPr lang="zh-CN" altLang="en-US" sz="3200">
+              <a:rPr lang="zh-CN" altLang="en-US" sz="3200" dirty="0" smtClean="0">
                 <a:solidFill>
                   <a:schemeClr val="bg1"/>
                 </a:solidFill>
               </a:rPr>
-              <a:t>部署图示例</a:t>
-            </a:r>
+              <a:t>部 署 图</a:t>
+            </a:r>
+            <a:endParaRPr lang="zh-CN" altLang="en-US" sz="3200" dirty="0">
+              <a:solidFill>
+                <a:schemeClr val="bg1"/>
+              </a:solidFill>
+            </a:endParaRPr>
           </a:p>
         </p:txBody>
       </p:sp>
       <p:sp>
         <p:nvSpPr>
-          <p:cNvPr id="43014" name="Text Box 6"/>
-          <p:cNvSpPr txBox="1">
+          <p:cNvPr id="20483" name="矩形 1"/>
+          <p:cNvSpPr>
             <a:spLocks noChangeArrowheads="1"/>
           </p:cNvSpPr>
           <p:nvPr/>
         </p:nvSpPr>
         <p:spPr bwMode="auto">
           <a:xfrm>
-            <a:off x="1100592" y="1620838"/>
-            <a:ext cx="2581275" cy="3113087"/>
+            <a:off x="1798638" y="2043113"/>
+            <a:ext cx="8593137" cy="3414712"/>
           </a:xfrm>
           <a:prstGeom prst="rect">
             <a:avLst/>
           </a:prstGeom>
           <a:noFill/>
-          <a:ln w="9525">
-            <a:noFill/>
+          <a:ln w="12700">
+            <a:solidFill>
+              <a:srgbClr val="FFC000"/>
+            </a:solidFill>
             <a:miter lim="800000"/>
             <a:headEnd/>
             <a:tailEnd/>
           </a:ln>
-          <a:effectLst/>
         </p:spPr>
         <p:txBody>
-          <a:bodyPr>
-            <a:spAutoFit/>
-          </a:bodyPr>
+          <a:bodyPr anchor="ctr"/>
           <a:lstStyle/>
           <a:p>
             <a:pPr>
-              <a:spcBef>
-                <a:spcPct val="50000"/>
-              </a:spcBef>
-            </a:pPr>
-            <a:r>
-              <a:rPr lang="zh-CN" altLang="en-US" dirty="0">
-                <a:solidFill>
-                  <a:schemeClr val="bg1"/>
-                </a:solidFill>
-              </a:rPr>
-              <a:t>部署图显示网络的物理布局，系统中涉及的处理器、设备、连接和过程。处理器是网络中处理功能所在的机器，包括服务器和工作站，不包括打印机扫描仪之类的设备。处理器用来运行进程（执行代码）。一个项目只有一个部署图。</a:t>
-            </a:r>
+              <a:lnSpc>
+                <a:spcPct val="120000"/>
+              </a:lnSpc>
+              <a:buFont typeface="Arial" charset="0"/>
+              <a:buNone/>
+            </a:pPr>
+            <a:r>
+              <a:rPr lang="zh-CN" altLang="en-US" sz="2800" b="1" dirty="0" smtClean="0">
+                <a:solidFill>
+                  <a:srgbClr val="FFC000"/>
+                </a:solidFill>
+              </a:rPr>
+              <a:t>部署图</a:t>
+            </a:r>
+            <a:endParaRPr lang="en-US" altLang="zh-CN" sz="2800" b="1" dirty="0" smtClean="0">
+              <a:solidFill>
+                <a:srgbClr val="FFC000"/>
+              </a:solidFill>
+            </a:endParaRPr>
+          </a:p>
+          <a:p>
+            <a:pPr>
+              <a:lnSpc>
+                <a:spcPct val="120000"/>
+              </a:lnSpc>
+              <a:buFont typeface="Arial" charset="0"/>
+              <a:buNone/>
+            </a:pPr>
+            <a:r>
+              <a:rPr lang="zh-CN" altLang="en-US" sz="2400" dirty="0" smtClean="0">
+                <a:solidFill>
+                  <a:srgbClr val="FFFFFF"/>
+                </a:solidFill>
+              </a:rPr>
+              <a:t>用于静态建模，表示运行时过程结点、组件实例以及对象结构的图。可显示计算结点的拓扑结构，通信路径，结点上运行的软件，软件包含的逻辑单元等。</a:t>
+            </a:r>
+            <a:endParaRPr lang="en-US" altLang="zh-CN" sz="2400" dirty="0" smtClean="0">
+              <a:solidFill>
+                <a:srgbClr val="FFFFFF"/>
+              </a:solidFill>
+            </a:endParaRPr>
+          </a:p>
+          <a:p>
+            <a:pPr>
+              <a:lnSpc>
+                <a:spcPct val="120000"/>
+              </a:lnSpc>
+            </a:pPr>
+            <a:r>
+              <a:rPr lang="zh-CN" altLang="en-US" sz="2800" b="1" dirty="0">
+                <a:solidFill>
+                  <a:srgbClr val="FFC000"/>
+                </a:solidFill>
+              </a:rPr>
+              <a:t>通信图的基本</a:t>
+            </a:r>
+            <a:r>
+              <a:rPr lang="zh-CN" altLang="en-US" sz="2800" b="1" dirty="0" smtClean="0">
+                <a:solidFill>
+                  <a:srgbClr val="FFC000"/>
+                </a:solidFill>
+              </a:rPr>
+              <a:t>内容</a:t>
+            </a:r>
+            <a:endParaRPr lang="en-US" altLang="zh-CN" sz="2800" b="1" dirty="0" smtClean="0">
+              <a:solidFill>
+                <a:srgbClr val="FFC000"/>
+              </a:solidFill>
+            </a:endParaRPr>
+          </a:p>
+          <a:p>
+            <a:pPr>
+              <a:lnSpc>
+                <a:spcPct val="120000"/>
+              </a:lnSpc>
+            </a:pPr>
+            <a:r>
+              <a:rPr lang="zh-CN" altLang="en-US" sz="2400" dirty="0" smtClean="0">
+                <a:solidFill>
+                  <a:srgbClr val="FFFFFF"/>
+                </a:solidFill>
+              </a:rPr>
+              <a:t>结点，组件，关系</a:t>
+            </a:r>
+            <a:endParaRPr lang="zh-CN" altLang="en-US" sz="2400" dirty="0">
+              <a:solidFill>
+                <a:srgbClr val="FFFFFF"/>
+              </a:solidFill>
+            </a:endParaRPr>
           </a:p>
         </p:txBody>
       </p:sp>
-      <p:pic>
-        <p:nvPicPr>
-          <p:cNvPr id="43015" name="Picture 7"/>
-          <p:cNvPicPr>
-            <a:picLocks noChangeAspect="1" noChangeArrowheads="1"/>
-          </p:cNvPicPr>
-          <p:nvPr/>
-        </p:nvPicPr>
-        <p:blipFill>
-          <a:blip r:embed="rId2"/>
-          <a:srcRect/>
-          <a:stretch>
-            <a:fillRect/>
-          </a:stretch>
-        </p:blipFill>
-        <p:spPr bwMode="auto">
-          <a:xfrm>
-            <a:off x="3548954" y="1620838"/>
-            <a:ext cx="6987284" cy="4143148"/>
-          </a:xfrm>
-          <a:prstGeom prst="rect">
-            <a:avLst/>
-          </a:prstGeom>
-          <a:noFill/>
-          <a:ln w="9525">
-            <a:noFill/>
-            <a:miter lim="800000"/>
-            <a:headEnd/>
-            <a:tailEnd/>
-          </a:ln>
-          <a:effectLst/>
-        </p:spPr>
-      </p:pic>
     </p:spTree>
+    <p:extLst>
+      <p:ext uri="{BB962C8B-B14F-4D97-AF65-F5344CB8AC3E}">
+        <p14:creationId xmlns:p14="http://schemas.microsoft.com/office/powerpoint/2010/main" val="3994126151"/>
+      </p:ext>
+    </p:extLst>
   </p:cSld>
   <p:clrMapOvr>
     <a:masterClrMapping/>
@@ -10842,7 +11096,7 @@
         <p:spPr bwMode="auto">
           <a:xfrm>
             <a:off x="1800226" y="1965325"/>
-            <a:ext cx="8591550" cy="3521075"/>
+            <a:ext cx="8591550" cy="4399964"/>
           </a:xfrm>
           <a:prstGeom prst="rect">
             <a:avLst/>
@@ -10973,14 +11227,14 @@
               <a:t>2</a:t>
             </a:r>
             <a:r>
-              <a:rPr lang="zh-CN" altLang="en-US" sz="2400" dirty="0">
+              <a:rPr lang="zh-CN" altLang="en-US" sz="2400" dirty="0" smtClean="0">
                 <a:solidFill>
                   <a:srgbClr val="FFFFFF"/>
                 </a:solidFill>
               </a:rPr>
-              <a:t>）给开发人员一个清晰的系统框架</a:t>
-            </a:r>
-            <a:endParaRPr lang="en-US" altLang="zh-CN" sz="2400" dirty="0">
+              <a:t>）为系统的功能提供清晰一致的描述</a:t>
+            </a:r>
+            <a:endParaRPr lang="en-US" altLang="zh-CN" sz="2400" dirty="0" smtClean="0">
               <a:solidFill>
                 <a:srgbClr val="FFFFFF"/>
               </a:solidFill>
@@ -10995,7 +11249,7 @@
               <a:buNone/>
             </a:pPr>
             <a:r>
-              <a:rPr lang="en-US" altLang="zh-CN" sz="2400" dirty="0">
+              <a:rPr lang="en-US" altLang="zh-CN" sz="2400" dirty="0" smtClean="0">
                 <a:solidFill>
                   <a:srgbClr val="FFFFFF"/>
                 </a:solidFill>
@@ -11003,13 +11257,48 @@
               <a:t>3</a:t>
             </a:r>
             <a:r>
-              <a:rPr lang="zh-CN" altLang="en-US" sz="2400" dirty="0">
+              <a:rPr lang="zh-CN" altLang="en-US" sz="2400" dirty="0" smtClean="0">
                 <a:solidFill>
                   <a:srgbClr val="FFFFFF"/>
                 </a:solidFill>
               </a:rPr>
               <a:t>）为系统测试打下基础</a:t>
             </a:r>
+            <a:endParaRPr lang="en-US" altLang="zh-CN" sz="2400" dirty="0" smtClean="0">
+              <a:solidFill>
+                <a:srgbClr val="FFFFFF"/>
+              </a:solidFill>
+            </a:endParaRPr>
+          </a:p>
+          <a:p>
+            <a:pPr>
+              <a:lnSpc>
+                <a:spcPct val="120000"/>
+              </a:lnSpc>
+              <a:buFont typeface="Arial" charset="0"/>
+              <a:buNone/>
+            </a:pPr>
+            <a:r>
+              <a:rPr lang="en-US" altLang="zh-CN" sz="2400" dirty="0" smtClean="0">
+                <a:solidFill>
+                  <a:srgbClr val="FFFFFF"/>
+                </a:solidFill>
+              </a:rPr>
+              <a:t>4</a:t>
+            </a:r>
+            <a:r>
+              <a:rPr lang="zh-CN" altLang="en-US" sz="2400" dirty="0" smtClean="0">
+                <a:solidFill>
+                  <a:srgbClr val="FFFFFF"/>
+                </a:solidFill>
+              </a:rPr>
+              <a:t>）通过从需求的功能用例出发跟踪进入到系统中具体实现的类和方法</a:t>
+            </a:r>
+            <a:endParaRPr lang="zh-CN" altLang="en-US" sz="2400" dirty="0">
+              <a:solidFill>
+                <a:srgbClr val="FFFFFF"/>
+              </a:solidFill>
+            </a:endParaRPr>
           </a:p>
         </p:txBody>
       </p:sp>
@@ -11149,6 +11438,190 @@
       </p:grpSpPr>
       <p:cxnSp>
         <p:nvCxnSpPr>
+          <p:cNvPr id="43012" name="直接连接符 16"/>
+          <p:cNvCxnSpPr>
+            <a:cxnSpLocks noChangeShapeType="1"/>
+          </p:cNvCxnSpPr>
+          <p:nvPr/>
+        </p:nvCxnSpPr>
+        <p:spPr bwMode="auto">
+          <a:xfrm flipV="1">
+            <a:off x="1870075" y="1366838"/>
+            <a:ext cx="8591550" cy="17462"/>
+          </a:xfrm>
+          <a:prstGeom prst="line">
+            <a:avLst/>
+          </a:prstGeom>
+          <a:noFill/>
+          <a:ln w="12700">
+            <a:solidFill>
+              <a:srgbClr val="FFC000"/>
+            </a:solidFill>
+            <a:round/>
+            <a:headEnd/>
+            <a:tailEnd/>
+          </a:ln>
+        </p:spPr>
+      </p:cxnSp>
+      <p:sp>
+        <p:nvSpPr>
+          <p:cNvPr id="43013" name="文本框 18"/>
+          <p:cNvSpPr txBox="1">
+            <a:spLocks noChangeArrowheads="1"/>
+          </p:cNvSpPr>
+          <p:nvPr/>
+        </p:nvSpPr>
+        <p:spPr bwMode="auto">
+          <a:xfrm>
+            <a:off x="1806575" y="781050"/>
+            <a:ext cx="8802688" cy="579438"/>
+          </a:xfrm>
+          <a:prstGeom prst="rect">
+            <a:avLst/>
+          </a:prstGeom>
+          <a:noFill/>
+          <a:ln w="9525">
+            <a:noFill/>
+            <a:miter lim="800000"/>
+            <a:headEnd/>
+            <a:tailEnd/>
+          </a:ln>
+        </p:spPr>
+        <p:txBody>
+          <a:bodyPr>
+            <a:spAutoFit/>
+          </a:bodyPr>
+          <a:lstStyle/>
+          <a:p>
+            <a:pPr algn="ctr">
+              <a:buFont typeface="Arial" charset="0"/>
+              <a:buNone/>
+            </a:pPr>
+            <a:r>
+              <a:rPr lang="zh-CN" altLang="en-US" sz="3200">
+                <a:solidFill>
+                  <a:schemeClr val="bg1"/>
+                </a:solidFill>
+              </a:rPr>
+              <a:t>部署图示例</a:t>
+            </a:r>
+          </a:p>
+        </p:txBody>
+      </p:sp>
+      <p:sp>
+        <p:nvSpPr>
+          <p:cNvPr id="43014" name="Text Box 6"/>
+          <p:cNvSpPr txBox="1">
+            <a:spLocks noChangeArrowheads="1"/>
+          </p:cNvSpPr>
+          <p:nvPr/>
+        </p:nvSpPr>
+        <p:spPr bwMode="auto">
+          <a:xfrm>
+            <a:off x="1100592" y="1620838"/>
+            <a:ext cx="2581275" cy="3113087"/>
+          </a:xfrm>
+          <a:prstGeom prst="rect">
+            <a:avLst/>
+          </a:prstGeom>
+          <a:noFill/>
+          <a:ln w="9525">
+            <a:noFill/>
+            <a:miter lim="800000"/>
+            <a:headEnd/>
+            <a:tailEnd/>
+          </a:ln>
+          <a:effectLst/>
+        </p:spPr>
+        <p:txBody>
+          <a:bodyPr>
+            <a:spAutoFit/>
+          </a:bodyPr>
+          <a:lstStyle/>
+          <a:p>
+            <a:pPr>
+              <a:spcBef>
+                <a:spcPct val="50000"/>
+              </a:spcBef>
+            </a:pPr>
+            <a:r>
+              <a:rPr lang="zh-CN" altLang="en-US" dirty="0">
+                <a:solidFill>
+                  <a:schemeClr val="bg1"/>
+                </a:solidFill>
+              </a:rPr>
+              <a:t>部署图显示网络的物理布局，系统中涉及的处理器、设备、连接和过程。处理器是网络中处理功能所在的机器，包括服务器和工作站，不包括打印机扫描仪之类的设备。处理器用来运行进程（执行代码）。一个项目只有一个部署图。</a:t>
+            </a:r>
+          </a:p>
+        </p:txBody>
+      </p:sp>
+      <p:pic>
+        <p:nvPicPr>
+          <p:cNvPr id="43015" name="Picture 7"/>
+          <p:cNvPicPr>
+            <a:picLocks noChangeAspect="1" noChangeArrowheads="1"/>
+          </p:cNvPicPr>
+          <p:nvPr/>
+        </p:nvPicPr>
+        <p:blipFill>
+          <a:blip r:embed="rId2"/>
+          <a:srcRect/>
+          <a:stretch>
+            <a:fillRect/>
+          </a:stretch>
+        </p:blipFill>
+        <p:spPr bwMode="auto">
+          <a:xfrm>
+            <a:off x="3548954" y="1620838"/>
+            <a:ext cx="6987284" cy="4143148"/>
+          </a:xfrm>
+          <a:prstGeom prst="rect">
+            <a:avLst/>
+          </a:prstGeom>
+          <a:noFill/>
+          <a:ln w="9525">
+            <a:noFill/>
+            <a:miter lim="800000"/>
+            <a:headEnd/>
+            <a:tailEnd/>
+          </a:ln>
+          <a:effectLst/>
+        </p:spPr>
+      </p:pic>
+    </p:spTree>
+  </p:cSld>
+  <p:clrMapOvr>
+    <a:masterClrMapping/>
+  </p:clrMapOvr>
+  <p:timing>
+    <p:tnLst>
+      <p:par>
+        <p:cTn id="1" dur="indefinite" restart="never" nodeType="tmRoot"/>
+      </p:par>
+    </p:tnLst>
+  </p:timing>
+</p:sld>
+</file>
+
+<file path=ppt/slides/slide31.xml><?xml version="1.0" encoding="utf-8"?>
+<p:sld xmlns:a="http://schemas.openxmlformats.org/drawingml/2006/main" xmlns:r="http://schemas.openxmlformats.org/officeDocument/2006/relationships" xmlns:p="http://schemas.openxmlformats.org/presentationml/2006/main">
+  <p:cSld>
+    <p:spTree>
+      <p:nvGrpSpPr>
+        <p:cNvPr id="1" name=""/>
+        <p:cNvGrpSpPr/>
+        <p:nvPr/>
+      </p:nvGrpSpPr>
+      <p:grpSpPr>
+        <a:xfrm>
+          <a:off x="0" y="0"/>
+          <a:ext cx="0" cy="0"/>
+          <a:chOff x="0" y="0"/>
+          <a:chExt cx="0" cy="0"/>
+        </a:xfrm>
+      </p:grpSpPr>
+      <p:cxnSp>
+        <p:nvCxnSpPr>
           <p:cNvPr id="20481" name="直接连接符 16"/>
           <p:cNvCxnSpPr>
             <a:cxnSpLocks noChangeShapeType="1"/>
@@ -11275,15 +11748,7 @@
                   <a:srgbClr val="FFC000"/>
                 </a:solidFill>
               </a:rPr>
-              <a:t>、以上讲到的图中有那一类图是要配合文档的</a:t>
-            </a:r>
-            <a:r>
-              <a:rPr lang="zh-CN" altLang="en-US" sz="2800" b="1" dirty="0" smtClean="0">
-                <a:solidFill>
-                  <a:srgbClr val="FFC000"/>
-                </a:solidFill>
-              </a:rPr>
-              <a:t>？</a:t>
+              <a:t>、以上讲到的图中有那一类图是要配合文档的？</a:t>
             </a:r>
             <a:endParaRPr lang="en-US" altLang="zh-CN" sz="2800" b="1" dirty="0" smtClean="0">
               <a:solidFill>
@@ -11564,7 +12029,7 @@
 </p:sld>
 </file>
 
-<file path=ppt/slides/slide31.xml><?xml version="1.0" encoding="utf-8"?>
+<file path=ppt/slides/slide32.xml><?xml version="1.0" encoding="utf-8"?>
 <p:sld xmlns:a="http://schemas.openxmlformats.org/drawingml/2006/main" xmlns:r="http://schemas.openxmlformats.org/officeDocument/2006/relationships" xmlns:p="http://schemas.openxmlformats.org/presentationml/2006/main">
   <p:cSld>
     <p:spTree>
@@ -11709,15 +12174,7 @@
                   <a:srgbClr val="FFC000"/>
                 </a:solidFill>
               </a:rPr>
-              <a:t>、</a:t>
-            </a:r>
-            <a:r>
-              <a:rPr lang="zh-CN" altLang="en-US" sz="2800" b="1" dirty="0" smtClean="0">
-                <a:solidFill>
-                  <a:srgbClr val="FFC000"/>
-                </a:solidFill>
-              </a:rPr>
-              <a:t>类之见的关系</a:t>
+              <a:t>、类之见的关系</a:t>
             </a:r>
             <a:endParaRPr lang="en-US" altLang="zh-CN" sz="2800" b="1" dirty="0" smtClean="0">
               <a:solidFill>
@@ -12014,7 +12471,7 @@
 </p:sld>
 </file>
 
-<file path=ppt/slides/slide32.xml><?xml version="1.0" encoding="utf-8"?>
+<file path=ppt/slides/slide33.xml><?xml version="1.0" encoding="utf-8"?>
 <p:sld xmlns:a="http://schemas.openxmlformats.org/drawingml/2006/main" xmlns:r="http://schemas.openxmlformats.org/officeDocument/2006/relationships" xmlns:p="http://schemas.openxmlformats.org/presentationml/2006/main">
   <p:cSld>
     <p:spTree>
@@ -12624,7 +13081,7 @@
 </p:sld>
 </file>
 
-<file path=ppt/slides/slide33.xml><?xml version="1.0" encoding="utf-8"?>
+<file path=ppt/slides/slide34.xml><?xml version="1.0" encoding="utf-8"?>
 <p:sld xmlns:a="http://schemas.openxmlformats.org/drawingml/2006/main" xmlns:r="http://schemas.openxmlformats.org/officeDocument/2006/relationships" xmlns:p="http://schemas.openxmlformats.org/presentationml/2006/main">
   <p:cSld>
     <p:spTree>
@@ -12965,7 +13422,7 @@
 </p:sld>
 </file>
 
-<file path=ppt/slides/slide34.xml><?xml version="1.0" encoding="utf-8"?>
+<file path=ppt/slides/slide35.xml><?xml version="1.0" encoding="utf-8"?>
 <p:sld xmlns:a="http://schemas.openxmlformats.org/drawingml/2006/main" xmlns:r="http://schemas.openxmlformats.org/officeDocument/2006/relationships" xmlns:p="http://schemas.openxmlformats.org/presentationml/2006/main">
   <p:cSld>
     <p:spTree>
@@ -13285,7 +13742,7 @@
 </p:sld>
 </file>
 
-<file path=ppt/slides/slide35.xml><?xml version="1.0" encoding="utf-8"?>
+<file path=ppt/slides/slide36.xml><?xml version="1.0" encoding="utf-8"?>
 <p:sld xmlns:a="http://schemas.openxmlformats.org/drawingml/2006/main" xmlns:r="http://schemas.openxmlformats.org/officeDocument/2006/relationships" xmlns:p="http://schemas.openxmlformats.org/presentationml/2006/main">
   <p:cSld>
     <p:spTree>
@@ -14285,33 +14742,9 @@
           <a:chExt cx="0" cy="0"/>
         </a:xfrm>
       </p:grpSpPr>
-      <p:pic>
-        <p:nvPicPr>
-          <p:cNvPr id="23553" name="Picture 3"/>
-          <p:cNvPicPr>
-            <a:picLocks noGrp="1" noChangeAspect="1" noChangeArrowheads="1"/>
-          </p:cNvPicPr>
-          <p:nvPr>
-            <p:ph type="body" idx="1"/>
-          </p:nvPr>
-        </p:nvPicPr>
-        <p:blipFill>
-          <a:blip r:embed="rId2"/>
-          <a:srcRect/>
-          <a:stretch>
-            <a:fillRect/>
-          </a:stretch>
-        </p:blipFill>
-        <p:spPr>
-          <a:xfrm>
-            <a:off x="2743993" y="1564368"/>
-            <a:ext cx="6704013" cy="3967163"/>
-          </a:xfrm>
-        </p:spPr>
-      </p:pic>
       <p:cxnSp>
         <p:nvCxnSpPr>
-          <p:cNvPr id="23555" name="直接连接符 16"/>
+          <p:cNvPr id="16385" name="直接连接符 16"/>
           <p:cNvCxnSpPr>
             <a:cxnSpLocks noChangeShapeType="1"/>
           </p:cNvCxnSpPr>
@@ -14338,7 +14771,7 @@
       </p:cxnSp>
       <p:sp>
         <p:nvSpPr>
-          <p:cNvPr id="23556" name="文本框 18"/>
+          <p:cNvPr id="16386" name="文本框 18"/>
           <p:cNvSpPr txBox="1">
             <a:spLocks noChangeArrowheads="1"/>
           </p:cNvSpPr>
@@ -14346,8 +14779,8 @@
         </p:nvSpPr>
         <p:spPr bwMode="auto">
           <a:xfrm>
-            <a:off x="1736725" y="823913"/>
-            <a:ext cx="8802688" cy="579437"/>
+            <a:off x="1694656" y="585927"/>
+            <a:ext cx="8802687" cy="707886"/>
           </a:xfrm>
           <a:prstGeom prst="rect">
             <a:avLst/>
@@ -14371,17 +14804,89 @@
               <a:buNone/>
             </a:pPr>
             <a:r>
-              <a:rPr lang="zh-CN" altLang="en-US" sz="3200">
+              <a:rPr lang="zh-CN" altLang="en-US" sz="4000" dirty="0" smtClean="0">
                 <a:solidFill>
                   <a:schemeClr val="bg1"/>
                 </a:solidFill>
               </a:rPr>
-              <a:t>用例图示例</a:t>
-            </a:r>
+              <a:t>用 例 图</a:t>
+            </a:r>
+            <a:endParaRPr lang="zh-CN" altLang="en-US" sz="4000" dirty="0">
+              <a:solidFill>
+                <a:schemeClr val="bg1"/>
+              </a:solidFill>
+            </a:endParaRPr>
           </a:p>
         </p:txBody>
       </p:sp>
+      <p:cxnSp>
+        <p:nvCxnSpPr>
+          <p:cNvPr id="4" name="直接箭头连接符 3"/>
+          <p:cNvCxnSpPr>
+            <a:endCxn id="5124" idx="0"/>
+          </p:cNvCxnSpPr>
+          <p:nvPr/>
+        </p:nvCxnSpPr>
+        <p:spPr>
+          <a:xfrm flipH="1">
+            <a:off x="6002069" y="1293813"/>
+            <a:ext cx="349250" cy="671512"/>
+          </a:xfrm>
+          <a:prstGeom prst="straightConnector1">
+            <a:avLst/>
+          </a:prstGeom>
+          <a:ln w="25400">
+            <a:solidFill>
+              <a:srgbClr val="FFC000"/>
+            </a:solidFill>
+            <a:tailEnd type="arrow"/>
+          </a:ln>
+        </p:spPr>
+        <p:style>
+          <a:lnRef idx="1">
+            <a:schemeClr val="accent1"/>
+          </a:lnRef>
+          <a:fillRef idx="0">
+            <a:schemeClr val="accent1"/>
+          </a:fillRef>
+          <a:effectRef idx="0">
+            <a:schemeClr val="accent1"/>
+          </a:effectRef>
+          <a:fontRef idx="minor">
+            <a:schemeClr val="tx1"/>
+          </a:fontRef>
+        </p:style>
+      </p:cxnSp>
+      <p:pic>
+        <p:nvPicPr>
+          <p:cNvPr id="2" name="图片 1"/>
+          <p:cNvPicPr>
+            <a:picLocks noChangeAspect="1"/>
+          </p:cNvPicPr>
+          <p:nvPr/>
+        </p:nvPicPr>
+        <p:blipFill>
+          <a:blip r:embed="rId2"/>
+          <a:stretch>
+            <a:fillRect/>
+          </a:stretch>
+        </p:blipFill>
+        <p:spPr>
+          <a:xfrm>
+            <a:off x="1224487" y="0"/>
+            <a:ext cx="9553575" cy="6754107"/>
+          </a:xfrm>
+          <a:prstGeom prst="rect">
+            <a:avLst/>
+          </a:prstGeom>
+        </p:spPr>
+      </p:pic>
     </p:spTree>
+    <p:extLst>
+      <p:ext uri="{BB962C8B-B14F-4D97-AF65-F5344CB8AC3E}">
+        <p14:creationId xmlns:p14="http://schemas.microsoft.com/office/powerpoint/2010/main" val="3588696285"/>
+      </p:ext>
+    </p:extLst>
   </p:cSld>
   <p:clrMapOvr>
     <a:masterClrMapping/>
@@ -14389,7 +14894,106 @@
   <p:timing>
     <p:tnLst>
       <p:par>
-        <p:cTn id="1" dur="indefinite" restart="never" nodeType="tmRoot"/>
+        <p:cTn id="1" dur="indefinite" restart="never" nodeType="tmRoot">
+          <p:childTnLst>
+            <p:seq concurrent="1" nextAc="seek">
+              <p:cTn id="2" dur="indefinite" nodeType="mainSeq">
+                <p:childTnLst>
+                  <p:par>
+                    <p:cTn id="3" fill="hold">
+                      <p:stCondLst>
+                        <p:cond delay="indefinite"/>
+                      </p:stCondLst>
+                      <p:childTnLst>
+                        <p:par>
+                          <p:cTn id="4" fill="hold">
+                            <p:stCondLst>
+                              <p:cond delay="0"/>
+                            </p:stCondLst>
+                            <p:childTnLst>
+                              <p:par>
+                                <p:cTn id="5" presetID="12" presetClass="entr" presetSubtype="4" fill="hold" nodeType="clickEffect">
+                                  <p:stCondLst>
+                                    <p:cond delay="0"/>
+                                  </p:stCondLst>
+                                  <p:childTnLst>
+                                    <p:set>
+                                      <p:cBhvr>
+                                        <p:cTn id="6" dur="1" fill="hold">
+                                          <p:stCondLst>
+                                            <p:cond delay="0"/>
+                                          </p:stCondLst>
+                                        </p:cTn>
+                                        <p:tgtEl>
+                                          <p:spTgt spid="4"/>
+                                        </p:tgtEl>
+                                        <p:attrNameLst>
+                                          <p:attrName>style.visibility</p:attrName>
+                                        </p:attrNameLst>
+                                      </p:cBhvr>
+                                      <p:to>
+                                        <p:strVal val="visible"/>
+                                      </p:to>
+                                    </p:set>
+                                    <p:anim calcmode="lin" valueType="num">
+                                      <p:cBhvr additive="base">
+                                        <p:cTn id="7" dur="500"/>
+                                        <p:tgtEl>
+                                          <p:spTgt spid="4"/>
+                                        </p:tgtEl>
+                                        <p:attrNameLst>
+                                          <p:attrName>ppt_y</p:attrName>
+                                        </p:attrNameLst>
+                                      </p:cBhvr>
+                                      <p:tavLst>
+                                        <p:tav tm="0">
+                                          <p:val>
+                                            <p:strVal val="#ppt_y+#ppt_h*1.125000"/>
+                                          </p:val>
+                                        </p:tav>
+                                        <p:tav tm="100000">
+                                          <p:val>
+                                            <p:strVal val="#ppt_y"/>
+                                          </p:val>
+                                        </p:tav>
+                                      </p:tavLst>
+                                    </p:anim>
+                                    <p:animEffect transition="in" filter="wipe(up)">
+                                      <p:cBhvr>
+                                        <p:cTn id="8" dur="500"/>
+                                        <p:tgtEl>
+                                          <p:spTgt spid="4"/>
+                                        </p:tgtEl>
+                                      </p:cBhvr>
+                                    </p:animEffect>
+                                  </p:childTnLst>
+                                </p:cTn>
+                              </p:par>
+                            </p:childTnLst>
+                          </p:cTn>
+                        </p:par>
+                      </p:childTnLst>
+                    </p:cTn>
+                  </p:par>
+                </p:childTnLst>
+              </p:cTn>
+              <p:prevCondLst>
+                <p:cond evt="onPrev" delay="0">
+                  <p:tgtEl>
+                    <p:sldTgt/>
+                  </p:tgtEl>
+                </p:cond>
+              </p:prevCondLst>
+              <p:nextCondLst>
+                <p:cond evt="onNext" delay="0">
+                  <p:tgtEl>
+                    <p:sldTgt/>
+                  </p:tgtEl>
+                </p:cond>
+              </p:nextCondLst>
+            </p:seq>
+          </p:childTnLst>
+        </p:cTn>
       </p:par>
     </p:tnLst>
   </p:timing>
@@ -14718,9 +15322,33 @@
           <a:chExt cx="0" cy="0"/>
         </a:xfrm>
       </p:grpSpPr>
+      <p:pic>
+        <p:nvPicPr>
+          <p:cNvPr id="23553" name="Picture 3"/>
+          <p:cNvPicPr>
+            <a:picLocks noGrp="1" noChangeAspect="1" noChangeArrowheads="1"/>
+          </p:cNvPicPr>
+          <p:nvPr>
+            <p:ph type="body" idx="1"/>
+          </p:nvPr>
+        </p:nvPicPr>
+        <p:blipFill>
+          <a:blip r:embed="rId2"/>
+          <a:srcRect/>
+          <a:stretch>
+            <a:fillRect/>
+          </a:stretch>
+        </p:blipFill>
+        <p:spPr>
+          <a:xfrm>
+            <a:off x="2743993" y="1564368"/>
+            <a:ext cx="6704013" cy="3967163"/>
+          </a:xfrm>
+        </p:spPr>
+      </p:pic>
       <p:cxnSp>
         <p:nvCxnSpPr>
-          <p:cNvPr id="16385" name="直接连接符 16"/>
+          <p:cNvPr id="23555" name="直接连接符 16"/>
           <p:cNvCxnSpPr>
             <a:cxnSpLocks noChangeShapeType="1"/>
           </p:cNvCxnSpPr>
@@ -14747,7 +15375,7 @@
       </p:cxnSp>
       <p:sp>
         <p:nvSpPr>
-          <p:cNvPr id="16386" name="文本框 18"/>
+          <p:cNvPr id="23556" name="文本框 18"/>
           <p:cNvSpPr txBox="1">
             <a:spLocks noChangeArrowheads="1"/>
           </p:cNvSpPr>
@@ -14755,8 +15383,8 @@
         </p:nvSpPr>
         <p:spPr bwMode="auto">
           <a:xfrm>
-            <a:off x="1694656" y="585927"/>
-            <a:ext cx="8802687" cy="707886"/>
+            <a:off x="1736725" y="823913"/>
+            <a:ext cx="8802688" cy="579437"/>
           </a:xfrm>
           <a:prstGeom prst="rect">
             <a:avLst/>
@@ -14780,102 +15408,17 @@
               <a:buNone/>
             </a:pPr>
             <a:r>
-              <a:rPr lang="zh-CN" altLang="en-US" sz="4000" dirty="0" smtClean="0">
+              <a:rPr lang="zh-CN" altLang="en-US" sz="3200">
                 <a:solidFill>
                   <a:schemeClr val="bg1"/>
                 </a:solidFill>
               </a:rPr>
-              <a:t>用 例 图</a:t>
-            </a:r>
-            <a:endParaRPr lang="zh-CN" altLang="en-US" sz="4000" dirty="0">
-              <a:solidFill>
-                <a:schemeClr val="bg1"/>
-              </a:solidFill>
-            </a:endParaRPr>
-          </a:p>
-        </p:txBody>
-      </p:sp>
-      <p:sp>
-        <p:nvSpPr>
-          <p:cNvPr id="5124" name="矩形 1"/>
-          <p:cNvSpPr>
-            <a:spLocks noChangeArrowheads="1"/>
-          </p:cNvSpPr>
-          <p:nvPr/>
-        </p:nvSpPr>
-        <p:spPr bwMode="auto">
-          <a:xfrm>
-            <a:off x="1800224" y="1965325"/>
-            <a:ext cx="8697119" cy="3521075"/>
-          </a:xfrm>
-          <a:prstGeom prst="rect">
-            <a:avLst/>
-          </a:prstGeom>
-          <a:noFill/>
-          <a:ln w="12700">
-            <a:solidFill>
-              <a:srgbClr val="FFC000"/>
-            </a:solidFill>
-            <a:miter lim="800000"/>
-            <a:headEnd/>
-            <a:tailEnd/>
-          </a:ln>
-        </p:spPr>
-        <p:txBody>
-          <a:bodyPr anchor="t"/>
-          <a:lstStyle/>
-          <a:p>
-            <a:pPr>
-              <a:lnSpc>
-                <a:spcPct val="120000"/>
-              </a:lnSpc>
-              <a:buFont typeface="Arial" charset="0"/>
-              <a:buNone/>
-            </a:pPr>
-            <a:r>
-              <a:rPr lang="zh-CN" altLang="en-US" sz="3600" dirty="0" smtClean="0">
-                <a:solidFill>
-                  <a:srgbClr val="FFC000"/>
-                </a:solidFill>
-              </a:rPr>
-              <a:t>用例描述</a:t>
-            </a:r>
-            <a:endParaRPr lang="en-US" altLang="zh-CN" sz="3600" dirty="0">
-              <a:solidFill>
-                <a:srgbClr val="FFC000"/>
-              </a:solidFill>
-            </a:endParaRPr>
-          </a:p>
-          <a:p>
-            <a:pPr>
-              <a:lnSpc>
-                <a:spcPct val="120000"/>
-              </a:lnSpc>
-              <a:buFont typeface="Arial" charset="0"/>
-              <a:buNone/>
-            </a:pPr>
-            <a:r>
-              <a:rPr lang="zh-CN" altLang="en-US" sz="2400" dirty="0" smtClean="0">
-                <a:solidFill>
-                  <a:srgbClr val="FFFFFF"/>
-                </a:solidFill>
-              </a:rPr>
-              <a:t>对各个用例的文档解释</a:t>
-            </a:r>
-            <a:endParaRPr lang="en-US" altLang="zh-CN" sz="2400" dirty="0" smtClean="0">
-              <a:solidFill>
-                <a:srgbClr val="FFFFFF"/>
-              </a:solidFill>
-            </a:endParaRPr>
+              <a:t>用例图示例</a:t>
+            </a:r>
           </a:p>
         </p:txBody>
       </p:sp>
     </p:spTree>
-    <p:extLst>
-      <p:ext uri="{BB962C8B-B14F-4D97-AF65-F5344CB8AC3E}">
-        <p14:creationId xmlns:p14="http://schemas.microsoft.com/office/powerpoint/2010/main" val="346727315"/>
-      </p:ext>
-    </p:extLst>
   </p:cSld>
   <p:clrMapOvr>
     <a:masterClrMapping/>
@@ -14883,111 +15426,9 @@
   <p:timing>
     <p:tnLst>
       <p:par>
-        <p:cTn id="1" dur="indefinite" restart="never" nodeType="tmRoot">
-          <p:childTnLst>
-            <p:seq concurrent="1" nextAc="seek">
-              <p:cTn id="2" dur="indefinite" nodeType="mainSeq">
-                <p:childTnLst>
-                  <p:par>
-                    <p:cTn id="3" fill="hold">
-                      <p:stCondLst>
-                        <p:cond delay="indefinite"/>
-                      </p:stCondLst>
-                      <p:childTnLst>
-                        <p:par>
-                          <p:cTn id="4" fill="hold">
-                            <p:stCondLst>
-                              <p:cond delay="0"/>
-                            </p:stCondLst>
-                            <p:childTnLst>
-                              <p:par>
-                                <p:cTn id="5" presetID="12" presetClass="entr" presetSubtype="4" fill="hold" grpId="0" nodeType="clickEffect">
-                                  <p:stCondLst>
-                                    <p:cond delay="0"/>
-                                  </p:stCondLst>
-                                  <p:childTnLst>
-                                    <p:set>
-                                      <p:cBhvr>
-                                        <p:cTn id="6" dur="1" fill="hold">
-                                          <p:stCondLst>
-                                            <p:cond delay="0"/>
-                                          </p:stCondLst>
-                                        </p:cTn>
-                                        <p:tgtEl>
-                                          <p:spTgt spid="5124"/>
-                                        </p:tgtEl>
-                                        <p:attrNameLst>
-                                          <p:attrName>style.visibility</p:attrName>
-                                        </p:attrNameLst>
-                                      </p:cBhvr>
-                                      <p:to>
-                                        <p:strVal val="visible"/>
-                                      </p:to>
-                                    </p:set>
-                                    <p:anim calcmode="lin" valueType="num">
-                                      <p:cBhvr additive="base">
-                                        <p:cTn id="7" dur="500"/>
-                                        <p:tgtEl>
-                                          <p:spTgt spid="5124"/>
-                                        </p:tgtEl>
-                                        <p:attrNameLst>
-                                          <p:attrName>ppt_y</p:attrName>
-                                        </p:attrNameLst>
-                                      </p:cBhvr>
-                                      <p:tavLst>
-                                        <p:tav tm="0">
-                                          <p:val>
-                                            <p:strVal val="#ppt_y+#ppt_h*1.125000"/>
-                                          </p:val>
-                                        </p:tav>
-                                        <p:tav tm="100000">
-                                          <p:val>
-                                            <p:strVal val="#ppt_y"/>
-                                          </p:val>
-                                        </p:tav>
-                                      </p:tavLst>
-                                    </p:anim>
-                                    <p:animEffect transition="in" filter="wipe(up)">
-                                      <p:cBhvr>
-                                        <p:cTn id="8" dur="500"/>
-                                        <p:tgtEl>
-                                          <p:spTgt spid="5124"/>
-                                        </p:tgtEl>
-                                      </p:cBhvr>
-                                    </p:animEffect>
-                                  </p:childTnLst>
-                                </p:cTn>
-                              </p:par>
-                            </p:childTnLst>
-                          </p:cTn>
-                        </p:par>
-                      </p:childTnLst>
-                    </p:cTn>
-                  </p:par>
-                </p:childTnLst>
-              </p:cTn>
-              <p:prevCondLst>
-                <p:cond evt="onPrev" delay="0">
-                  <p:tgtEl>
-                    <p:sldTgt/>
-                  </p:tgtEl>
-                </p:cond>
-              </p:prevCondLst>
-              <p:nextCondLst>
-                <p:cond evt="onNext" delay="0">
-                  <p:tgtEl>
-                    <p:sldTgt/>
-                  </p:tgtEl>
-                </p:cond>
-              </p:nextCondLst>
-            </p:seq>
-          </p:childTnLst>
-        </p:cTn>
+        <p:cTn id="1" dur="indefinite" restart="never" nodeType="tmRoot"/>
       </p:par>
     </p:tnLst>
-    <p:bldLst>
-      <p:bldP spid="5124" grpId="0" animBg="1"/>
-    </p:bldLst>
   </p:timing>
 </p:sld>
 </file>

--- a/0PPT/UML图.pptx
+++ b/0PPT/UML图.pptx
@@ -13,29 +13,29 @@
     <p:sldId id="264" r:id="rId4"/>
     <p:sldId id="306" r:id="rId5"/>
     <p:sldId id="307" r:id="rId6"/>
-    <p:sldId id="286" r:id="rId7"/>
-    <p:sldId id="310" r:id="rId8"/>
-    <p:sldId id="308" r:id="rId9"/>
-    <p:sldId id="287" r:id="rId10"/>
-    <p:sldId id="309" r:id="rId11"/>
-    <p:sldId id="320" r:id="rId12"/>
-    <p:sldId id="270" r:id="rId13"/>
-    <p:sldId id="311" r:id="rId14"/>
-    <p:sldId id="312" r:id="rId15"/>
-    <p:sldId id="292" r:id="rId16"/>
+    <p:sldId id="308" r:id="rId7"/>
+    <p:sldId id="287" r:id="rId8"/>
+    <p:sldId id="326" r:id="rId9"/>
+    <p:sldId id="329" r:id="rId10"/>
+    <p:sldId id="310" r:id="rId11"/>
+    <p:sldId id="309" r:id="rId12"/>
+    <p:sldId id="320" r:id="rId13"/>
+    <p:sldId id="270" r:id="rId14"/>
+    <p:sldId id="311" r:id="rId15"/>
+    <p:sldId id="312" r:id="rId16"/>
     <p:sldId id="291" r:id="rId17"/>
-    <p:sldId id="316" r:id="rId18"/>
-    <p:sldId id="274" r:id="rId19"/>
-    <p:sldId id="293" r:id="rId20"/>
-    <p:sldId id="317" r:id="rId21"/>
-    <p:sldId id="276" r:id="rId22"/>
-    <p:sldId id="294" r:id="rId23"/>
-    <p:sldId id="319" r:id="rId24"/>
-    <p:sldId id="314" r:id="rId25"/>
-    <p:sldId id="324" r:id="rId26"/>
-    <p:sldId id="325" r:id="rId27"/>
-    <p:sldId id="296" r:id="rId28"/>
-    <p:sldId id="318" r:id="rId29"/>
+    <p:sldId id="292" r:id="rId18"/>
+    <p:sldId id="330" r:id="rId19"/>
+    <p:sldId id="331" r:id="rId20"/>
+    <p:sldId id="316" r:id="rId21"/>
+    <p:sldId id="274" r:id="rId22"/>
+    <p:sldId id="317" r:id="rId23"/>
+    <p:sldId id="276" r:id="rId24"/>
+    <p:sldId id="319" r:id="rId25"/>
+    <p:sldId id="314" r:id="rId26"/>
+    <p:sldId id="324" r:id="rId27"/>
+    <p:sldId id="325" r:id="rId28"/>
+    <p:sldId id="296" r:id="rId29"/>
     <p:sldId id="315" r:id="rId30"/>
     <p:sldId id="298" r:id="rId31"/>
     <p:sldId id="321" r:id="rId32"/>
@@ -292,7 +292,7 @@
               <a:pPr>
                 <a:defRPr/>
               </a:pPr>
-              <a:t>2017/11/15</a:t>
+              <a:t>2017/11/16</a:t>
             </a:fld>
             <a:endParaRPr lang="zh-CN" altLang="en-US"/>
           </a:p>
@@ -748,7 +748,7 @@
               <a:pPr>
                 <a:defRPr/>
               </a:pPr>
-              <a:t>2017/11/15</a:t>
+              <a:t>2017/11/16</a:t>
             </a:fld>
             <a:endParaRPr lang="zh-CN" altLang="en-US"/>
           </a:p>
@@ -946,7 +946,7 @@
               <a:pPr>
                 <a:defRPr/>
               </a:pPr>
-              <a:t>2017/11/15</a:t>
+              <a:t>2017/11/16</a:t>
             </a:fld>
             <a:endParaRPr lang="zh-CN" altLang="en-US"/>
           </a:p>
@@ -1154,7 +1154,7 @@
               <a:pPr>
                 <a:defRPr/>
               </a:pPr>
-              <a:t>2017/11/15</a:t>
+              <a:t>2017/11/16</a:t>
             </a:fld>
             <a:endParaRPr lang="zh-CN" altLang="en-US"/>
           </a:p>
@@ -1352,7 +1352,7 @@
               <a:pPr>
                 <a:defRPr/>
               </a:pPr>
-              <a:t>2017/11/15</a:t>
+              <a:t>2017/11/16</a:t>
             </a:fld>
             <a:endParaRPr lang="zh-CN" altLang="en-US"/>
           </a:p>
@@ -1626,7 +1626,7 @@
               <a:pPr>
                 <a:defRPr/>
               </a:pPr>
-              <a:t>2017/11/15</a:t>
+              <a:t>2017/11/16</a:t>
             </a:fld>
             <a:endParaRPr lang="zh-CN" altLang="en-US"/>
           </a:p>
@@ -1886,7 +1886,7 @@
               <a:pPr>
                 <a:defRPr/>
               </a:pPr>
-              <a:t>2017/11/15</a:t>
+              <a:t>2017/11/16</a:t>
             </a:fld>
             <a:endParaRPr lang="zh-CN" altLang="en-US"/>
           </a:p>
@@ -2281,7 +2281,7 @@
               <a:pPr>
                 <a:defRPr/>
               </a:pPr>
-              <a:t>2017/11/15</a:t>
+              <a:t>2017/11/16</a:t>
             </a:fld>
             <a:endParaRPr lang="zh-CN" altLang="en-US"/>
           </a:p>
@@ -2427,7 +2427,7 @@
               <a:pPr>
                 <a:defRPr/>
               </a:pPr>
-              <a:t>2017/11/15</a:t>
+              <a:t>2017/11/16</a:t>
             </a:fld>
             <a:endParaRPr lang="zh-CN" altLang="en-US"/>
           </a:p>
@@ -2550,7 +2550,7 @@
               <a:pPr>
                 <a:defRPr/>
               </a:pPr>
-              <a:t>2017/11/15</a:t>
+              <a:t>2017/11/16</a:t>
             </a:fld>
             <a:endParaRPr lang="zh-CN" altLang="en-US"/>
           </a:p>
@@ -2855,7 +2855,7 @@
               <a:pPr>
                 <a:defRPr/>
               </a:pPr>
-              <a:t>2017/11/15</a:t>
+              <a:t>2017/11/16</a:t>
             </a:fld>
             <a:endParaRPr lang="zh-CN" altLang="en-US"/>
           </a:p>
@@ -3137,7 +3137,7 @@
               <a:pPr>
                 <a:defRPr/>
               </a:pPr>
-              <a:t>2017/11/15</a:t>
+              <a:t>2017/11/16</a:t>
             </a:fld>
             <a:endParaRPr lang="zh-CN" altLang="en-US"/>
           </a:p>
@@ -3398,7 +3398,7 @@
               <a:pPr>
                 <a:defRPr/>
               </a:pPr>
-              <a:t>2017/11/15</a:t>
+              <a:t>2017/11/16</a:t>
             </a:fld>
             <a:endParaRPr lang="zh-CN" altLang="en-US"/>
           </a:p>
@@ -4670,6 +4670,113 @@
           <a:chExt cx="0" cy="0"/>
         </a:xfrm>
       </p:grpSpPr>
+      <p:pic>
+        <p:nvPicPr>
+          <p:cNvPr id="2" name="图片 1"/>
+          <p:cNvPicPr>
+            <a:picLocks noChangeAspect="1"/>
+          </p:cNvPicPr>
+          <p:nvPr/>
+        </p:nvPicPr>
+        <p:blipFill>
+          <a:blip r:embed="rId2"/>
+          <a:stretch>
+            <a:fillRect/>
+          </a:stretch>
+        </p:blipFill>
+        <p:spPr>
+          <a:xfrm>
+            <a:off x="2569361" y="0"/>
+            <a:ext cx="9553575" cy="6754107"/>
+          </a:xfrm>
+          <a:prstGeom prst="rect">
+            <a:avLst/>
+          </a:prstGeom>
+        </p:spPr>
+      </p:pic>
+      <p:sp>
+        <p:nvSpPr>
+          <p:cNvPr id="6" name="Text Box 8"/>
+          <p:cNvSpPr txBox="1">
+            <a:spLocks noChangeArrowheads="1"/>
+          </p:cNvSpPr>
+          <p:nvPr/>
+        </p:nvSpPr>
+        <p:spPr bwMode="auto">
+          <a:xfrm>
+            <a:off x="707223" y="1536114"/>
+            <a:ext cx="1862138" cy="4054475"/>
+          </a:xfrm>
+          <a:prstGeom prst="rect">
+            <a:avLst/>
+          </a:prstGeom>
+          <a:noFill/>
+          <a:ln w="9525">
+            <a:noFill/>
+            <a:miter lim="800000"/>
+            <a:headEnd/>
+            <a:tailEnd/>
+          </a:ln>
+        </p:spPr>
+        <p:txBody>
+          <a:bodyPr>
+            <a:spAutoFit/>
+          </a:bodyPr>
+          <a:lstStyle/>
+          <a:p>
+            <a:pPr>
+              <a:spcBef>
+                <a:spcPct val="50000"/>
+              </a:spcBef>
+            </a:pPr>
+            <a:r>
+              <a:rPr lang="zh-CN" altLang="en-US" sz="2000" dirty="0">
+                <a:solidFill>
+                  <a:schemeClr val="bg1"/>
+                </a:solidFill>
+              </a:rPr>
+              <a:t>从用例图中我们可以看到系统干什么，与谁交互。用例是系统提供的功能，参与者是系统与谁交互，参与者可以是人、系统或其他实体。一个系统可以创建一个或多个用例图。</a:t>
+            </a:r>
+          </a:p>
+        </p:txBody>
+      </p:sp>
+    </p:spTree>
+    <p:extLst>
+      <p:ext uri="{BB962C8B-B14F-4D97-AF65-F5344CB8AC3E}">
+        <p14:creationId xmlns:p14="http://schemas.microsoft.com/office/powerpoint/2010/main" val="3588696285"/>
+      </p:ext>
+    </p:extLst>
+  </p:cSld>
+  <p:clrMapOvr>
+    <a:masterClrMapping/>
+  </p:clrMapOvr>
+  <p:timing>
+    <p:tnLst>
+      <p:par>
+        <p:cTn id="1" dur="indefinite" restart="never" nodeType="tmRoot"/>
+      </p:par>
+    </p:tnLst>
+  </p:timing>
+</p:sld>
+</file>
+
+<file path=ppt/slides/slide11.xml><?xml version="1.0" encoding="utf-8"?>
+<p:sld xmlns:a="http://schemas.openxmlformats.org/drawingml/2006/main" xmlns:r="http://schemas.openxmlformats.org/officeDocument/2006/relationships" xmlns:p="http://schemas.openxmlformats.org/presentationml/2006/main">
+  <p:cSld>
+    <p:spTree>
+      <p:nvGrpSpPr>
+        <p:cNvPr id="1" name=""/>
+        <p:cNvGrpSpPr/>
+        <p:nvPr/>
+      </p:nvGrpSpPr>
+      <p:grpSpPr>
+        <a:xfrm>
+          <a:off x="0" y="0"/>
+          <a:ext cx="0" cy="0"/>
+          <a:chOff x="0" y="0"/>
+          <a:chExt cx="0" cy="0"/>
+        </a:xfrm>
+      </p:grpSpPr>
       <p:cxnSp>
         <p:nvCxnSpPr>
           <p:cNvPr id="16385" name="直接连接符 16"/>
@@ -4737,15 +4844,7 @@
                   <a:schemeClr val="bg1"/>
                 </a:solidFill>
               </a:rPr>
-              <a:t>用 例 </a:t>
-            </a:r>
-            <a:r>
-              <a:rPr lang="zh-CN" altLang="en-US" sz="4000" dirty="0" smtClean="0">
-                <a:solidFill>
-                  <a:schemeClr val="bg1"/>
-                </a:solidFill>
-              </a:rPr>
-              <a:t>描述</a:t>
+              <a:t>用 例 描述</a:t>
             </a:r>
             <a:endParaRPr lang="zh-CN" altLang="en-US" sz="4000" dirty="0">
               <a:solidFill>
@@ -4842,31 +4941,7 @@
                   <a:srgbClr val="FFFFFF"/>
                 </a:solidFill>
               </a:rPr>
-              <a:t>用例描述对</a:t>
-            </a:r>
-            <a:r>
-              <a:rPr lang="zh-CN" altLang="en-US" sz="2400" dirty="0" smtClean="0">
-                <a:solidFill>
-                  <a:srgbClr val="FFFFFF"/>
-                </a:solidFill>
-              </a:rPr>
-              <a:t>各个用例</a:t>
-            </a:r>
-            <a:r>
-              <a:rPr lang="zh-CN" altLang="en-US" sz="2400" dirty="0" smtClean="0">
-                <a:solidFill>
-                  <a:srgbClr val="FFFFFF"/>
-                </a:solidFill>
-              </a:rPr>
-              <a:t>的详细的文档</a:t>
-            </a:r>
-            <a:r>
-              <a:rPr lang="zh-CN" altLang="en-US" sz="2400" dirty="0" smtClean="0">
-                <a:solidFill>
-                  <a:srgbClr val="FFFFFF"/>
-                </a:solidFill>
-              </a:rPr>
-              <a:t>解释</a:t>
+              <a:t>用例描述对各个用例的详细的文档解释</a:t>
             </a:r>
             <a:endParaRPr lang="en-US" altLang="zh-CN" sz="2400" dirty="0" smtClean="0">
               <a:solidFill>
@@ -4998,7 +5073,7 @@
 </p:sld>
 </file>
 
-<file path=ppt/slides/slide11.xml><?xml version="1.0" encoding="utf-8"?>
+<file path=ppt/slides/slide12.xml><?xml version="1.0" encoding="utf-8"?>
 <p:sld xmlns:a="http://schemas.openxmlformats.org/drawingml/2006/main" xmlns:r="http://schemas.openxmlformats.org/officeDocument/2006/relationships" xmlns:p="http://schemas.openxmlformats.org/presentationml/2006/main">
   <p:cSld>
     <p:spTree>
@@ -5082,15 +5157,7 @@
                   <a:schemeClr val="bg1"/>
                 </a:solidFill>
               </a:rPr>
-              <a:t>用 例 </a:t>
-            </a:r>
-            <a:r>
-              <a:rPr lang="zh-CN" altLang="en-US" sz="4000" dirty="0" smtClean="0">
-                <a:solidFill>
-                  <a:schemeClr val="bg1"/>
-                </a:solidFill>
-              </a:rPr>
-              <a:t>描述</a:t>
+              <a:t>用 例 描述</a:t>
             </a:r>
             <a:endParaRPr lang="zh-CN" altLang="en-US" sz="4000" dirty="0">
               <a:solidFill>
@@ -5851,256 +5918,6 @@
 </p:sld>
 </file>
 
-<file path=ppt/slides/slide12.xml><?xml version="1.0" encoding="utf-8"?>
-<p:sld xmlns:a="http://schemas.openxmlformats.org/drawingml/2006/main" xmlns:r="http://schemas.openxmlformats.org/officeDocument/2006/relationships" xmlns:p="http://schemas.openxmlformats.org/presentationml/2006/main">
-  <p:cSld>
-    <p:spTree>
-      <p:nvGrpSpPr>
-        <p:cNvPr id="1" name=""/>
-        <p:cNvGrpSpPr/>
-        <p:nvPr/>
-      </p:nvGrpSpPr>
-      <p:grpSpPr>
-        <a:xfrm>
-          <a:off x="0" y="0"/>
-          <a:ext cx="0" cy="0"/>
-          <a:chOff x="0" y="0"/>
-          <a:chExt cx="0" cy="0"/>
-        </a:xfrm>
-      </p:grpSpPr>
-      <p:cxnSp>
-        <p:nvCxnSpPr>
-          <p:cNvPr id="17409" name="直接连接符 16"/>
-          <p:cNvCxnSpPr>
-            <a:cxnSpLocks noChangeShapeType="1"/>
-          </p:cNvCxnSpPr>
-          <p:nvPr/>
-        </p:nvCxnSpPr>
-        <p:spPr bwMode="auto">
-          <a:xfrm flipV="1">
-            <a:off x="1800225" y="1409700"/>
-            <a:ext cx="8591550" cy="17463"/>
-          </a:xfrm>
-          <a:prstGeom prst="line">
-            <a:avLst/>
-          </a:prstGeom>
-          <a:noFill/>
-          <a:ln w="12700">
-            <a:solidFill>
-              <a:srgbClr val="FFC000"/>
-            </a:solidFill>
-            <a:round/>
-            <a:headEnd/>
-            <a:tailEnd/>
-          </a:ln>
-        </p:spPr>
-      </p:cxnSp>
-      <p:sp>
-        <p:nvSpPr>
-          <p:cNvPr id="17410" name="文本框 18"/>
-          <p:cNvSpPr txBox="1">
-            <a:spLocks noChangeArrowheads="1"/>
-          </p:cNvSpPr>
-          <p:nvPr/>
-        </p:nvSpPr>
-        <p:spPr bwMode="auto">
-          <a:xfrm>
-            <a:off x="1693863" y="771525"/>
-            <a:ext cx="8802687" cy="584200"/>
-          </a:xfrm>
-          <a:prstGeom prst="rect">
-            <a:avLst/>
-          </a:prstGeom>
-          <a:noFill/>
-          <a:ln w="9525">
-            <a:noFill/>
-            <a:miter lim="800000"/>
-            <a:headEnd/>
-            <a:tailEnd/>
-          </a:ln>
-        </p:spPr>
-        <p:txBody>
-          <a:bodyPr>
-            <a:spAutoFit/>
-          </a:bodyPr>
-          <a:lstStyle/>
-          <a:p>
-            <a:pPr algn="ctr">
-              <a:buFont typeface="Arial" charset="0"/>
-              <a:buNone/>
-            </a:pPr>
-            <a:r>
-              <a:rPr lang="zh-CN" altLang="en-US" sz="3200" dirty="0" smtClean="0">
-                <a:solidFill>
-                  <a:schemeClr val="bg1"/>
-                </a:solidFill>
-              </a:rPr>
-              <a:t>类 图</a:t>
-            </a:r>
-            <a:endParaRPr lang="zh-CN" altLang="en-US" sz="3200" dirty="0">
-              <a:solidFill>
-                <a:schemeClr val="bg1"/>
-              </a:solidFill>
-            </a:endParaRPr>
-          </a:p>
-        </p:txBody>
-      </p:sp>
-      <p:sp>
-        <p:nvSpPr>
-          <p:cNvPr id="17411" name="矩形 1"/>
-          <p:cNvSpPr>
-            <a:spLocks noChangeArrowheads="1"/>
-          </p:cNvSpPr>
-          <p:nvPr/>
-        </p:nvSpPr>
-        <p:spPr bwMode="auto">
-          <a:xfrm>
-            <a:off x="1798638" y="1863725"/>
-            <a:ext cx="8593137" cy="3836988"/>
-          </a:xfrm>
-          <a:prstGeom prst="rect">
-            <a:avLst/>
-          </a:prstGeom>
-          <a:noFill/>
-          <a:ln w="12700">
-            <a:solidFill>
-              <a:srgbClr val="FFC000"/>
-            </a:solidFill>
-            <a:miter lim="800000"/>
-            <a:headEnd/>
-            <a:tailEnd/>
-          </a:ln>
-        </p:spPr>
-        <p:txBody>
-          <a:bodyPr anchor="ctr"/>
-          <a:lstStyle/>
-          <a:p>
-            <a:pPr>
-              <a:lnSpc>
-                <a:spcPct val="120000"/>
-              </a:lnSpc>
-              <a:buFont typeface="Arial" charset="0"/>
-              <a:buNone/>
-            </a:pPr>
-            <a:r>
-              <a:rPr lang="zh-CN" altLang="en-US" sz="3200" b="1" dirty="0" smtClean="0">
-                <a:solidFill>
-                  <a:srgbClr val="FFC000"/>
-                </a:solidFill>
-              </a:rPr>
-              <a:t>类</a:t>
-            </a:r>
-            <a:endParaRPr lang="en-US" altLang="zh-CN" sz="3200" b="1" dirty="0" smtClean="0">
-              <a:solidFill>
-                <a:srgbClr val="FFC000"/>
-              </a:solidFill>
-            </a:endParaRPr>
-          </a:p>
-          <a:p>
-            <a:pPr>
-              <a:lnSpc>
-                <a:spcPct val="120000"/>
-              </a:lnSpc>
-              <a:buFont typeface="Arial" charset="0"/>
-              <a:buNone/>
-            </a:pPr>
-            <a:r>
-              <a:rPr lang="zh-CN" altLang="en-US" sz="2000" b="1" dirty="0" smtClean="0">
-                <a:solidFill>
-                  <a:schemeClr val="bg1"/>
-                </a:solidFill>
-              </a:rPr>
-              <a:t>         类是对一组具有相同属性、操作、关系、语义的对象的抽象。</a:t>
-            </a:r>
-            <a:endParaRPr lang="en-US" altLang="zh-CN" sz="2000" b="1" dirty="0" smtClean="0">
-              <a:solidFill>
-                <a:schemeClr val="bg1"/>
-              </a:solidFill>
-            </a:endParaRPr>
-          </a:p>
-          <a:p>
-            <a:pPr>
-              <a:lnSpc>
-                <a:spcPct val="120000"/>
-              </a:lnSpc>
-              <a:buFont typeface="Arial" charset="0"/>
-              <a:buNone/>
-            </a:pPr>
-            <a:r>
-              <a:rPr lang="en-US" altLang="zh-CN" sz="2000" b="1" dirty="0">
-                <a:solidFill>
-                  <a:schemeClr val="bg1"/>
-                </a:solidFill>
-              </a:rPr>
-              <a:t> </a:t>
-            </a:r>
-            <a:r>
-              <a:rPr lang="en-US" altLang="zh-CN" sz="2000" b="1" dirty="0" smtClean="0">
-                <a:solidFill>
-                  <a:schemeClr val="bg1"/>
-                </a:solidFill>
-              </a:rPr>
-              <a:t>        </a:t>
-            </a:r>
-            <a:r>
-              <a:rPr lang="zh-CN" altLang="en-US" sz="2000" b="1" dirty="0" smtClean="0">
-                <a:solidFill>
-                  <a:schemeClr val="bg1"/>
-                </a:solidFill>
-              </a:rPr>
-              <a:t>包括名称，属性，操作。</a:t>
-            </a:r>
-            <a:endParaRPr lang="en-US" altLang="zh-CN" sz="2000" b="1" dirty="0">
-              <a:solidFill>
-                <a:schemeClr val="bg1"/>
-              </a:solidFill>
-            </a:endParaRPr>
-          </a:p>
-          <a:p>
-            <a:pPr>
-              <a:lnSpc>
-                <a:spcPct val="120000"/>
-              </a:lnSpc>
-              <a:buFont typeface="Arial" charset="0"/>
-              <a:buNone/>
-            </a:pPr>
-            <a:endParaRPr lang="en-US" altLang="zh-CN" sz="2000" b="1" dirty="0">
-              <a:solidFill>
-                <a:schemeClr val="bg1"/>
-              </a:solidFill>
-            </a:endParaRPr>
-          </a:p>
-          <a:p>
-            <a:pPr>
-              <a:lnSpc>
-                <a:spcPct val="120000"/>
-              </a:lnSpc>
-              <a:buFont typeface="Arial" charset="0"/>
-              <a:buNone/>
-            </a:pPr>
-            <a:endParaRPr lang="zh-CN" altLang="en-US" sz="2400" b="1" dirty="0">
-              <a:solidFill>
-                <a:srgbClr val="FFFFFF"/>
-              </a:solidFill>
-            </a:endParaRPr>
-          </a:p>
-        </p:txBody>
-      </p:sp>
-    </p:spTree>
-  </p:cSld>
-  <p:clrMapOvr>
-    <a:masterClrMapping/>
-  </p:clrMapOvr>
-  <p:timing>
-    <p:tnLst>
-      <p:par>
-        <p:cTn id="1" dur="indefinite" restart="never" nodeType="tmRoot"/>
-      </p:par>
-    </p:tnLst>
-  </p:timing>
-</p:sld>
-</file>
-
 <file path=ppt/slides/slide13.xml><?xml version="1.0" encoding="utf-8"?>
 <p:sld xmlns:a="http://schemas.openxmlformats.org/drawingml/2006/main" xmlns:r="http://schemas.openxmlformats.org/officeDocument/2006/relationships" xmlns:p="http://schemas.openxmlformats.org/presentationml/2006/main">
   <p:cSld>
@@ -6205,8 +6022,8 @@
         </p:nvSpPr>
         <p:spPr bwMode="auto">
           <a:xfrm>
-            <a:off x="1798638" y="1863724"/>
-            <a:ext cx="8593137" cy="4537075"/>
+            <a:off x="1798638" y="1863725"/>
+            <a:ext cx="8593137" cy="3836988"/>
           </a:xfrm>
           <a:prstGeom prst="rect">
             <a:avLst/>
@@ -6222,7 +6039,7 @@
           </a:ln>
         </p:spPr>
         <p:txBody>
-          <a:bodyPr anchor="t"/>
+          <a:bodyPr anchor="ctr"/>
           <a:lstStyle/>
           <a:p>
             <a:pPr>
@@ -6238,7 +6055,7 @@
                   <a:srgbClr val="FFC000"/>
                 </a:solidFill>
               </a:rPr>
-              <a:t>名称（唯一）</a:t>
+              <a:t>类</a:t>
             </a:r>
             <a:endParaRPr lang="en-US" altLang="zh-CN" sz="3200" b="1" dirty="0" smtClean="0">
               <a:solidFill>
@@ -6255,21 +6072,18 @@
               <a:buNone/>
             </a:pPr>
             <a:r>
-              <a:rPr lang="zh-CN" altLang="en-US" sz="2400" dirty="0" smtClean="0">
+              <a:rPr lang="zh-CN" altLang="en-US" sz="2000" b="1" dirty="0" smtClean="0">
                 <a:solidFill>
                   <a:schemeClr val="bg1"/>
                 </a:solidFill>
               </a:rPr>
-              <a:t>简单名：一个单独的名称  </a:t>
-            </a:r>
-            <a:r>
-              <a:rPr lang="en-US" altLang="zh-CN" sz="2400" dirty="0" smtClean="0">
-                <a:solidFill>
-                  <a:schemeClr val="bg1"/>
-                </a:solidFill>
-              </a:rPr>
-              <a:t>teacher</a:t>
-            </a:r>
+              <a:t>         类是对一组具有相同属性、操作、关系、语义的对象的抽象。</a:t>
+            </a:r>
+            <a:endParaRPr lang="en-US" altLang="zh-CN" sz="2000" b="1" dirty="0" smtClean="0">
+              <a:solidFill>
+                <a:schemeClr val="bg1"/>
+              </a:solidFill>
+            </a:endParaRPr>
           </a:p>
           <a:p>
             <a:pPr>
@@ -6280,37 +6094,34 @@
               <a:buNone/>
             </a:pPr>
             <a:r>
-              <a:rPr lang="zh-CN" altLang="en-US" sz="2400" dirty="0" smtClean="0">
+              <a:rPr lang="en-US" altLang="zh-CN" sz="2000" b="1" dirty="0">
                 <a:solidFill>
                   <a:schemeClr val="bg1"/>
                 </a:solidFill>
               </a:rPr>
-              <a:t>全名：类名前面加上包的名称 </a:t>
-            </a:r>
-            <a:r>
-              <a:rPr lang="en-US" altLang="zh-CN" sz="2400" dirty="0" smtClean="0">
+              <a:t> </a:t>
+            </a:r>
+            <a:r>
+              <a:rPr lang="en-US" altLang="zh-CN" sz="2000" b="1" dirty="0" smtClean="0">
                 <a:solidFill>
                   <a:schemeClr val="bg1"/>
                 </a:solidFill>
               </a:rPr>
-              <a:t>Model</a:t>
-            </a:r>
-            <a:r>
-              <a:rPr lang="zh-CN" altLang="en-US" sz="2400" dirty="0" smtClean="0">
+              <a:t>        </a:t>
+            </a:r>
+            <a:r>
+              <a:rPr lang="zh-CN" altLang="en-US" sz="2000" b="1" dirty="0" smtClean="0">
                 <a:solidFill>
                   <a:schemeClr val="bg1"/>
                 </a:solidFill>
               </a:rPr>
-              <a:t>：</a:t>
-            </a:r>
-            <a:r>
-              <a:rPr lang="en-US" altLang="zh-CN" sz="2400" dirty="0" smtClean="0">
-                <a:solidFill>
-                  <a:schemeClr val="bg1"/>
-                </a:solidFill>
-              </a:rPr>
-              <a:t>teacher</a:t>
-            </a:r>
+              <a:t>包括名称，属性，操作。</a:t>
+            </a:r>
+            <a:endParaRPr lang="en-US" altLang="zh-CN" sz="2000" b="1" dirty="0">
+              <a:solidFill>
+                <a:schemeClr val="bg1"/>
+              </a:solidFill>
+            </a:endParaRPr>
           </a:p>
           <a:p>
             <a:pPr>
@@ -6320,17 +6131,9 @@
               <a:buFont typeface="Arial" charset="0"/>
               <a:buNone/>
             </a:pPr>
-            <a:r>
-              <a:rPr lang="zh-CN" altLang="en-US" sz="3200" b="1" dirty="0">
-                <a:solidFill>
-                  <a:srgbClr val="FFC000"/>
-                </a:solidFill>
-              </a:rPr>
-              <a:t>属性：</a:t>
-            </a:r>
-            <a:endParaRPr lang="en-US" altLang="zh-CN" sz="3200" b="1" dirty="0">
+            <a:endParaRPr lang="en-US" altLang="zh-CN" sz="2000" b="1" dirty="0">
               <a:solidFill>
-                <a:srgbClr val="FFC000"/>
+                <a:schemeClr val="bg1"/>
               </a:solidFill>
             </a:endParaRPr>
           </a:p>
@@ -6342,283 +6145,6 @@
               <a:buFont typeface="Arial" charset="0"/>
               <a:buNone/>
             </a:pPr>
-            <a:r>
-              <a:rPr lang="en-US" altLang="zh-CN" sz="2400" dirty="0" smtClean="0">
-                <a:solidFill>
-                  <a:schemeClr val="bg1"/>
-                </a:solidFill>
-              </a:rPr>
-              <a:t>[</a:t>
-            </a:r>
-            <a:r>
-              <a:rPr lang="zh-CN" altLang="en-US" sz="2400" dirty="0" smtClean="0">
-                <a:solidFill>
-                  <a:schemeClr val="bg1"/>
-                </a:solidFill>
-              </a:rPr>
-              <a:t>可见性</a:t>
-            </a:r>
-            <a:r>
-              <a:rPr lang="en-US" altLang="zh-CN" sz="2400" dirty="0" smtClean="0">
-                <a:solidFill>
-                  <a:schemeClr val="bg1"/>
-                </a:solidFill>
-              </a:rPr>
-              <a:t>]</a:t>
-            </a:r>
-            <a:r>
-              <a:rPr lang="zh-CN" altLang="en-US" sz="2400" dirty="0" smtClean="0">
-                <a:solidFill>
-                  <a:schemeClr val="bg1"/>
-                </a:solidFill>
-              </a:rPr>
-              <a:t>属性名</a:t>
-            </a:r>
-            <a:r>
-              <a:rPr lang="en-US" altLang="zh-CN" sz="2400" dirty="0" smtClean="0">
-                <a:solidFill>
-                  <a:schemeClr val="bg1"/>
-                </a:solidFill>
-              </a:rPr>
-              <a:t>[</a:t>
-            </a:r>
-            <a:r>
-              <a:rPr lang="zh-CN" altLang="en-US" sz="2400" dirty="0" smtClean="0">
-                <a:solidFill>
-                  <a:schemeClr val="bg1"/>
-                </a:solidFill>
-              </a:rPr>
-              <a:t>：类型</a:t>
-            </a:r>
-            <a:r>
-              <a:rPr lang="en-US" altLang="zh-CN" sz="2400" dirty="0" smtClean="0">
-                <a:solidFill>
-                  <a:schemeClr val="bg1"/>
-                </a:solidFill>
-              </a:rPr>
-              <a:t>][=</a:t>
-            </a:r>
-            <a:r>
-              <a:rPr lang="zh-CN" altLang="en-US" sz="2400" dirty="0" smtClean="0">
-                <a:solidFill>
-                  <a:schemeClr val="bg1"/>
-                </a:solidFill>
-              </a:rPr>
-              <a:t>初始值</a:t>
-            </a:r>
-            <a:r>
-              <a:rPr lang="en-US" altLang="zh-CN" sz="2400" dirty="0" smtClean="0">
-                <a:solidFill>
-                  <a:schemeClr val="bg1"/>
-                </a:solidFill>
-              </a:rPr>
-              <a:t>][</a:t>
-            </a:r>
-            <a:r>
-              <a:rPr lang="zh-CN" altLang="en-US" sz="2400" dirty="0" smtClean="0">
-                <a:solidFill>
-                  <a:schemeClr val="bg1"/>
-                </a:solidFill>
-              </a:rPr>
-              <a:t>属性字符串</a:t>
-            </a:r>
-            <a:r>
-              <a:rPr lang="en-US" altLang="zh-CN" sz="2400" dirty="0" smtClean="0">
-                <a:solidFill>
-                  <a:schemeClr val="bg1"/>
-                </a:solidFill>
-              </a:rPr>
-              <a:t>]</a:t>
-            </a:r>
-          </a:p>
-          <a:p>
-            <a:pPr>
-              <a:lnSpc>
-                <a:spcPct val="120000"/>
-              </a:lnSpc>
-              <a:buFont typeface="Arial" charset="0"/>
-              <a:buNone/>
-            </a:pPr>
-            <a:r>
-              <a:rPr lang="zh-CN" altLang="en-US" sz="1600" dirty="0" smtClean="0">
-                <a:solidFill>
-                  <a:schemeClr val="bg1"/>
-                </a:solidFill>
-              </a:rPr>
-              <a:t>    </a:t>
-            </a:r>
-            <a:r>
-              <a:rPr lang="en-US" altLang="zh-CN" dirty="0" smtClean="0">
-                <a:solidFill>
-                  <a:schemeClr val="bg1"/>
-                </a:solidFill>
-              </a:rPr>
-              <a:t>private teacher</a:t>
-            </a:r>
-            <a:r>
-              <a:rPr lang="zh-CN" altLang="en-US" dirty="0" smtClean="0">
-                <a:solidFill>
-                  <a:schemeClr val="bg1"/>
-                </a:solidFill>
-              </a:rPr>
-              <a:t>：</a:t>
-            </a:r>
-            <a:r>
-              <a:rPr lang="en-US" altLang="zh-CN" dirty="0" smtClean="0">
-                <a:solidFill>
-                  <a:schemeClr val="bg1"/>
-                </a:solidFill>
-              </a:rPr>
-              <a:t>String</a:t>
-            </a:r>
-          </a:p>
-          <a:p>
-            <a:pPr>
-              <a:lnSpc>
-                <a:spcPct val="120000"/>
-              </a:lnSpc>
-            </a:pPr>
-            <a:r>
-              <a:rPr lang="zh-CN" altLang="en-US" sz="3200" b="1" dirty="0" smtClean="0">
-                <a:solidFill>
-                  <a:srgbClr val="FFC000"/>
-                </a:solidFill>
-              </a:rPr>
-              <a:t>操作：     </a:t>
-            </a:r>
-            <a:endParaRPr lang="en-US" altLang="zh-CN" sz="3200" b="1" dirty="0">
-              <a:solidFill>
-                <a:srgbClr val="FFC000"/>
-              </a:solidFill>
-            </a:endParaRPr>
-          </a:p>
-          <a:p>
-            <a:pPr>
-              <a:lnSpc>
-                <a:spcPct val="120000"/>
-              </a:lnSpc>
-              <a:buFont typeface="Arial" charset="0"/>
-              <a:buNone/>
-            </a:pPr>
-            <a:r>
-              <a:rPr lang="en-US" altLang="zh-CN" sz="2400" dirty="0">
-                <a:solidFill>
-                  <a:schemeClr val="bg1"/>
-                </a:solidFill>
-              </a:rPr>
-              <a:t>[</a:t>
-            </a:r>
-            <a:r>
-              <a:rPr lang="zh-CN" altLang="en-US" sz="2400" dirty="0">
-                <a:solidFill>
-                  <a:schemeClr val="bg1"/>
-                </a:solidFill>
-              </a:rPr>
-              <a:t>可见性</a:t>
-            </a:r>
-            <a:r>
-              <a:rPr lang="en-US" altLang="zh-CN" sz="2400" dirty="0">
-                <a:solidFill>
-                  <a:schemeClr val="bg1"/>
-                </a:solidFill>
-              </a:rPr>
-              <a:t>][(</a:t>
-            </a:r>
-            <a:r>
-              <a:rPr lang="zh-CN" altLang="en-US" sz="2400" dirty="0">
-                <a:solidFill>
-                  <a:schemeClr val="bg1"/>
-                </a:solidFill>
-              </a:rPr>
-              <a:t>参数表</a:t>
-            </a:r>
-            <a:r>
-              <a:rPr lang="en-US" altLang="zh-CN" sz="2400" dirty="0">
-                <a:solidFill>
-                  <a:schemeClr val="bg1"/>
-                </a:solidFill>
-              </a:rPr>
-              <a:t>)][:</a:t>
-            </a:r>
-            <a:r>
-              <a:rPr lang="zh-CN" altLang="en-US" sz="2400" dirty="0">
-                <a:solidFill>
-                  <a:schemeClr val="bg1"/>
-                </a:solidFill>
-              </a:rPr>
-              <a:t>返回类型</a:t>
-            </a:r>
-            <a:r>
-              <a:rPr lang="en-US" altLang="zh-CN" sz="2400" dirty="0">
-                <a:solidFill>
-                  <a:schemeClr val="bg1"/>
-                </a:solidFill>
-              </a:rPr>
-              <a:t>][{</a:t>
-            </a:r>
-            <a:r>
-              <a:rPr lang="zh-CN" altLang="en-US" sz="2400" dirty="0">
-                <a:solidFill>
-                  <a:schemeClr val="bg1"/>
-                </a:solidFill>
-              </a:rPr>
-              <a:t>属性字符串</a:t>
-            </a:r>
-            <a:r>
-              <a:rPr lang="en-US" altLang="zh-CN" sz="2400" dirty="0" smtClean="0">
-                <a:solidFill>
-                  <a:schemeClr val="bg1"/>
-                </a:solidFill>
-              </a:rPr>
-              <a:t>}]</a:t>
-            </a:r>
-          </a:p>
-          <a:p>
-            <a:pPr>
-              <a:lnSpc>
-                <a:spcPct val="120000"/>
-              </a:lnSpc>
-              <a:buFont typeface="Arial" charset="0"/>
-              <a:buNone/>
-            </a:pPr>
-            <a:r>
-              <a:rPr lang="en-US" altLang="zh-CN" sz="2400" dirty="0" smtClean="0">
-                <a:solidFill>
-                  <a:schemeClr val="bg1"/>
-                </a:solidFill>
-              </a:rPr>
-              <a:t>Public </a:t>
-            </a:r>
-            <a:r>
-              <a:rPr lang="en-US" altLang="zh-CN" sz="2400" dirty="0" err="1" smtClean="0">
-                <a:solidFill>
-                  <a:schemeClr val="bg1"/>
-                </a:solidFill>
-              </a:rPr>
-              <a:t>addteacher</a:t>
-            </a:r>
-            <a:r>
-              <a:rPr lang="en-US" altLang="zh-CN" sz="2400" dirty="0" smtClean="0">
-                <a:solidFill>
-                  <a:schemeClr val="bg1"/>
-                </a:solidFill>
-              </a:rPr>
-              <a:t>( ) :void</a:t>
-            </a:r>
-            <a:endParaRPr lang="en-US" altLang="zh-CN" sz="2400" dirty="0">
-              <a:solidFill>
-                <a:schemeClr val="bg1"/>
-              </a:solidFill>
-            </a:endParaRPr>
-          </a:p>
-          <a:p>
-            <a:pPr>
-              <a:lnSpc>
-                <a:spcPct val="120000"/>
-              </a:lnSpc>
-              <a:buFont typeface="Arial" charset="0"/>
-              <a:buNone/>
-            </a:pPr>
             <a:endParaRPr lang="zh-CN" altLang="en-US" sz="2400" b="1" dirty="0">
               <a:solidFill>
                 <a:srgbClr val="FFFFFF"/>
@@ -6628,11 +6154,6 @@
         </p:txBody>
       </p:sp>
     </p:spTree>
-    <p:extLst>
-      <p:ext uri="{BB962C8B-B14F-4D97-AF65-F5344CB8AC3E}">
-        <p14:creationId xmlns:p14="http://schemas.microsoft.com/office/powerpoint/2010/main" val="1666907323"/>
-      </p:ext>
-    </p:extLst>
   </p:cSld>
   <p:clrMapOvr>
     <a:masterClrMapping/>
@@ -6751,8 +6272,8 @@
         </p:nvSpPr>
         <p:spPr bwMode="auto">
           <a:xfrm>
-            <a:off x="1798638" y="1863724"/>
-            <a:ext cx="8593137" cy="4537075"/>
+            <a:off x="1267565" y="1632905"/>
+            <a:ext cx="6100901" cy="5225095"/>
           </a:xfrm>
           <a:prstGeom prst="rect">
             <a:avLst/>
@@ -6779,20 +6300,12 @@
               <a:buNone/>
             </a:pPr>
             <a:r>
-              <a:rPr lang="zh-CN" altLang="en-US" sz="3200" b="1" dirty="0">
+              <a:rPr lang="zh-CN" altLang="en-US" sz="3200" b="1" dirty="0" smtClean="0">
                 <a:solidFill>
                   <a:srgbClr val="FFC000"/>
                 </a:solidFill>
               </a:rPr>
-              <a:t>类</a:t>
-            </a:r>
-            <a:r>
-              <a:rPr lang="zh-CN" altLang="en-US" sz="3200" b="1" dirty="0" smtClean="0">
-                <a:solidFill>
-                  <a:srgbClr val="FFC000"/>
-                </a:solidFill>
-              </a:rPr>
-              <a:t>之间的关系</a:t>
+              <a:t>名称（唯一）</a:t>
             </a:r>
             <a:endParaRPr lang="en-US" altLang="zh-CN" sz="3200" b="1" dirty="0" smtClean="0">
               <a:solidFill>
@@ -6814,13 +6327,16 @@
                   <a:schemeClr val="bg1"/>
                 </a:solidFill>
               </a:rPr>
-              <a:t>                           使用依赖</a:t>
-            </a:r>
-            <a:endParaRPr lang="en-US" altLang="zh-CN" sz="2400" dirty="0" smtClean="0">
-              <a:solidFill>
-                <a:schemeClr val="bg1"/>
-              </a:solidFill>
-            </a:endParaRPr>
+              <a:t>简单名：一个单独的名称  </a:t>
+            </a:r>
+            <a:r>
+              <a:rPr lang="en-US" altLang="zh-CN" sz="2400" dirty="0" smtClean="0">
+                <a:solidFill>
+                  <a:schemeClr val="bg1"/>
+                </a:solidFill>
+              </a:rPr>
+              <a:t>teacher</a:t>
+            </a:r>
           </a:p>
           <a:p>
             <a:pPr>
@@ -6831,12 +6347,20 @@
               <a:buNone/>
             </a:pPr>
             <a:r>
-              <a:rPr lang="zh-CN" altLang="en-US" sz="2400" dirty="0">
+              <a:rPr lang="zh-CN" altLang="en-US" sz="2400" dirty="0" smtClean="0">
                 <a:solidFill>
                   <a:schemeClr val="bg1"/>
                 </a:solidFill>
               </a:rPr>
-              <a:t>依赖</a:t>
+              <a:t>全名：类名前面加上包的名称 </a:t>
+            </a:r>
+            <a:r>
+              <a:rPr lang="en-US" altLang="zh-CN" sz="2400" dirty="0" smtClean="0">
+                <a:solidFill>
+                  <a:schemeClr val="bg1"/>
+                </a:solidFill>
+              </a:rPr>
+              <a:t>Model</a:t>
             </a:r>
             <a:r>
               <a:rPr lang="zh-CN" altLang="en-US" sz="2400" dirty="0" smtClean="0">
@@ -6844,29 +6368,16 @@
                   <a:schemeClr val="bg1"/>
                 </a:solidFill>
               </a:rPr>
-              <a:t>关系</a:t>
-            </a:r>
-            <a:r>
-              <a:rPr lang="en-US" altLang="zh-CN" sz="2400" b="1" dirty="0" smtClean="0">
+              <a:t>：</a:t>
+            </a:r>
+            <a:r>
+              <a:rPr lang="en-US" altLang="zh-CN" sz="2400" dirty="0" smtClean="0">
                 <a:solidFill>
                   <a:schemeClr val="bg1"/>
                 </a:solidFill>
               </a:rPr>
-              <a:t>         </a:t>
-            </a:r>
-            <a:r>
-              <a:rPr lang="zh-CN" altLang="en-US" sz="2400" dirty="0" smtClean="0">
-                <a:solidFill>
-                  <a:schemeClr val="bg1"/>
-                </a:solidFill>
-              </a:rPr>
-              <a:t>抽象依赖</a:t>
-            </a:r>
-            <a:endParaRPr lang="en-US" altLang="zh-CN" sz="2400" dirty="0" smtClean="0">
-              <a:solidFill>
-                <a:schemeClr val="bg1"/>
-              </a:solidFill>
-            </a:endParaRPr>
+              <a:t>teacher</a:t>
+            </a:r>
           </a:p>
           <a:p>
             <a:pPr>
@@ -6877,32 +6388,16 @@
               <a:buNone/>
             </a:pPr>
             <a:r>
-              <a:rPr lang="en-US" altLang="zh-CN" sz="2400" b="1" dirty="0">
-                <a:solidFill>
-                  <a:schemeClr val="bg1"/>
-                </a:solidFill>
-              </a:rPr>
-              <a:t> </a:t>
-            </a:r>
-            <a:r>
-              <a:rPr lang="en-US" altLang="zh-CN" sz="2400" b="1" dirty="0" smtClean="0">
-                <a:solidFill>
-                  <a:schemeClr val="bg1"/>
-                </a:solidFill>
-              </a:rPr>
-              <a:t>                          </a:t>
-            </a:r>
-            <a:r>
-              <a:rPr lang="zh-CN" altLang="en-US" sz="2400" dirty="0" smtClean="0">
-                <a:solidFill>
-                  <a:schemeClr val="bg1"/>
-                </a:solidFill>
-              </a:rPr>
-              <a:t>授权依赖</a:t>
-            </a:r>
-            <a:endParaRPr lang="en-US" altLang="zh-CN" sz="2400" dirty="0" smtClean="0">
+              <a:rPr lang="zh-CN" altLang="en-US" sz="3200" b="1" dirty="0">
+                <a:solidFill>
+                  <a:srgbClr val="FFC000"/>
+                </a:solidFill>
+              </a:rPr>
+              <a:t>属性：</a:t>
+            </a:r>
+            <a:endParaRPr lang="en-US" altLang="zh-CN" sz="3200" b="1" dirty="0">
               <a:solidFill>
-                <a:schemeClr val="bg1"/>
+                <a:srgbClr val="FFC000"/>
               </a:solidFill>
             </a:endParaRPr>
           </a:p>
@@ -6915,20 +6410,28 @@
               <a:buNone/>
             </a:pPr>
             <a:r>
-              <a:rPr lang="en-US" altLang="zh-CN" sz="2400" b="1" dirty="0">
+              <a:rPr lang="en-US" altLang="zh-CN" sz="2400" dirty="0" smtClean="0">
                 <a:solidFill>
                   <a:schemeClr val="bg1"/>
                 </a:solidFill>
               </a:rPr>
-              <a:t> </a:t>
-            </a:r>
-            <a:r>
-              <a:rPr lang="en-US" altLang="zh-CN" sz="2400" b="1" dirty="0" smtClean="0">
+              <a:t>[</a:t>
+            </a:r>
+            <a:r>
+              <a:rPr lang="zh-CN" altLang="en-US" sz="2400" dirty="0" smtClean="0">
                 <a:solidFill>
                   <a:schemeClr val="bg1"/>
                 </a:solidFill>
               </a:rPr>
-              <a:t>                          </a:t>
+              <a:t>可见性</a:t>
+            </a:r>
+            <a:r>
+              <a:rPr lang="en-US" altLang="zh-CN" sz="2400" dirty="0" smtClean="0">
+                <a:solidFill>
+                  <a:schemeClr val="bg1"/>
+                </a:solidFill>
+              </a:rPr>
+              <a:t>]</a:t>
             </a:r>
             <a:r>
               <a:rPr lang="zh-CN" altLang="en-US" sz="2400" dirty="0" smtClean="0">
@@ -6936,13 +6439,64 @@
                   <a:schemeClr val="bg1"/>
                 </a:solidFill>
               </a:rPr>
-              <a:t>绑定依赖</a:t>
-            </a:r>
-            <a:endParaRPr lang="en-US" altLang="zh-CN" sz="2400" dirty="0" smtClean="0">
-              <a:solidFill>
-                <a:schemeClr val="bg1"/>
-              </a:solidFill>
-            </a:endParaRPr>
+              <a:t>属性名</a:t>
+            </a:r>
+            <a:r>
+              <a:rPr lang="en-US" altLang="zh-CN" sz="2400" dirty="0" smtClean="0">
+                <a:solidFill>
+                  <a:schemeClr val="bg1"/>
+                </a:solidFill>
+              </a:rPr>
+              <a:t>[</a:t>
+            </a:r>
+            <a:r>
+              <a:rPr lang="zh-CN" altLang="en-US" sz="2400" dirty="0" smtClean="0">
+                <a:solidFill>
+                  <a:schemeClr val="bg1"/>
+                </a:solidFill>
+              </a:rPr>
+              <a:t>：类型</a:t>
+            </a:r>
+            <a:r>
+              <a:rPr lang="en-US" altLang="zh-CN" sz="2400" dirty="0" smtClean="0">
+                <a:solidFill>
+                  <a:schemeClr val="bg1"/>
+                </a:solidFill>
+              </a:rPr>
+              <a:t>][=</a:t>
+            </a:r>
+            <a:r>
+              <a:rPr lang="zh-CN" altLang="en-US" sz="2400" dirty="0" smtClean="0">
+                <a:solidFill>
+                  <a:schemeClr val="bg1"/>
+                </a:solidFill>
+              </a:rPr>
+              <a:t>初始值</a:t>
+            </a:r>
+            <a:r>
+              <a:rPr lang="en-US" altLang="zh-CN" sz="2400" dirty="0" smtClean="0">
+                <a:solidFill>
+                  <a:schemeClr val="bg1"/>
+                </a:solidFill>
+              </a:rPr>
+              <a:t>][</a:t>
+            </a:r>
+            <a:r>
+              <a:rPr lang="zh-CN" altLang="en-US" sz="2400" dirty="0" smtClean="0">
+                <a:solidFill>
+                  <a:schemeClr val="bg1"/>
+                </a:solidFill>
+              </a:rPr>
+              <a:t>属性字符串</a:t>
+            </a:r>
+            <a:r>
+              <a:rPr lang="en-US" altLang="zh-CN" sz="2400" dirty="0" smtClean="0">
+                <a:solidFill>
+                  <a:schemeClr val="bg1"/>
+                </a:solidFill>
+              </a:rPr>
+              <a:t>]</a:t>
+            </a:r>
           </a:p>
           <a:p>
             <a:pPr>
@@ -6953,24 +6507,55 @@
               <a:buNone/>
             </a:pPr>
             <a:r>
-              <a:rPr lang="en-US" altLang="zh-CN" sz="2400" dirty="0">
+              <a:rPr lang="zh-CN" altLang="en-US" sz="1600" dirty="0" smtClean="0">
                 <a:solidFill>
                   <a:schemeClr val="bg1"/>
                 </a:solidFill>
               </a:rPr>
-              <a:t> </a:t>
-            </a:r>
-            <a:r>
-              <a:rPr lang="zh-CN" altLang="en-US" sz="2400" dirty="0" smtClean="0">
+              <a:t>    </a:t>
+            </a:r>
+            <a:r>
+              <a:rPr lang="en-US" altLang="zh-CN" dirty="0" smtClean="0">
                 <a:solidFill>
                   <a:schemeClr val="bg1"/>
                 </a:solidFill>
               </a:rPr>
-              <a:t>关联关系</a:t>
-            </a:r>
-            <a:endParaRPr lang="en-US" altLang="zh-CN" sz="2400" dirty="0" smtClean="0">
+              <a:t>private teacher</a:t>
+            </a:r>
+            <a:r>
+              <a:rPr lang="zh-CN" altLang="en-US" dirty="0" smtClean="0">
+                <a:solidFill>
+                  <a:schemeClr val="bg1"/>
+                </a:solidFill>
+              </a:rPr>
+              <a:t>：</a:t>
+            </a:r>
+            <a:r>
+              <a:rPr lang="en-US" altLang="zh-CN" dirty="0" smtClean="0">
+                <a:solidFill>
+                  <a:schemeClr val="bg1"/>
+                </a:solidFill>
+              </a:rPr>
+              <a:t>String</a:t>
+            </a:r>
+          </a:p>
+          <a:p>
+            <a:pPr>
+              <a:lnSpc>
+                <a:spcPct val="120000"/>
+              </a:lnSpc>
+            </a:pPr>
+            <a:r>
+              <a:rPr lang="zh-CN" altLang="en-US" sz="3200" b="1" dirty="0" smtClean="0">
+                <a:solidFill>
+                  <a:srgbClr val="FFC000"/>
+                </a:solidFill>
+              </a:rPr>
+              <a:t>操作：     </a:t>
+            </a:r>
+            <a:endParaRPr lang="en-US" altLang="zh-CN" sz="3200" b="1" dirty="0">
               <a:solidFill>
-                <a:schemeClr val="bg1"/>
+                <a:srgbClr val="FFC000"/>
               </a:solidFill>
             </a:endParaRPr>
           </a:p>
@@ -6988,21 +6573,72 @@
                   <a:schemeClr val="bg1"/>
                 </a:solidFill>
               </a:rPr>
-              <a:t> </a:t>
-            </a:r>
-            <a:r>
-              <a:rPr lang="zh-CN" altLang="en-US" sz="2400" dirty="0" smtClean="0">
+              <a:t>[</a:t>
+            </a:r>
+            <a:r>
+              <a:rPr lang="zh-CN" altLang="en-US" sz="2400" dirty="0">
                 <a:solidFill>
                   <a:schemeClr val="bg1"/>
                 </a:solidFill>
               </a:rPr>
-              <a:t>泛化关系</a:t>
-            </a:r>
-            <a:endParaRPr lang="en-US" altLang="zh-CN" sz="2400" dirty="0" smtClean="0">
-              <a:solidFill>
-                <a:schemeClr val="bg1"/>
-              </a:solidFill>
-            </a:endParaRPr>
+              <a:t>可见性</a:t>
+            </a:r>
+            <a:r>
+              <a:rPr lang="en-US" altLang="zh-CN" sz="2400" dirty="0">
+                <a:solidFill>
+                  <a:schemeClr val="bg1"/>
+                </a:solidFill>
+              </a:rPr>
+              <a:t>][(</a:t>
+            </a:r>
+            <a:r>
+              <a:rPr lang="zh-CN" altLang="en-US" sz="2400" dirty="0">
+                <a:solidFill>
+                  <a:schemeClr val="bg1"/>
+                </a:solidFill>
+              </a:rPr>
+              <a:t>参数表</a:t>
+            </a:r>
+            <a:r>
+              <a:rPr lang="en-US" altLang="zh-CN" sz="2400" dirty="0">
+                <a:solidFill>
+                  <a:schemeClr val="bg1"/>
+                </a:solidFill>
+              </a:rPr>
+              <a:t>)][:</a:t>
+            </a:r>
+            <a:r>
+              <a:rPr lang="zh-CN" altLang="en-US" sz="2400" dirty="0">
+                <a:solidFill>
+                  <a:schemeClr val="bg1"/>
+                </a:solidFill>
+              </a:rPr>
+              <a:t>返回类型</a:t>
+            </a:r>
+            <a:r>
+              <a:rPr lang="en-US" altLang="zh-CN" sz="2400" dirty="0">
+                <a:solidFill>
+                  <a:schemeClr val="bg1"/>
+                </a:solidFill>
+              </a:rPr>
+              <a:t>][{</a:t>
+            </a:r>
+            <a:r>
+              <a:rPr lang="zh-CN" altLang="en-US" sz="2400" dirty="0">
+                <a:solidFill>
+                  <a:schemeClr val="bg1"/>
+                </a:solidFill>
+              </a:rPr>
+              <a:t>属性字符串</a:t>
+            </a:r>
+            <a:r>
+              <a:rPr lang="en-US" altLang="zh-CN" sz="2400" dirty="0" smtClean="0">
+                <a:solidFill>
+                  <a:schemeClr val="bg1"/>
+                </a:solidFill>
+              </a:rPr>
+              <a:t>}]</a:t>
+            </a:r>
           </a:p>
           <a:p>
             <a:pPr>
@@ -7013,22 +6649,44 @@
               <a:buNone/>
             </a:pPr>
             <a:r>
-              <a:rPr lang="en-US" altLang="zh-CN" sz="2400" dirty="0">
+              <a:rPr lang="en-US" altLang="zh-CN" sz="2400" dirty="0" smtClean="0">
                 <a:solidFill>
                   <a:schemeClr val="bg1"/>
                 </a:solidFill>
               </a:rPr>
-              <a:t> </a:t>
-            </a:r>
-            <a:r>
-              <a:rPr lang="zh-CN" altLang="en-US" sz="2400" dirty="0" smtClean="0">
+              <a:t>Public </a:t>
+            </a:r>
+            <a:r>
+              <a:rPr lang="en-US" altLang="zh-CN" sz="2400" dirty="0" err="1" smtClean="0">
                 <a:solidFill>
                   <a:schemeClr val="bg1"/>
                 </a:solidFill>
               </a:rPr>
-              <a:t>实现关系</a:t>
-            </a:r>
-            <a:endParaRPr lang="zh-CN" altLang="en-US" sz="7200" dirty="0">
+              <a:t>addteacher</a:t>
+            </a:r>
+            <a:r>
+              <a:rPr lang="en-US" altLang="zh-CN" sz="2400" dirty="0" smtClean="0">
+                <a:solidFill>
+                  <a:schemeClr val="bg1"/>
+                </a:solidFill>
+              </a:rPr>
+              <a:t>( ) :void</a:t>
+            </a:r>
+            <a:endParaRPr lang="en-US" altLang="zh-CN" sz="2400" dirty="0">
+              <a:solidFill>
+                <a:schemeClr val="bg1"/>
+              </a:solidFill>
+            </a:endParaRPr>
+          </a:p>
+          <a:p>
+            <a:pPr>
+              <a:lnSpc>
+                <a:spcPct val="120000"/>
+              </a:lnSpc>
+              <a:buFont typeface="Arial" charset="0"/>
+              <a:buNone/>
+            </a:pPr>
+            <a:endParaRPr lang="zh-CN" altLang="en-US" sz="2400" b="1" dirty="0">
               <a:solidFill>
                 <a:srgbClr val="FFFFFF"/>
               </a:solidFill>
@@ -7036,48 +6694,40 @@
           </a:p>
         </p:txBody>
       </p:sp>
-      <p:sp>
-        <p:nvSpPr>
-          <p:cNvPr id="2" name="左大括号 1"/>
-          <p:cNvSpPr/>
+      <p:pic>
+        <p:nvPicPr>
+          <p:cNvPr id="2" name="图片 1"/>
+          <p:cNvPicPr>
+            <a:picLocks noChangeAspect="1"/>
+          </p:cNvPicPr>
           <p:nvPr/>
-        </p:nvSpPr>
+        </p:nvPicPr>
+        <p:blipFill>
+          <a:blip r:embed="rId2">
+            <a:extLst>
+              <a:ext uri="{28A0092B-C50C-407E-A947-70E740481C1C}">
+                <a14:useLocalDpi xmlns:a14="http://schemas.microsoft.com/office/drawing/2010/main" val="0"/>
+              </a:ext>
+            </a:extLst>
+          </a:blip>
+          <a:stretch>
+            <a:fillRect/>
+          </a:stretch>
+        </p:blipFill>
         <p:spPr>
           <a:xfrm>
-            <a:off x="3291839" y="2715065"/>
-            <a:ext cx="267287" cy="1055078"/>
-          </a:xfrm>
-          <a:prstGeom prst="leftBrace">
+            <a:off x="7944995" y="2417615"/>
+            <a:ext cx="3258624" cy="3655674"/>
+          </a:xfrm>
+          <a:prstGeom prst="rect">
             <a:avLst/>
           </a:prstGeom>
         </p:spPr>
-        <p:style>
-          <a:lnRef idx="1">
-            <a:schemeClr val="accent1"/>
-          </a:lnRef>
-          <a:fillRef idx="0">
-            <a:schemeClr val="accent1"/>
-          </a:fillRef>
-          <a:effectRef idx="0">
-            <a:schemeClr val="accent1"/>
-          </a:effectRef>
-          <a:fontRef idx="minor">
-            <a:schemeClr val="tx1"/>
-          </a:fontRef>
-        </p:style>
-        <p:txBody>
-          <a:bodyPr rtlCol="0" anchor="ctr"/>
-          <a:lstStyle/>
-          <a:p>
-            <a:pPr algn="ctr"/>
-            <a:endParaRPr lang="zh-CN" altLang="en-US"/>
-          </a:p>
-        </p:txBody>
-      </p:sp>
+      </p:pic>
     </p:spTree>
     <p:extLst>
       <p:ext uri="{BB962C8B-B14F-4D97-AF65-F5344CB8AC3E}">
-        <p14:creationId xmlns:p14="http://schemas.microsoft.com/office/powerpoint/2010/main" val="2164808878"/>
+        <p14:creationId xmlns:p14="http://schemas.microsoft.com/office/powerpoint/2010/main" val="1666907323"/>
       </p:ext>
     </p:extLst>
   </p:cSld>
@@ -7111,41 +6761,9 @@
           <a:chExt cx="0" cy="0"/>
         </a:xfrm>
       </p:grpSpPr>
-      <p:pic>
-        <p:nvPicPr>
-          <p:cNvPr id="28673" name="Picture 4"/>
-          <p:cNvPicPr>
-            <a:picLocks noChangeAspect="1" noChangeArrowheads="1"/>
-          </p:cNvPicPr>
-          <p:nvPr/>
-        </p:nvPicPr>
-        <p:blipFill>
-          <a:blip r:embed="rId2"/>
-          <a:srcRect/>
-          <a:stretch>
-            <a:fillRect/>
-          </a:stretch>
-        </p:blipFill>
-        <p:spPr bwMode="auto">
-          <a:xfrm>
-            <a:off x="2962048" y="1656896"/>
-            <a:ext cx="6388553" cy="2725332"/>
-          </a:xfrm>
-          <a:prstGeom prst="rect">
-            <a:avLst/>
-          </a:prstGeom>
-          <a:noFill/>
-          <a:ln w="9525">
-            <a:noFill/>
-            <a:miter lim="800000"/>
-            <a:headEnd/>
-            <a:tailEnd/>
-          </a:ln>
-        </p:spPr>
-      </p:pic>
       <p:cxnSp>
         <p:nvCxnSpPr>
-          <p:cNvPr id="28676" name="直接连接符 16"/>
+          <p:cNvPr id="17409" name="直接连接符 16"/>
           <p:cNvCxnSpPr>
             <a:cxnSpLocks noChangeShapeType="1"/>
           </p:cNvCxnSpPr>
@@ -7153,8 +6771,8 @@
         </p:nvCxnSpPr>
         <p:spPr bwMode="auto">
           <a:xfrm flipV="1">
-            <a:off x="1860550" y="1255713"/>
-            <a:ext cx="8591550" cy="17462"/>
+            <a:off x="1800225" y="1409700"/>
+            <a:ext cx="8591550" cy="17463"/>
           </a:xfrm>
           <a:prstGeom prst="line">
             <a:avLst/>
@@ -7172,7 +6790,7 @@
       </p:cxnSp>
       <p:sp>
         <p:nvSpPr>
-          <p:cNvPr id="28677" name="文本框 18"/>
+          <p:cNvPr id="17410" name="文本框 18"/>
           <p:cNvSpPr txBox="1">
             <a:spLocks noChangeArrowheads="1"/>
           </p:cNvSpPr>
@@ -7180,8 +6798,8 @@
         </p:nvSpPr>
         <p:spPr bwMode="auto">
           <a:xfrm>
-            <a:off x="1797050" y="669925"/>
-            <a:ext cx="8802688" cy="579438"/>
+            <a:off x="1693863" y="771525"/>
+            <a:ext cx="8802687" cy="584200"/>
           </a:xfrm>
           <a:prstGeom prst="rect">
             <a:avLst/>
@@ -7205,17 +6823,360 @@
               <a:buNone/>
             </a:pPr>
             <a:r>
-              <a:rPr lang="zh-CN" altLang="en-US" sz="3200">
+              <a:rPr lang="zh-CN" altLang="en-US" sz="3200" dirty="0" smtClean="0">
                 <a:solidFill>
                   <a:schemeClr val="bg1"/>
                 </a:solidFill>
               </a:rPr>
-              <a:t>类图示例</a:t>
-            </a:r>
+              <a:t>类 图</a:t>
+            </a:r>
+            <a:endParaRPr lang="zh-CN" altLang="en-US" sz="3200" dirty="0">
+              <a:solidFill>
+                <a:schemeClr val="bg1"/>
+              </a:solidFill>
+            </a:endParaRPr>
+          </a:p>
+        </p:txBody>
+      </p:sp>
+      <p:sp>
+        <p:nvSpPr>
+          <p:cNvPr id="17411" name="矩形 1"/>
+          <p:cNvSpPr>
+            <a:spLocks noChangeArrowheads="1"/>
+          </p:cNvSpPr>
+          <p:nvPr/>
+        </p:nvSpPr>
+        <p:spPr bwMode="auto">
+          <a:xfrm>
+            <a:off x="1798638" y="1863724"/>
+            <a:ext cx="8593137" cy="4537075"/>
+          </a:xfrm>
+          <a:prstGeom prst="rect">
+            <a:avLst/>
+          </a:prstGeom>
+          <a:noFill/>
+          <a:ln w="12700">
+            <a:solidFill>
+              <a:srgbClr val="FFC000"/>
+            </a:solidFill>
+            <a:miter lim="800000"/>
+            <a:headEnd/>
+            <a:tailEnd/>
+          </a:ln>
+        </p:spPr>
+        <p:txBody>
+          <a:bodyPr anchor="t"/>
+          <a:lstStyle/>
+          <a:p>
+            <a:pPr>
+              <a:lnSpc>
+                <a:spcPct val="120000"/>
+              </a:lnSpc>
+              <a:buFont typeface="Arial" charset="0"/>
+              <a:buNone/>
+            </a:pPr>
+            <a:r>
+              <a:rPr lang="zh-CN" altLang="en-US" sz="3200" b="1" dirty="0">
+                <a:solidFill>
+                  <a:srgbClr val="FFC000"/>
+                </a:solidFill>
+              </a:rPr>
+              <a:t>类</a:t>
+            </a:r>
+            <a:r>
+              <a:rPr lang="zh-CN" altLang="en-US" sz="3200" b="1" dirty="0" smtClean="0">
+                <a:solidFill>
+                  <a:srgbClr val="FFC000"/>
+                </a:solidFill>
+              </a:rPr>
+              <a:t>之间的关系</a:t>
+            </a:r>
+            <a:endParaRPr lang="en-US" altLang="zh-CN" sz="3200" b="1" dirty="0" smtClean="0">
+              <a:solidFill>
+                <a:srgbClr val="FFC000"/>
+              </a:solidFill>
+            </a:endParaRPr>
+          </a:p>
+          <a:p>
+            <a:pPr>
+              <a:lnSpc>
+                <a:spcPct val="120000"/>
+              </a:lnSpc>
+              <a:buFont typeface="Arial" charset="0"/>
+              <a:buNone/>
+            </a:pPr>
+            <a:r>
+              <a:rPr lang="zh-CN" altLang="en-US" sz="2400" dirty="0" smtClean="0">
+                <a:solidFill>
+                  <a:schemeClr val="bg1"/>
+                </a:solidFill>
+              </a:rPr>
+              <a:t>                           使用依赖</a:t>
+            </a:r>
+            <a:endParaRPr lang="en-US" altLang="zh-CN" sz="2400" dirty="0" smtClean="0">
+              <a:solidFill>
+                <a:schemeClr val="bg1"/>
+              </a:solidFill>
+            </a:endParaRPr>
+          </a:p>
+          <a:p>
+            <a:pPr>
+              <a:lnSpc>
+                <a:spcPct val="120000"/>
+              </a:lnSpc>
+              <a:buFont typeface="Arial" charset="0"/>
+              <a:buNone/>
+            </a:pPr>
+            <a:r>
+              <a:rPr lang="zh-CN" altLang="en-US" sz="2400" dirty="0">
+                <a:solidFill>
+                  <a:schemeClr val="bg1"/>
+                </a:solidFill>
+              </a:rPr>
+              <a:t>依赖</a:t>
+            </a:r>
+            <a:r>
+              <a:rPr lang="zh-CN" altLang="en-US" sz="2400" dirty="0" smtClean="0">
+                <a:solidFill>
+                  <a:schemeClr val="bg1"/>
+                </a:solidFill>
+              </a:rPr>
+              <a:t>关系</a:t>
+            </a:r>
+            <a:r>
+              <a:rPr lang="en-US" altLang="zh-CN" sz="2400" b="1" dirty="0" smtClean="0">
+                <a:solidFill>
+                  <a:schemeClr val="bg1"/>
+                </a:solidFill>
+              </a:rPr>
+              <a:t>         </a:t>
+            </a:r>
+            <a:r>
+              <a:rPr lang="zh-CN" altLang="en-US" sz="2400" dirty="0" smtClean="0">
+                <a:solidFill>
+                  <a:schemeClr val="bg1"/>
+                </a:solidFill>
+              </a:rPr>
+              <a:t>抽象依赖</a:t>
+            </a:r>
+            <a:endParaRPr lang="en-US" altLang="zh-CN" sz="2400" dirty="0" smtClean="0">
+              <a:solidFill>
+                <a:schemeClr val="bg1"/>
+              </a:solidFill>
+            </a:endParaRPr>
+          </a:p>
+          <a:p>
+            <a:pPr>
+              <a:lnSpc>
+                <a:spcPct val="120000"/>
+              </a:lnSpc>
+              <a:buFont typeface="Arial" charset="0"/>
+              <a:buNone/>
+            </a:pPr>
+            <a:r>
+              <a:rPr lang="en-US" altLang="zh-CN" sz="2400" b="1" dirty="0">
+                <a:solidFill>
+                  <a:schemeClr val="bg1"/>
+                </a:solidFill>
+              </a:rPr>
+              <a:t> </a:t>
+            </a:r>
+            <a:r>
+              <a:rPr lang="en-US" altLang="zh-CN" sz="2400" b="1" dirty="0" smtClean="0">
+                <a:solidFill>
+                  <a:schemeClr val="bg1"/>
+                </a:solidFill>
+              </a:rPr>
+              <a:t>                          </a:t>
+            </a:r>
+            <a:r>
+              <a:rPr lang="zh-CN" altLang="en-US" sz="2400" dirty="0" smtClean="0">
+                <a:solidFill>
+                  <a:schemeClr val="bg1"/>
+                </a:solidFill>
+              </a:rPr>
+              <a:t>授权依赖</a:t>
+            </a:r>
+            <a:endParaRPr lang="en-US" altLang="zh-CN" sz="2400" dirty="0" smtClean="0">
+              <a:solidFill>
+                <a:schemeClr val="bg1"/>
+              </a:solidFill>
+            </a:endParaRPr>
+          </a:p>
+          <a:p>
+            <a:pPr>
+              <a:lnSpc>
+                <a:spcPct val="120000"/>
+              </a:lnSpc>
+              <a:buFont typeface="Arial" charset="0"/>
+              <a:buNone/>
+            </a:pPr>
+            <a:r>
+              <a:rPr lang="en-US" altLang="zh-CN" sz="2400" b="1" dirty="0">
+                <a:solidFill>
+                  <a:schemeClr val="bg1"/>
+                </a:solidFill>
+              </a:rPr>
+              <a:t> </a:t>
+            </a:r>
+            <a:r>
+              <a:rPr lang="en-US" altLang="zh-CN" sz="2400" b="1" dirty="0" smtClean="0">
+                <a:solidFill>
+                  <a:schemeClr val="bg1"/>
+                </a:solidFill>
+              </a:rPr>
+              <a:t>                          </a:t>
+            </a:r>
+            <a:r>
+              <a:rPr lang="zh-CN" altLang="en-US" sz="2400" dirty="0" smtClean="0">
+                <a:solidFill>
+                  <a:schemeClr val="bg1"/>
+                </a:solidFill>
+              </a:rPr>
+              <a:t>绑定依赖</a:t>
+            </a:r>
+            <a:endParaRPr lang="en-US" altLang="zh-CN" sz="2400" dirty="0" smtClean="0">
+              <a:solidFill>
+                <a:schemeClr val="bg1"/>
+              </a:solidFill>
+            </a:endParaRPr>
+          </a:p>
+          <a:p>
+            <a:pPr>
+              <a:lnSpc>
+                <a:spcPct val="120000"/>
+              </a:lnSpc>
+              <a:buFont typeface="Arial" charset="0"/>
+              <a:buNone/>
+            </a:pPr>
+            <a:r>
+              <a:rPr lang="en-US" altLang="zh-CN" sz="2400" dirty="0">
+                <a:solidFill>
+                  <a:schemeClr val="bg1"/>
+                </a:solidFill>
+              </a:rPr>
+              <a:t> </a:t>
+            </a:r>
+            <a:r>
+              <a:rPr lang="zh-CN" altLang="en-US" sz="2400" dirty="0" smtClean="0">
+                <a:solidFill>
+                  <a:schemeClr val="bg1"/>
+                </a:solidFill>
+              </a:rPr>
+              <a:t>关联关系</a:t>
+            </a:r>
+            <a:endParaRPr lang="en-US" altLang="zh-CN" sz="2400" dirty="0" smtClean="0">
+              <a:solidFill>
+                <a:schemeClr val="bg1"/>
+              </a:solidFill>
+            </a:endParaRPr>
+          </a:p>
+          <a:p>
+            <a:pPr>
+              <a:lnSpc>
+                <a:spcPct val="120000"/>
+              </a:lnSpc>
+              <a:buFont typeface="Arial" charset="0"/>
+              <a:buNone/>
+            </a:pPr>
+            <a:r>
+              <a:rPr lang="en-US" altLang="zh-CN" sz="2400" dirty="0">
+                <a:solidFill>
+                  <a:schemeClr val="bg1"/>
+                </a:solidFill>
+              </a:rPr>
+              <a:t> </a:t>
+            </a:r>
+            <a:r>
+              <a:rPr lang="zh-CN" altLang="en-US" sz="2400" dirty="0" smtClean="0">
+                <a:solidFill>
+                  <a:schemeClr val="bg1"/>
+                </a:solidFill>
+              </a:rPr>
+              <a:t>泛化关系</a:t>
+            </a:r>
+            <a:endParaRPr lang="en-US" altLang="zh-CN" sz="2400" dirty="0" smtClean="0">
+              <a:solidFill>
+                <a:schemeClr val="bg1"/>
+              </a:solidFill>
+            </a:endParaRPr>
+          </a:p>
+          <a:p>
+            <a:pPr>
+              <a:lnSpc>
+                <a:spcPct val="120000"/>
+              </a:lnSpc>
+              <a:buFont typeface="Arial" charset="0"/>
+              <a:buNone/>
+            </a:pPr>
+            <a:r>
+              <a:rPr lang="en-US" altLang="zh-CN" sz="2400" dirty="0">
+                <a:solidFill>
+                  <a:schemeClr val="bg1"/>
+                </a:solidFill>
+              </a:rPr>
+              <a:t> </a:t>
+            </a:r>
+            <a:r>
+              <a:rPr lang="zh-CN" altLang="en-US" sz="2400" dirty="0" smtClean="0">
+                <a:solidFill>
+                  <a:schemeClr val="bg1"/>
+                </a:solidFill>
+              </a:rPr>
+              <a:t>实现关系</a:t>
+            </a:r>
+            <a:endParaRPr lang="zh-CN" altLang="en-US" sz="7200" dirty="0">
+              <a:solidFill>
+                <a:srgbClr val="FFFFFF"/>
+              </a:solidFill>
+            </a:endParaRPr>
+          </a:p>
+        </p:txBody>
+      </p:sp>
+      <p:sp>
+        <p:nvSpPr>
+          <p:cNvPr id="2" name="左大括号 1"/>
+          <p:cNvSpPr/>
+          <p:nvPr/>
+        </p:nvSpPr>
+        <p:spPr>
+          <a:xfrm>
+            <a:off x="3291839" y="2715065"/>
+            <a:ext cx="267287" cy="1055078"/>
+          </a:xfrm>
+          <a:prstGeom prst="leftBrace">
+            <a:avLst/>
+          </a:prstGeom>
+        </p:spPr>
+        <p:style>
+          <a:lnRef idx="1">
+            <a:schemeClr val="accent1"/>
+          </a:lnRef>
+          <a:fillRef idx="0">
+            <a:schemeClr val="accent1"/>
+          </a:fillRef>
+          <a:effectRef idx="0">
+            <a:schemeClr val="accent1"/>
+          </a:effectRef>
+          <a:fontRef idx="minor">
+            <a:schemeClr val="tx1"/>
+          </a:fontRef>
+        </p:style>
+        <p:txBody>
+          <a:bodyPr rtlCol="0" anchor="ctr"/>
+          <a:lstStyle/>
+          <a:p>
+            <a:pPr algn="ctr"/>
+            <a:endParaRPr lang="zh-CN" altLang="en-US"/>
           </a:p>
         </p:txBody>
       </p:sp>
     </p:spTree>
+    <p:extLst>
+      <p:ext uri="{BB962C8B-B14F-4D97-AF65-F5344CB8AC3E}">
+        <p14:creationId xmlns:p14="http://schemas.microsoft.com/office/powerpoint/2010/main" val="2164808878"/>
+      </p:ext>
+    </p:extLst>
   </p:cSld>
   <p:clrMapOvr>
     <a:masterClrMapping/>
@@ -7247,38 +7208,6 @@
           <a:chExt cx="0" cy="0"/>
         </a:xfrm>
       </p:grpSpPr>
-      <p:pic>
-        <p:nvPicPr>
-          <p:cNvPr id="27649" name="Picture 6"/>
-          <p:cNvPicPr>
-            <a:picLocks noChangeAspect="1" noChangeArrowheads="1"/>
-          </p:cNvPicPr>
-          <p:nvPr/>
-        </p:nvPicPr>
-        <p:blipFill>
-          <a:blip r:embed="rId2"/>
-          <a:srcRect/>
-          <a:stretch>
-            <a:fillRect/>
-          </a:stretch>
-        </p:blipFill>
-        <p:spPr bwMode="auto">
-          <a:xfrm>
-            <a:off x="5141913" y="1490663"/>
-            <a:ext cx="5253037" cy="4756150"/>
-          </a:xfrm>
-          <a:prstGeom prst="rect">
-            <a:avLst/>
-          </a:prstGeom>
-          <a:noFill/>
-          <a:ln w="9525">
-            <a:noFill/>
-            <a:miter lim="800000"/>
-            <a:headEnd/>
-            <a:tailEnd/>
-          </a:ln>
-        </p:spPr>
-      </p:pic>
       <p:cxnSp>
         <p:nvCxnSpPr>
           <p:cNvPr id="27650" name="直接连接符 16"/>
@@ -7351,38 +7280,6 @@
           </a:p>
         </p:txBody>
       </p:sp>
-      <p:pic>
-        <p:nvPicPr>
-          <p:cNvPr id="27652" name="Picture 11"/>
-          <p:cNvPicPr>
-            <a:picLocks noChangeAspect="1" noChangeArrowheads="1"/>
-          </p:cNvPicPr>
-          <p:nvPr/>
-        </p:nvPicPr>
-        <p:blipFill>
-          <a:blip r:embed="rId3"/>
-          <a:srcRect/>
-          <a:stretch>
-            <a:fillRect/>
-          </a:stretch>
-        </p:blipFill>
-        <p:spPr bwMode="auto">
-          <a:xfrm>
-            <a:off x="1689100" y="3006725"/>
-            <a:ext cx="3325813" cy="3205163"/>
-          </a:xfrm>
-          <a:prstGeom prst="rect">
-            <a:avLst/>
-          </a:prstGeom>
-          <a:noFill/>
-          <a:ln w="9525">
-            <a:noFill/>
-            <a:miter lim="800000"/>
-            <a:headEnd/>
-            <a:tailEnd/>
-          </a:ln>
-        </p:spPr>
-      </p:pic>
       <p:sp>
         <p:nvSpPr>
           <p:cNvPr id="27654" name="Text Box 6"/>
@@ -7393,8 +7290,8 @@
         </p:nvSpPr>
         <p:spPr bwMode="auto">
           <a:xfrm>
-            <a:off x="1803400" y="1760538"/>
-            <a:ext cx="3084513" cy="641350"/>
+            <a:off x="1736725" y="1745542"/>
+            <a:ext cx="2897419" cy="641350"/>
           </a:xfrm>
           <a:prstGeom prst="rect">
             <a:avLst/>
@@ -7409,7 +7306,7 @@
           <a:effectLst/>
         </p:spPr>
         <p:txBody>
-          <a:bodyPr>
+          <a:bodyPr wrap="square">
             <a:spAutoFit/>
           </a:bodyPr>
           <a:lstStyle/>
@@ -7420,7 +7317,7 @@
               </a:spcBef>
             </a:pPr>
             <a:r>
-              <a:rPr lang="zh-CN" altLang="en-US">
+              <a:rPr lang="zh-CN" altLang="en-US" dirty="0">
                 <a:solidFill>
                   <a:schemeClr val="bg1"/>
                 </a:solidFill>
@@ -7430,6 +7327,89 @@
           </a:p>
         </p:txBody>
       </p:sp>
+      <p:sp>
+        <p:nvSpPr>
+          <p:cNvPr id="7" name="矩形 1"/>
+          <p:cNvSpPr>
+            <a:spLocks noChangeArrowheads="1"/>
+          </p:cNvSpPr>
+          <p:nvPr/>
+        </p:nvSpPr>
+        <p:spPr bwMode="auto">
+          <a:xfrm>
+            <a:off x="1736725" y="2386892"/>
+            <a:ext cx="2897419" cy="3006771"/>
+          </a:xfrm>
+          <a:prstGeom prst="rect">
+            <a:avLst/>
+          </a:prstGeom>
+          <a:noFill/>
+          <a:ln w="12700">
+            <a:solidFill>
+              <a:srgbClr val="FFC000"/>
+            </a:solidFill>
+            <a:miter lim="800000"/>
+            <a:headEnd/>
+            <a:tailEnd/>
+          </a:ln>
+        </p:spPr>
+        <p:txBody>
+          <a:bodyPr anchor="t"/>
+          <a:lstStyle/>
+          <a:p>
+            <a:pPr>
+              <a:lnSpc>
+                <a:spcPct val="120000"/>
+              </a:lnSpc>
+              <a:buFont typeface="Arial" charset="0"/>
+              <a:buNone/>
+            </a:pPr>
+            <a:r>
+              <a:rPr lang="zh-CN" altLang="en-US" sz="3200" b="1" dirty="0" smtClean="0">
+                <a:solidFill>
+                  <a:srgbClr val="FFC000"/>
+                </a:solidFill>
+              </a:rPr>
+              <a:t>依赖</a:t>
+            </a:r>
+            <a:endParaRPr lang="en-US" altLang="zh-CN" sz="3200" b="1" dirty="0" smtClean="0">
+              <a:solidFill>
+                <a:srgbClr val="FFC000"/>
+              </a:solidFill>
+            </a:endParaRPr>
+          </a:p>
+        </p:txBody>
+      </p:sp>
+      <p:pic>
+        <p:nvPicPr>
+          <p:cNvPr id="2" name="图片 1"/>
+          <p:cNvPicPr>
+            <a:picLocks noChangeAspect="1"/>
+          </p:cNvPicPr>
+          <p:nvPr/>
+        </p:nvPicPr>
+        <p:blipFill>
+          <a:blip r:embed="rId2">
+            <a:extLst>
+              <a:ext uri="{28A0092B-C50C-407E-A947-70E740481C1C}">
+                <a14:useLocalDpi xmlns:a14="http://schemas.microsoft.com/office/drawing/2010/main" val="0"/>
+              </a:ext>
+            </a:extLst>
+          </a:blip>
+          <a:stretch>
+            <a:fillRect/>
+          </a:stretch>
+        </p:blipFill>
+        <p:spPr>
+          <a:xfrm>
+            <a:off x="5307654" y="2551827"/>
+            <a:ext cx="5163271" cy="2676899"/>
+          </a:xfrm>
+          <a:prstGeom prst="rect">
+            <a:avLst/>
+          </a:prstGeom>
+        </p:spPr>
+      </p:pic>
     </p:spTree>
   </p:cSld>
   <p:clrMapOvr>
@@ -7534,24 +7514,83 @@
           </a:p>
         </p:txBody>
       </p:sp>
+      <p:sp>
+        <p:nvSpPr>
+          <p:cNvPr id="5" name="矩形 1"/>
+          <p:cNvSpPr>
+            <a:spLocks noChangeArrowheads="1"/>
+          </p:cNvSpPr>
+          <p:nvPr/>
+        </p:nvSpPr>
+        <p:spPr bwMode="auto">
+          <a:xfrm>
+            <a:off x="1736725" y="2386892"/>
+            <a:ext cx="2897419" cy="3006771"/>
+          </a:xfrm>
+          <a:prstGeom prst="rect">
+            <a:avLst/>
+          </a:prstGeom>
+          <a:noFill/>
+          <a:ln w="12700">
+            <a:solidFill>
+              <a:srgbClr val="FFC000"/>
+            </a:solidFill>
+            <a:miter lim="800000"/>
+            <a:headEnd/>
+            <a:tailEnd/>
+          </a:ln>
+        </p:spPr>
+        <p:txBody>
+          <a:bodyPr anchor="t"/>
+          <a:lstStyle/>
+          <a:p>
+            <a:pPr>
+              <a:lnSpc>
+                <a:spcPct val="120000"/>
+              </a:lnSpc>
+              <a:buFont typeface="Arial" charset="0"/>
+              <a:buNone/>
+            </a:pPr>
+            <a:r>
+              <a:rPr lang="zh-CN" altLang="en-US" sz="3200" b="1" dirty="0" smtClean="0">
+                <a:solidFill>
+                  <a:srgbClr val="FFC000"/>
+                </a:solidFill>
+              </a:rPr>
+              <a:t>关联</a:t>
+            </a:r>
+            <a:endParaRPr lang="en-US" altLang="zh-CN" sz="3200" b="1" dirty="0" smtClean="0">
+              <a:solidFill>
+                <a:srgbClr val="FFC000"/>
+              </a:solidFill>
+            </a:endParaRPr>
+          </a:p>
+        </p:txBody>
+      </p:sp>
       <p:pic>
         <p:nvPicPr>
-          <p:cNvPr id="2" name="图片 1"/>
+          <p:cNvPr id="6" name="图片 5"/>
           <p:cNvPicPr>
             <a:picLocks noChangeAspect="1"/>
           </p:cNvPicPr>
           <p:nvPr/>
         </p:nvPicPr>
         <p:blipFill>
-          <a:blip r:embed="rId2"/>
+          <a:blip r:embed="rId2">
+            <a:extLst>
+              <a:ext uri="{28A0092B-C50C-407E-A947-70E740481C1C}">
+                <a14:useLocalDpi xmlns:a14="http://schemas.microsoft.com/office/drawing/2010/main" val="0"/>
+              </a:ext>
+            </a:extLst>
+          </a:blip>
           <a:stretch>
             <a:fillRect/>
           </a:stretch>
         </p:blipFill>
         <p:spPr>
           <a:xfrm>
-            <a:off x="2432050" y="1249363"/>
-            <a:ext cx="7448550" cy="5562600"/>
+            <a:off x="5559045" y="2675670"/>
+            <a:ext cx="5324977" cy="2429214"/>
           </a:xfrm>
           <a:prstGeom prst="rect">
             <a:avLst/>
@@ -7559,11 +7598,6 @@
         </p:spPr>
       </p:pic>
     </p:spTree>
-    <p:extLst>
-      <p:ext uri="{BB962C8B-B14F-4D97-AF65-F5344CB8AC3E}">
-        <p14:creationId xmlns:p14="http://schemas.microsoft.com/office/powerpoint/2010/main" val="2705814306"/>
-      </p:ext>
-    </p:extLst>
   </p:cSld>
   <p:clrMapOvr>
     <a:masterClrMapping/>
@@ -7597,7 +7631,7 @@
       </p:grpSpPr>
       <p:cxnSp>
         <p:nvCxnSpPr>
-          <p:cNvPr id="18433" name="直接连接符 16"/>
+          <p:cNvPr id="4" name="直接连接符 16"/>
           <p:cNvCxnSpPr>
             <a:cxnSpLocks noChangeShapeType="1"/>
           </p:cNvCxnSpPr>
@@ -7605,8 +7639,8 @@
         </p:nvCxnSpPr>
         <p:spPr bwMode="auto">
           <a:xfrm flipV="1">
-            <a:off x="1800225" y="1409700"/>
-            <a:ext cx="8591550" cy="17463"/>
+            <a:off x="1860550" y="1255713"/>
+            <a:ext cx="8591550" cy="17462"/>
           </a:xfrm>
           <a:prstGeom prst="line">
             <a:avLst/>
@@ -7624,7 +7658,7 @@
       </p:cxnSp>
       <p:sp>
         <p:nvSpPr>
-          <p:cNvPr id="18434" name="文本框 18"/>
+          <p:cNvPr id="5" name="文本框 18"/>
           <p:cNvSpPr txBox="1">
             <a:spLocks noChangeArrowheads="1"/>
           </p:cNvSpPr>
@@ -7632,8 +7666,8 @@
         </p:nvSpPr>
         <p:spPr bwMode="auto">
           <a:xfrm>
-            <a:off x="1693863" y="771525"/>
-            <a:ext cx="8802687" cy="584200"/>
+            <a:off x="1797050" y="669925"/>
+            <a:ext cx="8802688" cy="579438"/>
           </a:xfrm>
           <a:prstGeom prst="rect">
             <a:avLst/>
@@ -7657,24 +7691,19 @@
               <a:buNone/>
             </a:pPr>
             <a:r>
-              <a:rPr lang="zh-CN" altLang="en-US" sz="3200" dirty="0" smtClean="0">
+              <a:rPr lang="zh-CN" altLang="en-US" sz="3200">
                 <a:solidFill>
                   <a:schemeClr val="bg1"/>
                 </a:solidFill>
               </a:rPr>
-              <a:t>顺 序 图</a:t>
-            </a:r>
-            <a:endParaRPr lang="zh-CN" altLang="en-US" sz="3200" dirty="0">
-              <a:solidFill>
-                <a:schemeClr val="bg1"/>
-              </a:solidFill>
-            </a:endParaRPr>
+              <a:t>类图示例</a:t>
+            </a:r>
           </a:p>
         </p:txBody>
       </p:sp>
       <p:sp>
         <p:nvSpPr>
-          <p:cNvPr id="18435" name="矩形 1"/>
+          <p:cNvPr id="6" name="矩形 1"/>
           <p:cNvSpPr>
             <a:spLocks noChangeArrowheads="1"/>
           </p:cNvSpPr>
@@ -7682,8 +7711,8 @@
         </p:nvSpPr>
         <p:spPr bwMode="auto">
           <a:xfrm>
-            <a:off x="1798638" y="1863725"/>
-            <a:ext cx="8593137" cy="3871913"/>
+            <a:off x="1736725" y="2386892"/>
+            <a:ext cx="2897419" cy="3006771"/>
           </a:xfrm>
           <a:prstGeom prst="rect">
             <a:avLst/>
@@ -7715,7 +7744,7 @@
                   <a:srgbClr val="FFC000"/>
                 </a:solidFill>
               </a:rPr>
-              <a:t>顺序图</a:t>
+              <a:t>泛化</a:t>
             </a:r>
             <a:endParaRPr lang="en-US" altLang="zh-CN" sz="3200" b="1" dirty="0" smtClean="0">
               <a:solidFill>
@@ -7723,123 +7752,48 @@
               </a:solidFill>
             </a:endParaRPr>
           </a:p>
-          <a:p>
-            <a:pPr>
-              <a:lnSpc>
-                <a:spcPct val="120000"/>
-              </a:lnSpc>
-              <a:buFont typeface="Arial" charset="0"/>
-              <a:buNone/>
-            </a:pPr>
-            <a:r>
-              <a:rPr lang="zh-CN" altLang="en-US" sz="2400" dirty="0" smtClean="0">
-                <a:solidFill>
-                  <a:schemeClr val="bg1"/>
-                </a:solidFill>
-              </a:rPr>
-              <a:t>是强调消息时间顺序的交互图，他描述了对象之间传送消息的时间顺序。</a:t>
-            </a:r>
-            <a:endParaRPr lang="en-US" altLang="zh-CN" sz="2400" dirty="0" smtClean="0">
-              <a:solidFill>
-                <a:schemeClr val="bg1"/>
-              </a:solidFill>
-            </a:endParaRPr>
-          </a:p>
-          <a:p>
-            <a:pPr>
-              <a:lnSpc>
-                <a:spcPct val="120000"/>
-              </a:lnSpc>
-              <a:buFont typeface="Arial" charset="0"/>
-              <a:buNone/>
-            </a:pPr>
-            <a:r>
-              <a:rPr lang="zh-CN" altLang="en-US" sz="2400" dirty="0" smtClean="0">
-                <a:solidFill>
-                  <a:schemeClr val="bg1"/>
-                </a:solidFill>
-              </a:rPr>
-              <a:t>对用例进行时间上的细化分解。</a:t>
-            </a:r>
-            <a:endParaRPr lang="en-US" altLang="zh-CN" sz="2400" dirty="0" smtClean="0">
-              <a:solidFill>
-                <a:schemeClr val="bg1"/>
-              </a:solidFill>
-            </a:endParaRPr>
-          </a:p>
-          <a:p>
-            <a:pPr>
-              <a:lnSpc>
-                <a:spcPct val="120000"/>
-              </a:lnSpc>
-            </a:pPr>
-            <a:r>
-              <a:rPr lang="zh-CN" altLang="en-US" sz="3200" b="1" dirty="0">
-                <a:solidFill>
-                  <a:srgbClr val="FFC000"/>
-                </a:solidFill>
-              </a:rPr>
-              <a:t>基本</a:t>
-            </a:r>
-            <a:r>
-              <a:rPr lang="zh-CN" altLang="en-US" sz="3200" b="1" dirty="0" smtClean="0">
-                <a:solidFill>
-                  <a:srgbClr val="FFC000"/>
-                </a:solidFill>
-              </a:rPr>
-              <a:t>内容</a:t>
-            </a:r>
-            <a:endParaRPr lang="en-US" altLang="zh-CN" sz="3200" b="1" dirty="0" smtClean="0">
-              <a:solidFill>
-                <a:srgbClr val="FFC000"/>
-              </a:solidFill>
-            </a:endParaRPr>
-          </a:p>
-          <a:p>
-            <a:pPr>
-              <a:lnSpc>
-                <a:spcPct val="120000"/>
-              </a:lnSpc>
-            </a:pPr>
-            <a:r>
-              <a:rPr lang="zh-CN" altLang="en-US" sz="2400" dirty="0">
-                <a:solidFill>
-                  <a:schemeClr val="bg1"/>
-                </a:solidFill>
-              </a:rPr>
-              <a:t>角色，对象</a:t>
-            </a:r>
-            <a:r>
-              <a:rPr lang="zh-CN" altLang="en-US" sz="2400" dirty="0" smtClean="0">
-                <a:solidFill>
-                  <a:schemeClr val="bg1"/>
-                </a:solidFill>
-              </a:rPr>
-              <a:t>，生命线，激活期，</a:t>
-            </a:r>
-            <a:r>
-              <a:rPr lang="zh-CN" altLang="en-US" sz="2400" dirty="0">
-                <a:solidFill>
-                  <a:schemeClr val="bg1"/>
-                </a:solidFill>
-              </a:rPr>
-              <a:t>消息</a:t>
-            </a:r>
-          </a:p>
         </p:txBody>
       </p:sp>
+      <p:pic>
+        <p:nvPicPr>
+          <p:cNvPr id="8" name="图片 7"/>
+          <p:cNvPicPr>
+            <a:picLocks noChangeAspect="1"/>
+          </p:cNvPicPr>
+          <p:nvPr/>
+        </p:nvPicPr>
+        <p:blipFill>
+          <a:blip r:embed="rId2">
+            <a:extLst>
+              <a:ext uri="{28A0092B-C50C-407E-A947-70E740481C1C}">
+                <a14:useLocalDpi xmlns:a14="http://schemas.microsoft.com/office/drawing/2010/main" val="0"/>
+              </a:ext>
+            </a:extLst>
+          </a:blip>
+          <a:stretch>
+            <a:fillRect/>
+          </a:stretch>
+        </p:blipFill>
+        <p:spPr>
+          <a:xfrm>
+            <a:off x="6198394" y="2704249"/>
+            <a:ext cx="3868884" cy="2372056"/>
+          </a:xfrm>
+          <a:prstGeom prst="rect">
+            <a:avLst/>
+          </a:prstGeom>
+        </p:spPr>
+      </p:pic>
     </p:spTree>
+    <p:extLst>
+      <p:ext uri="{BB962C8B-B14F-4D97-AF65-F5344CB8AC3E}">
+        <p14:creationId xmlns:p14="http://schemas.microsoft.com/office/powerpoint/2010/main" val="770870636"/>
+      </p:ext>
+    </p:extLst>
   </p:cSld>
   <p:clrMapOvr>
     <a:masterClrMapping/>
   </p:clrMapOvr>
-  <p:timing>
-    <p:tnLst>
-      <p:par>
-        <p:cTn id="1" dur="indefinite" restart="never" nodeType="tmRoot"/>
-      </p:par>
-    </p:tnLst>
-  </p:timing>
 </p:sld>
 </file>
 
@@ -7862,7 +7816,7 @@
       </p:grpSpPr>
       <p:cxnSp>
         <p:nvCxnSpPr>
-          <p:cNvPr id="29697" name="直接连接符 16"/>
+          <p:cNvPr id="4" name="直接连接符 16"/>
           <p:cNvCxnSpPr>
             <a:cxnSpLocks noChangeShapeType="1"/>
           </p:cNvCxnSpPr>
@@ -7889,7 +7843,7 @@
       </p:cxnSp>
       <p:sp>
         <p:nvSpPr>
-          <p:cNvPr id="29698" name="文本框 18"/>
+          <p:cNvPr id="5" name="文本框 18"/>
           <p:cNvSpPr txBox="1">
             <a:spLocks noChangeArrowheads="1"/>
           </p:cNvSpPr>
@@ -7922,119 +7876,109 @@
               <a:buNone/>
             </a:pPr>
             <a:r>
-              <a:rPr lang="zh-CN" altLang="en-US" sz="3200" dirty="0" smtClean="0">
+              <a:rPr lang="zh-CN" altLang="en-US" sz="3200">
                 <a:solidFill>
                   <a:schemeClr val="bg1"/>
                 </a:solidFill>
               </a:rPr>
-              <a:t>顺序图</a:t>
-            </a:r>
-            <a:r>
-              <a:rPr lang="zh-CN" altLang="en-US" sz="3200" dirty="0">
-                <a:solidFill>
-                  <a:schemeClr val="bg1"/>
-                </a:solidFill>
-              </a:rPr>
-              <a:t>示例</a:t>
+              <a:t>类图示例</a:t>
             </a:r>
           </a:p>
         </p:txBody>
       </p:sp>
-      <p:pic>
-        <p:nvPicPr>
-          <p:cNvPr id="29699" name="Picture 8"/>
-          <p:cNvPicPr>
-            <a:picLocks noChangeAspect="1" noChangeArrowheads="1"/>
-          </p:cNvPicPr>
-          <p:nvPr/>
-        </p:nvPicPr>
-        <p:blipFill>
-          <a:blip r:embed="rId2"/>
-          <a:srcRect/>
-          <a:stretch>
-            <a:fillRect/>
-          </a:stretch>
-        </p:blipFill>
-        <p:spPr bwMode="auto">
-          <a:xfrm>
-            <a:off x="2726531" y="1403812"/>
-            <a:ext cx="6943725" cy="5369850"/>
-          </a:xfrm>
-          <a:prstGeom prst="rect">
-            <a:avLst/>
-          </a:prstGeom>
-          <a:noFill/>
-          <a:ln w="9525">
-            <a:noFill/>
-            <a:miter lim="800000"/>
-            <a:headEnd/>
-            <a:tailEnd/>
-          </a:ln>
-        </p:spPr>
-      </p:pic>
       <p:sp>
         <p:nvSpPr>
-          <p:cNvPr id="29702" name="Text Box 6"/>
-          <p:cNvSpPr txBox="1">
+          <p:cNvPr id="6" name="矩形 1"/>
+          <p:cNvSpPr>
             <a:spLocks noChangeArrowheads="1"/>
           </p:cNvSpPr>
           <p:nvPr/>
         </p:nvSpPr>
         <p:spPr bwMode="auto">
           <a:xfrm>
-            <a:off x="2138363" y="1812925"/>
-            <a:ext cx="458787" cy="3084513"/>
+            <a:off x="1736725" y="2386892"/>
+            <a:ext cx="2897419" cy="3006771"/>
           </a:xfrm>
           <a:prstGeom prst="rect">
             <a:avLst/>
           </a:prstGeom>
           <a:noFill/>
-          <a:ln w="9525">
-            <a:noFill/>
+          <a:ln w="12700">
+            <a:solidFill>
+              <a:srgbClr val="FFC000"/>
+            </a:solidFill>
             <a:miter lim="800000"/>
             <a:headEnd/>
             <a:tailEnd/>
           </a:ln>
-          <a:effectLst/>
         </p:spPr>
         <p:txBody>
-          <a:bodyPr vert="eaVert">
-            <a:spAutoFit/>
-          </a:bodyPr>
+          <a:bodyPr anchor="t"/>
           <a:lstStyle/>
           <a:p>
             <a:pPr>
-              <a:spcBef>
-                <a:spcPct val="50000"/>
-              </a:spcBef>
-            </a:pPr>
-            <a:r>
-              <a:rPr lang="zh-CN" altLang="en-US" dirty="0">
-                <a:solidFill>
-                  <a:schemeClr val="bg1"/>
-                </a:solidFill>
-              </a:rPr>
-              <a:t>序列图显示用例中的功能流程</a:t>
-            </a:r>
-            <a:r>
-              <a:rPr lang="zh-CN" altLang="en-US" dirty="0"/>
-              <a:t>。</a:t>
-            </a:r>
+              <a:lnSpc>
+                <a:spcPct val="120000"/>
+              </a:lnSpc>
+              <a:buFont typeface="Arial" charset="0"/>
+              <a:buNone/>
+            </a:pPr>
+            <a:r>
+              <a:rPr lang="zh-CN" altLang="en-US" sz="3200" b="1" dirty="0" smtClean="0">
+                <a:solidFill>
+                  <a:srgbClr val="FFC000"/>
+                </a:solidFill>
+              </a:rPr>
+              <a:t>实现</a:t>
+            </a:r>
+            <a:endParaRPr lang="en-US" altLang="zh-CN" sz="3200" b="1" dirty="0" smtClean="0">
+              <a:solidFill>
+                <a:srgbClr val="FFC000"/>
+              </a:solidFill>
+            </a:endParaRPr>
           </a:p>
         </p:txBody>
       </p:sp>
+      <p:pic>
+        <p:nvPicPr>
+          <p:cNvPr id="7" name="图片 6"/>
+          <p:cNvPicPr>
+            <a:picLocks noChangeAspect="1"/>
+          </p:cNvPicPr>
+          <p:nvPr/>
+        </p:nvPicPr>
+        <p:blipFill>
+          <a:blip r:embed="rId2">
+            <a:extLst>
+              <a:ext uri="{28A0092B-C50C-407E-A947-70E740481C1C}">
+                <a14:useLocalDpi xmlns:a14="http://schemas.microsoft.com/office/drawing/2010/main" val="0"/>
+              </a:ext>
+            </a:extLst>
+          </a:blip>
+          <a:stretch>
+            <a:fillRect/>
+          </a:stretch>
+        </p:blipFill>
+        <p:spPr>
+          <a:xfrm>
+            <a:off x="5104406" y="2628038"/>
+            <a:ext cx="6045948" cy="2524477"/>
+          </a:xfrm>
+          <a:prstGeom prst="rect">
+            <a:avLst/>
+          </a:prstGeom>
+        </p:spPr>
+      </p:pic>
     </p:spTree>
+    <p:extLst>
+      <p:ext uri="{BB962C8B-B14F-4D97-AF65-F5344CB8AC3E}">
+        <p14:creationId xmlns:p14="http://schemas.microsoft.com/office/powerpoint/2010/main" val="4107828276"/>
+      </p:ext>
+    </p:extLst>
   </p:cSld>
   <p:clrMapOvr>
     <a:masterClrMapping/>
   </p:clrMapOvr>
-  <p:timing>
-    <p:tnLst>
-      <p:par>
-        <p:cTn id="1" dur="indefinite" restart="never" nodeType="tmRoot"/>
-      </p:par>
-    </p:tnLst>
-  </p:timing>
 </p:sld>
 </file>
 
@@ -8967,7 +8911,7 @@
       </p:grpSpPr>
       <p:cxnSp>
         <p:nvCxnSpPr>
-          <p:cNvPr id="29697" name="直接连接符 16"/>
+          <p:cNvPr id="28676" name="直接连接符 16"/>
           <p:cNvCxnSpPr>
             <a:cxnSpLocks noChangeShapeType="1"/>
           </p:cNvCxnSpPr>
@@ -8994,7 +8938,7 @@
       </p:cxnSp>
       <p:sp>
         <p:nvSpPr>
-          <p:cNvPr id="29698" name="文本框 18"/>
+          <p:cNvPr id="28677" name="文本框 18"/>
           <p:cNvSpPr txBox="1">
             <a:spLocks noChangeArrowheads="1"/>
           </p:cNvSpPr>
@@ -9027,20 +8971,12 @@
               <a:buNone/>
             </a:pPr>
             <a:r>
-              <a:rPr lang="zh-CN" altLang="en-US" sz="3200" dirty="0" smtClean="0">
+              <a:rPr lang="zh-CN" altLang="en-US" sz="3200">
                 <a:solidFill>
                   <a:schemeClr val="bg1"/>
                 </a:solidFill>
               </a:rPr>
-              <a:t>顺序图</a:t>
-            </a:r>
-            <a:r>
-              <a:rPr lang="zh-CN" altLang="en-US" sz="3200" dirty="0">
-                <a:solidFill>
-                  <a:schemeClr val="bg1"/>
-                </a:solidFill>
-              </a:rPr>
-              <a:t>示例</a:t>
+              <a:t>类图示例</a:t>
             </a:r>
           </a:p>
         </p:txBody>
@@ -9061,8 +8997,8 @@
         </p:blipFill>
         <p:spPr>
           <a:xfrm>
-            <a:off x="1860550" y="1320646"/>
-            <a:ext cx="8591550" cy="5537354"/>
+            <a:off x="2224534" y="1249363"/>
+            <a:ext cx="7448550" cy="5562600"/>
           </a:xfrm>
           <a:prstGeom prst="rect">
             <a:avLst/>
@@ -9072,7 +9008,7 @@
     </p:spTree>
     <p:extLst>
       <p:ext uri="{BB962C8B-B14F-4D97-AF65-F5344CB8AC3E}">
-        <p14:creationId xmlns:p14="http://schemas.microsoft.com/office/powerpoint/2010/main" val="1836805527"/>
+        <p14:creationId xmlns:p14="http://schemas.microsoft.com/office/powerpoint/2010/main" val="2705814306"/>
       </p:ext>
     </p:extLst>
   </p:cSld>
@@ -9108,7 +9044,7 @@
       </p:grpSpPr>
       <p:cxnSp>
         <p:nvCxnSpPr>
-          <p:cNvPr id="20481" name="直接连接符 16"/>
+          <p:cNvPr id="18433" name="直接连接符 16"/>
           <p:cNvCxnSpPr>
             <a:cxnSpLocks noChangeShapeType="1"/>
           </p:cNvCxnSpPr>
@@ -9135,7 +9071,7 @@
       </p:cxnSp>
       <p:sp>
         <p:nvSpPr>
-          <p:cNvPr id="20482" name="文本框 18"/>
+          <p:cNvPr id="18434" name="文本框 18"/>
           <p:cNvSpPr txBox="1">
             <a:spLocks noChangeArrowheads="1"/>
           </p:cNvSpPr>
@@ -9173,7 +9109,7 @@
                   <a:schemeClr val="bg1"/>
                 </a:solidFill>
               </a:rPr>
-              <a:t>协 作 图</a:t>
+              <a:t>顺 序 图</a:t>
             </a:r>
             <a:endParaRPr lang="zh-CN" altLang="en-US" sz="3200" dirty="0">
               <a:solidFill>
@@ -9185,7 +9121,7 @@
       </p:sp>
       <p:sp>
         <p:nvSpPr>
-          <p:cNvPr id="20483" name="矩形 1"/>
+          <p:cNvPr id="18435" name="矩形 1"/>
           <p:cNvSpPr>
             <a:spLocks noChangeArrowheads="1"/>
           </p:cNvSpPr>
@@ -9193,8 +9129,8 @@
         </p:nvSpPr>
         <p:spPr bwMode="auto">
           <a:xfrm>
-            <a:off x="1798638" y="2043113"/>
-            <a:ext cx="8593137" cy="3414712"/>
+            <a:off x="1798638" y="1863725"/>
+            <a:ext cx="8593137" cy="3871913"/>
           </a:xfrm>
           <a:prstGeom prst="rect">
             <a:avLst/>
@@ -9210,7 +9146,7 @@
           </a:ln>
         </p:spPr>
         <p:txBody>
-          <a:bodyPr anchor="ctr"/>
+          <a:bodyPr anchor="t"/>
           <a:lstStyle/>
           <a:p>
             <a:pPr>
@@ -9221,16 +9157,16 @@
               <a:buNone/>
             </a:pPr>
             <a:r>
-              <a:rPr lang="zh-CN" altLang="en-US" sz="2800" b="1" dirty="0" smtClean="0">
+              <a:rPr lang="zh-CN" altLang="en-US" sz="3200" b="1" dirty="0" smtClean="0">
                 <a:solidFill>
                   <a:srgbClr val="FFC000"/>
                 </a:solidFill>
               </a:rPr>
-              <a:t>通信图</a:t>
-            </a:r>
-            <a:endParaRPr lang="zh-CN" altLang="en-US" sz="2000" b="1" dirty="0" smtClean="0">
+              <a:t>顺序图</a:t>
+            </a:r>
+            <a:endParaRPr lang="en-US" altLang="zh-CN" sz="3200" b="1" dirty="0" smtClean="0">
               <a:solidFill>
-                <a:srgbClr val="FFFFFF"/>
+                <a:srgbClr val="FFC000"/>
               </a:solidFill>
             </a:endParaRPr>
           </a:p>
@@ -9245,30 +9181,14 @@
             <a:r>
               <a:rPr lang="zh-CN" altLang="en-US" sz="2400" dirty="0" smtClean="0">
                 <a:solidFill>
-                  <a:srgbClr val="FFFFFF"/>
-                </a:solidFill>
-              </a:rPr>
-              <a:t>（也叫合作图，</a:t>
-            </a:r>
-            <a:r>
-              <a:rPr lang="en-US" altLang="zh-CN" sz="2400" dirty="0" smtClean="0">
-                <a:solidFill>
-                  <a:srgbClr val="FFFFFF"/>
-                </a:solidFill>
-              </a:rPr>
-              <a:t>UML2.0</a:t>
-            </a:r>
-            <a:r>
-              <a:rPr lang="zh-CN" altLang="en-US" sz="2400" dirty="0" smtClean="0">
-                <a:solidFill>
-                  <a:srgbClr val="FFFFFF"/>
-                </a:solidFill>
-              </a:rPr>
-              <a:t>之后不再用协作图的说法）是一种交互图，强调发送和接收消息的对象之间的组织结构。</a:t>
+                  <a:schemeClr val="bg1"/>
+                </a:solidFill>
+              </a:rPr>
+              <a:t>是强调消息时间顺序的交互图，他描述了对象之间传送消息的时间顺序。</a:t>
             </a:r>
             <a:endParaRPr lang="en-US" altLang="zh-CN" sz="2400" dirty="0" smtClean="0">
               <a:solidFill>
-                <a:srgbClr val="FFFFFF"/>
+                <a:schemeClr val="bg1"/>
               </a:solidFill>
             </a:endParaRPr>
           </a:p>
@@ -9277,24 +9197,46 @@
               <a:lnSpc>
                 <a:spcPct val="120000"/>
               </a:lnSpc>
-            </a:pPr>
-            <a:r>
-              <a:rPr lang="zh-CN" altLang="en-US" sz="2800" b="1" dirty="0">
+              <a:buFont typeface="Arial" charset="0"/>
+              <a:buNone/>
+            </a:pPr>
+            <a:r>
+              <a:rPr lang="zh-CN" altLang="en-US" sz="2400" dirty="0" smtClean="0">
+                <a:solidFill>
+                  <a:schemeClr val="bg1"/>
+                </a:solidFill>
+              </a:rPr>
+              <a:t>对用例进行时间上的细化分解。</a:t>
+            </a:r>
+            <a:endParaRPr lang="en-US" altLang="zh-CN" sz="2400" dirty="0" smtClean="0">
+              <a:solidFill>
+                <a:schemeClr val="bg1"/>
+              </a:solidFill>
+            </a:endParaRPr>
+          </a:p>
+          <a:p>
+            <a:pPr>
+              <a:lnSpc>
+                <a:spcPct val="120000"/>
+              </a:lnSpc>
+            </a:pPr>
+            <a:r>
+              <a:rPr lang="zh-CN" altLang="en-US" sz="3200" b="1" dirty="0">
                 <a:solidFill>
                   <a:srgbClr val="FFC000"/>
                 </a:solidFill>
               </a:rPr>
-              <a:t>通信图的基本</a:t>
-            </a:r>
-            <a:r>
-              <a:rPr lang="zh-CN" altLang="en-US" sz="2800" b="1" dirty="0" smtClean="0">
+              <a:t>基本</a:t>
+            </a:r>
+            <a:r>
+              <a:rPr lang="zh-CN" altLang="en-US" sz="3200" b="1" dirty="0" smtClean="0">
                 <a:solidFill>
                   <a:srgbClr val="FFC000"/>
                 </a:solidFill>
               </a:rPr>
               <a:t>内容</a:t>
             </a:r>
-            <a:endParaRPr lang="en-US" altLang="zh-CN" sz="2800" b="1" dirty="0" smtClean="0">
+            <a:endParaRPr lang="en-US" altLang="zh-CN" sz="3200" b="1" dirty="0" smtClean="0">
               <a:solidFill>
                 <a:srgbClr val="FFC000"/>
               </a:solidFill>
@@ -9309,10 +9251,26 @@
             <a:r>
               <a:rPr lang="zh-CN" altLang="en-US" sz="2400" dirty="0">
                 <a:solidFill>
-                  <a:srgbClr val="FFFFFF"/>
-                </a:solidFill>
-              </a:rPr>
-              <a:t>活动者，对象，链接，消息</a:t>
+                  <a:schemeClr val="bg1"/>
+                </a:solidFill>
+              </a:rPr>
+              <a:t>角色，对象</a:t>
+            </a:r>
+            <a:r>
+              <a:rPr lang="zh-CN" altLang="en-US" sz="2400" dirty="0" smtClean="0">
+                <a:solidFill>
+                  <a:schemeClr val="bg1"/>
+                </a:solidFill>
+              </a:rPr>
+              <a:t>，生命线，激活期，</a:t>
+            </a:r>
+            <a:r>
+              <a:rPr lang="zh-CN" altLang="en-US" sz="2400" dirty="0">
+                <a:solidFill>
+                  <a:schemeClr val="bg1"/>
+                </a:solidFill>
+              </a:rPr>
+              <a:t>消息</a:t>
             </a:r>
           </a:p>
         </p:txBody>
@@ -9349,41 +9307,9 @@
           <a:chExt cx="0" cy="0"/>
         </a:xfrm>
       </p:grpSpPr>
-      <p:pic>
-        <p:nvPicPr>
-          <p:cNvPr id="30721" name="Picture 4"/>
-          <p:cNvPicPr>
-            <a:picLocks noChangeAspect="1" noChangeArrowheads="1"/>
-          </p:cNvPicPr>
-          <p:nvPr/>
-        </p:nvPicPr>
-        <p:blipFill>
-          <a:blip r:embed="rId2"/>
-          <a:srcRect/>
-          <a:stretch>
-            <a:fillRect/>
-          </a:stretch>
-        </p:blipFill>
-        <p:spPr bwMode="auto">
-          <a:xfrm>
-            <a:off x="1676400" y="1543050"/>
-            <a:ext cx="8963025" cy="4773613"/>
-          </a:xfrm>
-          <a:prstGeom prst="rect">
-            <a:avLst/>
-          </a:prstGeom>
-          <a:noFill/>
-          <a:ln w="9525">
-            <a:noFill/>
-            <a:miter lim="800000"/>
-            <a:headEnd/>
-            <a:tailEnd/>
-          </a:ln>
-        </p:spPr>
-      </p:pic>
       <p:cxnSp>
         <p:nvCxnSpPr>
-          <p:cNvPr id="30722" name="直接连接符 16"/>
+          <p:cNvPr id="29697" name="直接连接符 16"/>
           <p:cNvCxnSpPr>
             <a:cxnSpLocks noChangeShapeType="1"/>
           </p:cNvCxnSpPr>
@@ -9391,8 +9317,8 @@
         </p:nvCxnSpPr>
         <p:spPr bwMode="auto">
           <a:xfrm flipV="1">
-            <a:off x="1887538" y="1495425"/>
-            <a:ext cx="8591550" cy="17463"/>
+            <a:off x="1860550" y="1255713"/>
+            <a:ext cx="8591550" cy="17462"/>
           </a:xfrm>
           <a:prstGeom prst="line">
             <a:avLst/>
@@ -9410,7 +9336,7 @@
       </p:cxnSp>
       <p:sp>
         <p:nvSpPr>
-          <p:cNvPr id="30723" name="文本框 18"/>
+          <p:cNvPr id="5" name="Text Box 6"/>
           <p:cNvSpPr txBox="1">
             <a:spLocks noChangeArrowheads="1"/>
           </p:cNvSpPr>
@@ -9418,8 +9344,8 @@
         </p:nvSpPr>
         <p:spPr bwMode="auto">
           <a:xfrm>
-            <a:off x="1824038" y="909638"/>
-            <a:ext cx="8802687" cy="579437"/>
+            <a:off x="1152942" y="1320646"/>
+            <a:ext cx="458787" cy="3084513"/>
           </a:xfrm>
           <a:prstGeom prst="rect">
             <a:avLst/>
@@ -9431,29 +9357,70 @@
             <a:headEnd/>
             <a:tailEnd/>
           </a:ln>
+          <a:effectLst/>
         </p:spPr>
         <p:txBody>
-          <a:bodyPr>
+          <a:bodyPr vert="eaVert">
             <a:spAutoFit/>
           </a:bodyPr>
           <a:lstStyle/>
           <a:p>
-            <a:pPr algn="ctr">
-              <a:buFont typeface="Arial" charset="0"/>
-              <a:buNone/>
-            </a:pPr>
-            <a:r>
-              <a:rPr lang="zh-CN" altLang="en-US" sz="3200">
+            <a:pPr>
+              <a:spcBef>
+                <a:spcPct val="50000"/>
+              </a:spcBef>
+            </a:pPr>
+            <a:r>
+              <a:rPr lang="zh-CN" altLang="en-US" dirty="0">
                 <a:solidFill>
                   <a:schemeClr val="bg1"/>
                 </a:solidFill>
               </a:rPr>
-              <a:t>协作图示例</a:t>
+              <a:t>序列图显示用例中的功能流程</a:t>
+            </a:r>
+            <a:r>
+              <a:rPr lang="zh-CN" altLang="en-US" dirty="0"/>
+              <a:t>。</a:t>
             </a:r>
           </a:p>
         </p:txBody>
       </p:sp>
+      <p:pic>
+        <p:nvPicPr>
+          <p:cNvPr id="3" name="图片 2"/>
+          <p:cNvPicPr>
+            <a:picLocks noChangeAspect="1"/>
+          </p:cNvPicPr>
+          <p:nvPr/>
+        </p:nvPicPr>
+        <p:blipFill>
+          <a:blip r:embed="rId2">
+            <a:extLst>
+              <a:ext uri="{28A0092B-C50C-407E-A947-70E740481C1C}">
+                <a14:useLocalDpi xmlns:a14="http://schemas.microsoft.com/office/drawing/2010/main" val="0"/>
+              </a:ext>
+            </a:extLst>
+          </a:blip>
+          <a:stretch>
+            <a:fillRect/>
+          </a:stretch>
+        </p:blipFill>
+        <p:spPr>
+          <a:xfrm>
+            <a:off x="1860550" y="221942"/>
+            <a:ext cx="8792654" cy="6538065"/>
+          </a:xfrm>
+          <a:prstGeom prst="rect">
+            <a:avLst/>
+          </a:prstGeom>
+        </p:spPr>
+      </p:pic>
     </p:spTree>
+    <p:extLst>
+      <p:ext uri="{BB962C8B-B14F-4D97-AF65-F5344CB8AC3E}">
+        <p14:creationId xmlns:p14="http://schemas.microsoft.com/office/powerpoint/2010/main" val="1836805527"/>
+      </p:ext>
+    </p:extLst>
   </p:cSld>
   <p:clrMapOvr>
     <a:masterClrMapping/>
@@ -9487,7 +9454,7 @@
       </p:grpSpPr>
       <p:cxnSp>
         <p:nvCxnSpPr>
-          <p:cNvPr id="30722" name="直接连接符 16"/>
+          <p:cNvPr id="20481" name="直接连接符 16"/>
           <p:cNvCxnSpPr>
             <a:cxnSpLocks noChangeShapeType="1"/>
           </p:cNvCxnSpPr>
@@ -9495,7 +9462,7 @@
         </p:nvCxnSpPr>
         <p:spPr bwMode="auto">
           <a:xfrm flipV="1">
-            <a:off x="1887538" y="1495425"/>
+            <a:off x="1800225" y="1409700"/>
             <a:ext cx="8591550" cy="17463"/>
           </a:xfrm>
           <a:prstGeom prst="line">
@@ -9514,7 +9481,7 @@
       </p:cxnSp>
       <p:sp>
         <p:nvSpPr>
-          <p:cNvPr id="30723" name="文本框 18"/>
+          <p:cNvPr id="20482" name="文本框 18"/>
           <p:cNvSpPr txBox="1">
             <a:spLocks noChangeArrowheads="1"/>
           </p:cNvSpPr>
@@ -9522,8 +9489,8 @@
         </p:nvSpPr>
         <p:spPr bwMode="auto">
           <a:xfrm>
-            <a:off x="1824038" y="909638"/>
-            <a:ext cx="8802687" cy="579437"/>
+            <a:off x="1693863" y="771525"/>
+            <a:ext cx="8802687" cy="584200"/>
           </a:xfrm>
           <a:prstGeom prst="rect">
             <a:avLst/>
@@ -9547,46 +9514,156 @@
               <a:buNone/>
             </a:pPr>
             <a:r>
-              <a:rPr lang="zh-CN" altLang="en-US" sz="3200">
+              <a:rPr lang="zh-CN" altLang="en-US" sz="3200" dirty="0" smtClean="0">
                 <a:solidFill>
                   <a:schemeClr val="bg1"/>
                 </a:solidFill>
               </a:rPr>
-              <a:t>协作图示例</a:t>
-            </a:r>
+              <a:t>协 作 图</a:t>
+            </a:r>
+            <a:endParaRPr lang="zh-CN" altLang="en-US" sz="3200" dirty="0">
+              <a:solidFill>
+                <a:schemeClr val="bg1"/>
+              </a:solidFill>
+            </a:endParaRPr>
           </a:p>
         </p:txBody>
       </p:sp>
-      <p:pic>
-        <p:nvPicPr>
-          <p:cNvPr id="2" name="图片 1"/>
-          <p:cNvPicPr>
-            <a:picLocks noChangeAspect="1"/>
-          </p:cNvPicPr>
+      <p:sp>
+        <p:nvSpPr>
+          <p:cNvPr id="20483" name="矩形 1"/>
+          <p:cNvSpPr>
+            <a:spLocks noChangeArrowheads="1"/>
+          </p:cNvSpPr>
           <p:nvPr/>
-        </p:nvPicPr>
-        <p:blipFill>
-          <a:blip r:embed="rId2"/>
-          <a:stretch>
-            <a:fillRect/>
-          </a:stretch>
-        </p:blipFill>
-        <p:spPr>
+        </p:nvSpPr>
+        <p:spPr bwMode="auto">
           <a:xfrm>
-            <a:off x="1295400" y="1738312"/>
-            <a:ext cx="9860042" cy="3486831"/>
+            <a:off x="1798638" y="2043113"/>
+            <a:ext cx="8593137" cy="3414712"/>
           </a:xfrm>
           <a:prstGeom prst="rect">
             <a:avLst/>
           </a:prstGeom>
-        </p:spPr>
-      </p:pic>
+          <a:noFill/>
+          <a:ln w="12700">
+            <a:solidFill>
+              <a:srgbClr val="FFC000"/>
+            </a:solidFill>
+            <a:miter lim="800000"/>
+            <a:headEnd/>
+            <a:tailEnd/>
+          </a:ln>
+        </p:spPr>
+        <p:txBody>
+          <a:bodyPr anchor="ctr"/>
+          <a:lstStyle/>
+          <a:p>
+            <a:pPr>
+              <a:lnSpc>
+                <a:spcPct val="120000"/>
+              </a:lnSpc>
+              <a:buFont typeface="Arial" charset="0"/>
+              <a:buNone/>
+            </a:pPr>
+            <a:r>
+              <a:rPr lang="zh-CN" altLang="en-US" sz="2800" b="1" dirty="0" smtClean="0">
+                <a:solidFill>
+                  <a:srgbClr val="FFC000"/>
+                </a:solidFill>
+              </a:rPr>
+              <a:t>通信图</a:t>
+            </a:r>
+            <a:endParaRPr lang="zh-CN" altLang="en-US" sz="2000" b="1" dirty="0" smtClean="0">
+              <a:solidFill>
+                <a:srgbClr val="FFFFFF"/>
+              </a:solidFill>
+            </a:endParaRPr>
+          </a:p>
+          <a:p>
+            <a:pPr>
+              <a:lnSpc>
+                <a:spcPct val="120000"/>
+              </a:lnSpc>
+              <a:buFont typeface="Arial" charset="0"/>
+              <a:buNone/>
+            </a:pPr>
+            <a:r>
+              <a:rPr lang="zh-CN" altLang="en-US" sz="2400" dirty="0" smtClean="0">
+                <a:solidFill>
+                  <a:srgbClr val="FFFFFF"/>
+                </a:solidFill>
+              </a:rPr>
+              <a:t>（也叫合作图，</a:t>
+            </a:r>
+            <a:r>
+              <a:rPr lang="en-US" altLang="zh-CN" sz="2400" dirty="0" smtClean="0">
+                <a:solidFill>
+                  <a:srgbClr val="FFFFFF"/>
+                </a:solidFill>
+              </a:rPr>
+              <a:t>UML2.0</a:t>
+            </a:r>
+            <a:r>
+              <a:rPr lang="zh-CN" altLang="en-US" sz="2400" dirty="0" smtClean="0">
+                <a:solidFill>
+                  <a:srgbClr val="FFFFFF"/>
+                </a:solidFill>
+              </a:rPr>
+              <a:t>之后不再用协作图的说法）是一种交互图，强调发送和接收消息的对象之间的组织结构。</a:t>
+            </a:r>
+            <a:endParaRPr lang="en-US" altLang="zh-CN" sz="2400" dirty="0" smtClean="0">
+              <a:solidFill>
+                <a:srgbClr val="FFFFFF"/>
+              </a:solidFill>
+            </a:endParaRPr>
+          </a:p>
+          <a:p>
+            <a:pPr>
+              <a:lnSpc>
+                <a:spcPct val="120000"/>
+              </a:lnSpc>
+            </a:pPr>
+            <a:r>
+              <a:rPr lang="zh-CN" altLang="en-US" sz="2800" b="1" dirty="0">
+                <a:solidFill>
+                  <a:srgbClr val="FFC000"/>
+                </a:solidFill>
+              </a:rPr>
+              <a:t>通信图的基本</a:t>
+            </a:r>
+            <a:r>
+              <a:rPr lang="zh-CN" altLang="en-US" sz="2800" b="1" dirty="0" smtClean="0">
+                <a:solidFill>
+                  <a:srgbClr val="FFC000"/>
+                </a:solidFill>
+              </a:rPr>
+              <a:t>内容</a:t>
+            </a:r>
+            <a:endParaRPr lang="en-US" altLang="zh-CN" sz="2800" b="1" dirty="0" smtClean="0">
+              <a:solidFill>
+                <a:srgbClr val="FFC000"/>
+              </a:solidFill>
+            </a:endParaRPr>
+          </a:p>
+          <a:p>
+            <a:pPr>
+              <a:lnSpc>
+                <a:spcPct val="120000"/>
+              </a:lnSpc>
+            </a:pPr>
+            <a:r>
+              <a:rPr lang="zh-CN" altLang="en-US" sz="2400" dirty="0">
+                <a:solidFill>
+                  <a:srgbClr val="FFFFFF"/>
+                </a:solidFill>
+              </a:rPr>
+              <a:t>活动者，对象，链接，消息</a:t>
+            </a:r>
+          </a:p>
+        </p:txBody>
+      </p:sp>
     </p:spTree>
-    <p:extLst>
-      <p:ext uri="{BB962C8B-B14F-4D97-AF65-F5344CB8AC3E}">
-        <p14:creationId xmlns:p14="http://schemas.microsoft.com/office/powerpoint/2010/main" val="1298939746"/>
-      </p:ext>
-    </p:extLst>
   </p:cSld>
   <p:clrMapOvr>
     <a:masterClrMapping/>
@@ -9620,7 +9697,7 @@
       </p:grpSpPr>
       <p:cxnSp>
         <p:nvCxnSpPr>
-          <p:cNvPr id="20481" name="直接连接符 16"/>
+          <p:cNvPr id="30722" name="直接连接符 16"/>
           <p:cNvCxnSpPr>
             <a:cxnSpLocks noChangeShapeType="1"/>
           </p:cNvCxnSpPr>
@@ -9628,7 +9705,7 @@
         </p:nvCxnSpPr>
         <p:spPr bwMode="auto">
           <a:xfrm flipV="1">
-            <a:off x="1800225" y="1409700"/>
+            <a:off x="1887538" y="1495425"/>
             <a:ext cx="8591550" cy="17463"/>
           </a:xfrm>
           <a:prstGeom prst="line">
@@ -9647,7 +9724,7 @@
       </p:cxnSp>
       <p:sp>
         <p:nvSpPr>
-          <p:cNvPr id="20482" name="文本框 18"/>
+          <p:cNvPr id="30723" name="文本框 18"/>
           <p:cNvSpPr txBox="1">
             <a:spLocks noChangeArrowheads="1"/>
           </p:cNvSpPr>
@@ -9655,8 +9732,8 @@
         </p:nvSpPr>
         <p:spPr bwMode="auto">
           <a:xfrm>
-            <a:off x="1693863" y="771525"/>
-            <a:ext cx="8802687" cy="584200"/>
+            <a:off x="1824038" y="909638"/>
+            <a:ext cx="8802687" cy="579437"/>
           </a:xfrm>
           <a:prstGeom prst="rect">
             <a:avLst/>
@@ -9680,168 +9757,44 @@
               <a:buNone/>
             </a:pPr>
             <a:r>
-              <a:rPr lang="zh-CN" altLang="en-US" sz="3200" dirty="0" smtClean="0">
+              <a:rPr lang="zh-CN" altLang="en-US" sz="3200">
                 <a:solidFill>
                   <a:schemeClr val="bg1"/>
                 </a:solidFill>
               </a:rPr>
-              <a:t>状 态 图</a:t>
-            </a:r>
-            <a:endParaRPr lang="zh-CN" altLang="en-US" sz="3200" dirty="0">
-              <a:solidFill>
-                <a:schemeClr val="bg1"/>
-              </a:solidFill>
-            </a:endParaRPr>
+              <a:t>协作图示例</a:t>
+            </a:r>
           </a:p>
         </p:txBody>
       </p:sp>
-      <p:sp>
-        <p:nvSpPr>
-          <p:cNvPr id="20483" name="矩形 1"/>
-          <p:cNvSpPr>
-            <a:spLocks noChangeArrowheads="1"/>
-          </p:cNvSpPr>
+      <p:pic>
+        <p:nvPicPr>
+          <p:cNvPr id="2" name="图片 1"/>
+          <p:cNvPicPr>
+            <a:picLocks noChangeAspect="1"/>
+          </p:cNvPicPr>
           <p:nvPr/>
-        </p:nvSpPr>
-        <p:spPr bwMode="auto">
+        </p:nvPicPr>
+        <p:blipFill>
+          <a:blip r:embed="rId2"/>
+          <a:stretch>
+            <a:fillRect/>
+          </a:stretch>
+        </p:blipFill>
+        <p:spPr>
           <a:xfrm>
-            <a:off x="1798638" y="2043113"/>
-            <a:ext cx="8593137" cy="3414712"/>
+            <a:off x="1295400" y="1738312"/>
+            <a:ext cx="9860042" cy="3486831"/>
           </a:xfrm>
           <a:prstGeom prst="rect">
             <a:avLst/>
           </a:prstGeom>
-          <a:noFill/>
-          <a:ln w="12700">
-            <a:solidFill>
-              <a:srgbClr val="FFC000"/>
-            </a:solidFill>
-            <a:miter lim="800000"/>
-            <a:headEnd/>
-            <a:tailEnd/>
-          </a:ln>
-        </p:spPr>
-        <p:txBody>
-          <a:bodyPr anchor="ctr"/>
-          <a:lstStyle/>
-          <a:p>
-            <a:pPr>
-              <a:lnSpc>
-                <a:spcPct val="120000"/>
-              </a:lnSpc>
-              <a:buFont typeface="Arial" charset="0"/>
-              <a:buNone/>
-            </a:pPr>
-            <a:r>
-              <a:rPr lang="zh-CN" altLang="en-US" sz="2800" b="1" dirty="0" smtClean="0">
-                <a:solidFill>
-                  <a:srgbClr val="FFC000"/>
-                </a:solidFill>
-              </a:rPr>
-              <a:t>状态机图</a:t>
-            </a:r>
-            <a:endParaRPr lang="en-US" altLang="zh-CN" sz="2800" b="1" dirty="0" smtClean="0">
-              <a:solidFill>
-                <a:srgbClr val="FFC000"/>
-              </a:solidFill>
-            </a:endParaRPr>
-          </a:p>
-          <a:p>
-            <a:pPr>
-              <a:lnSpc>
-                <a:spcPct val="120000"/>
-              </a:lnSpc>
-              <a:buFont typeface="Arial" charset="0"/>
-              <a:buNone/>
-            </a:pPr>
-            <a:r>
-              <a:rPr lang="zh-CN" altLang="en-US" sz="2400" dirty="0" smtClean="0">
-                <a:solidFill>
-                  <a:srgbClr val="FFFFFF"/>
-                </a:solidFill>
-              </a:rPr>
-              <a:t>通过建立类对象的生存周期模型来描述对象随时间变化的动态行为。指在对象的生命周期中满足某些条件，执行某些活动或等待某些事件时的一个条件或状况。</a:t>
-            </a:r>
-            <a:endParaRPr lang="en-US" altLang="zh-CN" sz="2400" dirty="0" smtClean="0">
-              <a:solidFill>
-                <a:srgbClr val="FFFFFF"/>
-              </a:solidFill>
-            </a:endParaRPr>
-          </a:p>
-          <a:p>
-            <a:pPr>
-              <a:lnSpc>
-                <a:spcPct val="120000"/>
-              </a:lnSpc>
-            </a:pPr>
-            <a:r>
-              <a:rPr lang="zh-CN" altLang="en-US" sz="2800" b="1" dirty="0">
-                <a:solidFill>
-                  <a:srgbClr val="FFC000"/>
-                </a:solidFill>
-              </a:rPr>
-              <a:t>通信图的</a:t>
-            </a:r>
-            <a:r>
-              <a:rPr lang="zh-CN" altLang="en-US" sz="2800" b="1" dirty="0" smtClean="0">
-                <a:solidFill>
-                  <a:srgbClr val="FFC000"/>
-                </a:solidFill>
-              </a:rPr>
-              <a:t>基本元素</a:t>
-            </a:r>
-            <a:endParaRPr lang="en-US" altLang="zh-CN" sz="2800" b="1" dirty="0" smtClean="0">
-              <a:solidFill>
-                <a:srgbClr val="FFC000"/>
-              </a:solidFill>
-            </a:endParaRPr>
-          </a:p>
-          <a:p>
-            <a:pPr>
-              <a:lnSpc>
-                <a:spcPct val="120000"/>
-              </a:lnSpc>
-            </a:pPr>
-            <a:r>
-              <a:rPr lang="zh-CN" altLang="en-US" sz="2400" dirty="0" smtClean="0">
-                <a:solidFill>
-                  <a:srgbClr val="FFFFFF"/>
-                </a:solidFill>
-              </a:rPr>
-              <a:t>状态（定义在生命周期的条件状况）</a:t>
-            </a:r>
-            <a:endParaRPr lang="en-US" altLang="zh-CN" sz="2400" dirty="0" smtClean="0">
-              <a:solidFill>
-                <a:srgbClr val="FFFFFF"/>
-              </a:solidFill>
-            </a:endParaRPr>
-          </a:p>
-          <a:p>
-            <a:pPr>
-              <a:lnSpc>
-                <a:spcPct val="120000"/>
-              </a:lnSpc>
-            </a:pPr>
-            <a:r>
-              <a:rPr lang="zh-CN" altLang="en-US" sz="2400" dirty="0" smtClean="0">
-                <a:solidFill>
-                  <a:srgbClr val="FFFFFF"/>
-                </a:solidFill>
-              </a:rPr>
-              <a:t>转换（状态之间的转移）</a:t>
-            </a:r>
-            <a:endParaRPr lang="zh-CN" altLang="en-US" sz="2400" dirty="0">
-              <a:solidFill>
-                <a:srgbClr val="FFFFFF"/>
-              </a:solidFill>
-            </a:endParaRPr>
-          </a:p>
-        </p:txBody>
-      </p:sp>
+        </p:spPr>
+      </p:pic>
     </p:spTree>
     <p:extLst>
       <p:ext uri="{BB962C8B-B14F-4D97-AF65-F5344CB8AC3E}">
-        <p14:creationId xmlns:p14="http://schemas.microsoft.com/office/powerpoint/2010/main" val="1143789582"/>
+        <p14:creationId xmlns:p14="http://schemas.microsoft.com/office/powerpoint/2010/main" val="1298939746"/>
       </p:ext>
     </p:extLst>
   </p:cSld>
@@ -9877,7 +9830,7 @@
       </p:grpSpPr>
       <p:cxnSp>
         <p:nvCxnSpPr>
-          <p:cNvPr id="2" name="直接连接符 16"/>
+          <p:cNvPr id="20481" name="直接连接符 16"/>
           <p:cNvCxnSpPr>
             <a:cxnSpLocks noChangeShapeType="1"/>
           </p:cNvCxnSpPr>
@@ -9904,7 +9857,7 @@
       </p:cxnSp>
       <p:sp>
         <p:nvSpPr>
-          <p:cNvPr id="3" name="文本框 18"/>
+          <p:cNvPr id="20482" name="文本框 18"/>
           <p:cNvSpPr txBox="1">
             <a:spLocks noChangeArrowheads="1"/>
           </p:cNvSpPr>
@@ -9942,7 +9895,15 @@
                   <a:schemeClr val="bg1"/>
                 </a:solidFill>
               </a:rPr>
-              <a:t>状 态 图</a:t>
+              <a:t>状 </a:t>
+            </a:r>
+            <a:r>
+              <a:rPr lang="zh-CN" altLang="en-US" sz="3200" dirty="0">
+                <a:solidFill>
+                  <a:schemeClr val="bg1"/>
+                </a:solidFill>
+              </a:rPr>
+              <a:t>态机图</a:t>
             </a:r>
             <a:endParaRPr lang="zh-CN" altLang="en-US" sz="3200" dirty="0">
               <a:solidFill>
@@ -9954,7 +9915,7 @@
       </p:sp>
       <p:sp>
         <p:nvSpPr>
-          <p:cNvPr id="4" name="矩形 1"/>
+          <p:cNvPr id="20483" name="矩形 1"/>
           <p:cNvSpPr>
             <a:spLocks noChangeArrowheads="1"/>
           </p:cNvSpPr>
@@ -9995,7 +9956,7 @@
                   <a:srgbClr val="FFC000"/>
                 </a:solidFill>
               </a:rPr>
-              <a:t>状态</a:t>
+              <a:t>状态机图</a:t>
             </a:r>
             <a:endParaRPr lang="en-US" altLang="zh-CN" sz="2800" b="1" dirty="0" smtClean="0">
               <a:solidFill>
@@ -10017,7 +9978,7 @@
                   <a:srgbClr val="FFFFFF"/>
                 </a:solidFill>
               </a:rPr>
-              <a:t>名称（用来区分的文本字符）</a:t>
+              <a:t>通过建立类对象的生存周期模型来描述对象随时间变化的动态行为。指在对象的生命周期中满足某些条件，执行某些活动或等待某些事件时的一个条件或状况。</a:t>
             </a:r>
             <a:endParaRPr lang="en-US" altLang="zh-CN" sz="2400" dirty="0" smtClean="0">
               <a:solidFill>
@@ -10030,8 +9991,34 @@
               <a:lnSpc>
                 <a:spcPct val="120000"/>
               </a:lnSpc>
-              <a:buFont typeface="Arial" charset="0"/>
-              <a:buNone/>
+            </a:pPr>
+            <a:r>
+              <a:rPr lang="zh-CN" altLang="en-US" sz="2800" b="1" dirty="0">
+                <a:solidFill>
+                  <a:srgbClr val="FFC000"/>
+                </a:solidFill>
+              </a:rPr>
+              <a:t>通信图的</a:t>
+            </a:r>
+            <a:r>
+              <a:rPr lang="zh-CN" altLang="en-US" sz="2800" b="1" dirty="0" smtClean="0">
+                <a:solidFill>
+                  <a:srgbClr val="FFC000"/>
+                </a:solidFill>
+              </a:rPr>
+              <a:t>基本元素</a:t>
+            </a:r>
+            <a:endParaRPr lang="en-US" altLang="zh-CN" sz="2800" b="1" dirty="0" smtClean="0">
+              <a:solidFill>
+                <a:srgbClr val="FFC000"/>
+              </a:solidFill>
+            </a:endParaRPr>
+          </a:p>
+          <a:p>
+            <a:pPr>
+              <a:lnSpc>
+                <a:spcPct val="120000"/>
+              </a:lnSpc>
             </a:pPr>
             <a:r>
               <a:rPr lang="zh-CN" altLang="en-US" sz="2400" dirty="0" smtClean="0">
@@ -10039,47 +10026,7 @@
                   <a:srgbClr val="FFFFFF"/>
                 </a:solidFill>
               </a:rPr>
-              <a:t>进入</a:t>
-            </a:r>
-            <a:r>
-              <a:rPr lang="en-US" altLang="zh-CN" sz="2400" dirty="0" smtClean="0">
-                <a:solidFill>
-                  <a:srgbClr val="FFFFFF"/>
-                </a:solidFill>
-              </a:rPr>
-              <a:t>/</a:t>
-            </a:r>
-            <a:r>
-              <a:rPr lang="zh-CN" altLang="en-US" sz="2400" dirty="0" smtClean="0">
-                <a:solidFill>
-                  <a:srgbClr val="FFFFFF"/>
-                </a:solidFill>
-              </a:rPr>
-              <a:t>退出动作</a:t>
-            </a:r>
-            <a:r>
-              <a:rPr lang="zh-CN" altLang="en-US" sz="2400" dirty="0">
-                <a:solidFill>
-                  <a:srgbClr val="FFFFFF"/>
-                </a:solidFill>
-              </a:rPr>
-              <a:t>（表示进入</a:t>
-            </a:r>
-            <a:r>
-              <a:rPr lang="en-US" altLang="zh-CN" sz="2400" dirty="0">
-                <a:solidFill>
-                  <a:srgbClr val="FFFFFF"/>
-                </a:solidFill>
-              </a:rPr>
-              <a:t>/</a:t>
-            </a:r>
-            <a:r>
-              <a:rPr lang="zh-CN" altLang="en-US" sz="2400" dirty="0" smtClean="0">
-                <a:solidFill>
-                  <a:srgbClr val="FFFFFF"/>
-                </a:solidFill>
-              </a:rPr>
-              <a:t>退出这个状态所执行的动作）</a:t>
+              <a:t>状态（定义在生命周期的条件状况）</a:t>
             </a:r>
             <a:endParaRPr lang="en-US" altLang="zh-CN" sz="2400" dirty="0" smtClean="0">
               <a:solidFill>
@@ -10092,8 +10039,6 @@
               <a:lnSpc>
                 <a:spcPct val="120000"/>
               </a:lnSpc>
-              <a:buFont typeface="Arial" charset="0"/>
-              <a:buNone/>
             </a:pPr>
             <a:r>
               <a:rPr lang="zh-CN" altLang="en-US" sz="2400" dirty="0" smtClean="0">
@@ -10101,53 +10046,9 @@
                   <a:srgbClr val="FFFFFF"/>
                 </a:solidFill>
               </a:rPr>
-              <a:t>内部转换（使事件可以在不退出的状态的情况下在状态内得到处理）</a:t>
-            </a:r>
-            <a:endParaRPr lang="en-US" altLang="zh-CN" sz="2400" dirty="0" smtClean="0">
-              <a:solidFill>
-                <a:srgbClr val="FFFFFF"/>
-              </a:solidFill>
-            </a:endParaRPr>
-          </a:p>
-          <a:p>
-            <a:pPr>
-              <a:lnSpc>
-                <a:spcPct val="120000"/>
-              </a:lnSpc>
-              <a:buFont typeface="Arial" charset="0"/>
-              <a:buNone/>
-            </a:pPr>
-            <a:r>
-              <a:rPr lang="zh-CN" altLang="en-US" sz="2400" dirty="0" smtClean="0">
-                <a:solidFill>
-                  <a:srgbClr val="FFFFFF"/>
-                </a:solidFill>
-              </a:rPr>
-              <a:t>子状态（状态图中内嵌的状态）</a:t>
-            </a:r>
-            <a:endParaRPr lang="en-US" altLang="zh-CN" sz="2400" dirty="0" smtClean="0">
-              <a:solidFill>
-                <a:srgbClr val="FFFFFF"/>
-              </a:solidFill>
-            </a:endParaRPr>
-          </a:p>
-          <a:p>
-            <a:pPr>
-              <a:lnSpc>
-                <a:spcPct val="120000"/>
-              </a:lnSpc>
-              <a:buFont typeface="Arial" charset="0"/>
-              <a:buNone/>
-            </a:pPr>
-            <a:r>
-              <a:rPr lang="zh-CN" altLang="en-US" sz="2400" dirty="0" smtClean="0">
-                <a:solidFill>
-                  <a:srgbClr val="FFFFFF"/>
-                </a:solidFill>
-              </a:rPr>
-              <a:t>延迟事件（处理过程被推迟的事件）</a:t>
-            </a:r>
-            <a:endParaRPr lang="en-US" altLang="zh-CN" sz="2400" dirty="0" smtClean="0">
+              <a:t>转换（状态之间的转移）</a:t>
+            </a:r>
+            <a:endParaRPr lang="zh-CN" altLang="en-US" sz="2400" dirty="0">
               <a:solidFill>
                 <a:srgbClr val="FFFFFF"/>
               </a:solidFill>
@@ -10158,13 +10059,20 @@
     </p:spTree>
     <p:extLst>
       <p:ext uri="{BB962C8B-B14F-4D97-AF65-F5344CB8AC3E}">
-        <p14:creationId xmlns:p14="http://schemas.microsoft.com/office/powerpoint/2010/main" val="2050511252"/>
+        <p14:creationId xmlns:p14="http://schemas.microsoft.com/office/powerpoint/2010/main" val="1143789582"/>
       </p:ext>
     </p:extLst>
   </p:cSld>
   <p:clrMapOvr>
     <a:masterClrMapping/>
   </p:clrMapOvr>
+  <p:timing>
+    <p:tnLst>
+      <p:par>
+        <p:cTn id="1" dur="indefinite" restart="never" nodeType="tmRoot"/>
+      </p:par>
+    </p:tnLst>
+  </p:timing>
 </p:sld>
 </file>
 
@@ -10305,7 +10213,7 @@
                   <a:srgbClr val="FFC000"/>
                 </a:solidFill>
               </a:rPr>
-              <a:t>转换</a:t>
+              <a:t>状态</a:t>
             </a:r>
             <a:endParaRPr lang="en-US" altLang="zh-CN" sz="2800" b="1" dirty="0" smtClean="0">
               <a:solidFill>
@@ -10322,12 +10230,20 @@
               <a:buNone/>
             </a:pPr>
             <a:r>
+              <a:rPr lang="zh-CN" altLang="en-US" sz="2400" b="1" dirty="0" smtClean="0">
+                <a:solidFill>
+                  <a:srgbClr val="FFFFFF"/>
+                </a:solidFill>
+              </a:rPr>
+              <a:t>名称</a:t>
+            </a:r>
+            <a:r>
               <a:rPr lang="zh-CN" altLang="en-US" sz="2400" dirty="0" smtClean="0">
                 <a:solidFill>
                   <a:srgbClr val="FFFFFF"/>
                 </a:solidFill>
               </a:rPr>
-              <a:t>源状态（对象在被激发前的状态）</a:t>
+              <a:t>（用来区分的文本字符）</a:t>
             </a:r>
             <a:endParaRPr lang="en-US" altLang="zh-CN" sz="2400" dirty="0" smtClean="0">
               <a:solidFill>
@@ -10344,12 +10260,52 @@
               <a:buNone/>
             </a:pPr>
             <a:r>
+              <a:rPr lang="zh-CN" altLang="en-US" sz="2400" b="1" dirty="0" smtClean="0">
+                <a:solidFill>
+                  <a:srgbClr val="FFFFFF"/>
+                </a:solidFill>
+              </a:rPr>
+              <a:t>进入</a:t>
+            </a:r>
+            <a:r>
+              <a:rPr lang="en-US" altLang="zh-CN" sz="2400" b="1" dirty="0" smtClean="0">
+                <a:solidFill>
+                  <a:srgbClr val="FFFFFF"/>
+                </a:solidFill>
+              </a:rPr>
+              <a:t>/</a:t>
+            </a:r>
+            <a:r>
+              <a:rPr lang="zh-CN" altLang="en-US" sz="2400" b="1" dirty="0" smtClean="0">
+                <a:solidFill>
+                  <a:srgbClr val="FFFFFF"/>
+                </a:solidFill>
+              </a:rPr>
+              <a:t>退出动作</a:t>
+            </a:r>
+            <a:r>
+              <a:rPr lang="zh-CN" altLang="en-US" sz="2400" dirty="0">
+                <a:solidFill>
+                  <a:srgbClr val="FFFFFF"/>
+                </a:solidFill>
+              </a:rPr>
+              <a:t>（表示进入</a:t>
+            </a:r>
+            <a:r>
+              <a:rPr lang="en-US" altLang="zh-CN" sz="2400" dirty="0">
+                <a:solidFill>
+                  <a:srgbClr val="FFFFFF"/>
+                </a:solidFill>
+              </a:rPr>
+              <a:t>/</a:t>
+            </a:r>
+            <a:r>
               <a:rPr lang="zh-CN" altLang="en-US" sz="2400" dirty="0" smtClean="0">
                 <a:solidFill>
                   <a:srgbClr val="FFFFFF"/>
                 </a:solidFill>
               </a:rPr>
-              <a:t>触发条件（引起转变的事件）</a:t>
+              <a:t>退出这个状态所执行的动作）</a:t>
             </a:r>
             <a:endParaRPr lang="en-US" altLang="zh-CN" sz="2400" dirty="0" smtClean="0">
               <a:solidFill>
@@ -10366,12 +10322,20 @@
               <a:buNone/>
             </a:pPr>
             <a:r>
+              <a:rPr lang="zh-CN" altLang="en-US" sz="2400" b="1" dirty="0" smtClean="0">
+                <a:solidFill>
+                  <a:srgbClr val="FFFFFF"/>
+                </a:solidFill>
+              </a:rPr>
+              <a:t>内部转换</a:t>
+            </a:r>
+            <a:r>
               <a:rPr lang="zh-CN" altLang="en-US" sz="2400" dirty="0" smtClean="0">
                 <a:solidFill>
                   <a:srgbClr val="FFFFFF"/>
                 </a:solidFill>
               </a:rPr>
-              <a:t>监护条件（触发条件后的布尔表达式）</a:t>
+              <a:t>（使事件可以在不退出的状态的情况下在状态内得到处理）</a:t>
             </a:r>
             <a:endParaRPr lang="en-US" altLang="zh-CN" sz="2400" dirty="0" smtClean="0">
               <a:solidFill>
@@ -10388,12 +10352,20 @@
               <a:buNone/>
             </a:pPr>
             <a:r>
+              <a:rPr lang="zh-CN" altLang="en-US" sz="2400" b="1" dirty="0" smtClean="0">
+                <a:solidFill>
+                  <a:srgbClr val="FFFFFF"/>
+                </a:solidFill>
+              </a:rPr>
+              <a:t>子状态</a:t>
+            </a:r>
+            <a:r>
               <a:rPr lang="zh-CN" altLang="en-US" sz="2400" dirty="0" smtClean="0">
                 <a:solidFill>
                   <a:srgbClr val="FFFFFF"/>
                 </a:solidFill>
               </a:rPr>
-              <a:t>动作（转换发生时对应执行，是一个原子操作不可被中断）</a:t>
+              <a:t>（状态图中内嵌的状态）</a:t>
             </a:r>
             <a:endParaRPr lang="en-US" altLang="zh-CN" sz="2400" dirty="0" smtClean="0">
               <a:solidFill>
@@ -10410,12 +10382,20 @@
               <a:buNone/>
             </a:pPr>
             <a:r>
+              <a:rPr lang="zh-CN" altLang="en-US" sz="2400" b="1" dirty="0" smtClean="0">
+                <a:solidFill>
+                  <a:srgbClr val="FFFFFF"/>
+                </a:solidFill>
+              </a:rPr>
+              <a:t>延迟事件</a:t>
+            </a:r>
+            <a:r>
               <a:rPr lang="zh-CN" altLang="en-US" sz="2400" dirty="0" smtClean="0">
                 <a:solidFill>
                   <a:srgbClr val="FFFFFF"/>
                 </a:solidFill>
               </a:rPr>
-              <a:t>目标状态（转换后的状态）</a:t>
+              <a:t>（处理过程被推迟的事件）</a:t>
             </a:r>
             <a:endParaRPr lang="en-US" altLang="zh-CN" sz="2400" dirty="0" smtClean="0">
               <a:solidFill>
@@ -10428,7 +10408,7 @@
     </p:spTree>
     <p:extLst>
       <p:ext uri="{BB962C8B-B14F-4D97-AF65-F5344CB8AC3E}">
-        <p14:creationId xmlns:p14="http://schemas.microsoft.com/office/powerpoint/2010/main" val="3803217136"/>
+        <p14:creationId xmlns:p14="http://schemas.microsoft.com/office/powerpoint/2010/main" val="2050511252"/>
       </p:ext>
     </p:extLst>
   </p:cSld>
@@ -10455,41 +10435,9 @@
           <a:chExt cx="0" cy="0"/>
         </a:xfrm>
       </p:grpSpPr>
-      <p:pic>
-        <p:nvPicPr>
-          <p:cNvPr id="32769" name="Picture 4"/>
-          <p:cNvPicPr>
-            <a:picLocks noChangeAspect="1" noChangeArrowheads="1"/>
-          </p:cNvPicPr>
-          <p:nvPr/>
-        </p:nvPicPr>
-        <p:blipFill>
-          <a:blip r:embed="rId2"/>
-          <a:srcRect/>
-          <a:stretch>
-            <a:fillRect/>
-          </a:stretch>
-        </p:blipFill>
-        <p:spPr bwMode="auto">
-          <a:xfrm>
-            <a:off x="3825875" y="1531938"/>
-            <a:ext cx="7207250" cy="4657725"/>
-          </a:xfrm>
-          <a:prstGeom prst="rect">
-            <a:avLst/>
-          </a:prstGeom>
-          <a:noFill/>
-          <a:ln w="9525">
-            <a:noFill/>
-            <a:miter lim="800000"/>
-            <a:headEnd/>
-            <a:tailEnd/>
-          </a:ln>
-        </p:spPr>
-      </p:pic>
       <p:cxnSp>
         <p:nvCxnSpPr>
-          <p:cNvPr id="32770" name="直接连接符 16"/>
+          <p:cNvPr id="2" name="直接连接符 16"/>
           <p:cNvCxnSpPr>
             <a:cxnSpLocks noChangeShapeType="1"/>
           </p:cNvCxnSpPr>
@@ -10497,7 +10445,7 @@
         </p:nvCxnSpPr>
         <p:spPr bwMode="auto">
           <a:xfrm flipV="1">
-            <a:off x="1887538" y="1495425"/>
+            <a:off x="1800225" y="1409700"/>
             <a:ext cx="8591550" cy="17463"/>
           </a:xfrm>
           <a:prstGeom prst="line">
@@ -10516,7 +10464,7 @@
       </p:cxnSp>
       <p:sp>
         <p:nvSpPr>
-          <p:cNvPr id="32771" name="文本框 18"/>
+          <p:cNvPr id="3" name="文本框 18"/>
           <p:cNvSpPr txBox="1">
             <a:spLocks noChangeArrowheads="1"/>
           </p:cNvSpPr>
@@ -10524,8 +10472,8 @@
         </p:nvSpPr>
         <p:spPr bwMode="auto">
           <a:xfrm>
-            <a:off x="1824038" y="909638"/>
-            <a:ext cx="8802687" cy="579437"/>
+            <a:off x="1693863" y="771525"/>
+            <a:ext cx="8802687" cy="584200"/>
           </a:xfrm>
           <a:prstGeom prst="rect">
             <a:avLst/>
@@ -10549,75 +10497,242 @@
               <a:buNone/>
             </a:pPr>
             <a:r>
-              <a:rPr lang="zh-CN" altLang="en-US" sz="3200">
+              <a:rPr lang="zh-CN" altLang="en-US" sz="3200" dirty="0" smtClean="0">
                 <a:solidFill>
                   <a:schemeClr val="bg1"/>
                 </a:solidFill>
               </a:rPr>
-              <a:t>状态图示例</a:t>
-            </a:r>
+              <a:t>状 </a:t>
+            </a:r>
+            <a:r>
+              <a:rPr lang="zh-CN" altLang="en-US" sz="3200" dirty="0">
+                <a:solidFill>
+                  <a:schemeClr val="bg1"/>
+                </a:solidFill>
+              </a:rPr>
+              <a:t>态机图</a:t>
+            </a:r>
+            <a:endParaRPr lang="zh-CN" altLang="en-US" sz="3200" dirty="0">
+              <a:solidFill>
+                <a:schemeClr val="bg1"/>
+              </a:solidFill>
+            </a:endParaRPr>
           </a:p>
         </p:txBody>
       </p:sp>
       <p:sp>
         <p:nvSpPr>
-          <p:cNvPr id="32773" name="Text Box 5"/>
-          <p:cNvSpPr txBox="1">
+          <p:cNvPr id="4" name="矩形 1"/>
+          <p:cNvSpPr>
             <a:spLocks noChangeArrowheads="1"/>
           </p:cNvSpPr>
           <p:nvPr/>
         </p:nvSpPr>
         <p:spPr bwMode="auto">
           <a:xfrm>
-            <a:off x="1752600" y="1793875"/>
-            <a:ext cx="1776413" cy="3662363"/>
+            <a:off x="1798638" y="2043113"/>
+            <a:ext cx="8593137" cy="3414712"/>
           </a:xfrm>
           <a:prstGeom prst="rect">
             <a:avLst/>
           </a:prstGeom>
           <a:noFill/>
-          <a:ln w="9525">
-            <a:noFill/>
+          <a:ln w="12700">
+            <a:solidFill>
+              <a:srgbClr val="FFC000"/>
+            </a:solidFill>
             <a:miter lim="800000"/>
             <a:headEnd/>
             <a:tailEnd/>
           </a:ln>
-          <a:effectLst/>
         </p:spPr>
         <p:txBody>
-          <a:bodyPr>
-            <a:spAutoFit/>
-          </a:bodyPr>
+          <a:bodyPr anchor="ctr"/>
           <a:lstStyle/>
           <a:p>
             <a:pPr>
-              <a:spcBef>
-                <a:spcPct val="50000"/>
-              </a:spcBef>
-            </a:pPr>
-            <a:r>
-              <a:rPr lang="zh-CN" altLang="en-US">
-                <a:solidFill>
-                  <a:schemeClr val="bg1"/>
-                </a:solidFill>
-              </a:rPr>
-              <a:t>状态图显示了对象的动作行为，显示对象可能存在的各种状态，对象创建时的状态，对象删除时的状态，对象如何从一种状态转移到另一种状态，对象在不同状态中干什么。</a:t>
-            </a:r>
+              <a:lnSpc>
+                <a:spcPct val="120000"/>
+              </a:lnSpc>
+              <a:buFont typeface="Arial" charset="0"/>
+              <a:buNone/>
+            </a:pPr>
+            <a:r>
+              <a:rPr lang="zh-CN" altLang="en-US" sz="2800" b="1" dirty="0" smtClean="0">
+                <a:solidFill>
+                  <a:srgbClr val="FFC000"/>
+                </a:solidFill>
+              </a:rPr>
+              <a:t>转换</a:t>
+            </a:r>
+            <a:endParaRPr lang="en-US" altLang="zh-CN" sz="2800" b="1" dirty="0" smtClean="0">
+              <a:solidFill>
+                <a:srgbClr val="FFC000"/>
+              </a:solidFill>
+            </a:endParaRPr>
+          </a:p>
+          <a:p>
+            <a:pPr>
+              <a:lnSpc>
+                <a:spcPct val="120000"/>
+              </a:lnSpc>
+              <a:buFont typeface="Arial" charset="0"/>
+              <a:buNone/>
+            </a:pPr>
+            <a:r>
+              <a:rPr lang="zh-CN" altLang="en-US" sz="2400" b="1" dirty="0" smtClean="0">
+                <a:solidFill>
+                  <a:srgbClr val="FFFFFF"/>
+                </a:solidFill>
+              </a:rPr>
+              <a:t>源状态</a:t>
+            </a:r>
+            <a:r>
+              <a:rPr lang="zh-CN" altLang="en-US" sz="2400" dirty="0" smtClean="0">
+                <a:solidFill>
+                  <a:srgbClr val="FFFFFF"/>
+                </a:solidFill>
+              </a:rPr>
+              <a:t>（对象在被激发前的状态）</a:t>
+            </a:r>
+            <a:endParaRPr lang="en-US" altLang="zh-CN" sz="2400" dirty="0" smtClean="0">
+              <a:solidFill>
+                <a:srgbClr val="FFFFFF"/>
+              </a:solidFill>
+            </a:endParaRPr>
+          </a:p>
+          <a:p>
+            <a:pPr>
+              <a:lnSpc>
+                <a:spcPct val="120000"/>
+              </a:lnSpc>
+              <a:buFont typeface="Arial" charset="0"/>
+              <a:buNone/>
+            </a:pPr>
+            <a:r>
+              <a:rPr lang="zh-CN" altLang="en-US" sz="2400" b="1" dirty="0" smtClean="0">
+                <a:solidFill>
+                  <a:srgbClr val="FFFFFF"/>
+                </a:solidFill>
+              </a:rPr>
+              <a:t>触发条件</a:t>
+            </a:r>
+            <a:r>
+              <a:rPr lang="zh-CN" altLang="en-US" sz="2400" dirty="0" smtClean="0">
+                <a:solidFill>
+                  <a:srgbClr val="FFFFFF"/>
+                </a:solidFill>
+              </a:rPr>
+              <a:t>（引起转变的事件）</a:t>
+            </a:r>
+            <a:endParaRPr lang="en-US" altLang="zh-CN" sz="2400" dirty="0" smtClean="0">
+              <a:solidFill>
+                <a:srgbClr val="FFFFFF"/>
+              </a:solidFill>
+            </a:endParaRPr>
+          </a:p>
+          <a:p>
+            <a:pPr>
+              <a:lnSpc>
+                <a:spcPct val="120000"/>
+              </a:lnSpc>
+              <a:buFont typeface="Arial" charset="0"/>
+              <a:buNone/>
+            </a:pPr>
+            <a:r>
+              <a:rPr lang="zh-CN" altLang="en-US" sz="2400" b="1" dirty="0" smtClean="0">
+                <a:solidFill>
+                  <a:srgbClr val="FFFFFF"/>
+                </a:solidFill>
+              </a:rPr>
+              <a:t>监护条件</a:t>
+            </a:r>
+            <a:r>
+              <a:rPr lang="zh-CN" altLang="en-US" sz="2400" dirty="0" smtClean="0">
+                <a:solidFill>
+                  <a:srgbClr val="FFFFFF"/>
+                </a:solidFill>
+              </a:rPr>
+              <a:t>（触发条件后的布尔表达式）</a:t>
+            </a:r>
+            <a:endParaRPr lang="en-US" altLang="zh-CN" sz="2400" dirty="0" smtClean="0">
+              <a:solidFill>
+                <a:srgbClr val="FFFFFF"/>
+              </a:solidFill>
+            </a:endParaRPr>
+          </a:p>
+          <a:p>
+            <a:pPr>
+              <a:lnSpc>
+                <a:spcPct val="120000"/>
+              </a:lnSpc>
+              <a:buFont typeface="Arial" charset="0"/>
+              <a:buNone/>
+            </a:pPr>
+            <a:r>
+              <a:rPr lang="zh-CN" altLang="en-US" sz="2400" b="1" dirty="0" smtClean="0">
+                <a:solidFill>
+                  <a:srgbClr val="FFFFFF"/>
+                </a:solidFill>
+              </a:rPr>
+              <a:t>动作</a:t>
+            </a:r>
+            <a:r>
+              <a:rPr lang="zh-CN" altLang="en-US" sz="2400" dirty="0" smtClean="0">
+                <a:solidFill>
+                  <a:srgbClr val="FFFFFF"/>
+                </a:solidFill>
+              </a:rPr>
+              <a:t>（转换发生时对应执行，是一个原子操作不可被中断）</a:t>
+            </a:r>
+            <a:endParaRPr lang="en-US" altLang="zh-CN" sz="2400" dirty="0" smtClean="0">
+              <a:solidFill>
+                <a:srgbClr val="FFFFFF"/>
+              </a:solidFill>
+            </a:endParaRPr>
+          </a:p>
+          <a:p>
+            <a:pPr>
+              <a:lnSpc>
+                <a:spcPct val="120000"/>
+              </a:lnSpc>
+              <a:buFont typeface="Arial" charset="0"/>
+              <a:buNone/>
+            </a:pPr>
+            <a:r>
+              <a:rPr lang="zh-CN" altLang="en-US" sz="2400" b="1" dirty="0" smtClean="0">
+                <a:solidFill>
+                  <a:srgbClr val="FFFFFF"/>
+                </a:solidFill>
+              </a:rPr>
+              <a:t>目标状态</a:t>
+            </a:r>
+            <a:r>
+              <a:rPr lang="zh-CN" altLang="en-US" sz="2400" dirty="0" smtClean="0">
+                <a:solidFill>
+                  <a:srgbClr val="FFFFFF"/>
+                </a:solidFill>
+              </a:rPr>
+              <a:t>（转换后的状态）</a:t>
+            </a:r>
+            <a:endParaRPr lang="en-US" altLang="zh-CN" sz="2400" dirty="0" smtClean="0">
+              <a:solidFill>
+                <a:srgbClr val="FFFFFF"/>
+              </a:solidFill>
+            </a:endParaRPr>
           </a:p>
         </p:txBody>
       </p:sp>
     </p:spTree>
+    <p:extLst>
+      <p:ext uri="{BB962C8B-B14F-4D97-AF65-F5344CB8AC3E}">
+        <p14:creationId xmlns:p14="http://schemas.microsoft.com/office/powerpoint/2010/main" val="3803217136"/>
+      </p:ext>
+    </p:extLst>
   </p:cSld>
   <p:clrMapOvr>
     <a:masterClrMapping/>
   </p:clrMapOvr>
-  <p:timing>
-    <p:tnLst>
-      <p:par>
-        <p:cTn id="1" dur="indefinite" restart="never" nodeType="tmRoot"/>
-      </p:par>
-    </p:tnLst>
-  </p:timing>
 </p:sld>
 </file>
 
@@ -10648,7 +10763,7 @@
         </p:nvCxnSpPr>
         <p:spPr bwMode="auto">
           <a:xfrm flipV="1">
-            <a:off x="1805895" y="972910"/>
+            <a:off x="1887538" y="1495425"/>
             <a:ext cx="8591550" cy="17463"/>
           </a:xfrm>
           <a:prstGeom prst="line">
@@ -10675,7 +10790,7 @@
         </p:nvSpPr>
         <p:spPr bwMode="auto">
           <a:xfrm>
-            <a:off x="1742395" y="387123"/>
+            <a:off x="1824038" y="909638"/>
             <a:ext cx="8802687" cy="579437"/>
           </a:xfrm>
           <a:prstGeom prst="rect">
@@ -10700,19 +10815,74 @@
               <a:buNone/>
             </a:pPr>
             <a:r>
-              <a:rPr lang="zh-CN" altLang="en-US" sz="3200">
+              <a:rPr lang="zh-CN" altLang="en-US" sz="3200" dirty="0">
                 <a:solidFill>
                   <a:schemeClr val="bg1"/>
                 </a:solidFill>
               </a:rPr>
-              <a:t>状态图示例</a:t>
+              <a:t>状态机图</a:t>
+            </a:r>
+            <a:r>
+              <a:rPr lang="zh-CN" altLang="en-US" sz="3200" dirty="0">
+                <a:solidFill>
+                  <a:schemeClr val="bg1"/>
+                </a:solidFill>
+              </a:rPr>
+              <a:t>示例</a:t>
+            </a:r>
+          </a:p>
+        </p:txBody>
+      </p:sp>
+      <p:sp>
+        <p:nvSpPr>
+          <p:cNvPr id="32773" name="Text Box 5"/>
+          <p:cNvSpPr txBox="1">
+            <a:spLocks noChangeArrowheads="1"/>
+          </p:cNvSpPr>
+          <p:nvPr/>
+        </p:nvSpPr>
+        <p:spPr bwMode="auto">
+          <a:xfrm>
+            <a:off x="1752600" y="1793875"/>
+            <a:ext cx="1776413" cy="3662363"/>
+          </a:xfrm>
+          <a:prstGeom prst="rect">
+            <a:avLst/>
+          </a:prstGeom>
+          <a:noFill/>
+          <a:ln w="9525">
+            <a:noFill/>
+            <a:miter lim="800000"/>
+            <a:headEnd/>
+            <a:tailEnd/>
+          </a:ln>
+          <a:effectLst/>
+        </p:spPr>
+        <p:txBody>
+          <a:bodyPr>
+            <a:spAutoFit/>
+          </a:bodyPr>
+          <a:lstStyle/>
+          <a:p>
+            <a:pPr>
+              <a:spcBef>
+                <a:spcPct val="50000"/>
+              </a:spcBef>
+            </a:pPr>
+            <a:r>
+              <a:rPr lang="zh-CN" altLang="en-US">
+                <a:solidFill>
+                  <a:schemeClr val="bg1"/>
+                </a:solidFill>
+              </a:rPr>
+              <a:t>状态图显示了对象的动作行为，显示对象可能存在的各种状态，对象创建时的状态，对象删除时的状态，对象如何从一种状态转移到另一种状态，对象在不同状态中干什么。</a:t>
             </a:r>
           </a:p>
         </p:txBody>
       </p:sp>
       <p:pic>
         <p:nvPicPr>
-          <p:cNvPr id="2" name="图片 1"/>
+          <p:cNvPr id="6" name="图片 5"/>
           <p:cNvPicPr>
             <a:picLocks noChangeAspect="1"/>
           </p:cNvPicPr>
@@ -10726,8 +10896,8 @@
         </p:blipFill>
         <p:spPr>
           <a:xfrm>
-            <a:off x="3464840" y="966560"/>
-            <a:ext cx="5357796" cy="5861277"/>
+            <a:off x="3438206" y="1597981"/>
+            <a:ext cx="7040881" cy="5176590"/>
           </a:xfrm>
           <a:prstGeom prst="rect">
             <a:avLst/>
@@ -10735,11 +10905,6 @@
         </p:spPr>
       </p:pic>
     </p:spTree>
-    <p:extLst>
-      <p:ext uri="{BB962C8B-B14F-4D97-AF65-F5344CB8AC3E}">
-        <p14:creationId xmlns:p14="http://schemas.microsoft.com/office/powerpoint/2010/main" val="3925485395"/>
-      </p:ext>
-    </p:extLst>
   </p:cSld>
   <p:clrMapOvr>
     <a:masterClrMapping/>
@@ -11075,7 +11240,7 @@
                   <a:schemeClr val="bg1"/>
                 </a:solidFill>
               </a:rPr>
-              <a:t>用 例 图</a:t>
+              <a:t>用 例 </a:t>
             </a:r>
             <a:endParaRPr lang="zh-CN" altLang="en-US" sz="4000" dirty="0">
               <a:solidFill>
@@ -11172,7 +11337,7 @@
                   <a:srgbClr val="FFC000"/>
                 </a:solidFill>
               </a:rPr>
-              <a:t>目的</a:t>
+              <a:t>使用用例的主要目的</a:t>
             </a:r>
             <a:endParaRPr lang="en-US" altLang="zh-CN" sz="3600" dirty="0" smtClean="0">
               <a:solidFill>
@@ -11557,35 +11722,32 @@
       </p:sp>
       <p:pic>
         <p:nvPicPr>
-          <p:cNvPr id="43015" name="Picture 7"/>
+          <p:cNvPr id="2" name="图片 1"/>
           <p:cNvPicPr>
-            <a:picLocks noChangeAspect="1" noChangeArrowheads="1"/>
+            <a:picLocks noChangeAspect="1"/>
           </p:cNvPicPr>
           <p:nvPr/>
         </p:nvPicPr>
         <p:blipFill>
-          <a:blip r:embed="rId2"/>
-          <a:srcRect/>
+          <a:blip r:embed="rId2">
+            <a:extLst>
+              <a:ext uri="{28A0092B-C50C-407E-A947-70E740481C1C}">
+                <a14:useLocalDpi xmlns:a14="http://schemas.microsoft.com/office/drawing/2010/main" val="0"/>
+              </a:ext>
+            </a:extLst>
+          </a:blip>
           <a:stretch>
             <a:fillRect/>
           </a:stretch>
         </p:blipFill>
-        <p:spPr bwMode="auto">
+        <p:spPr>
           <a:xfrm>
-            <a:off x="3548954" y="1620838"/>
-            <a:ext cx="6987284" cy="4143148"/>
+            <a:off x="3965013" y="1620838"/>
+            <a:ext cx="6268325" cy="4211445"/>
           </a:xfrm>
           <a:prstGeom prst="rect">
             <a:avLst/>
           </a:prstGeom>
-          <a:noFill/>
-          <a:ln w="9525">
-            <a:noFill/>
-            <a:miter lim="800000"/>
-            <a:headEnd/>
-            <a:tailEnd/>
-          </a:ln>
-          <a:effectLst/>
         </p:spPr>
       </p:pic>
     </p:spTree>
@@ -14357,7 +14519,7 @@
         <p:spPr bwMode="auto">
           <a:xfrm>
             <a:off x="1800226" y="1965325"/>
-            <a:ext cx="8591550" cy="3521075"/>
+            <a:ext cx="3632908" cy="3521075"/>
           </a:xfrm>
           <a:prstGeom prst="rect">
             <a:avLst/>
@@ -14421,6 +14583,36 @@
           </a:p>
         </p:txBody>
       </p:sp>
+      <p:pic>
+        <p:nvPicPr>
+          <p:cNvPr id="3" name="图片 2"/>
+          <p:cNvPicPr>
+            <a:picLocks noChangeAspect="1"/>
+          </p:cNvPicPr>
+          <p:nvPr/>
+        </p:nvPicPr>
+        <p:blipFill>
+          <a:blip r:embed="rId2">
+            <a:extLst>
+              <a:ext uri="{28A0092B-C50C-407E-A947-70E740481C1C}">
+                <a14:useLocalDpi xmlns:a14="http://schemas.microsoft.com/office/drawing/2010/main" val="0"/>
+              </a:ext>
+            </a:extLst>
+          </a:blip>
+          <a:stretch>
+            <a:fillRect/>
+          </a:stretch>
+        </p:blipFill>
+        <p:spPr>
+          <a:xfrm>
+            <a:off x="6095999" y="2432611"/>
+            <a:ext cx="3953523" cy="2586501"/>
+          </a:xfrm>
+          <a:prstGeom prst="rect">
+            <a:avLst/>
+          </a:prstGeom>
+        </p:spPr>
+      </p:pic>
     </p:spTree>
     <p:extLst>
       <p:ext uri="{BB962C8B-B14F-4D97-AF65-F5344CB8AC3E}">
@@ -14562,463 +14754,6 @@
       </p:grpSpPr>
       <p:cxnSp>
         <p:nvCxnSpPr>
-          <p:cNvPr id="22529" name="直接连接符 16"/>
-          <p:cNvCxnSpPr>
-            <a:cxnSpLocks noChangeShapeType="1"/>
-          </p:cNvCxnSpPr>
-          <p:nvPr/>
-        </p:nvCxnSpPr>
-        <p:spPr bwMode="auto">
-          <a:xfrm flipV="1">
-            <a:off x="1800225" y="1409700"/>
-            <a:ext cx="8591550" cy="17463"/>
-          </a:xfrm>
-          <a:prstGeom prst="line">
-            <a:avLst/>
-          </a:prstGeom>
-          <a:noFill/>
-          <a:ln w="12700">
-            <a:solidFill>
-              <a:srgbClr val="FFC000"/>
-            </a:solidFill>
-            <a:round/>
-            <a:headEnd/>
-            <a:tailEnd/>
-          </a:ln>
-        </p:spPr>
-      </p:cxnSp>
-      <p:sp>
-        <p:nvSpPr>
-          <p:cNvPr id="22530" name="文本框 18"/>
-          <p:cNvSpPr txBox="1">
-            <a:spLocks noChangeArrowheads="1"/>
-          </p:cNvSpPr>
-          <p:nvPr/>
-        </p:nvSpPr>
-        <p:spPr bwMode="auto">
-          <a:xfrm>
-            <a:off x="1693863" y="771525"/>
-            <a:ext cx="8802687" cy="579438"/>
-          </a:xfrm>
-          <a:prstGeom prst="rect">
-            <a:avLst/>
-          </a:prstGeom>
-          <a:noFill/>
-          <a:ln w="9525">
-            <a:noFill/>
-            <a:miter lim="800000"/>
-            <a:headEnd/>
-            <a:tailEnd/>
-          </a:ln>
-        </p:spPr>
-        <p:txBody>
-          <a:bodyPr>
-            <a:spAutoFit/>
-          </a:bodyPr>
-          <a:lstStyle/>
-          <a:p>
-            <a:pPr algn="ctr">
-              <a:buFont typeface="Arial" charset="0"/>
-              <a:buNone/>
-            </a:pPr>
-            <a:r>
-              <a:rPr lang="zh-CN" altLang="en-US" sz="3200">
-                <a:solidFill>
-                  <a:schemeClr val="bg1"/>
-                </a:solidFill>
-              </a:rPr>
-              <a:t>用例图示例</a:t>
-            </a:r>
-          </a:p>
-        </p:txBody>
-      </p:sp>
-      <p:pic>
-        <p:nvPicPr>
-          <p:cNvPr id="22531" name="Picture 7"/>
-          <p:cNvPicPr>
-            <a:picLocks noChangeAspect="1" noChangeArrowheads="1"/>
-          </p:cNvPicPr>
-          <p:nvPr/>
-        </p:nvPicPr>
-        <p:blipFill>
-          <a:blip r:embed="rId2"/>
-          <a:srcRect/>
-          <a:stretch>
-            <a:fillRect/>
-          </a:stretch>
-        </p:blipFill>
-        <p:spPr bwMode="auto">
-          <a:xfrm>
-            <a:off x="3941763" y="1468438"/>
-            <a:ext cx="6727825" cy="4189412"/>
-          </a:xfrm>
-          <a:prstGeom prst="rect">
-            <a:avLst/>
-          </a:prstGeom>
-          <a:noFill/>
-          <a:ln w="9525">
-            <a:noFill/>
-            <a:miter lim="800000"/>
-            <a:headEnd/>
-            <a:tailEnd/>
-          </a:ln>
-        </p:spPr>
-      </p:pic>
-      <p:sp>
-        <p:nvSpPr>
-          <p:cNvPr id="22532" name="Text Box 8"/>
-          <p:cNvSpPr txBox="1">
-            <a:spLocks noChangeArrowheads="1"/>
-          </p:cNvSpPr>
-          <p:nvPr/>
-        </p:nvSpPr>
-        <p:spPr bwMode="auto">
-          <a:xfrm>
-            <a:off x="1958975" y="1571625"/>
-            <a:ext cx="1862138" cy="4054475"/>
-          </a:xfrm>
-          <a:prstGeom prst="rect">
-            <a:avLst/>
-          </a:prstGeom>
-          <a:noFill/>
-          <a:ln w="9525">
-            <a:noFill/>
-            <a:miter lim="800000"/>
-            <a:headEnd/>
-            <a:tailEnd/>
-          </a:ln>
-        </p:spPr>
-        <p:txBody>
-          <a:bodyPr>
-            <a:spAutoFit/>
-          </a:bodyPr>
-          <a:lstStyle/>
-          <a:p>
-            <a:pPr>
-              <a:spcBef>
-                <a:spcPct val="50000"/>
-              </a:spcBef>
-            </a:pPr>
-            <a:r>
-              <a:rPr lang="zh-CN" altLang="en-US" sz="2000">
-                <a:solidFill>
-                  <a:schemeClr val="bg1"/>
-                </a:solidFill>
-              </a:rPr>
-              <a:t>从用例图中我们可以看到系统干什么，与谁交互。用例是系统提供的功能，参与者是系统与谁交互，参与者可以是人、系统或其他实体。一个系统可以创建一个或多个用例图。</a:t>
-            </a:r>
-          </a:p>
-        </p:txBody>
-      </p:sp>
-    </p:spTree>
-  </p:cSld>
-  <p:clrMapOvr>
-    <a:masterClrMapping/>
-  </p:clrMapOvr>
-  <p:timing>
-    <p:tnLst>
-      <p:par>
-        <p:cTn id="1" dur="indefinite" restart="never" nodeType="tmRoot"/>
-      </p:par>
-    </p:tnLst>
-  </p:timing>
-</p:sld>
-</file>
-
-<file path=ppt/slides/slide7.xml><?xml version="1.0" encoding="utf-8"?>
-<p:sld xmlns:a="http://schemas.openxmlformats.org/drawingml/2006/main" xmlns:r="http://schemas.openxmlformats.org/officeDocument/2006/relationships" xmlns:p="http://schemas.openxmlformats.org/presentationml/2006/main">
-  <p:cSld>
-    <p:spTree>
-      <p:nvGrpSpPr>
-        <p:cNvPr id="1" name=""/>
-        <p:cNvGrpSpPr/>
-        <p:nvPr/>
-      </p:nvGrpSpPr>
-      <p:grpSpPr>
-        <a:xfrm>
-          <a:off x="0" y="0"/>
-          <a:ext cx="0" cy="0"/>
-          <a:chOff x="0" y="0"/>
-          <a:chExt cx="0" cy="0"/>
-        </a:xfrm>
-      </p:grpSpPr>
-      <p:cxnSp>
-        <p:nvCxnSpPr>
-          <p:cNvPr id="16385" name="直接连接符 16"/>
-          <p:cNvCxnSpPr>
-            <a:cxnSpLocks noChangeShapeType="1"/>
-          </p:cNvCxnSpPr>
-          <p:nvPr/>
-        </p:nvCxnSpPr>
-        <p:spPr bwMode="auto">
-          <a:xfrm flipV="1">
-            <a:off x="1800225" y="1409700"/>
-            <a:ext cx="8591550" cy="17463"/>
-          </a:xfrm>
-          <a:prstGeom prst="line">
-            <a:avLst/>
-          </a:prstGeom>
-          <a:noFill/>
-          <a:ln w="12700">
-            <a:solidFill>
-              <a:srgbClr val="FFC000"/>
-            </a:solidFill>
-            <a:round/>
-            <a:headEnd/>
-            <a:tailEnd/>
-          </a:ln>
-        </p:spPr>
-      </p:cxnSp>
-      <p:sp>
-        <p:nvSpPr>
-          <p:cNvPr id="16386" name="文本框 18"/>
-          <p:cNvSpPr txBox="1">
-            <a:spLocks noChangeArrowheads="1"/>
-          </p:cNvSpPr>
-          <p:nvPr/>
-        </p:nvSpPr>
-        <p:spPr bwMode="auto">
-          <a:xfrm>
-            <a:off x="1694656" y="585927"/>
-            <a:ext cx="8802687" cy="707886"/>
-          </a:xfrm>
-          <a:prstGeom prst="rect">
-            <a:avLst/>
-          </a:prstGeom>
-          <a:noFill/>
-          <a:ln w="9525">
-            <a:noFill/>
-            <a:miter lim="800000"/>
-            <a:headEnd/>
-            <a:tailEnd/>
-          </a:ln>
-        </p:spPr>
-        <p:txBody>
-          <a:bodyPr>
-            <a:spAutoFit/>
-          </a:bodyPr>
-          <a:lstStyle/>
-          <a:p>
-            <a:pPr algn="ctr">
-              <a:buFont typeface="Arial" charset="0"/>
-              <a:buNone/>
-            </a:pPr>
-            <a:r>
-              <a:rPr lang="zh-CN" altLang="en-US" sz="4000" dirty="0" smtClean="0">
-                <a:solidFill>
-                  <a:schemeClr val="bg1"/>
-                </a:solidFill>
-              </a:rPr>
-              <a:t>用 例 图</a:t>
-            </a:r>
-            <a:endParaRPr lang="zh-CN" altLang="en-US" sz="4000" dirty="0">
-              <a:solidFill>
-                <a:schemeClr val="bg1"/>
-              </a:solidFill>
-            </a:endParaRPr>
-          </a:p>
-        </p:txBody>
-      </p:sp>
-      <p:cxnSp>
-        <p:nvCxnSpPr>
-          <p:cNvPr id="4" name="直接箭头连接符 3"/>
-          <p:cNvCxnSpPr>
-            <a:endCxn id="5124" idx="0"/>
-          </p:cNvCxnSpPr>
-          <p:nvPr/>
-        </p:nvCxnSpPr>
-        <p:spPr>
-          <a:xfrm flipH="1">
-            <a:off x="6002069" y="1293813"/>
-            <a:ext cx="349250" cy="671512"/>
-          </a:xfrm>
-          <a:prstGeom prst="straightConnector1">
-            <a:avLst/>
-          </a:prstGeom>
-          <a:ln w="25400">
-            <a:solidFill>
-              <a:srgbClr val="FFC000"/>
-            </a:solidFill>
-            <a:tailEnd type="arrow"/>
-          </a:ln>
-        </p:spPr>
-        <p:style>
-          <a:lnRef idx="1">
-            <a:schemeClr val="accent1"/>
-          </a:lnRef>
-          <a:fillRef idx="0">
-            <a:schemeClr val="accent1"/>
-          </a:fillRef>
-          <a:effectRef idx="0">
-            <a:schemeClr val="accent1"/>
-          </a:effectRef>
-          <a:fontRef idx="minor">
-            <a:schemeClr val="tx1"/>
-          </a:fontRef>
-        </p:style>
-      </p:cxnSp>
-      <p:pic>
-        <p:nvPicPr>
-          <p:cNvPr id="2" name="图片 1"/>
-          <p:cNvPicPr>
-            <a:picLocks noChangeAspect="1"/>
-          </p:cNvPicPr>
-          <p:nvPr/>
-        </p:nvPicPr>
-        <p:blipFill>
-          <a:blip r:embed="rId2"/>
-          <a:stretch>
-            <a:fillRect/>
-          </a:stretch>
-        </p:blipFill>
-        <p:spPr>
-          <a:xfrm>
-            <a:off x="1224487" y="0"/>
-            <a:ext cx="9553575" cy="6754107"/>
-          </a:xfrm>
-          <a:prstGeom prst="rect">
-            <a:avLst/>
-          </a:prstGeom>
-        </p:spPr>
-      </p:pic>
-    </p:spTree>
-    <p:extLst>
-      <p:ext uri="{BB962C8B-B14F-4D97-AF65-F5344CB8AC3E}">
-        <p14:creationId xmlns:p14="http://schemas.microsoft.com/office/powerpoint/2010/main" val="3588696285"/>
-      </p:ext>
-    </p:extLst>
-  </p:cSld>
-  <p:clrMapOvr>
-    <a:masterClrMapping/>
-  </p:clrMapOvr>
-  <p:timing>
-    <p:tnLst>
-      <p:par>
-        <p:cTn id="1" dur="indefinite" restart="never" nodeType="tmRoot">
-          <p:childTnLst>
-            <p:seq concurrent="1" nextAc="seek">
-              <p:cTn id="2" dur="indefinite" nodeType="mainSeq">
-                <p:childTnLst>
-                  <p:par>
-                    <p:cTn id="3" fill="hold">
-                      <p:stCondLst>
-                        <p:cond delay="indefinite"/>
-                      </p:stCondLst>
-                      <p:childTnLst>
-                        <p:par>
-                          <p:cTn id="4" fill="hold">
-                            <p:stCondLst>
-                              <p:cond delay="0"/>
-                            </p:stCondLst>
-                            <p:childTnLst>
-                              <p:par>
-                                <p:cTn id="5" presetID="12" presetClass="entr" presetSubtype="4" fill="hold" nodeType="clickEffect">
-                                  <p:stCondLst>
-                                    <p:cond delay="0"/>
-                                  </p:stCondLst>
-                                  <p:childTnLst>
-                                    <p:set>
-                                      <p:cBhvr>
-                                        <p:cTn id="6" dur="1" fill="hold">
-                                          <p:stCondLst>
-                                            <p:cond delay="0"/>
-                                          </p:stCondLst>
-                                        </p:cTn>
-                                        <p:tgtEl>
-                                          <p:spTgt spid="4"/>
-                                        </p:tgtEl>
-                                        <p:attrNameLst>
-                                          <p:attrName>style.visibility</p:attrName>
-                                        </p:attrNameLst>
-                                      </p:cBhvr>
-                                      <p:to>
-                                        <p:strVal val="visible"/>
-                                      </p:to>
-                                    </p:set>
-                                    <p:anim calcmode="lin" valueType="num">
-                                      <p:cBhvr additive="base">
-                                        <p:cTn id="7" dur="500"/>
-                                        <p:tgtEl>
-                                          <p:spTgt spid="4"/>
-                                        </p:tgtEl>
-                                        <p:attrNameLst>
-                                          <p:attrName>ppt_y</p:attrName>
-                                        </p:attrNameLst>
-                                      </p:cBhvr>
-                                      <p:tavLst>
-                                        <p:tav tm="0">
-                                          <p:val>
-                                            <p:strVal val="#ppt_y+#ppt_h*1.125000"/>
-                                          </p:val>
-                                        </p:tav>
-                                        <p:tav tm="100000">
-                                          <p:val>
-                                            <p:strVal val="#ppt_y"/>
-                                          </p:val>
-                                        </p:tav>
-                                      </p:tavLst>
-                                    </p:anim>
-                                    <p:animEffect transition="in" filter="wipe(up)">
-                                      <p:cBhvr>
-                                        <p:cTn id="8" dur="500"/>
-                                        <p:tgtEl>
-                                          <p:spTgt spid="4"/>
-                                        </p:tgtEl>
-                                      </p:cBhvr>
-                                    </p:animEffect>
-                                  </p:childTnLst>
-                                </p:cTn>
-                              </p:par>
-                            </p:childTnLst>
-                          </p:cTn>
-                        </p:par>
-                      </p:childTnLst>
-                    </p:cTn>
-                  </p:par>
-                </p:childTnLst>
-              </p:cTn>
-              <p:prevCondLst>
-                <p:cond evt="onPrev" delay="0">
-                  <p:tgtEl>
-                    <p:sldTgt/>
-                  </p:tgtEl>
-                </p:cond>
-              </p:prevCondLst>
-              <p:nextCondLst>
-                <p:cond evt="onNext" delay="0">
-                  <p:tgtEl>
-                    <p:sldTgt/>
-                  </p:tgtEl>
-                </p:cond>
-              </p:nextCondLst>
-            </p:seq>
-          </p:childTnLst>
-        </p:cTn>
-      </p:par>
-    </p:tnLst>
-  </p:timing>
-</p:sld>
-</file>
-
-<file path=ppt/slides/slide8.xml><?xml version="1.0" encoding="utf-8"?>
-<p:sld xmlns:a="http://schemas.openxmlformats.org/drawingml/2006/main" xmlns:r="http://schemas.openxmlformats.org/officeDocument/2006/relationships" xmlns:p="http://schemas.openxmlformats.org/presentationml/2006/main">
-  <p:cSld>
-    <p:spTree>
-      <p:nvGrpSpPr>
-        <p:cNvPr id="1" name=""/>
-        <p:cNvGrpSpPr/>
-        <p:nvPr/>
-      </p:nvGrpSpPr>
-      <p:grpSpPr>
-        <a:xfrm>
-          <a:off x="0" y="0"/>
-          <a:ext cx="0" cy="0"/>
-          <a:chOff x="0" y="0"/>
-          <a:chExt cx="0" cy="0"/>
-        </a:xfrm>
-      </p:grpSpPr>
-      <p:cxnSp>
-        <p:nvCxnSpPr>
           <p:cNvPr id="16385" name="直接连接符 16"/>
           <p:cNvCxnSpPr>
             <a:cxnSpLocks noChangeShapeType="1"/>
@@ -15137,7 +14872,15 @@
                   <a:srgbClr val="FFC000"/>
                 </a:solidFill>
               </a:rPr>
-              <a:t>用例图之间的表示</a:t>
+              <a:t>用例之间</a:t>
+            </a:r>
+            <a:r>
+              <a:rPr lang="zh-CN" altLang="en-US" sz="3600" dirty="0" smtClean="0">
+                <a:solidFill>
+                  <a:srgbClr val="FFC000"/>
+                </a:solidFill>
+              </a:rPr>
+              <a:t>的表示</a:t>
             </a:r>
             <a:endParaRPr lang="en-US" altLang="zh-CN" sz="3600" dirty="0" smtClean="0">
               <a:solidFill>
@@ -15305,6 +15048,594 @@
 </p:sld>
 </file>
 
+<file path=ppt/slides/slide7.xml><?xml version="1.0" encoding="utf-8"?>
+<p:sld xmlns:a="http://schemas.openxmlformats.org/drawingml/2006/main" xmlns:r="http://schemas.openxmlformats.org/officeDocument/2006/relationships" xmlns:p="http://schemas.openxmlformats.org/presentationml/2006/main">
+  <p:cSld>
+    <p:spTree>
+      <p:nvGrpSpPr>
+        <p:cNvPr id="1" name=""/>
+        <p:cNvGrpSpPr/>
+        <p:nvPr/>
+      </p:nvGrpSpPr>
+      <p:grpSpPr>
+        <a:xfrm>
+          <a:off x="0" y="0"/>
+          <a:ext cx="0" cy="0"/>
+          <a:chOff x="0" y="0"/>
+          <a:chExt cx="0" cy="0"/>
+        </a:xfrm>
+      </p:grpSpPr>
+      <p:cxnSp>
+        <p:nvCxnSpPr>
+          <p:cNvPr id="23555" name="直接连接符 16"/>
+          <p:cNvCxnSpPr>
+            <a:cxnSpLocks noChangeShapeType="1"/>
+          </p:cNvCxnSpPr>
+          <p:nvPr/>
+        </p:nvCxnSpPr>
+        <p:spPr bwMode="auto">
+          <a:xfrm flipV="1">
+            <a:off x="1800225" y="1409700"/>
+            <a:ext cx="8591550" cy="17463"/>
+          </a:xfrm>
+          <a:prstGeom prst="line">
+            <a:avLst/>
+          </a:prstGeom>
+          <a:noFill/>
+          <a:ln w="12700">
+            <a:solidFill>
+              <a:srgbClr val="FFC000"/>
+            </a:solidFill>
+            <a:round/>
+            <a:headEnd/>
+            <a:tailEnd/>
+          </a:ln>
+        </p:spPr>
+      </p:cxnSp>
+      <p:sp>
+        <p:nvSpPr>
+          <p:cNvPr id="23556" name="文本框 18"/>
+          <p:cNvSpPr txBox="1">
+            <a:spLocks noChangeArrowheads="1"/>
+          </p:cNvSpPr>
+          <p:nvPr/>
+        </p:nvSpPr>
+        <p:spPr bwMode="auto">
+          <a:xfrm>
+            <a:off x="1736725" y="823913"/>
+            <a:ext cx="8802688" cy="579437"/>
+          </a:xfrm>
+          <a:prstGeom prst="rect">
+            <a:avLst/>
+          </a:prstGeom>
+          <a:noFill/>
+          <a:ln w="9525">
+            <a:noFill/>
+            <a:miter lim="800000"/>
+            <a:headEnd/>
+            <a:tailEnd/>
+          </a:ln>
+        </p:spPr>
+        <p:txBody>
+          <a:bodyPr>
+            <a:spAutoFit/>
+          </a:bodyPr>
+          <a:lstStyle/>
+          <a:p>
+            <a:pPr algn="ctr">
+              <a:buFont typeface="Arial" charset="0"/>
+              <a:buNone/>
+            </a:pPr>
+            <a:r>
+              <a:rPr lang="zh-CN" altLang="en-US" sz="3200" dirty="0">
+                <a:solidFill>
+                  <a:schemeClr val="bg1"/>
+                </a:solidFill>
+              </a:rPr>
+              <a:t>用例图示例</a:t>
+            </a:r>
+          </a:p>
+        </p:txBody>
+      </p:sp>
+      <p:sp>
+        <p:nvSpPr>
+          <p:cNvPr id="6" name="矩形 1"/>
+          <p:cNvSpPr>
+            <a:spLocks noChangeArrowheads="1"/>
+          </p:cNvSpPr>
+          <p:nvPr/>
+        </p:nvSpPr>
+        <p:spPr bwMode="auto">
+          <a:xfrm>
+            <a:off x="1800225" y="1965325"/>
+            <a:ext cx="1191549" cy="3521075"/>
+          </a:xfrm>
+          <a:prstGeom prst="rect">
+            <a:avLst/>
+          </a:prstGeom>
+          <a:noFill/>
+          <a:ln w="12700">
+            <a:solidFill>
+              <a:srgbClr val="FFC000"/>
+            </a:solidFill>
+            <a:miter lim="800000"/>
+            <a:headEnd/>
+            <a:tailEnd/>
+          </a:ln>
+        </p:spPr>
+        <p:txBody>
+          <a:bodyPr anchor="ctr"/>
+          <a:lstStyle/>
+          <a:p>
+            <a:pPr>
+              <a:lnSpc>
+                <a:spcPct val="120000"/>
+              </a:lnSpc>
+              <a:buFont typeface="Arial" charset="0"/>
+              <a:buNone/>
+            </a:pPr>
+            <a:r>
+              <a:rPr lang="zh-CN" altLang="en-US" sz="3600" dirty="0" smtClean="0">
+                <a:solidFill>
+                  <a:srgbClr val="FFC000"/>
+                </a:solidFill>
+              </a:rPr>
+              <a:t>包含</a:t>
+            </a:r>
+            <a:endParaRPr lang="en-US" altLang="zh-CN" sz="2400" dirty="0" smtClean="0">
+              <a:solidFill>
+                <a:srgbClr val="FFFFFF"/>
+              </a:solidFill>
+            </a:endParaRPr>
+          </a:p>
+        </p:txBody>
+      </p:sp>
+      <p:pic>
+        <p:nvPicPr>
+          <p:cNvPr id="3" name="图片 2"/>
+          <p:cNvPicPr>
+            <a:picLocks noChangeAspect="1"/>
+          </p:cNvPicPr>
+          <p:nvPr/>
+        </p:nvPicPr>
+        <p:blipFill>
+          <a:blip r:embed="rId2">
+            <a:extLst>
+              <a:ext uri="{28A0092B-C50C-407E-A947-70E740481C1C}">
+                <a14:useLocalDpi xmlns:a14="http://schemas.microsoft.com/office/drawing/2010/main" val="0"/>
+              </a:ext>
+            </a:extLst>
+          </a:blip>
+          <a:stretch>
+            <a:fillRect/>
+          </a:stretch>
+        </p:blipFill>
+        <p:spPr>
+          <a:xfrm>
+            <a:off x="4551233" y="2269007"/>
+            <a:ext cx="4503989" cy="2913709"/>
+          </a:xfrm>
+          <a:prstGeom prst="rect">
+            <a:avLst/>
+          </a:prstGeom>
+        </p:spPr>
+      </p:pic>
+    </p:spTree>
+  </p:cSld>
+  <p:clrMapOvr>
+    <a:masterClrMapping/>
+  </p:clrMapOvr>
+  <p:timing>
+    <p:tnLst>
+      <p:par>
+        <p:cTn id="1" dur="indefinite" restart="never" nodeType="tmRoot">
+          <p:childTnLst>
+            <p:seq concurrent="1" nextAc="seek">
+              <p:cTn id="2" dur="indefinite" nodeType="mainSeq">
+                <p:childTnLst>
+                  <p:par>
+                    <p:cTn id="3" fill="hold">
+                      <p:stCondLst>
+                        <p:cond delay="indefinite"/>
+                      </p:stCondLst>
+                      <p:childTnLst>
+                        <p:par>
+                          <p:cTn id="4" fill="hold">
+                            <p:stCondLst>
+                              <p:cond delay="0"/>
+                            </p:stCondLst>
+                            <p:childTnLst>
+                              <p:par>
+                                <p:cTn id="5" presetID="12" presetClass="entr" presetSubtype="4" fill="hold" grpId="0" nodeType="clickEffect">
+                                  <p:stCondLst>
+                                    <p:cond delay="0"/>
+                                  </p:stCondLst>
+                                  <p:childTnLst>
+                                    <p:set>
+                                      <p:cBhvr>
+                                        <p:cTn id="6" dur="1" fill="hold">
+                                          <p:stCondLst>
+                                            <p:cond delay="0"/>
+                                          </p:stCondLst>
+                                        </p:cTn>
+                                        <p:tgtEl>
+                                          <p:spTgt spid="6"/>
+                                        </p:tgtEl>
+                                        <p:attrNameLst>
+                                          <p:attrName>style.visibility</p:attrName>
+                                        </p:attrNameLst>
+                                      </p:cBhvr>
+                                      <p:to>
+                                        <p:strVal val="visible"/>
+                                      </p:to>
+                                    </p:set>
+                                    <p:anim calcmode="lin" valueType="num">
+                                      <p:cBhvr additive="base">
+                                        <p:cTn id="7" dur="500"/>
+                                        <p:tgtEl>
+                                          <p:spTgt spid="6"/>
+                                        </p:tgtEl>
+                                        <p:attrNameLst>
+                                          <p:attrName>ppt_y</p:attrName>
+                                        </p:attrNameLst>
+                                      </p:cBhvr>
+                                      <p:tavLst>
+                                        <p:tav tm="0">
+                                          <p:val>
+                                            <p:strVal val="#ppt_y+#ppt_h*1.125000"/>
+                                          </p:val>
+                                        </p:tav>
+                                        <p:tav tm="100000">
+                                          <p:val>
+                                            <p:strVal val="#ppt_y"/>
+                                          </p:val>
+                                        </p:tav>
+                                      </p:tavLst>
+                                    </p:anim>
+                                    <p:animEffect transition="in" filter="wipe(up)">
+                                      <p:cBhvr>
+                                        <p:cTn id="8" dur="500"/>
+                                        <p:tgtEl>
+                                          <p:spTgt spid="6"/>
+                                        </p:tgtEl>
+                                      </p:cBhvr>
+                                    </p:animEffect>
+                                  </p:childTnLst>
+                                </p:cTn>
+                              </p:par>
+                            </p:childTnLst>
+                          </p:cTn>
+                        </p:par>
+                      </p:childTnLst>
+                    </p:cTn>
+                  </p:par>
+                </p:childTnLst>
+              </p:cTn>
+              <p:prevCondLst>
+                <p:cond evt="onPrev" delay="0">
+                  <p:tgtEl>
+                    <p:sldTgt/>
+                  </p:tgtEl>
+                </p:cond>
+              </p:prevCondLst>
+              <p:nextCondLst>
+                <p:cond evt="onNext" delay="0">
+                  <p:tgtEl>
+                    <p:sldTgt/>
+                  </p:tgtEl>
+                </p:cond>
+              </p:nextCondLst>
+            </p:seq>
+          </p:childTnLst>
+        </p:cTn>
+      </p:par>
+    </p:tnLst>
+    <p:bldLst>
+      <p:bldP spid="6" grpId="0" animBg="1"/>
+    </p:bldLst>
+  </p:timing>
+</p:sld>
+</file>
+
+<file path=ppt/slides/slide8.xml><?xml version="1.0" encoding="utf-8"?>
+<p:sld xmlns:a="http://schemas.openxmlformats.org/drawingml/2006/main" xmlns:r="http://schemas.openxmlformats.org/officeDocument/2006/relationships" xmlns:p="http://schemas.openxmlformats.org/presentationml/2006/main">
+  <p:cSld>
+    <p:spTree>
+      <p:nvGrpSpPr>
+        <p:cNvPr id="1" name=""/>
+        <p:cNvGrpSpPr/>
+        <p:nvPr/>
+      </p:nvGrpSpPr>
+      <p:grpSpPr>
+        <a:xfrm>
+          <a:off x="0" y="0"/>
+          <a:ext cx="0" cy="0"/>
+          <a:chOff x="0" y="0"/>
+          <a:chExt cx="0" cy="0"/>
+        </a:xfrm>
+      </p:grpSpPr>
+      <p:cxnSp>
+        <p:nvCxnSpPr>
+          <p:cNvPr id="4" name="直接连接符 16"/>
+          <p:cNvCxnSpPr>
+            <a:cxnSpLocks noChangeShapeType="1"/>
+          </p:cNvCxnSpPr>
+          <p:nvPr/>
+        </p:nvCxnSpPr>
+        <p:spPr bwMode="auto">
+          <a:xfrm flipV="1">
+            <a:off x="1800225" y="1409700"/>
+            <a:ext cx="8591550" cy="17463"/>
+          </a:xfrm>
+          <a:prstGeom prst="line">
+            <a:avLst/>
+          </a:prstGeom>
+          <a:noFill/>
+          <a:ln w="12700">
+            <a:solidFill>
+              <a:srgbClr val="FFC000"/>
+            </a:solidFill>
+            <a:round/>
+            <a:headEnd/>
+            <a:tailEnd/>
+          </a:ln>
+        </p:spPr>
+      </p:cxnSp>
+      <p:sp>
+        <p:nvSpPr>
+          <p:cNvPr id="5" name="矩形 1"/>
+          <p:cNvSpPr>
+            <a:spLocks noChangeArrowheads="1"/>
+          </p:cNvSpPr>
+          <p:nvPr/>
+        </p:nvSpPr>
+        <p:spPr bwMode="auto">
+          <a:xfrm>
+            <a:off x="1800225" y="1965325"/>
+            <a:ext cx="1191549" cy="3521075"/>
+          </a:xfrm>
+          <a:prstGeom prst="rect">
+            <a:avLst/>
+          </a:prstGeom>
+          <a:noFill/>
+          <a:ln w="12700">
+            <a:solidFill>
+              <a:srgbClr val="FFC000"/>
+            </a:solidFill>
+            <a:miter lim="800000"/>
+            <a:headEnd/>
+            <a:tailEnd/>
+          </a:ln>
+        </p:spPr>
+        <p:txBody>
+          <a:bodyPr anchor="ctr"/>
+          <a:lstStyle/>
+          <a:p>
+            <a:pPr lvl="0">
+              <a:lnSpc>
+                <a:spcPct val="120000"/>
+              </a:lnSpc>
+            </a:pPr>
+            <a:r>
+              <a:rPr lang="zh-CN" altLang="en-US" sz="3600" dirty="0" smtClean="0">
+                <a:solidFill>
+                  <a:srgbClr val="FFC000"/>
+                </a:solidFill>
+              </a:rPr>
+              <a:t>扩展</a:t>
+            </a:r>
+            <a:endParaRPr lang="en-US" altLang="zh-CN" sz="2400" dirty="0">
+              <a:solidFill>
+                <a:srgbClr val="FFFFFF"/>
+              </a:solidFill>
+            </a:endParaRPr>
+          </a:p>
+          <a:p>
+            <a:pPr>
+              <a:lnSpc>
+                <a:spcPct val="120000"/>
+              </a:lnSpc>
+              <a:buFont typeface="Arial" charset="0"/>
+              <a:buNone/>
+            </a:pPr>
+            <a:endParaRPr lang="en-US" altLang="zh-CN" sz="2400" dirty="0" smtClean="0">
+              <a:solidFill>
+                <a:srgbClr val="FFFFFF"/>
+              </a:solidFill>
+            </a:endParaRPr>
+          </a:p>
+        </p:txBody>
+      </p:sp>
+      <p:pic>
+        <p:nvPicPr>
+          <p:cNvPr id="7" name="图片 6"/>
+          <p:cNvPicPr>
+            <a:picLocks noChangeAspect="1"/>
+          </p:cNvPicPr>
+          <p:nvPr/>
+        </p:nvPicPr>
+        <p:blipFill>
+          <a:blip r:embed="rId2">
+            <a:extLst>
+              <a:ext uri="{28A0092B-C50C-407E-A947-70E740481C1C}">
+                <a14:useLocalDpi xmlns:a14="http://schemas.microsoft.com/office/drawing/2010/main" val="0"/>
+              </a:ext>
+            </a:extLst>
+          </a:blip>
+          <a:stretch>
+            <a:fillRect/>
+          </a:stretch>
+        </p:blipFill>
+        <p:spPr>
+          <a:xfrm>
+            <a:off x="4898295" y="2323139"/>
+            <a:ext cx="4192439" cy="2805445"/>
+          </a:xfrm>
+          <a:prstGeom prst="rect">
+            <a:avLst/>
+          </a:prstGeom>
+        </p:spPr>
+      </p:pic>
+      <p:sp>
+        <p:nvSpPr>
+          <p:cNvPr id="9" name="矩形 8"/>
+          <p:cNvSpPr/>
+          <p:nvPr/>
+        </p:nvSpPr>
+        <p:spPr>
+          <a:xfrm>
+            <a:off x="4977745" y="824925"/>
+            <a:ext cx="2236510" cy="584775"/>
+          </a:xfrm>
+          <a:prstGeom prst="rect">
+            <a:avLst/>
+          </a:prstGeom>
+        </p:spPr>
+        <p:txBody>
+          <a:bodyPr wrap="none">
+            <a:spAutoFit/>
+          </a:bodyPr>
+          <a:lstStyle/>
+          <a:p>
+            <a:pPr lvl="0" algn="ctr"/>
+            <a:r>
+              <a:rPr lang="zh-CN" altLang="en-US" sz="3200" dirty="0">
+                <a:solidFill>
+                  <a:srgbClr val="FFFFFF"/>
+                </a:solidFill>
+              </a:rPr>
+              <a:t>用例图示例</a:t>
+            </a:r>
+            <a:endParaRPr lang="zh-CN" altLang="en-US" sz="3200" dirty="0">
+              <a:solidFill>
+                <a:srgbClr val="FFFFFF"/>
+              </a:solidFill>
+            </a:endParaRPr>
+          </a:p>
+        </p:txBody>
+      </p:sp>
+    </p:spTree>
+    <p:extLst>
+      <p:ext uri="{BB962C8B-B14F-4D97-AF65-F5344CB8AC3E}">
+        <p14:creationId xmlns:p14="http://schemas.microsoft.com/office/powerpoint/2010/main" val="1306373585"/>
+      </p:ext>
+    </p:extLst>
+  </p:cSld>
+  <p:clrMapOvr>
+    <a:masterClrMapping/>
+  </p:clrMapOvr>
+  <p:timing>
+    <p:tnLst>
+      <p:par>
+        <p:cTn id="1" dur="indefinite" restart="never" nodeType="tmRoot">
+          <p:childTnLst>
+            <p:seq concurrent="1" nextAc="seek">
+              <p:cTn id="2" dur="indefinite" nodeType="mainSeq">
+                <p:childTnLst>
+                  <p:par>
+                    <p:cTn id="3" fill="hold">
+                      <p:stCondLst>
+                        <p:cond delay="indefinite"/>
+                      </p:stCondLst>
+                      <p:childTnLst>
+                        <p:par>
+                          <p:cTn id="4" fill="hold">
+                            <p:stCondLst>
+                              <p:cond delay="0"/>
+                            </p:stCondLst>
+                            <p:childTnLst>
+                              <p:par>
+                                <p:cTn id="5" presetID="12" presetClass="entr" presetSubtype="4" fill="hold" grpId="0" nodeType="clickEffect">
+                                  <p:stCondLst>
+                                    <p:cond delay="0"/>
+                                  </p:stCondLst>
+                                  <p:childTnLst>
+                                    <p:set>
+                                      <p:cBhvr>
+                                        <p:cTn id="6" dur="1" fill="hold">
+                                          <p:stCondLst>
+                                            <p:cond delay="0"/>
+                                          </p:stCondLst>
+                                        </p:cTn>
+                                        <p:tgtEl>
+                                          <p:spTgt spid="5"/>
+                                        </p:tgtEl>
+                                        <p:attrNameLst>
+                                          <p:attrName>style.visibility</p:attrName>
+                                        </p:attrNameLst>
+                                      </p:cBhvr>
+                                      <p:to>
+                                        <p:strVal val="visible"/>
+                                      </p:to>
+                                    </p:set>
+                                    <p:anim calcmode="lin" valueType="num">
+                                      <p:cBhvr additive="base">
+                                        <p:cTn id="7" dur="500"/>
+                                        <p:tgtEl>
+                                          <p:spTgt spid="5"/>
+                                        </p:tgtEl>
+                                        <p:attrNameLst>
+                                          <p:attrName>ppt_y</p:attrName>
+                                        </p:attrNameLst>
+                                      </p:cBhvr>
+                                      <p:tavLst>
+                                        <p:tav tm="0">
+                                          <p:val>
+                                            <p:strVal val="#ppt_y+#ppt_h*1.125000"/>
+                                          </p:val>
+                                        </p:tav>
+                                        <p:tav tm="100000">
+                                          <p:val>
+                                            <p:strVal val="#ppt_y"/>
+                                          </p:val>
+                                        </p:tav>
+                                      </p:tavLst>
+                                    </p:anim>
+                                    <p:animEffect transition="in" filter="wipe(up)">
+                                      <p:cBhvr>
+                                        <p:cTn id="8" dur="500"/>
+                                        <p:tgtEl>
+                                          <p:spTgt spid="5"/>
+                                        </p:tgtEl>
+                                      </p:cBhvr>
+                                    </p:animEffect>
+                                  </p:childTnLst>
+                                </p:cTn>
+                              </p:par>
+                            </p:childTnLst>
+                          </p:cTn>
+                        </p:par>
+                      </p:childTnLst>
+                    </p:cTn>
+                  </p:par>
+                </p:childTnLst>
+              </p:cTn>
+              <p:prevCondLst>
+                <p:cond evt="onPrev" delay="0">
+                  <p:tgtEl>
+                    <p:sldTgt/>
+                  </p:tgtEl>
+                </p:cond>
+              </p:prevCondLst>
+              <p:nextCondLst>
+                <p:cond evt="onNext" delay="0">
+                  <p:tgtEl>
+                    <p:sldTgt/>
+                  </p:tgtEl>
+                </p:cond>
+              </p:nextCondLst>
+            </p:seq>
+          </p:childTnLst>
+        </p:cTn>
+      </p:par>
+    </p:tnLst>
+    <p:bldLst>
+      <p:bldP spid="5" grpId="0" animBg="1"/>
+    </p:bldLst>
+  </p:timing>
+</p:sld>
+</file>
+
 <file path=ppt/slides/slide9.xml><?xml version="1.0" encoding="utf-8"?>
 <p:sld xmlns:a="http://schemas.openxmlformats.org/drawingml/2006/main" xmlns:r="http://schemas.openxmlformats.org/officeDocument/2006/relationships" xmlns:p="http://schemas.openxmlformats.org/presentationml/2006/main">
   <p:cSld>
@@ -15322,33 +15653,9 @@
           <a:chExt cx="0" cy="0"/>
         </a:xfrm>
       </p:grpSpPr>
-      <p:pic>
-        <p:nvPicPr>
-          <p:cNvPr id="23553" name="Picture 3"/>
-          <p:cNvPicPr>
-            <a:picLocks noGrp="1" noChangeAspect="1" noChangeArrowheads="1"/>
-          </p:cNvPicPr>
-          <p:nvPr>
-            <p:ph type="body" idx="1"/>
-          </p:nvPr>
-        </p:nvPicPr>
-        <p:blipFill>
-          <a:blip r:embed="rId2"/>
-          <a:srcRect/>
-          <a:stretch>
-            <a:fillRect/>
-          </a:stretch>
-        </p:blipFill>
-        <p:spPr>
-          <a:xfrm>
-            <a:off x="2743993" y="1564368"/>
-            <a:ext cx="6704013" cy="3967163"/>
-          </a:xfrm>
-        </p:spPr>
-      </p:pic>
       <p:cxnSp>
         <p:nvCxnSpPr>
-          <p:cNvPr id="23555" name="直接连接符 16"/>
+          <p:cNvPr id="4" name="直接连接符 16"/>
           <p:cNvCxnSpPr>
             <a:cxnSpLocks noChangeShapeType="1"/>
           </p:cNvCxnSpPr>
@@ -15375,50 +15682,131 @@
       </p:cxnSp>
       <p:sp>
         <p:nvSpPr>
-          <p:cNvPr id="23556" name="文本框 18"/>
-          <p:cNvSpPr txBox="1">
+          <p:cNvPr id="5" name="矩形 1"/>
+          <p:cNvSpPr>
             <a:spLocks noChangeArrowheads="1"/>
           </p:cNvSpPr>
           <p:nvPr/>
         </p:nvSpPr>
         <p:spPr bwMode="auto">
           <a:xfrm>
-            <a:off x="1736725" y="823913"/>
-            <a:ext cx="8802688" cy="579437"/>
+            <a:off x="1800225" y="1965325"/>
+            <a:ext cx="1191549" cy="3521075"/>
           </a:xfrm>
           <a:prstGeom prst="rect">
             <a:avLst/>
           </a:prstGeom>
           <a:noFill/>
-          <a:ln w="9525">
-            <a:noFill/>
+          <a:ln w="12700">
+            <a:solidFill>
+              <a:srgbClr val="FFC000"/>
+            </a:solidFill>
             <a:miter lim="800000"/>
             <a:headEnd/>
             <a:tailEnd/>
           </a:ln>
         </p:spPr>
         <p:txBody>
-          <a:bodyPr>
+          <a:bodyPr anchor="ctr"/>
+          <a:lstStyle/>
+          <a:p>
+            <a:pPr>
+              <a:lnSpc>
+                <a:spcPct val="120000"/>
+              </a:lnSpc>
+              <a:buFont typeface="Arial" charset="0"/>
+              <a:buNone/>
+            </a:pPr>
+            <a:r>
+              <a:rPr lang="zh-CN" altLang="en-US" sz="3600" dirty="0" smtClean="0">
+                <a:solidFill>
+                  <a:srgbClr val="FFC000"/>
+                </a:solidFill>
+              </a:rPr>
+              <a:t>泛化</a:t>
+            </a:r>
+            <a:endParaRPr lang="en-US" altLang="zh-CN" sz="2400" dirty="0" smtClean="0">
+              <a:solidFill>
+                <a:srgbClr val="FFFFFF"/>
+              </a:solidFill>
+            </a:endParaRPr>
+          </a:p>
+        </p:txBody>
+      </p:sp>
+      <p:sp>
+        <p:nvSpPr>
+          <p:cNvPr id="3" name="矩形 2"/>
+          <p:cNvSpPr/>
+          <p:nvPr/>
+        </p:nvSpPr>
+        <p:spPr>
+          <a:xfrm>
+            <a:off x="4977745" y="579150"/>
+            <a:ext cx="2236510" cy="584775"/>
+          </a:xfrm>
+          <a:prstGeom prst="rect">
+            <a:avLst/>
+          </a:prstGeom>
+        </p:spPr>
+        <p:txBody>
+          <a:bodyPr wrap="none">
             <a:spAutoFit/>
           </a:bodyPr>
           <a:lstStyle/>
           <a:p>
-            <a:pPr algn="ctr">
-              <a:buFont typeface="Arial" charset="0"/>
-              <a:buNone/>
-            </a:pPr>
-            <a:r>
-              <a:rPr lang="zh-CN" altLang="en-US" sz="3200">
-                <a:solidFill>
-                  <a:schemeClr val="bg1"/>
+            <a:pPr lvl="0" algn="ctr"/>
+            <a:r>
+              <a:rPr lang="zh-CN" altLang="en-US" sz="3200" dirty="0">
+                <a:solidFill>
+                  <a:srgbClr val="FFFFFF"/>
                 </a:solidFill>
               </a:rPr>
               <a:t>用例图示例</a:t>
             </a:r>
+            <a:endParaRPr lang="zh-CN" altLang="en-US" sz="3200" dirty="0">
+              <a:solidFill>
+                <a:srgbClr val="FFFFFF"/>
+              </a:solidFill>
+            </a:endParaRPr>
           </a:p>
         </p:txBody>
       </p:sp>
+      <p:pic>
+        <p:nvPicPr>
+          <p:cNvPr id="7" name="图片 6"/>
+          <p:cNvPicPr>
+            <a:picLocks noChangeAspect="1"/>
+          </p:cNvPicPr>
+          <p:nvPr/>
+        </p:nvPicPr>
+        <p:blipFill>
+          <a:blip r:embed="rId2">
+            <a:extLst>
+              <a:ext uri="{28A0092B-C50C-407E-A947-70E740481C1C}">
+                <a14:useLocalDpi xmlns:a14="http://schemas.microsoft.com/office/drawing/2010/main" val="0"/>
+              </a:ext>
+            </a:extLst>
+          </a:blip>
+          <a:stretch>
+            <a:fillRect/>
+          </a:stretch>
+        </p:blipFill>
+        <p:spPr>
+          <a:xfrm>
+            <a:off x="4868275" y="2265243"/>
+            <a:ext cx="4691959" cy="2921238"/>
+          </a:xfrm>
+          <a:prstGeom prst="rect">
+            <a:avLst/>
+          </a:prstGeom>
+        </p:spPr>
+      </p:pic>
     </p:spTree>
+    <p:extLst>
+      <p:ext uri="{BB962C8B-B14F-4D97-AF65-F5344CB8AC3E}">
+        <p14:creationId xmlns:p14="http://schemas.microsoft.com/office/powerpoint/2010/main" val="764000635"/>
+      </p:ext>
+    </p:extLst>
   </p:cSld>
   <p:clrMapOvr>
     <a:masterClrMapping/>
@@ -15426,9 +15814,111 @@
   <p:timing>
     <p:tnLst>
       <p:par>
-        <p:cTn id="1" dur="indefinite" restart="never" nodeType="tmRoot"/>
+        <p:cTn id="1" dur="indefinite" restart="never" nodeType="tmRoot">
+          <p:childTnLst>
+            <p:seq concurrent="1" nextAc="seek">
+              <p:cTn id="2" dur="indefinite" nodeType="mainSeq">
+                <p:childTnLst>
+                  <p:par>
+                    <p:cTn id="3" fill="hold">
+                      <p:stCondLst>
+                        <p:cond delay="indefinite"/>
+                      </p:stCondLst>
+                      <p:childTnLst>
+                        <p:par>
+                          <p:cTn id="4" fill="hold">
+                            <p:stCondLst>
+                              <p:cond delay="0"/>
+                            </p:stCondLst>
+                            <p:childTnLst>
+                              <p:par>
+                                <p:cTn id="5" presetID="12" presetClass="entr" presetSubtype="4" fill="hold" grpId="0" nodeType="clickEffect">
+                                  <p:stCondLst>
+                                    <p:cond delay="0"/>
+                                  </p:stCondLst>
+                                  <p:childTnLst>
+                                    <p:set>
+                                      <p:cBhvr>
+                                        <p:cTn id="6" dur="1" fill="hold">
+                                          <p:stCondLst>
+                                            <p:cond delay="0"/>
+                                          </p:stCondLst>
+                                        </p:cTn>
+                                        <p:tgtEl>
+                                          <p:spTgt spid="5"/>
+                                        </p:tgtEl>
+                                        <p:attrNameLst>
+                                          <p:attrName>style.visibility</p:attrName>
+                                        </p:attrNameLst>
+                                      </p:cBhvr>
+                                      <p:to>
+                                        <p:strVal val="visible"/>
+                                      </p:to>
+                                    </p:set>
+                                    <p:anim calcmode="lin" valueType="num">
+                                      <p:cBhvr additive="base">
+                                        <p:cTn id="7" dur="500"/>
+                                        <p:tgtEl>
+                                          <p:spTgt spid="5"/>
+                                        </p:tgtEl>
+                                        <p:attrNameLst>
+                                          <p:attrName>ppt_y</p:attrName>
+                                        </p:attrNameLst>
+                                      </p:cBhvr>
+                                      <p:tavLst>
+                                        <p:tav tm="0">
+                                          <p:val>
+                                            <p:strVal val="#ppt_y+#ppt_h*1.125000"/>
+                                          </p:val>
+                                        </p:tav>
+                                        <p:tav tm="100000">
+                                          <p:val>
+                                            <p:strVal val="#ppt_y"/>
+                                          </p:val>
+                                        </p:tav>
+                                      </p:tavLst>
+                                    </p:anim>
+                                    <p:animEffect transition="in" filter="wipe(up)">
+                                      <p:cBhvr>
+                                        <p:cTn id="8" dur="500"/>
+                                        <p:tgtEl>
+                                          <p:spTgt spid="5"/>
+                                        </p:tgtEl>
+                                      </p:cBhvr>
+                                    </p:animEffect>
+                                  </p:childTnLst>
+                                </p:cTn>
+                              </p:par>
+                            </p:childTnLst>
+                          </p:cTn>
+                        </p:par>
+                      </p:childTnLst>
+                    </p:cTn>
+                  </p:par>
+                </p:childTnLst>
+              </p:cTn>
+              <p:prevCondLst>
+                <p:cond evt="onPrev" delay="0">
+                  <p:tgtEl>
+                    <p:sldTgt/>
+                  </p:tgtEl>
+                </p:cond>
+              </p:prevCondLst>
+              <p:nextCondLst>
+                <p:cond evt="onNext" delay="0">
+                  <p:tgtEl>
+                    <p:sldTgt/>
+                  </p:tgtEl>
+                </p:cond>
+              </p:nextCondLst>
+            </p:seq>
+          </p:childTnLst>
+        </p:cTn>
       </p:par>
     </p:tnLst>
+    <p:bldLst>
+      <p:bldP spid="5" grpId="0" animBg="1"/>
+    </p:bldLst>
   </p:timing>
 </p:sld>
 </file>
